--- a/figures/Figure1_PanelMaps_Arrange.pptx
+++ b/figures/Figure1_PanelMaps_Arrange.pptx
@@ -2,12 +2,12 @@
 <file path=ppt/presentation.xml><?xml version="1.0" encoding="utf-8"?>
 <p:presentation xmlns:a="http://schemas.openxmlformats.org/drawingml/2006/main" xmlns:r="http://schemas.openxmlformats.org/officeDocument/2006/relationships" xmlns:p="http://schemas.openxmlformats.org/presentationml/2006/main" saveSubsetFonts="1" autoCompressPictures="0">
   <p:sldMasterIdLst>
-    <p:sldMasterId id="2147483672" r:id="rId1"/>
+    <p:sldMasterId id="2147483696" r:id="rId1"/>
   </p:sldMasterIdLst>
   <p:sldIdLst>
     <p:sldId id="256" r:id="rId2"/>
   </p:sldIdLst>
-  <p:sldSz cx="6858000" cy="7315200"/>
+  <p:sldSz cx="5943600" cy="7315200"/>
   <p:notesSz cx="6858000" cy="9144000"/>
   <p:defaultTextStyle>
     <a:defPPr>
@@ -104,7 +104,872 @@
       </a:defRPr>
     </a:lvl9pPr>
   </p:defaultTextStyle>
+  <p:extLst>
+    <p:ext uri="{EFAFB233-063F-42B5-8137-9DF3F51BA10A}">
+      <p15:sldGuideLst xmlns:p15="http://schemas.microsoft.com/office/powerpoint/2012/main">
+        <p15:guide id="1" orient="horz" pos="3864" userDrawn="1">
+          <p15:clr>
+            <a:srgbClr val="A4A3A4"/>
+          </p15:clr>
+        </p15:guide>
+        <p15:guide id="2" pos="1872" userDrawn="1">
+          <p15:clr>
+            <a:srgbClr val="A4A3A4"/>
+          </p15:clr>
+        </p15:guide>
+      </p15:sldGuideLst>
+    </p:ext>
+  </p:extLst>
 </p:presentation>
+</file>
+
+<file path=ppt/revisionInfo.xml><?xml version="1.0" encoding="utf-8"?>
+<p1510:revInfo xmlns:a="http://schemas.openxmlformats.org/drawingml/2006/main" xmlns:r="http://schemas.openxmlformats.org/officeDocument/2006/relationships" xmlns:p1510="http://schemas.microsoft.com/office/powerpoint/2015/10/main">
+  <p1510:revLst>
+    <p1510:client id="{5064C11E-9D4E-8941-A2BE-AE2A4CD31B41}" v="28" dt="2023-08-30T22:51:22.365"/>
+  </p1510:revLst>
+</p1510:revInfo>
+</file>
+
+<file path=ppt/changesInfos/changesInfo1.xml><?xml version="1.0" encoding="utf-8"?>
+<pc:chgInfo xmlns:a="http://schemas.openxmlformats.org/drawingml/2006/main" xmlns:r="http://schemas.openxmlformats.org/officeDocument/2006/relationships" xmlns:ac="http://schemas.microsoft.com/office/drawing/2013/main/command" xmlns:pc="http://schemas.microsoft.com/office/powerpoint/2013/main/command">
+  <pc:docChgLst>
+    <pc:chgData name="Maxwell Cook" userId="6270a8f4b8f62cae" providerId="LiveId" clId="{5064C11E-9D4E-8941-A2BE-AE2A4CD31B41}"/>
+    <pc:docChg chg="undo custSel modSld modMainMaster">
+      <pc:chgData name="Maxwell Cook" userId="6270a8f4b8f62cae" providerId="LiveId" clId="{5064C11E-9D4E-8941-A2BE-AE2A4CD31B41}" dt="2023-08-30T22:51:22.365" v="285" actId="164"/>
+      <pc:docMkLst>
+        <pc:docMk/>
+      </pc:docMkLst>
+      <pc:sldChg chg="addSp delSp modSp mod">
+        <pc:chgData name="Maxwell Cook" userId="6270a8f4b8f62cae" providerId="LiveId" clId="{5064C11E-9D4E-8941-A2BE-AE2A4CD31B41}" dt="2023-08-30T22:51:22.365" v="285" actId="164"/>
+        <pc:sldMkLst>
+          <pc:docMk/>
+          <pc:sldMk cId="2170444034" sldId="256"/>
+        </pc:sldMkLst>
+        <pc:spChg chg="add mod">
+          <ac:chgData name="Maxwell Cook" userId="6270a8f4b8f62cae" providerId="LiveId" clId="{5064C11E-9D4E-8941-A2BE-AE2A4CD31B41}" dt="2023-08-30T17:23:08.621" v="273" actId="164"/>
+          <ac:spMkLst>
+            <pc:docMk/>
+            <pc:sldMk cId="2170444034" sldId="256"/>
+            <ac:spMk id="4" creationId="{ADC42F44-5573-2ED6-4D34-A1389B41BAFD}"/>
+          </ac:spMkLst>
+        </pc:spChg>
+        <pc:spChg chg="add mod">
+          <ac:chgData name="Maxwell Cook" userId="6270a8f4b8f62cae" providerId="LiveId" clId="{5064C11E-9D4E-8941-A2BE-AE2A4CD31B41}" dt="2023-08-30T17:23:08.621" v="273" actId="164"/>
+          <ac:spMkLst>
+            <pc:docMk/>
+            <pc:sldMk cId="2170444034" sldId="256"/>
+            <ac:spMk id="6" creationId="{172DA89F-0CA6-171A-F5BC-EC15A3237041}"/>
+          </ac:spMkLst>
+        </pc:spChg>
+        <pc:spChg chg="add mod">
+          <ac:chgData name="Maxwell Cook" userId="6270a8f4b8f62cae" providerId="LiveId" clId="{5064C11E-9D4E-8941-A2BE-AE2A4CD31B41}" dt="2023-08-30T17:23:08.621" v="273" actId="164"/>
+          <ac:spMkLst>
+            <pc:docMk/>
+            <pc:sldMk cId="2170444034" sldId="256"/>
+            <ac:spMk id="7" creationId="{98C125B5-A1AF-C6E1-2E50-18C860451843}"/>
+          </ac:spMkLst>
+        </pc:spChg>
+        <pc:spChg chg="add mod">
+          <ac:chgData name="Maxwell Cook" userId="6270a8f4b8f62cae" providerId="LiveId" clId="{5064C11E-9D4E-8941-A2BE-AE2A4CD31B41}" dt="2023-08-30T17:23:08.621" v="273" actId="164"/>
+          <ac:spMkLst>
+            <pc:docMk/>
+            <pc:sldMk cId="2170444034" sldId="256"/>
+            <ac:spMk id="8" creationId="{D84F4EF2-0EA1-14E6-4667-FB851AEDF9E8}"/>
+          </ac:spMkLst>
+        </pc:spChg>
+        <pc:spChg chg="add mod">
+          <ac:chgData name="Maxwell Cook" userId="6270a8f4b8f62cae" providerId="LiveId" clId="{5064C11E-9D4E-8941-A2BE-AE2A4CD31B41}" dt="2023-08-30T17:23:08.621" v="273" actId="164"/>
+          <ac:spMkLst>
+            <pc:docMk/>
+            <pc:sldMk cId="2170444034" sldId="256"/>
+            <ac:spMk id="9" creationId="{47AAA2C0-65FB-8C39-B8D8-9691E5F0CB02}"/>
+          </ac:spMkLst>
+        </pc:spChg>
+        <pc:spChg chg="add mod">
+          <ac:chgData name="Maxwell Cook" userId="6270a8f4b8f62cae" providerId="LiveId" clId="{5064C11E-9D4E-8941-A2BE-AE2A4CD31B41}" dt="2023-08-30T17:23:08.621" v="273" actId="164"/>
+          <ac:spMkLst>
+            <pc:docMk/>
+            <pc:sldMk cId="2170444034" sldId="256"/>
+            <ac:spMk id="10" creationId="{413D147E-D9B5-61F9-3F25-03A300601330}"/>
+          </ac:spMkLst>
+        </pc:spChg>
+        <pc:spChg chg="add mod">
+          <ac:chgData name="Maxwell Cook" userId="6270a8f4b8f62cae" providerId="LiveId" clId="{5064C11E-9D4E-8941-A2BE-AE2A4CD31B41}" dt="2023-08-30T17:23:08.621" v="273" actId="164"/>
+          <ac:spMkLst>
+            <pc:docMk/>
+            <pc:sldMk cId="2170444034" sldId="256"/>
+            <ac:spMk id="12" creationId="{5D5D6216-993E-C5B7-13E4-C96EE9587A7C}"/>
+          </ac:spMkLst>
+        </pc:spChg>
+        <pc:spChg chg="add mod topLvl">
+          <ac:chgData name="Maxwell Cook" userId="6270a8f4b8f62cae" providerId="LiveId" clId="{5064C11E-9D4E-8941-A2BE-AE2A4CD31B41}" dt="2023-08-30T17:17:39.406" v="209" actId="164"/>
+          <ac:spMkLst>
+            <pc:docMk/>
+            <pc:sldMk cId="2170444034" sldId="256"/>
+            <ac:spMk id="20" creationId="{8E1F1EAB-3406-CF4B-79EF-47B1942CED47}"/>
+          </ac:spMkLst>
+        </pc:spChg>
+        <pc:spChg chg="add mod topLvl">
+          <ac:chgData name="Maxwell Cook" userId="6270a8f4b8f62cae" providerId="LiveId" clId="{5064C11E-9D4E-8941-A2BE-AE2A4CD31B41}" dt="2023-08-30T17:17:39.406" v="209" actId="164"/>
+          <ac:spMkLst>
+            <pc:docMk/>
+            <pc:sldMk cId="2170444034" sldId="256"/>
+            <ac:spMk id="21" creationId="{EDE9353A-DB6D-405A-EAB9-ADCB782DD9F9}"/>
+          </ac:spMkLst>
+        </pc:spChg>
+        <pc:spChg chg="add del mod">
+          <ac:chgData name="Maxwell Cook" userId="6270a8f4b8f62cae" providerId="LiveId" clId="{5064C11E-9D4E-8941-A2BE-AE2A4CD31B41}" dt="2023-08-30T17:16:11.212" v="203" actId="767"/>
+          <ac:spMkLst>
+            <pc:docMk/>
+            <pc:sldMk cId="2170444034" sldId="256"/>
+            <ac:spMk id="23" creationId="{64881E3D-86D7-359F-6F4F-68375F85C99C}"/>
+          </ac:spMkLst>
+        </pc:spChg>
+        <pc:spChg chg="mod topLvl">
+          <ac:chgData name="Maxwell Cook" userId="6270a8f4b8f62cae" providerId="LiveId" clId="{5064C11E-9D4E-8941-A2BE-AE2A4CD31B41}" dt="2023-08-30T17:20:39.631" v="237" actId="164"/>
+          <ac:spMkLst>
+            <pc:docMk/>
+            <pc:sldMk cId="2170444034" sldId="256"/>
+            <ac:spMk id="29" creationId="{2A8429D0-769E-9AC0-A68C-49C2DBF10383}"/>
+          </ac:spMkLst>
+        </pc:spChg>
+        <pc:spChg chg="mod topLvl">
+          <ac:chgData name="Maxwell Cook" userId="6270a8f4b8f62cae" providerId="LiveId" clId="{5064C11E-9D4E-8941-A2BE-AE2A4CD31B41}" dt="2023-08-30T17:20:39.631" v="237" actId="164"/>
+          <ac:spMkLst>
+            <pc:docMk/>
+            <pc:sldMk cId="2170444034" sldId="256"/>
+            <ac:spMk id="30" creationId="{14372BC4-84D9-8E52-1E1D-B3CF8846D71F}"/>
+          </ac:spMkLst>
+        </pc:spChg>
+        <pc:spChg chg="mod topLvl">
+          <ac:chgData name="Maxwell Cook" userId="6270a8f4b8f62cae" providerId="LiveId" clId="{5064C11E-9D4E-8941-A2BE-AE2A4CD31B41}" dt="2023-08-30T17:23:08.621" v="273" actId="164"/>
+          <ac:spMkLst>
+            <pc:docMk/>
+            <pc:sldMk cId="2170444034" sldId="256"/>
+            <ac:spMk id="36" creationId="{E5004386-CD0B-2A44-4818-D29DD5F693B4}"/>
+          </ac:spMkLst>
+        </pc:spChg>
+        <pc:spChg chg="mod topLvl">
+          <ac:chgData name="Maxwell Cook" userId="6270a8f4b8f62cae" providerId="LiveId" clId="{5064C11E-9D4E-8941-A2BE-AE2A4CD31B41}" dt="2023-08-30T17:23:08.621" v="273" actId="164"/>
+          <ac:spMkLst>
+            <pc:docMk/>
+            <pc:sldMk cId="2170444034" sldId="256"/>
+            <ac:spMk id="37" creationId="{4CF4CC54-8B09-8C34-1A7A-B2528D5BAA05}"/>
+          </ac:spMkLst>
+        </pc:spChg>
+        <pc:grpChg chg="del mod topLvl">
+          <ac:chgData name="Maxwell Cook" userId="6270a8f4b8f62cae" providerId="LiveId" clId="{5064C11E-9D4E-8941-A2BE-AE2A4CD31B41}" dt="2023-08-30T17:17:18.685" v="208" actId="165"/>
+          <ac:grpSpMkLst>
+            <pc:docMk/>
+            <pc:sldMk cId="2170444034" sldId="256"/>
+            <ac:grpSpMk id="24" creationId="{B3F1F6C3-5606-F2A7-FB87-B4F7C4541FB0}"/>
+          </ac:grpSpMkLst>
+        </pc:grpChg>
+        <pc:grpChg chg="add del mod">
+          <ac:chgData name="Maxwell Cook" userId="6270a8f4b8f62cae" providerId="LiveId" clId="{5064C11E-9D4E-8941-A2BE-AE2A4CD31B41}" dt="2023-08-30T17:17:12.385" v="207" actId="165"/>
+          <ac:grpSpMkLst>
+            <pc:docMk/>
+            <pc:sldMk cId="2170444034" sldId="256"/>
+            <ac:grpSpMk id="25" creationId="{0AF5A6AA-4E2A-D7E4-9349-0454AECBDAEE}"/>
+          </ac:grpSpMkLst>
+        </pc:grpChg>
+        <pc:grpChg chg="add mod">
+          <ac:chgData name="Maxwell Cook" userId="6270a8f4b8f62cae" providerId="LiveId" clId="{5064C11E-9D4E-8941-A2BE-AE2A4CD31B41}" dt="2023-08-30T17:23:08.621" v="273" actId="164"/>
+          <ac:grpSpMkLst>
+            <pc:docMk/>
+            <pc:sldMk cId="2170444034" sldId="256"/>
+            <ac:grpSpMk id="26" creationId="{288BEA6A-6616-7160-DE7E-E83EE333CF42}"/>
+          </ac:grpSpMkLst>
+        </pc:grpChg>
+        <pc:grpChg chg="add del mod">
+          <ac:chgData name="Maxwell Cook" userId="6270a8f4b8f62cae" providerId="LiveId" clId="{5064C11E-9D4E-8941-A2BE-AE2A4CD31B41}" dt="2023-08-30T17:20:26.844" v="235" actId="165"/>
+          <ac:grpSpMkLst>
+            <pc:docMk/>
+            <pc:sldMk cId="2170444034" sldId="256"/>
+            <ac:grpSpMk id="27" creationId="{24C89F51-4C34-782E-6395-1F0841959F3A}"/>
+          </ac:grpSpMkLst>
+        </pc:grpChg>
+        <pc:grpChg chg="add mod">
+          <ac:chgData name="Maxwell Cook" userId="6270a8f4b8f62cae" providerId="LiveId" clId="{5064C11E-9D4E-8941-A2BE-AE2A4CD31B41}" dt="2023-08-30T17:23:08.621" v="273" actId="164"/>
+          <ac:grpSpMkLst>
+            <pc:docMk/>
+            <pc:sldMk cId="2170444034" sldId="256"/>
+            <ac:grpSpMk id="33" creationId="{3C6082F4-2EBA-36BB-A899-7A2102587A79}"/>
+          </ac:grpSpMkLst>
+        </pc:grpChg>
+        <pc:grpChg chg="add del mod">
+          <ac:chgData name="Maxwell Cook" userId="6270a8f4b8f62cae" providerId="LiveId" clId="{5064C11E-9D4E-8941-A2BE-AE2A4CD31B41}" dt="2023-08-30T17:22:03.960" v="265" actId="165"/>
+          <ac:grpSpMkLst>
+            <pc:docMk/>
+            <pc:sldMk cId="2170444034" sldId="256"/>
+            <ac:grpSpMk id="34" creationId="{FE2561C9-BADA-E5D6-587B-4DABC20E97A1}"/>
+          </ac:grpSpMkLst>
+        </pc:grpChg>
+        <pc:grpChg chg="add mod">
+          <ac:chgData name="Maxwell Cook" userId="6270a8f4b8f62cae" providerId="LiveId" clId="{5064C11E-9D4E-8941-A2BE-AE2A4CD31B41}" dt="2023-08-30T22:51:22.365" v="285" actId="164"/>
+          <ac:grpSpMkLst>
+            <pc:docMk/>
+            <pc:sldMk cId="2170444034" sldId="256"/>
+            <ac:grpSpMk id="42" creationId="{5979B789-1E96-9961-CB66-BBD9DF84B2F3}"/>
+          </ac:grpSpMkLst>
+        </pc:grpChg>
+        <pc:grpChg chg="add mod">
+          <ac:chgData name="Maxwell Cook" userId="6270a8f4b8f62cae" providerId="LiveId" clId="{5064C11E-9D4E-8941-A2BE-AE2A4CD31B41}" dt="2023-08-30T22:51:22.365" v="285" actId="164"/>
+          <ac:grpSpMkLst>
+            <pc:docMk/>
+            <pc:sldMk cId="2170444034" sldId="256"/>
+            <ac:grpSpMk id="45" creationId="{41C23E74-FDF0-2B40-43FB-3811CB15C600}"/>
+          </ac:grpSpMkLst>
+        </pc:grpChg>
+        <pc:picChg chg="add del mod">
+          <ac:chgData name="Maxwell Cook" userId="6270a8f4b8f62cae" providerId="LiveId" clId="{5064C11E-9D4E-8941-A2BE-AE2A4CD31B41}" dt="2023-08-30T17:09:10.754" v="154" actId="478"/>
+          <ac:picMkLst>
+            <pc:docMk/>
+            <pc:sldMk cId="2170444034" sldId="256"/>
+            <ac:picMk id="3" creationId="{95FB1B54-8B92-B4D9-645D-67F4D6F32628}"/>
+          </ac:picMkLst>
+        </pc:picChg>
+        <pc:picChg chg="mod topLvl">
+          <ac:chgData name="Maxwell Cook" userId="6270a8f4b8f62cae" providerId="LiveId" clId="{5064C11E-9D4E-8941-A2BE-AE2A4CD31B41}" dt="2023-08-30T17:23:08.621" v="273" actId="164"/>
+          <ac:picMkLst>
+            <pc:docMk/>
+            <pc:sldMk cId="2170444034" sldId="256"/>
+            <ac:picMk id="5" creationId="{39E164EF-881E-0794-1307-6EEFF0FFBAB1}"/>
+          </ac:picMkLst>
+        </pc:picChg>
+        <pc:picChg chg="mod topLvl">
+          <ac:chgData name="Maxwell Cook" userId="6270a8f4b8f62cae" providerId="LiveId" clId="{5064C11E-9D4E-8941-A2BE-AE2A4CD31B41}" dt="2023-08-30T17:23:08.621" v="273" actId="164"/>
+          <ac:picMkLst>
+            <pc:docMk/>
+            <pc:sldMk cId="2170444034" sldId="256"/>
+            <ac:picMk id="11" creationId="{37BF7B02-6A9A-7447-AB4F-6F4460D8DE07}"/>
+          </ac:picMkLst>
+        </pc:picChg>
+        <pc:picChg chg="mod topLvl">
+          <ac:chgData name="Maxwell Cook" userId="6270a8f4b8f62cae" providerId="LiveId" clId="{5064C11E-9D4E-8941-A2BE-AE2A4CD31B41}" dt="2023-08-30T17:23:08.621" v="273" actId="164"/>
+          <ac:picMkLst>
+            <pc:docMk/>
+            <pc:sldMk cId="2170444034" sldId="256"/>
+            <ac:picMk id="13" creationId="{042CB577-A4A4-7E38-9B36-16C8B17C4964}"/>
+          </ac:picMkLst>
+        </pc:picChg>
+        <pc:picChg chg="mod topLvl">
+          <ac:chgData name="Maxwell Cook" userId="6270a8f4b8f62cae" providerId="LiveId" clId="{5064C11E-9D4E-8941-A2BE-AE2A4CD31B41}" dt="2023-08-30T17:23:08.621" v="273" actId="164"/>
+          <ac:picMkLst>
+            <pc:docMk/>
+            <pc:sldMk cId="2170444034" sldId="256"/>
+            <ac:picMk id="15" creationId="{775DFF09-BC18-589D-94A6-B7E2AFE91C8F}"/>
+          </ac:picMkLst>
+        </pc:picChg>
+        <pc:picChg chg="add mod">
+          <ac:chgData name="Maxwell Cook" userId="6270a8f4b8f62cae" providerId="LiveId" clId="{5064C11E-9D4E-8941-A2BE-AE2A4CD31B41}" dt="2023-08-30T17:23:08.621" v="273" actId="164"/>
+          <ac:picMkLst>
+            <pc:docMk/>
+            <pc:sldMk cId="2170444034" sldId="256"/>
+            <ac:picMk id="16" creationId="{42C9D3E6-33CC-F32E-2BE6-EA36E3C9667D}"/>
+          </ac:picMkLst>
+        </pc:picChg>
+        <pc:picChg chg="mod topLvl">
+          <ac:chgData name="Maxwell Cook" userId="6270a8f4b8f62cae" providerId="LiveId" clId="{5064C11E-9D4E-8941-A2BE-AE2A4CD31B41}" dt="2023-08-30T17:23:08.621" v="273" actId="164"/>
+          <ac:picMkLst>
+            <pc:docMk/>
+            <pc:sldMk cId="2170444034" sldId="256"/>
+            <ac:picMk id="19" creationId="{5191C38E-221D-CF1D-AF7A-9E7CD8E0E473}"/>
+          </ac:picMkLst>
+        </pc:picChg>
+        <pc:picChg chg="del mod topLvl">
+          <ac:chgData name="Maxwell Cook" userId="6270a8f4b8f62cae" providerId="LiveId" clId="{5064C11E-9D4E-8941-A2BE-AE2A4CD31B41}" dt="2023-08-30T22:50:38.860" v="279" actId="478"/>
+          <ac:picMkLst>
+            <pc:docMk/>
+            <pc:sldMk cId="2170444034" sldId="256"/>
+            <ac:picMk id="22" creationId="{E2BBE999-9A8C-E3E5-EE6D-08A81B7ECDBA}"/>
+          </ac:picMkLst>
+        </pc:picChg>
+        <pc:picChg chg="add mod">
+          <ac:chgData name="Maxwell Cook" userId="6270a8f4b8f62cae" providerId="LiveId" clId="{5064C11E-9D4E-8941-A2BE-AE2A4CD31B41}" dt="2023-08-30T22:51:22.365" v="285" actId="164"/>
+          <ac:picMkLst>
+            <pc:docMk/>
+            <pc:sldMk cId="2170444034" sldId="256"/>
+            <ac:picMk id="44" creationId="{0656A5FB-22E0-B700-6170-56C48F6B7964}"/>
+          </ac:picMkLst>
+        </pc:picChg>
+        <pc:cxnChg chg="add mod topLvl">
+          <ac:chgData name="Maxwell Cook" userId="6270a8f4b8f62cae" providerId="LiveId" clId="{5064C11E-9D4E-8941-A2BE-AE2A4CD31B41}" dt="2023-08-30T17:17:39.406" v="209" actId="164"/>
+          <ac:cxnSpMkLst>
+            <pc:docMk/>
+            <pc:sldMk cId="2170444034" sldId="256"/>
+            <ac:cxnSpMk id="18" creationId="{FB0BCBDA-D990-B1FE-8068-D156F677FA80}"/>
+          </ac:cxnSpMkLst>
+        </pc:cxnChg>
+        <pc:cxnChg chg="mod topLvl">
+          <ac:chgData name="Maxwell Cook" userId="6270a8f4b8f62cae" providerId="LiveId" clId="{5064C11E-9D4E-8941-A2BE-AE2A4CD31B41}" dt="2023-08-30T17:20:39.631" v="237" actId="164"/>
+          <ac:cxnSpMkLst>
+            <pc:docMk/>
+            <pc:sldMk cId="2170444034" sldId="256"/>
+            <ac:cxnSpMk id="28" creationId="{D03DDD88-5847-AAC6-DED8-F8A6C796AF61}"/>
+          </ac:cxnSpMkLst>
+        </pc:cxnChg>
+        <pc:cxnChg chg="mod topLvl">
+          <ac:chgData name="Maxwell Cook" userId="6270a8f4b8f62cae" providerId="LiveId" clId="{5064C11E-9D4E-8941-A2BE-AE2A4CD31B41}" dt="2023-08-30T17:23:08.621" v="273" actId="164"/>
+          <ac:cxnSpMkLst>
+            <pc:docMk/>
+            <pc:sldMk cId="2170444034" sldId="256"/>
+            <ac:cxnSpMk id="35" creationId="{44AC5393-F568-C12C-412A-5C49BF15DEED}"/>
+          </ac:cxnSpMkLst>
+        </pc:cxnChg>
+      </pc:sldChg>
+      <pc:sldMasterChg chg="modSp modSldLayout">
+        <pc:chgData name="Maxwell Cook" userId="6270a8f4b8f62cae" providerId="LiveId" clId="{5064C11E-9D4E-8941-A2BE-AE2A4CD31B41}" dt="2023-08-30T16:58:00.670" v="15"/>
+        <pc:sldMasterMkLst>
+          <pc:docMk/>
+          <pc:sldMasterMk cId="3937815069" sldId="2147483672"/>
+        </pc:sldMasterMkLst>
+        <pc:spChg chg="mod">
+          <ac:chgData name="Maxwell Cook" userId="6270a8f4b8f62cae" providerId="LiveId" clId="{5064C11E-9D4E-8941-A2BE-AE2A4CD31B41}" dt="2023-08-30T16:58:00.670" v="15"/>
+          <ac:spMkLst>
+            <pc:docMk/>
+            <pc:sldMasterMk cId="3937815069" sldId="2147483672"/>
+            <ac:spMk id="2" creationId="{00000000-0000-0000-0000-000000000000}"/>
+          </ac:spMkLst>
+        </pc:spChg>
+        <pc:spChg chg="mod">
+          <ac:chgData name="Maxwell Cook" userId="6270a8f4b8f62cae" providerId="LiveId" clId="{5064C11E-9D4E-8941-A2BE-AE2A4CD31B41}" dt="2023-08-30T16:58:00.670" v="15"/>
+          <ac:spMkLst>
+            <pc:docMk/>
+            <pc:sldMasterMk cId="3937815069" sldId="2147483672"/>
+            <ac:spMk id="3" creationId="{00000000-0000-0000-0000-000000000000}"/>
+          </ac:spMkLst>
+        </pc:spChg>
+        <pc:spChg chg="mod">
+          <ac:chgData name="Maxwell Cook" userId="6270a8f4b8f62cae" providerId="LiveId" clId="{5064C11E-9D4E-8941-A2BE-AE2A4CD31B41}" dt="2023-08-30T16:58:00.670" v="15"/>
+          <ac:spMkLst>
+            <pc:docMk/>
+            <pc:sldMasterMk cId="3937815069" sldId="2147483672"/>
+            <ac:spMk id="4" creationId="{00000000-0000-0000-0000-000000000000}"/>
+          </ac:spMkLst>
+        </pc:spChg>
+        <pc:spChg chg="mod">
+          <ac:chgData name="Maxwell Cook" userId="6270a8f4b8f62cae" providerId="LiveId" clId="{5064C11E-9D4E-8941-A2BE-AE2A4CD31B41}" dt="2023-08-30T16:58:00.670" v="15"/>
+          <ac:spMkLst>
+            <pc:docMk/>
+            <pc:sldMasterMk cId="3937815069" sldId="2147483672"/>
+            <ac:spMk id="5" creationId="{00000000-0000-0000-0000-000000000000}"/>
+          </ac:spMkLst>
+        </pc:spChg>
+        <pc:spChg chg="mod">
+          <ac:chgData name="Maxwell Cook" userId="6270a8f4b8f62cae" providerId="LiveId" clId="{5064C11E-9D4E-8941-A2BE-AE2A4CD31B41}" dt="2023-08-30T16:58:00.670" v="15"/>
+          <ac:spMkLst>
+            <pc:docMk/>
+            <pc:sldMasterMk cId="3937815069" sldId="2147483672"/>
+            <ac:spMk id="6" creationId="{00000000-0000-0000-0000-000000000000}"/>
+          </ac:spMkLst>
+        </pc:spChg>
+        <pc:sldLayoutChg chg="modSp">
+          <pc:chgData name="Maxwell Cook" userId="6270a8f4b8f62cae" providerId="LiveId" clId="{5064C11E-9D4E-8941-A2BE-AE2A4CD31B41}" dt="2023-08-30T16:58:00.670" v="15"/>
+          <pc:sldLayoutMkLst>
+            <pc:docMk/>
+            <pc:sldMasterMk cId="3937815069" sldId="2147483672"/>
+            <pc:sldLayoutMk cId="2253946723" sldId="2147483673"/>
+          </pc:sldLayoutMkLst>
+          <pc:spChg chg="mod">
+            <ac:chgData name="Maxwell Cook" userId="6270a8f4b8f62cae" providerId="LiveId" clId="{5064C11E-9D4E-8941-A2BE-AE2A4CD31B41}" dt="2023-08-30T16:58:00.670" v="15"/>
+            <ac:spMkLst>
+              <pc:docMk/>
+              <pc:sldMasterMk cId="3937815069" sldId="2147483672"/>
+              <pc:sldLayoutMk cId="2253946723" sldId="2147483673"/>
+              <ac:spMk id="2" creationId="{00000000-0000-0000-0000-000000000000}"/>
+            </ac:spMkLst>
+          </pc:spChg>
+          <pc:spChg chg="mod">
+            <ac:chgData name="Maxwell Cook" userId="6270a8f4b8f62cae" providerId="LiveId" clId="{5064C11E-9D4E-8941-A2BE-AE2A4CD31B41}" dt="2023-08-30T16:58:00.670" v="15"/>
+            <ac:spMkLst>
+              <pc:docMk/>
+              <pc:sldMasterMk cId="3937815069" sldId="2147483672"/>
+              <pc:sldLayoutMk cId="2253946723" sldId="2147483673"/>
+              <ac:spMk id="3" creationId="{00000000-0000-0000-0000-000000000000}"/>
+            </ac:spMkLst>
+          </pc:spChg>
+        </pc:sldLayoutChg>
+        <pc:sldLayoutChg chg="modSp">
+          <pc:chgData name="Maxwell Cook" userId="6270a8f4b8f62cae" providerId="LiveId" clId="{5064C11E-9D4E-8941-A2BE-AE2A4CD31B41}" dt="2023-08-30T16:58:00.670" v="15"/>
+          <pc:sldLayoutMkLst>
+            <pc:docMk/>
+            <pc:sldMasterMk cId="3937815069" sldId="2147483672"/>
+            <pc:sldLayoutMk cId="2724168220" sldId="2147483675"/>
+          </pc:sldLayoutMkLst>
+          <pc:spChg chg="mod">
+            <ac:chgData name="Maxwell Cook" userId="6270a8f4b8f62cae" providerId="LiveId" clId="{5064C11E-9D4E-8941-A2BE-AE2A4CD31B41}" dt="2023-08-30T16:58:00.670" v="15"/>
+            <ac:spMkLst>
+              <pc:docMk/>
+              <pc:sldMasterMk cId="3937815069" sldId="2147483672"/>
+              <pc:sldLayoutMk cId="2724168220" sldId="2147483675"/>
+              <ac:spMk id="2" creationId="{00000000-0000-0000-0000-000000000000}"/>
+            </ac:spMkLst>
+          </pc:spChg>
+          <pc:spChg chg="mod">
+            <ac:chgData name="Maxwell Cook" userId="6270a8f4b8f62cae" providerId="LiveId" clId="{5064C11E-9D4E-8941-A2BE-AE2A4CD31B41}" dt="2023-08-30T16:58:00.670" v="15"/>
+            <ac:spMkLst>
+              <pc:docMk/>
+              <pc:sldMasterMk cId="3937815069" sldId="2147483672"/>
+              <pc:sldLayoutMk cId="2724168220" sldId="2147483675"/>
+              <ac:spMk id="3" creationId="{00000000-0000-0000-0000-000000000000}"/>
+            </ac:spMkLst>
+          </pc:spChg>
+        </pc:sldLayoutChg>
+        <pc:sldLayoutChg chg="modSp">
+          <pc:chgData name="Maxwell Cook" userId="6270a8f4b8f62cae" providerId="LiveId" clId="{5064C11E-9D4E-8941-A2BE-AE2A4CD31B41}" dt="2023-08-30T16:58:00.670" v="15"/>
+          <pc:sldLayoutMkLst>
+            <pc:docMk/>
+            <pc:sldMasterMk cId="3937815069" sldId="2147483672"/>
+            <pc:sldLayoutMk cId="3075857211" sldId="2147483676"/>
+          </pc:sldLayoutMkLst>
+          <pc:spChg chg="mod">
+            <ac:chgData name="Maxwell Cook" userId="6270a8f4b8f62cae" providerId="LiveId" clId="{5064C11E-9D4E-8941-A2BE-AE2A4CD31B41}" dt="2023-08-30T16:58:00.670" v="15"/>
+            <ac:spMkLst>
+              <pc:docMk/>
+              <pc:sldMasterMk cId="3937815069" sldId="2147483672"/>
+              <pc:sldLayoutMk cId="3075857211" sldId="2147483676"/>
+              <ac:spMk id="3" creationId="{00000000-0000-0000-0000-000000000000}"/>
+            </ac:spMkLst>
+          </pc:spChg>
+          <pc:spChg chg="mod">
+            <ac:chgData name="Maxwell Cook" userId="6270a8f4b8f62cae" providerId="LiveId" clId="{5064C11E-9D4E-8941-A2BE-AE2A4CD31B41}" dt="2023-08-30T16:58:00.670" v="15"/>
+            <ac:spMkLst>
+              <pc:docMk/>
+              <pc:sldMasterMk cId="3937815069" sldId="2147483672"/>
+              <pc:sldLayoutMk cId="3075857211" sldId="2147483676"/>
+              <ac:spMk id="4" creationId="{00000000-0000-0000-0000-000000000000}"/>
+            </ac:spMkLst>
+          </pc:spChg>
+        </pc:sldLayoutChg>
+        <pc:sldLayoutChg chg="modSp">
+          <pc:chgData name="Maxwell Cook" userId="6270a8f4b8f62cae" providerId="LiveId" clId="{5064C11E-9D4E-8941-A2BE-AE2A4CD31B41}" dt="2023-08-30T16:58:00.670" v="15"/>
+          <pc:sldLayoutMkLst>
+            <pc:docMk/>
+            <pc:sldMasterMk cId="3937815069" sldId="2147483672"/>
+            <pc:sldLayoutMk cId="3065533319" sldId="2147483677"/>
+          </pc:sldLayoutMkLst>
+          <pc:spChg chg="mod">
+            <ac:chgData name="Maxwell Cook" userId="6270a8f4b8f62cae" providerId="LiveId" clId="{5064C11E-9D4E-8941-A2BE-AE2A4CD31B41}" dt="2023-08-30T16:58:00.670" v="15"/>
+            <ac:spMkLst>
+              <pc:docMk/>
+              <pc:sldMasterMk cId="3937815069" sldId="2147483672"/>
+              <pc:sldLayoutMk cId="3065533319" sldId="2147483677"/>
+              <ac:spMk id="2" creationId="{00000000-0000-0000-0000-000000000000}"/>
+            </ac:spMkLst>
+          </pc:spChg>
+          <pc:spChg chg="mod">
+            <ac:chgData name="Maxwell Cook" userId="6270a8f4b8f62cae" providerId="LiveId" clId="{5064C11E-9D4E-8941-A2BE-AE2A4CD31B41}" dt="2023-08-30T16:58:00.670" v="15"/>
+            <ac:spMkLst>
+              <pc:docMk/>
+              <pc:sldMasterMk cId="3937815069" sldId="2147483672"/>
+              <pc:sldLayoutMk cId="3065533319" sldId="2147483677"/>
+              <ac:spMk id="3" creationId="{00000000-0000-0000-0000-000000000000}"/>
+            </ac:spMkLst>
+          </pc:spChg>
+          <pc:spChg chg="mod">
+            <ac:chgData name="Maxwell Cook" userId="6270a8f4b8f62cae" providerId="LiveId" clId="{5064C11E-9D4E-8941-A2BE-AE2A4CD31B41}" dt="2023-08-30T16:58:00.670" v="15"/>
+            <ac:spMkLst>
+              <pc:docMk/>
+              <pc:sldMasterMk cId="3937815069" sldId="2147483672"/>
+              <pc:sldLayoutMk cId="3065533319" sldId="2147483677"/>
+              <ac:spMk id="4" creationId="{00000000-0000-0000-0000-000000000000}"/>
+            </ac:spMkLst>
+          </pc:spChg>
+          <pc:spChg chg="mod">
+            <ac:chgData name="Maxwell Cook" userId="6270a8f4b8f62cae" providerId="LiveId" clId="{5064C11E-9D4E-8941-A2BE-AE2A4CD31B41}" dt="2023-08-30T16:58:00.670" v="15"/>
+            <ac:spMkLst>
+              <pc:docMk/>
+              <pc:sldMasterMk cId="3937815069" sldId="2147483672"/>
+              <pc:sldLayoutMk cId="3065533319" sldId="2147483677"/>
+              <ac:spMk id="5" creationId="{00000000-0000-0000-0000-000000000000}"/>
+            </ac:spMkLst>
+          </pc:spChg>
+          <pc:spChg chg="mod">
+            <ac:chgData name="Maxwell Cook" userId="6270a8f4b8f62cae" providerId="LiveId" clId="{5064C11E-9D4E-8941-A2BE-AE2A4CD31B41}" dt="2023-08-30T16:58:00.670" v="15"/>
+            <ac:spMkLst>
+              <pc:docMk/>
+              <pc:sldMasterMk cId="3937815069" sldId="2147483672"/>
+              <pc:sldLayoutMk cId="3065533319" sldId="2147483677"/>
+              <ac:spMk id="6" creationId="{00000000-0000-0000-0000-000000000000}"/>
+            </ac:spMkLst>
+          </pc:spChg>
+        </pc:sldLayoutChg>
+        <pc:sldLayoutChg chg="modSp">
+          <pc:chgData name="Maxwell Cook" userId="6270a8f4b8f62cae" providerId="LiveId" clId="{5064C11E-9D4E-8941-A2BE-AE2A4CD31B41}" dt="2023-08-30T16:58:00.670" v="15"/>
+          <pc:sldLayoutMkLst>
+            <pc:docMk/>
+            <pc:sldMasterMk cId="3937815069" sldId="2147483672"/>
+            <pc:sldLayoutMk cId="2168036541" sldId="2147483680"/>
+          </pc:sldLayoutMkLst>
+          <pc:spChg chg="mod">
+            <ac:chgData name="Maxwell Cook" userId="6270a8f4b8f62cae" providerId="LiveId" clId="{5064C11E-9D4E-8941-A2BE-AE2A4CD31B41}" dt="2023-08-30T16:58:00.670" v="15"/>
+            <ac:spMkLst>
+              <pc:docMk/>
+              <pc:sldMasterMk cId="3937815069" sldId="2147483672"/>
+              <pc:sldLayoutMk cId="2168036541" sldId="2147483680"/>
+              <ac:spMk id="2" creationId="{00000000-0000-0000-0000-000000000000}"/>
+            </ac:spMkLst>
+          </pc:spChg>
+          <pc:spChg chg="mod">
+            <ac:chgData name="Maxwell Cook" userId="6270a8f4b8f62cae" providerId="LiveId" clId="{5064C11E-9D4E-8941-A2BE-AE2A4CD31B41}" dt="2023-08-30T16:58:00.670" v="15"/>
+            <ac:spMkLst>
+              <pc:docMk/>
+              <pc:sldMasterMk cId="3937815069" sldId="2147483672"/>
+              <pc:sldLayoutMk cId="2168036541" sldId="2147483680"/>
+              <ac:spMk id="3" creationId="{00000000-0000-0000-0000-000000000000}"/>
+            </ac:spMkLst>
+          </pc:spChg>
+          <pc:spChg chg="mod">
+            <ac:chgData name="Maxwell Cook" userId="6270a8f4b8f62cae" providerId="LiveId" clId="{5064C11E-9D4E-8941-A2BE-AE2A4CD31B41}" dt="2023-08-30T16:58:00.670" v="15"/>
+            <ac:spMkLst>
+              <pc:docMk/>
+              <pc:sldMasterMk cId="3937815069" sldId="2147483672"/>
+              <pc:sldLayoutMk cId="2168036541" sldId="2147483680"/>
+              <ac:spMk id="4" creationId="{00000000-0000-0000-0000-000000000000}"/>
+            </ac:spMkLst>
+          </pc:spChg>
+        </pc:sldLayoutChg>
+        <pc:sldLayoutChg chg="modSp">
+          <pc:chgData name="Maxwell Cook" userId="6270a8f4b8f62cae" providerId="LiveId" clId="{5064C11E-9D4E-8941-A2BE-AE2A4CD31B41}" dt="2023-08-30T16:58:00.670" v="15"/>
+          <pc:sldLayoutMkLst>
+            <pc:docMk/>
+            <pc:sldMasterMk cId="3937815069" sldId="2147483672"/>
+            <pc:sldLayoutMk cId="1643828127" sldId="2147483681"/>
+          </pc:sldLayoutMkLst>
+          <pc:spChg chg="mod">
+            <ac:chgData name="Maxwell Cook" userId="6270a8f4b8f62cae" providerId="LiveId" clId="{5064C11E-9D4E-8941-A2BE-AE2A4CD31B41}" dt="2023-08-30T16:58:00.670" v="15"/>
+            <ac:spMkLst>
+              <pc:docMk/>
+              <pc:sldMasterMk cId="3937815069" sldId="2147483672"/>
+              <pc:sldLayoutMk cId="1643828127" sldId="2147483681"/>
+              <ac:spMk id="2" creationId="{00000000-0000-0000-0000-000000000000}"/>
+            </ac:spMkLst>
+          </pc:spChg>
+          <pc:spChg chg="mod">
+            <ac:chgData name="Maxwell Cook" userId="6270a8f4b8f62cae" providerId="LiveId" clId="{5064C11E-9D4E-8941-A2BE-AE2A4CD31B41}" dt="2023-08-30T16:58:00.670" v="15"/>
+            <ac:spMkLst>
+              <pc:docMk/>
+              <pc:sldMasterMk cId="3937815069" sldId="2147483672"/>
+              <pc:sldLayoutMk cId="1643828127" sldId="2147483681"/>
+              <ac:spMk id="3" creationId="{00000000-0000-0000-0000-000000000000}"/>
+            </ac:spMkLst>
+          </pc:spChg>
+          <pc:spChg chg="mod">
+            <ac:chgData name="Maxwell Cook" userId="6270a8f4b8f62cae" providerId="LiveId" clId="{5064C11E-9D4E-8941-A2BE-AE2A4CD31B41}" dt="2023-08-30T16:58:00.670" v="15"/>
+            <ac:spMkLst>
+              <pc:docMk/>
+              <pc:sldMasterMk cId="3937815069" sldId="2147483672"/>
+              <pc:sldLayoutMk cId="1643828127" sldId="2147483681"/>
+              <ac:spMk id="4" creationId="{00000000-0000-0000-0000-000000000000}"/>
+            </ac:spMkLst>
+          </pc:spChg>
+        </pc:sldLayoutChg>
+        <pc:sldLayoutChg chg="modSp">
+          <pc:chgData name="Maxwell Cook" userId="6270a8f4b8f62cae" providerId="LiveId" clId="{5064C11E-9D4E-8941-A2BE-AE2A4CD31B41}" dt="2023-08-30T16:58:00.670" v="15"/>
+          <pc:sldLayoutMkLst>
+            <pc:docMk/>
+            <pc:sldMasterMk cId="3937815069" sldId="2147483672"/>
+            <pc:sldLayoutMk cId="218020791" sldId="2147483683"/>
+          </pc:sldLayoutMkLst>
+          <pc:spChg chg="mod">
+            <ac:chgData name="Maxwell Cook" userId="6270a8f4b8f62cae" providerId="LiveId" clId="{5064C11E-9D4E-8941-A2BE-AE2A4CD31B41}" dt="2023-08-30T16:58:00.670" v="15"/>
+            <ac:spMkLst>
+              <pc:docMk/>
+              <pc:sldMasterMk cId="3937815069" sldId="2147483672"/>
+              <pc:sldLayoutMk cId="218020791" sldId="2147483683"/>
+              <ac:spMk id="2" creationId="{00000000-0000-0000-0000-000000000000}"/>
+            </ac:spMkLst>
+          </pc:spChg>
+          <pc:spChg chg="mod">
+            <ac:chgData name="Maxwell Cook" userId="6270a8f4b8f62cae" providerId="LiveId" clId="{5064C11E-9D4E-8941-A2BE-AE2A4CD31B41}" dt="2023-08-30T16:58:00.670" v="15"/>
+            <ac:spMkLst>
+              <pc:docMk/>
+              <pc:sldMasterMk cId="3937815069" sldId="2147483672"/>
+              <pc:sldLayoutMk cId="218020791" sldId="2147483683"/>
+              <ac:spMk id="3" creationId="{00000000-0000-0000-0000-000000000000}"/>
+            </ac:spMkLst>
+          </pc:spChg>
+        </pc:sldLayoutChg>
+      </pc:sldMasterChg>
+      <pc:sldMasterChg chg="modSp modSldLayout">
+        <pc:chgData name="Maxwell Cook" userId="6270a8f4b8f62cae" providerId="LiveId" clId="{5064C11E-9D4E-8941-A2BE-AE2A4CD31B41}" dt="2023-08-30T16:58:21.625" v="16"/>
+        <pc:sldMasterMkLst>
+          <pc:docMk/>
+          <pc:sldMasterMk cId="805906788" sldId="2147483684"/>
+        </pc:sldMasterMkLst>
+        <pc:spChg chg="mod">
+          <ac:chgData name="Maxwell Cook" userId="6270a8f4b8f62cae" providerId="LiveId" clId="{5064C11E-9D4E-8941-A2BE-AE2A4CD31B41}" dt="2023-08-30T16:58:21.625" v="16"/>
+          <ac:spMkLst>
+            <pc:docMk/>
+            <pc:sldMasterMk cId="805906788" sldId="2147483684"/>
+            <ac:spMk id="2" creationId="{00000000-0000-0000-0000-000000000000}"/>
+          </ac:spMkLst>
+        </pc:spChg>
+        <pc:spChg chg="mod">
+          <ac:chgData name="Maxwell Cook" userId="6270a8f4b8f62cae" providerId="LiveId" clId="{5064C11E-9D4E-8941-A2BE-AE2A4CD31B41}" dt="2023-08-30T16:58:21.625" v="16"/>
+          <ac:spMkLst>
+            <pc:docMk/>
+            <pc:sldMasterMk cId="805906788" sldId="2147483684"/>
+            <ac:spMk id="3" creationId="{00000000-0000-0000-0000-000000000000}"/>
+          </ac:spMkLst>
+        </pc:spChg>
+        <pc:spChg chg="mod">
+          <ac:chgData name="Maxwell Cook" userId="6270a8f4b8f62cae" providerId="LiveId" clId="{5064C11E-9D4E-8941-A2BE-AE2A4CD31B41}" dt="2023-08-30T16:58:21.625" v="16"/>
+          <ac:spMkLst>
+            <pc:docMk/>
+            <pc:sldMasterMk cId="805906788" sldId="2147483684"/>
+            <ac:spMk id="4" creationId="{00000000-0000-0000-0000-000000000000}"/>
+          </ac:spMkLst>
+        </pc:spChg>
+        <pc:spChg chg="mod">
+          <ac:chgData name="Maxwell Cook" userId="6270a8f4b8f62cae" providerId="LiveId" clId="{5064C11E-9D4E-8941-A2BE-AE2A4CD31B41}" dt="2023-08-30T16:58:21.625" v="16"/>
+          <ac:spMkLst>
+            <pc:docMk/>
+            <pc:sldMasterMk cId="805906788" sldId="2147483684"/>
+            <ac:spMk id="5" creationId="{00000000-0000-0000-0000-000000000000}"/>
+          </ac:spMkLst>
+        </pc:spChg>
+        <pc:spChg chg="mod">
+          <ac:chgData name="Maxwell Cook" userId="6270a8f4b8f62cae" providerId="LiveId" clId="{5064C11E-9D4E-8941-A2BE-AE2A4CD31B41}" dt="2023-08-30T16:58:21.625" v="16"/>
+          <ac:spMkLst>
+            <pc:docMk/>
+            <pc:sldMasterMk cId="805906788" sldId="2147483684"/>
+            <ac:spMk id="6" creationId="{00000000-0000-0000-0000-000000000000}"/>
+          </ac:spMkLst>
+        </pc:spChg>
+        <pc:sldLayoutChg chg="modSp">
+          <pc:chgData name="Maxwell Cook" userId="6270a8f4b8f62cae" providerId="LiveId" clId="{5064C11E-9D4E-8941-A2BE-AE2A4CD31B41}" dt="2023-08-30T16:58:21.625" v="16"/>
+          <pc:sldLayoutMkLst>
+            <pc:docMk/>
+            <pc:sldMasterMk cId="805906788" sldId="2147483684"/>
+            <pc:sldLayoutMk cId="5901808" sldId="2147483685"/>
+          </pc:sldLayoutMkLst>
+          <pc:spChg chg="mod">
+            <ac:chgData name="Maxwell Cook" userId="6270a8f4b8f62cae" providerId="LiveId" clId="{5064C11E-9D4E-8941-A2BE-AE2A4CD31B41}" dt="2023-08-30T16:58:21.625" v="16"/>
+            <ac:spMkLst>
+              <pc:docMk/>
+              <pc:sldMasterMk cId="805906788" sldId="2147483684"/>
+              <pc:sldLayoutMk cId="5901808" sldId="2147483685"/>
+              <ac:spMk id="2" creationId="{00000000-0000-0000-0000-000000000000}"/>
+            </ac:spMkLst>
+          </pc:spChg>
+          <pc:spChg chg="mod">
+            <ac:chgData name="Maxwell Cook" userId="6270a8f4b8f62cae" providerId="LiveId" clId="{5064C11E-9D4E-8941-A2BE-AE2A4CD31B41}" dt="2023-08-30T16:58:21.625" v="16"/>
+            <ac:spMkLst>
+              <pc:docMk/>
+              <pc:sldMasterMk cId="805906788" sldId="2147483684"/>
+              <pc:sldLayoutMk cId="5901808" sldId="2147483685"/>
+              <ac:spMk id="3" creationId="{00000000-0000-0000-0000-000000000000}"/>
+            </ac:spMkLst>
+          </pc:spChg>
+        </pc:sldLayoutChg>
+        <pc:sldLayoutChg chg="modSp">
+          <pc:chgData name="Maxwell Cook" userId="6270a8f4b8f62cae" providerId="LiveId" clId="{5064C11E-9D4E-8941-A2BE-AE2A4CD31B41}" dt="2023-08-30T16:58:21.625" v="16"/>
+          <pc:sldLayoutMkLst>
+            <pc:docMk/>
+            <pc:sldMasterMk cId="805906788" sldId="2147483684"/>
+            <pc:sldLayoutMk cId="3283417422" sldId="2147483687"/>
+          </pc:sldLayoutMkLst>
+          <pc:spChg chg="mod">
+            <ac:chgData name="Maxwell Cook" userId="6270a8f4b8f62cae" providerId="LiveId" clId="{5064C11E-9D4E-8941-A2BE-AE2A4CD31B41}" dt="2023-08-30T16:58:21.625" v="16"/>
+            <ac:spMkLst>
+              <pc:docMk/>
+              <pc:sldMasterMk cId="805906788" sldId="2147483684"/>
+              <pc:sldLayoutMk cId="3283417422" sldId="2147483687"/>
+              <ac:spMk id="2" creationId="{00000000-0000-0000-0000-000000000000}"/>
+            </ac:spMkLst>
+          </pc:spChg>
+          <pc:spChg chg="mod">
+            <ac:chgData name="Maxwell Cook" userId="6270a8f4b8f62cae" providerId="LiveId" clId="{5064C11E-9D4E-8941-A2BE-AE2A4CD31B41}" dt="2023-08-30T16:58:21.625" v="16"/>
+            <ac:spMkLst>
+              <pc:docMk/>
+              <pc:sldMasterMk cId="805906788" sldId="2147483684"/>
+              <pc:sldLayoutMk cId="3283417422" sldId="2147483687"/>
+              <ac:spMk id="3" creationId="{00000000-0000-0000-0000-000000000000}"/>
+            </ac:spMkLst>
+          </pc:spChg>
+        </pc:sldLayoutChg>
+        <pc:sldLayoutChg chg="modSp">
+          <pc:chgData name="Maxwell Cook" userId="6270a8f4b8f62cae" providerId="LiveId" clId="{5064C11E-9D4E-8941-A2BE-AE2A4CD31B41}" dt="2023-08-30T16:58:21.625" v="16"/>
+          <pc:sldLayoutMkLst>
+            <pc:docMk/>
+            <pc:sldMasterMk cId="805906788" sldId="2147483684"/>
+            <pc:sldLayoutMk cId="1624533910" sldId="2147483688"/>
+          </pc:sldLayoutMkLst>
+          <pc:spChg chg="mod">
+            <ac:chgData name="Maxwell Cook" userId="6270a8f4b8f62cae" providerId="LiveId" clId="{5064C11E-9D4E-8941-A2BE-AE2A4CD31B41}" dt="2023-08-30T16:58:21.625" v="16"/>
+            <ac:spMkLst>
+              <pc:docMk/>
+              <pc:sldMasterMk cId="805906788" sldId="2147483684"/>
+              <pc:sldLayoutMk cId="1624533910" sldId="2147483688"/>
+              <ac:spMk id="3" creationId="{00000000-0000-0000-0000-000000000000}"/>
+            </ac:spMkLst>
+          </pc:spChg>
+          <pc:spChg chg="mod">
+            <ac:chgData name="Maxwell Cook" userId="6270a8f4b8f62cae" providerId="LiveId" clId="{5064C11E-9D4E-8941-A2BE-AE2A4CD31B41}" dt="2023-08-30T16:58:21.625" v="16"/>
+            <ac:spMkLst>
+              <pc:docMk/>
+              <pc:sldMasterMk cId="805906788" sldId="2147483684"/>
+              <pc:sldLayoutMk cId="1624533910" sldId="2147483688"/>
+              <ac:spMk id="4" creationId="{00000000-0000-0000-0000-000000000000}"/>
+            </ac:spMkLst>
+          </pc:spChg>
+        </pc:sldLayoutChg>
+        <pc:sldLayoutChg chg="modSp">
+          <pc:chgData name="Maxwell Cook" userId="6270a8f4b8f62cae" providerId="LiveId" clId="{5064C11E-9D4E-8941-A2BE-AE2A4CD31B41}" dt="2023-08-30T16:58:21.625" v="16"/>
+          <pc:sldLayoutMkLst>
+            <pc:docMk/>
+            <pc:sldMasterMk cId="805906788" sldId="2147483684"/>
+            <pc:sldLayoutMk cId="3922700655" sldId="2147483689"/>
+          </pc:sldLayoutMkLst>
+          <pc:spChg chg="mod">
+            <ac:chgData name="Maxwell Cook" userId="6270a8f4b8f62cae" providerId="LiveId" clId="{5064C11E-9D4E-8941-A2BE-AE2A4CD31B41}" dt="2023-08-30T16:58:21.625" v="16"/>
+            <ac:spMkLst>
+              <pc:docMk/>
+              <pc:sldMasterMk cId="805906788" sldId="2147483684"/>
+              <pc:sldLayoutMk cId="3922700655" sldId="2147483689"/>
+              <ac:spMk id="2" creationId="{00000000-0000-0000-0000-000000000000}"/>
+            </ac:spMkLst>
+          </pc:spChg>
+          <pc:spChg chg="mod">
+            <ac:chgData name="Maxwell Cook" userId="6270a8f4b8f62cae" providerId="LiveId" clId="{5064C11E-9D4E-8941-A2BE-AE2A4CD31B41}" dt="2023-08-30T16:58:21.625" v="16"/>
+            <ac:spMkLst>
+              <pc:docMk/>
+              <pc:sldMasterMk cId="805906788" sldId="2147483684"/>
+              <pc:sldLayoutMk cId="3922700655" sldId="2147483689"/>
+              <ac:spMk id="3" creationId="{00000000-0000-0000-0000-000000000000}"/>
+            </ac:spMkLst>
+          </pc:spChg>
+          <pc:spChg chg="mod">
+            <ac:chgData name="Maxwell Cook" userId="6270a8f4b8f62cae" providerId="LiveId" clId="{5064C11E-9D4E-8941-A2BE-AE2A4CD31B41}" dt="2023-08-30T16:58:21.625" v="16"/>
+            <ac:spMkLst>
+              <pc:docMk/>
+              <pc:sldMasterMk cId="805906788" sldId="2147483684"/>
+              <pc:sldLayoutMk cId="3922700655" sldId="2147483689"/>
+              <ac:spMk id="4" creationId="{00000000-0000-0000-0000-000000000000}"/>
+            </ac:spMkLst>
+          </pc:spChg>
+          <pc:spChg chg="mod">
+            <ac:chgData name="Maxwell Cook" userId="6270a8f4b8f62cae" providerId="LiveId" clId="{5064C11E-9D4E-8941-A2BE-AE2A4CD31B41}" dt="2023-08-30T16:58:21.625" v="16"/>
+            <ac:spMkLst>
+              <pc:docMk/>
+              <pc:sldMasterMk cId="805906788" sldId="2147483684"/>
+              <pc:sldLayoutMk cId="3922700655" sldId="2147483689"/>
+              <ac:spMk id="5" creationId="{00000000-0000-0000-0000-000000000000}"/>
+            </ac:spMkLst>
+          </pc:spChg>
+          <pc:spChg chg="mod">
+            <ac:chgData name="Maxwell Cook" userId="6270a8f4b8f62cae" providerId="LiveId" clId="{5064C11E-9D4E-8941-A2BE-AE2A4CD31B41}" dt="2023-08-30T16:58:21.625" v="16"/>
+            <ac:spMkLst>
+              <pc:docMk/>
+              <pc:sldMasterMk cId="805906788" sldId="2147483684"/>
+              <pc:sldLayoutMk cId="3922700655" sldId="2147483689"/>
+              <ac:spMk id="6" creationId="{00000000-0000-0000-0000-000000000000}"/>
+            </ac:spMkLst>
+          </pc:spChg>
+        </pc:sldLayoutChg>
+        <pc:sldLayoutChg chg="modSp">
+          <pc:chgData name="Maxwell Cook" userId="6270a8f4b8f62cae" providerId="LiveId" clId="{5064C11E-9D4E-8941-A2BE-AE2A4CD31B41}" dt="2023-08-30T16:58:21.625" v="16"/>
+          <pc:sldLayoutMkLst>
+            <pc:docMk/>
+            <pc:sldMasterMk cId="805906788" sldId="2147483684"/>
+            <pc:sldLayoutMk cId="1665539301" sldId="2147483692"/>
+          </pc:sldLayoutMkLst>
+          <pc:spChg chg="mod">
+            <ac:chgData name="Maxwell Cook" userId="6270a8f4b8f62cae" providerId="LiveId" clId="{5064C11E-9D4E-8941-A2BE-AE2A4CD31B41}" dt="2023-08-30T16:58:21.625" v="16"/>
+            <ac:spMkLst>
+              <pc:docMk/>
+              <pc:sldMasterMk cId="805906788" sldId="2147483684"/>
+              <pc:sldLayoutMk cId="1665539301" sldId="2147483692"/>
+              <ac:spMk id="2" creationId="{00000000-0000-0000-0000-000000000000}"/>
+            </ac:spMkLst>
+          </pc:spChg>
+          <pc:spChg chg="mod">
+            <ac:chgData name="Maxwell Cook" userId="6270a8f4b8f62cae" providerId="LiveId" clId="{5064C11E-9D4E-8941-A2BE-AE2A4CD31B41}" dt="2023-08-30T16:58:21.625" v="16"/>
+            <ac:spMkLst>
+              <pc:docMk/>
+              <pc:sldMasterMk cId="805906788" sldId="2147483684"/>
+              <pc:sldLayoutMk cId="1665539301" sldId="2147483692"/>
+              <ac:spMk id="3" creationId="{00000000-0000-0000-0000-000000000000}"/>
+            </ac:spMkLst>
+          </pc:spChg>
+          <pc:spChg chg="mod">
+            <ac:chgData name="Maxwell Cook" userId="6270a8f4b8f62cae" providerId="LiveId" clId="{5064C11E-9D4E-8941-A2BE-AE2A4CD31B41}" dt="2023-08-30T16:58:21.625" v="16"/>
+            <ac:spMkLst>
+              <pc:docMk/>
+              <pc:sldMasterMk cId="805906788" sldId="2147483684"/>
+              <pc:sldLayoutMk cId="1665539301" sldId="2147483692"/>
+              <ac:spMk id="4" creationId="{00000000-0000-0000-0000-000000000000}"/>
+            </ac:spMkLst>
+          </pc:spChg>
+        </pc:sldLayoutChg>
+        <pc:sldLayoutChg chg="modSp">
+          <pc:chgData name="Maxwell Cook" userId="6270a8f4b8f62cae" providerId="LiveId" clId="{5064C11E-9D4E-8941-A2BE-AE2A4CD31B41}" dt="2023-08-30T16:58:21.625" v="16"/>
+          <pc:sldLayoutMkLst>
+            <pc:docMk/>
+            <pc:sldMasterMk cId="805906788" sldId="2147483684"/>
+            <pc:sldLayoutMk cId="1377596188" sldId="2147483693"/>
+          </pc:sldLayoutMkLst>
+          <pc:spChg chg="mod">
+            <ac:chgData name="Maxwell Cook" userId="6270a8f4b8f62cae" providerId="LiveId" clId="{5064C11E-9D4E-8941-A2BE-AE2A4CD31B41}" dt="2023-08-30T16:58:21.625" v="16"/>
+            <ac:spMkLst>
+              <pc:docMk/>
+              <pc:sldMasterMk cId="805906788" sldId="2147483684"/>
+              <pc:sldLayoutMk cId="1377596188" sldId="2147483693"/>
+              <ac:spMk id="2" creationId="{00000000-0000-0000-0000-000000000000}"/>
+            </ac:spMkLst>
+          </pc:spChg>
+          <pc:spChg chg="mod">
+            <ac:chgData name="Maxwell Cook" userId="6270a8f4b8f62cae" providerId="LiveId" clId="{5064C11E-9D4E-8941-A2BE-AE2A4CD31B41}" dt="2023-08-30T16:58:21.625" v="16"/>
+            <ac:spMkLst>
+              <pc:docMk/>
+              <pc:sldMasterMk cId="805906788" sldId="2147483684"/>
+              <pc:sldLayoutMk cId="1377596188" sldId="2147483693"/>
+              <ac:spMk id="3" creationId="{00000000-0000-0000-0000-000000000000}"/>
+            </ac:spMkLst>
+          </pc:spChg>
+          <pc:spChg chg="mod">
+            <ac:chgData name="Maxwell Cook" userId="6270a8f4b8f62cae" providerId="LiveId" clId="{5064C11E-9D4E-8941-A2BE-AE2A4CD31B41}" dt="2023-08-30T16:58:21.625" v="16"/>
+            <ac:spMkLst>
+              <pc:docMk/>
+              <pc:sldMasterMk cId="805906788" sldId="2147483684"/>
+              <pc:sldLayoutMk cId="1377596188" sldId="2147483693"/>
+              <ac:spMk id="4" creationId="{00000000-0000-0000-0000-000000000000}"/>
+            </ac:spMkLst>
+          </pc:spChg>
+        </pc:sldLayoutChg>
+        <pc:sldLayoutChg chg="modSp">
+          <pc:chgData name="Maxwell Cook" userId="6270a8f4b8f62cae" providerId="LiveId" clId="{5064C11E-9D4E-8941-A2BE-AE2A4CD31B41}" dt="2023-08-30T16:58:21.625" v="16"/>
+          <pc:sldLayoutMkLst>
+            <pc:docMk/>
+            <pc:sldMasterMk cId="805906788" sldId="2147483684"/>
+            <pc:sldLayoutMk cId="1554714573" sldId="2147483695"/>
+          </pc:sldLayoutMkLst>
+          <pc:spChg chg="mod">
+            <ac:chgData name="Maxwell Cook" userId="6270a8f4b8f62cae" providerId="LiveId" clId="{5064C11E-9D4E-8941-A2BE-AE2A4CD31B41}" dt="2023-08-30T16:58:21.625" v="16"/>
+            <ac:spMkLst>
+              <pc:docMk/>
+              <pc:sldMasterMk cId="805906788" sldId="2147483684"/>
+              <pc:sldLayoutMk cId="1554714573" sldId="2147483695"/>
+              <ac:spMk id="2" creationId="{00000000-0000-0000-0000-000000000000}"/>
+            </ac:spMkLst>
+          </pc:spChg>
+          <pc:spChg chg="mod">
+            <ac:chgData name="Maxwell Cook" userId="6270a8f4b8f62cae" providerId="LiveId" clId="{5064C11E-9D4E-8941-A2BE-AE2A4CD31B41}" dt="2023-08-30T16:58:21.625" v="16"/>
+            <ac:spMkLst>
+              <pc:docMk/>
+              <pc:sldMasterMk cId="805906788" sldId="2147483684"/>
+              <pc:sldLayoutMk cId="1554714573" sldId="2147483695"/>
+              <ac:spMk id="3" creationId="{00000000-0000-0000-0000-000000000000}"/>
+            </ac:spMkLst>
+          </pc:spChg>
+        </pc:sldLayoutChg>
+      </pc:sldMasterChg>
+    </pc:docChg>
+  </pc:docChgLst>
+</pc:chgInfo>
 </file>
 
 <file path=ppt/slideLayouts/slideLayout1.xml><?xml version="1.0" encoding="utf-8"?>
@@ -136,15 +1001,15 @@
         </p:nvSpPr>
         <p:spPr>
           <a:xfrm>
-            <a:off x="514350" y="1197187"/>
-            <a:ext cx="5829300" cy="2546773"/>
+            <a:off x="445770" y="1197187"/>
+            <a:ext cx="5052060" cy="2546773"/>
           </a:xfrm>
         </p:spPr>
         <p:txBody>
           <a:bodyPr anchor="b"/>
           <a:lstStyle>
             <a:lvl1pPr algn="ctr">
-              <a:defRPr sz="4500"/>
+              <a:defRPr sz="3900"/>
             </a:lvl1pPr>
           </a:lstStyle>
           <a:p>
@@ -168,8 +1033,8 @@
         </p:nvSpPr>
         <p:spPr>
           <a:xfrm>
-            <a:off x="857250" y="3842174"/>
-            <a:ext cx="5143500" cy="1766146"/>
+            <a:off x="742950" y="3842174"/>
+            <a:ext cx="4457700" cy="1766146"/>
           </a:xfrm>
         </p:spPr>
         <p:txBody>
@@ -177,39 +1042,39 @@
           <a:lstStyle>
             <a:lvl1pPr marL="0" indent="0" algn="ctr">
               <a:buNone/>
-              <a:defRPr sz="1800"/>
+              <a:defRPr sz="1560"/>
             </a:lvl1pPr>
-            <a:lvl2pPr marL="342900" indent="0" algn="ctr">
-              <a:buNone/>
-              <a:defRPr sz="1500"/>
+            <a:lvl2pPr marL="297180" indent="0" algn="ctr">
+              <a:buNone/>
+              <a:defRPr sz="1300"/>
             </a:lvl2pPr>
-            <a:lvl3pPr marL="685800" indent="0" algn="ctr">
-              <a:buNone/>
-              <a:defRPr sz="1350"/>
+            <a:lvl3pPr marL="594360" indent="0" algn="ctr">
+              <a:buNone/>
+              <a:defRPr sz="1170"/>
             </a:lvl3pPr>
-            <a:lvl4pPr marL="1028700" indent="0" algn="ctr">
-              <a:buNone/>
-              <a:defRPr sz="1200"/>
+            <a:lvl4pPr marL="891540" indent="0" algn="ctr">
+              <a:buNone/>
+              <a:defRPr sz="1040"/>
             </a:lvl4pPr>
-            <a:lvl5pPr marL="1371600" indent="0" algn="ctr">
-              <a:buNone/>
-              <a:defRPr sz="1200"/>
+            <a:lvl5pPr marL="1188720" indent="0" algn="ctr">
+              <a:buNone/>
+              <a:defRPr sz="1040"/>
             </a:lvl5pPr>
-            <a:lvl6pPr marL="1714500" indent="0" algn="ctr">
-              <a:buNone/>
-              <a:defRPr sz="1200"/>
+            <a:lvl6pPr marL="1485900" indent="0" algn="ctr">
+              <a:buNone/>
+              <a:defRPr sz="1040"/>
             </a:lvl6pPr>
-            <a:lvl7pPr marL="2057400" indent="0" algn="ctr">
-              <a:buNone/>
-              <a:defRPr sz="1200"/>
+            <a:lvl7pPr marL="1783080" indent="0" algn="ctr">
+              <a:buNone/>
+              <a:defRPr sz="1040"/>
             </a:lvl7pPr>
-            <a:lvl8pPr marL="2400300" indent="0" algn="ctr">
-              <a:buNone/>
-              <a:defRPr sz="1200"/>
+            <a:lvl8pPr marL="2080260" indent="0" algn="ctr">
+              <a:buNone/>
+              <a:defRPr sz="1040"/>
             </a:lvl8pPr>
-            <a:lvl9pPr marL="2743200" indent="0" algn="ctr">
-              <a:buNone/>
-              <a:defRPr sz="1200"/>
+            <a:lvl9pPr marL="2377440" indent="0" algn="ctr">
+              <a:buNone/>
+              <a:defRPr sz="1040"/>
             </a:lvl9pPr>
           </a:lstStyle>
           <a:p>
@@ -238,7 +1103,7 @@
           <a:p>
             <a:fld id="{7E773BE6-0A1E-D04A-93D4-644A66363E90}" type="datetimeFigureOut">
               <a:rPr lang="en-US" smtClean="0"/>
-              <a:t>8/29/23</a:t>
+              <a:t>8/30/23</a:t>
             </a:fld>
             <a:endParaRPr lang="en-US"/>
           </a:p>
@@ -289,7 +1154,7 @@
     </p:spTree>
     <p:extLst>
       <p:ext uri="{BB962C8B-B14F-4D97-AF65-F5344CB8AC3E}">
-        <p14:creationId xmlns:p14="http://schemas.microsoft.com/office/powerpoint/2010/main" val="2253946723"/>
+        <p14:creationId xmlns:p14="http://schemas.microsoft.com/office/powerpoint/2010/main" val="2849748365"/>
       </p:ext>
     </p:extLst>
   </p:cSld>
@@ -408,7 +1273,7 @@
           <a:p>
             <a:fld id="{7E773BE6-0A1E-D04A-93D4-644A66363E90}" type="datetimeFigureOut">
               <a:rPr lang="en-US" smtClean="0"/>
-              <a:t>8/29/23</a:t>
+              <a:t>8/30/23</a:t>
             </a:fld>
             <a:endParaRPr lang="en-US"/>
           </a:p>
@@ -459,7 +1324,7 @@
     </p:spTree>
     <p:extLst>
       <p:ext uri="{BB962C8B-B14F-4D97-AF65-F5344CB8AC3E}">
-        <p14:creationId xmlns:p14="http://schemas.microsoft.com/office/powerpoint/2010/main" val="3346399205"/>
+        <p14:creationId xmlns:p14="http://schemas.microsoft.com/office/powerpoint/2010/main" val="2628725195"/>
       </p:ext>
     </p:extLst>
   </p:cSld>
@@ -498,8 +1363,8 @@
         </p:nvSpPr>
         <p:spPr>
           <a:xfrm>
-            <a:off x="4907757" y="389467"/>
-            <a:ext cx="1478756" cy="6199294"/>
+            <a:off x="4253389" y="389467"/>
+            <a:ext cx="1281589" cy="6199294"/>
           </a:xfrm>
         </p:spPr>
         <p:txBody>
@@ -526,8 +1391,8 @@
         </p:nvSpPr>
         <p:spPr>
           <a:xfrm>
-            <a:off x="471488" y="389467"/>
-            <a:ext cx="4350544" cy="6199294"/>
+            <a:off x="408623" y="389467"/>
+            <a:ext cx="3770471" cy="6199294"/>
           </a:xfrm>
         </p:spPr>
         <p:txBody>
@@ -588,7 +1453,7 @@
           <a:p>
             <a:fld id="{7E773BE6-0A1E-D04A-93D4-644A66363E90}" type="datetimeFigureOut">
               <a:rPr lang="en-US" smtClean="0"/>
-              <a:t>8/29/23</a:t>
+              <a:t>8/30/23</a:t>
             </a:fld>
             <a:endParaRPr lang="en-US"/>
           </a:p>
@@ -639,7 +1504,7 @@
     </p:spTree>
     <p:extLst>
       <p:ext uri="{BB962C8B-B14F-4D97-AF65-F5344CB8AC3E}">
-        <p14:creationId xmlns:p14="http://schemas.microsoft.com/office/powerpoint/2010/main" val="218020791"/>
+        <p14:creationId xmlns:p14="http://schemas.microsoft.com/office/powerpoint/2010/main" val="4277848042"/>
       </p:ext>
     </p:extLst>
   </p:cSld>
@@ -758,7 +1623,7 @@
           <a:p>
             <a:fld id="{7E773BE6-0A1E-D04A-93D4-644A66363E90}" type="datetimeFigureOut">
               <a:rPr lang="en-US" smtClean="0"/>
-              <a:t>8/29/23</a:t>
+              <a:t>8/30/23</a:t>
             </a:fld>
             <a:endParaRPr lang="en-US"/>
           </a:p>
@@ -809,7 +1674,7 @@
     </p:spTree>
     <p:extLst>
       <p:ext uri="{BB962C8B-B14F-4D97-AF65-F5344CB8AC3E}">
-        <p14:creationId xmlns:p14="http://schemas.microsoft.com/office/powerpoint/2010/main" val="2828393654"/>
+        <p14:creationId xmlns:p14="http://schemas.microsoft.com/office/powerpoint/2010/main" val="1044599966"/>
       </p:ext>
     </p:extLst>
   </p:cSld>
@@ -848,15 +1713,15 @@
         </p:nvSpPr>
         <p:spPr>
           <a:xfrm>
-            <a:off x="467916" y="1823722"/>
-            <a:ext cx="5915025" cy="3042919"/>
+            <a:off x="405527" y="1823722"/>
+            <a:ext cx="5126355" cy="3042919"/>
           </a:xfrm>
         </p:spPr>
         <p:txBody>
           <a:bodyPr anchor="b"/>
           <a:lstStyle>
             <a:lvl1pPr>
-              <a:defRPr sz="4500"/>
+              <a:defRPr sz="3900"/>
             </a:lvl1pPr>
           </a:lstStyle>
           <a:p>
@@ -880,8 +1745,8 @@
         </p:nvSpPr>
         <p:spPr>
           <a:xfrm>
-            <a:off x="467916" y="4895429"/>
-            <a:ext cx="5915025" cy="1600199"/>
+            <a:off x="405527" y="4895429"/>
+            <a:ext cx="5126355" cy="1600199"/>
           </a:xfrm>
         </p:spPr>
         <p:txBody>
@@ -889,15 +1754,15 @@
           <a:lstStyle>
             <a:lvl1pPr marL="0" indent="0">
               <a:buNone/>
-              <a:defRPr sz="1800">
+              <a:defRPr sz="1560">
                 <a:solidFill>
                   <a:schemeClr val="tx1"/>
                 </a:solidFill>
               </a:defRPr>
             </a:lvl1pPr>
-            <a:lvl2pPr marL="342900" indent="0">
-              <a:buNone/>
-              <a:defRPr sz="1500">
+            <a:lvl2pPr marL="297180" indent="0">
+              <a:buNone/>
+              <a:defRPr sz="1300">
                 <a:solidFill>
                   <a:schemeClr val="tx1">
                     <a:tint val="75000"/>
@@ -905,9 +1770,9 @@
                 </a:solidFill>
               </a:defRPr>
             </a:lvl2pPr>
-            <a:lvl3pPr marL="685800" indent="0">
-              <a:buNone/>
-              <a:defRPr sz="1350">
+            <a:lvl3pPr marL="594360" indent="0">
+              <a:buNone/>
+              <a:defRPr sz="1170">
                 <a:solidFill>
                   <a:schemeClr val="tx1">
                     <a:tint val="75000"/>
@@ -915,9 +1780,9 @@
                 </a:solidFill>
               </a:defRPr>
             </a:lvl3pPr>
-            <a:lvl4pPr marL="1028700" indent="0">
-              <a:buNone/>
-              <a:defRPr sz="1200">
+            <a:lvl4pPr marL="891540" indent="0">
+              <a:buNone/>
+              <a:defRPr sz="1040">
                 <a:solidFill>
                   <a:schemeClr val="tx1">
                     <a:tint val="75000"/>
@@ -925,9 +1790,9 @@
                 </a:solidFill>
               </a:defRPr>
             </a:lvl4pPr>
-            <a:lvl5pPr marL="1371600" indent="0">
-              <a:buNone/>
-              <a:defRPr sz="1200">
+            <a:lvl5pPr marL="1188720" indent="0">
+              <a:buNone/>
+              <a:defRPr sz="1040">
                 <a:solidFill>
                   <a:schemeClr val="tx1">
                     <a:tint val="75000"/>
@@ -935,9 +1800,9 @@
                 </a:solidFill>
               </a:defRPr>
             </a:lvl5pPr>
-            <a:lvl6pPr marL="1714500" indent="0">
-              <a:buNone/>
-              <a:defRPr sz="1200">
+            <a:lvl6pPr marL="1485900" indent="0">
+              <a:buNone/>
+              <a:defRPr sz="1040">
                 <a:solidFill>
                   <a:schemeClr val="tx1">
                     <a:tint val="75000"/>
@@ -945,9 +1810,9 @@
                 </a:solidFill>
               </a:defRPr>
             </a:lvl6pPr>
-            <a:lvl7pPr marL="2057400" indent="0">
-              <a:buNone/>
-              <a:defRPr sz="1200">
+            <a:lvl7pPr marL="1783080" indent="0">
+              <a:buNone/>
+              <a:defRPr sz="1040">
                 <a:solidFill>
                   <a:schemeClr val="tx1">
                     <a:tint val="75000"/>
@@ -955,9 +1820,9 @@
                 </a:solidFill>
               </a:defRPr>
             </a:lvl7pPr>
-            <a:lvl8pPr marL="2400300" indent="0">
-              <a:buNone/>
-              <a:defRPr sz="1200">
+            <a:lvl8pPr marL="2080260" indent="0">
+              <a:buNone/>
+              <a:defRPr sz="1040">
                 <a:solidFill>
                   <a:schemeClr val="tx1">
                     <a:tint val="75000"/>
@@ -965,9 +1830,9 @@
                 </a:solidFill>
               </a:defRPr>
             </a:lvl8pPr>
-            <a:lvl9pPr marL="2743200" indent="0">
-              <a:buNone/>
-              <a:defRPr sz="1200">
+            <a:lvl9pPr marL="2377440" indent="0">
+              <a:buNone/>
+              <a:defRPr sz="1040">
                 <a:solidFill>
                   <a:schemeClr val="tx1">
                     <a:tint val="75000"/>
@@ -1002,7 +1867,7 @@
           <a:p>
             <a:fld id="{7E773BE6-0A1E-D04A-93D4-644A66363E90}" type="datetimeFigureOut">
               <a:rPr lang="en-US" smtClean="0"/>
-              <a:t>8/29/23</a:t>
+              <a:t>8/30/23</a:t>
             </a:fld>
             <a:endParaRPr lang="en-US"/>
           </a:p>
@@ -1053,7 +1918,7 @@
     </p:spTree>
     <p:extLst>
       <p:ext uri="{BB962C8B-B14F-4D97-AF65-F5344CB8AC3E}">
-        <p14:creationId xmlns:p14="http://schemas.microsoft.com/office/powerpoint/2010/main" val="2724168220"/>
+        <p14:creationId xmlns:p14="http://schemas.microsoft.com/office/powerpoint/2010/main" val="4053429227"/>
       </p:ext>
     </p:extLst>
   </p:cSld>
@@ -1115,8 +1980,8 @@
         </p:nvSpPr>
         <p:spPr>
           <a:xfrm>
-            <a:off x="471488" y="1947333"/>
-            <a:ext cx="2914650" cy="4641427"/>
+            <a:off x="408623" y="1947333"/>
+            <a:ext cx="2526030" cy="4641427"/>
           </a:xfrm>
         </p:spPr>
         <p:txBody>
@@ -1172,8 +2037,8 @@
         </p:nvSpPr>
         <p:spPr>
           <a:xfrm>
-            <a:off x="3471863" y="1947333"/>
-            <a:ext cx="2914650" cy="4641427"/>
+            <a:off x="3008948" y="1947333"/>
+            <a:ext cx="2526030" cy="4641427"/>
           </a:xfrm>
         </p:spPr>
         <p:txBody>
@@ -1234,7 +2099,7 @@
           <a:p>
             <a:fld id="{7E773BE6-0A1E-D04A-93D4-644A66363E90}" type="datetimeFigureOut">
               <a:rPr lang="en-US" smtClean="0"/>
-              <a:t>8/29/23</a:t>
+              <a:t>8/30/23</a:t>
             </a:fld>
             <a:endParaRPr lang="en-US"/>
           </a:p>
@@ -1285,7 +2150,7 @@
     </p:spTree>
     <p:extLst>
       <p:ext uri="{BB962C8B-B14F-4D97-AF65-F5344CB8AC3E}">
-        <p14:creationId xmlns:p14="http://schemas.microsoft.com/office/powerpoint/2010/main" val="3075857211"/>
+        <p14:creationId xmlns:p14="http://schemas.microsoft.com/office/powerpoint/2010/main" val="1214906396"/>
       </p:ext>
     </p:extLst>
   </p:cSld>
@@ -1324,8 +2189,8 @@
         </p:nvSpPr>
         <p:spPr>
           <a:xfrm>
-            <a:off x="472381" y="389468"/>
-            <a:ext cx="5915025" cy="1413934"/>
+            <a:off x="409397" y="389468"/>
+            <a:ext cx="5126355" cy="1413934"/>
           </a:xfrm>
         </p:spPr>
         <p:txBody>
@@ -1352,8 +2217,8 @@
         </p:nvSpPr>
         <p:spPr>
           <a:xfrm>
-            <a:off x="472381" y="1793241"/>
-            <a:ext cx="2901255" cy="878839"/>
+            <a:off x="409397" y="1793241"/>
+            <a:ext cx="2514421" cy="878839"/>
           </a:xfrm>
         </p:spPr>
         <p:txBody>
@@ -1361,39 +2226,39 @@
           <a:lstStyle>
             <a:lvl1pPr marL="0" indent="0">
               <a:buNone/>
-              <a:defRPr sz="1800" b="1"/>
+              <a:defRPr sz="1560" b="1"/>
             </a:lvl1pPr>
-            <a:lvl2pPr marL="342900" indent="0">
-              <a:buNone/>
-              <a:defRPr sz="1500" b="1"/>
+            <a:lvl2pPr marL="297180" indent="0">
+              <a:buNone/>
+              <a:defRPr sz="1300" b="1"/>
             </a:lvl2pPr>
-            <a:lvl3pPr marL="685800" indent="0">
-              <a:buNone/>
-              <a:defRPr sz="1350" b="1"/>
+            <a:lvl3pPr marL="594360" indent="0">
+              <a:buNone/>
+              <a:defRPr sz="1170" b="1"/>
             </a:lvl3pPr>
-            <a:lvl4pPr marL="1028700" indent="0">
-              <a:buNone/>
-              <a:defRPr sz="1200" b="1"/>
+            <a:lvl4pPr marL="891540" indent="0">
+              <a:buNone/>
+              <a:defRPr sz="1040" b="1"/>
             </a:lvl4pPr>
-            <a:lvl5pPr marL="1371600" indent="0">
-              <a:buNone/>
-              <a:defRPr sz="1200" b="1"/>
+            <a:lvl5pPr marL="1188720" indent="0">
+              <a:buNone/>
+              <a:defRPr sz="1040" b="1"/>
             </a:lvl5pPr>
-            <a:lvl6pPr marL="1714500" indent="0">
-              <a:buNone/>
-              <a:defRPr sz="1200" b="1"/>
+            <a:lvl6pPr marL="1485900" indent="0">
+              <a:buNone/>
+              <a:defRPr sz="1040" b="1"/>
             </a:lvl6pPr>
-            <a:lvl7pPr marL="2057400" indent="0">
-              <a:buNone/>
-              <a:defRPr sz="1200" b="1"/>
+            <a:lvl7pPr marL="1783080" indent="0">
+              <a:buNone/>
+              <a:defRPr sz="1040" b="1"/>
             </a:lvl7pPr>
-            <a:lvl8pPr marL="2400300" indent="0">
-              <a:buNone/>
-              <a:defRPr sz="1200" b="1"/>
+            <a:lvl8pPr marL="2080260" indent="0">
+              <a:buNone/>
+              <a:defRPr sz="1040" b="1"/>
             </a:lvl8pPr>
-            <a:lvl9pPr marL="2743200" indent="0">
-              <a:buNone/>
-              <a:defRPr sz="1200" b="1"/>
+            <a:lvl9pPr marL="2377440" indent="0">
+              <a:buNone/>
+              <a:defRPr sz="1040" b="1"/>
             </a:lvl9pPr>
           </a:lstStyle>
           <a:p>
@@ -1417,8 +2282,8 @@
         </p:nvSpPr>
         <p:spPr>
           <a:xfrm>
-            <a:off x="472381" y="2672080"/>
-            <a:ext cx="2901255" cy="3930227"/>
+            <a:off x="409397" y="2672080"/>
+            <a:ext cx="2514421" cy="3930227"/>
           </a:xfrm>
         </p:spPr>
         <p:txBody>
@@ -1474,8 +2339,8 @@
         </p:nvSpPr>
         <p:spPr>
           <a:xfrm>
-            <a:off x="3471863" y="1793241"/>
-            <a:ext cx="2915543" cy="878839"/>
+            <a:off x="3008948" y="1793241"/>
+            <a:ext cx="2526804" cy="878839"/>
           </a:xfrm>
         </p:spPr>
         <p:txBody>
@@ -1483,39 +2348,39 @@
           <a:lstStyle>
             <a:lvl1pPr marL="0" indent="0">
               <a:buNone/>
-              <a:defRPr sz="1800" b="1"/>
+              <a:defRPr sz="1560" b="1"/>
             </a:lvl1pPr>
-            <a:lvl2pPr marL="342900" indent="0">
-              <a:buNone/>
-              <a:defRPr sz="1500" b="1"/>
+            <a:lvl2pPr marL="297180" indent="0">
+              <a:buNone/>
+              <a:defRPr sz="1300" b="1"/>
             </a:lvl2pPr>
-            <a:lvl3pPr marL="685800" indent="0">
-              <a:buNone/>
-              <a:defRPr sz="1350" b="1"/>
+            <a:lvl3pPr marL="594360" indent="0">
+              <a:buNone/>
+              <a:defRPr sz="1170" b="1"/>
             </a:lvl3pPr>
-            <a:lvl4pPr marL="1028700" indent="0">
-              <a:buNone/>
-              <a:defRPr sz="1200" b="1"/>
+            <a:lvl4pPr marL="891540" indent="0">
+              <a:buNone/>
+              <a:defRPr sz="1040" b="1"/>
             </a:lvl4pPr>
-            <a:lvl5pPr marL="1371600" indent="0">
-              <a:buNone/>
-              <a:defRPr sz="1200" b="1"/>
+            <a:lvl5pPr marL="1188720" indent="0">
+              <a:buNone/>
+              <a:defRPr sz="1040" b="1"/>
             </a:lvl5pPr>
-            <a:lvl6pPr marL="1714500" indent="0">
-              <a:buNone/>
-              <a:defRPr sz="1200" b="1"/>
+            <a:lvl6pPr marL="1485900" indent="0">
+              <a:buNone/>
+              <a:defRPr sz="1040" b="1"/>
             </a:lvl6pPr>
-            <a:lvl7pPr marL="2057400" indent="0">
-              <a:buNone/>
-              <a:defRPr sz="1200" b="1"/>
+            <a:lvl7pPr marL="1783080" indent="0">
+              <a:buNone/>
+              <a:defRPr sz="1040" b="1"/>
             </a:lvl7pPr>
-            <a:lvl8pPr marL="2400300" indent="0">
-              <a:buNone/>
-              <a:defRPr sz="1200" b="1"/>
+            <a:lvl8pPr marL="2080260" indent="0">
+              <a:buNone/>
+              <a:defRPr sz="1040" b="1"/>
             </a:lvl8pPr>
-            <a:lvl9pPr marL="2743200" indent="0">
-              <a:buNone/>
-              <a:defRPr sz="1200" b="1"/>
+            <a:lvl9pPr marL="2377440" indent="0">
+              <a:buNone/>
+              <a:defRPr sz="1040" b="1"/>
             </a:lvl9pPr>
           </a:lstStyle>
           <a:p>
@@ -1539,8 +2404,8 @@
         </p:nvSpPr>
         <p:spPr>
           <a:xfrm>
-            <a:off x="3471863" y="2672080"/>
-            <a:ext cx="2915543" cy="3930227"/>
+            <a:off x="3008948" y="2672080"/>
+            <a:ext cx="2526804" cy="3930227"/>
           </a:xfrm>
         </p:spPr>
         <p:txBody>
@@ -1601,7 +2466,7 @@
           <a:p>
             <a:fld id="{7E773BE6-0A1E-D04A-93D4-644A66363E90}" type="datetimeFigureOut">
               <a:rPr lang="en-US" smtClean="0"/>
-              <a:t>8/29/23</a:t>
+              <a:t>8/30/23</a:t>
             </a:fld>
             <a:endParaRPr lang="en-US"/>
           </a:p>
@@ -1652,7 +2517,7 @@
     </p:spTree>
     <p:extLst>
       <p:ext uri="{BB962C8B-B14F-4D97-AF65-F5344CB8AC3E}">
-        <p14:creationId xmlns:p14="http://schemas.microsoft.com/office/powerpoint/2010/main" val="3065533319"/>
+        <p14:creationId xmlns:p14="http://schemas.microsoft.com/office/powerpoint/2010/main" val="472187342"/>
       </p:ext>
     </p:extLst>
   </p:cSld>
@@ -1719,7 +2584,7 @@
           <a:p>
             <a:fld id="{7E773BE6-0A1E-D04A-93D4-644A66363E90}" type="datetimeFigureOut">
               <a:rPr lang="en-US" smtClean="0"/>
-              <a:t>8/29/23</a:t>
+              <a:t>8/30/23</a:t>
             </a:fld>
             <a:endParaRPr lang="en-US"/>
           </a:p>
@@ -1770,7 +2635,7 @@
     </p:spTree>
     <p:extLst>
       <p:ext uri="{BB962C8B-B14F-4D97-AF65-F5344CB8AC3E}">
-        <p14:creationId xmlns:p14="http://schemas.microsoft.com/office/powerpoint/2010/main" val="3012653331"/>
+        <p14:creationId xmlns:p14="http://schemas.microsoft.com/office/powerpoint/2010/main" val="3238353615"/>
       </p:ext>
     </p:extLst>
   </p:cSld>
@@ -1814,7 +2679,7 @@
           <a:p>
             <a:fld id="{7E773BE6-0A1E-D04A-93D4-644A66363E90}" type="datetimeFigureOut">
               <a:rPr lang="en-US" smtClean="0"/>
-              <a:t>8/29/23</a:t>
+              <a:t>8/30/23</a:t>
             </a:fld>
             <a:endParaRPr lang="en-US"/>
           </a:p>
@@ -1865,7 +2730,7 @@
     </p:spTree>
     <p:extLst>
       <p:ext uri="{BB962C8B-B14F-4D97-AF65-F5344CB8AC3E}">
-        <p14:creationId xmlns:p14="http://schemas.microsoft.com/office/powerpoint/2010/main" val="2048347327"/>
+        <p14:creationId xmlns:p14="http://schemas.microsoft.com/office/powerpoint/2010/main" val="1425641742"/>
       </p:ext>
     </p:extLst>
   </p:cSld>
@@ -1904,15 +2769,15 @@
         </p:nvSpPr>
         <p:spPr>
           <a:xfrm>
-            <a:off x="472381" y="487680"/>
-            <a:ext cx="2211884" cy="1706880"/>
+            <a:off x="409397" y="487680"/>
+            <a:ext cx="1916966" cy="1706880"/>
           </a:xfrm>
         </p:spPr>
         <p:txBody>
           <a:bodyPr anchor="b"/>
           <a:lstStyle>
             <a:lvl1pPr>
-              <a:defRPr sz="2400"/>
+              <a:defRPr sz="2080"/>
             </a:lvl1pPr>
           </a:lstStyle>
           <a:p>
@@ -1936,39 +2801,39 @@
         </p:nvSpPr>
         <p:spPr>
           <a:xfrm>
-            <a:off x="2915543" y="1053255"/>
-            <a:ext cx="3471863" cy="5198533"/>
+            <a:off x="2526804" y="1053255"/>
+            <a:ext cx="3008948" cy="5198533"/>
           </a:xfrm>
         </p:spPr>
         <p:txBody>
           <a:bodyPr/>
           <a:lstStyle>
             <a:lvl1pPr>
-              <a:defRPr sz="2400"/>
+              <a:defRPr sz="2080"/>
             </a:lvl1pPr>
             <a:lvl2pPr>
-              <a:defRPr sz="2100"/>
+              <a:defRPr sz="1820"/>
             </a:lvl2pPr>
             <a:lvl3pPr>
-              <a:defRPr sz="1800"/>
+              <a:defRPr sz="1560"/>
             </a:lvl3pPr>
             <a:lvl4pPr>
-              <a:defRPr sz="1500"/>
+              <a:defRPr sz="1300"/>
             </a:lvl4pPr>
             <a:lvl5pPr>
-              <a:defRPr sz="1500"/>
+              <a:defRPr sz="1300"/>
             </a:lvl5pPr>
             <a:lvl6pPr>
-              <a:defRPr sz="1500"/>
+              <a:defRPr sz="1300"/>
             </a:lvl6pPr>
             <a:lvl7pPr>
-              <a:defRPr sz="1500"/>
+              <a:defRPr sz="1300"/>
             </a:lvl7pPr>
             <a:lvl8pPr>
-              <a:defRPr sz="1500"/>
+              <a:defRPr sz="1300"/>
             </a:lvl8pPr>
             <a:lvl9pPr>
-              <a:defRPr sz="1500"/>
+              <a:defRPr sz="1300"/>
             </a:lvl9pPr>
           </a:lstStyle>
           <a:p>
@@ -2021,8 +2886,8 @@
         </p:nvSpPr>
         <p:spPr>
           <a:xfrm>
-            <a:off x="472381" y="2194560"/>
-            <a:ext cx="2211884" cy="4065694"/>
+            <a:off x="409397" y="2194560"/>
+            <a:ext cx="1916966" cy="4065694"/>
           </a:xfrm>
         </p:spPr>
         <p:txBody>
@@ -2030,39 +2895,39 @@
           <a:lstStyle>
             <a:lvl1pPr marL="0" indent="0">
               <a:buNone/>
-              <a:defRPr sz="1200"/>
+              <a:defRPr sz="1040"/>
             </a:lvl1pPr>
-            <a:lvl2pPr marL="342900" indent="0">
-              <a:buNone/>
-              <a:defRPr sz="1050"/>
+            <a:lvl2pPr marL="297180" indent="0">
+              <a:buNone/>
+              <a:defRPr sz="910"/>
             </a:lvl2pPr>
-            <a:lvl3pPr marL="685800" indent="0">
-              <a:buNone/>
-              <a:defRPr sz="900"/>
+            <a:lvl3pPr marL="594360" indent="0">
+              <a:buNone/>
+              <a:defRPr sz="780"/>
             </a:lvl3pPr>
-            <a:lvl4pPr marL="1028700" indent="0">
-              <a:buNone/>
-              <a:defRPr sz="750"/>
+            <a:lvl4pPr marL="891540" indent="0">
+              <a:buNone/>
+              <a:defRPr sz="650"/>
             </a:lvl4pPr>
-            <a:lvl5pPr marL="1371600" indent="0">
-              <a:buNone/>
-              <a:defRPr sz="750"/>
+            <a:lvl5pPr marL="1188720" indent="0">
+              <a:buNone/>
+              <a:defRPr sz="650"/>
             </a:lvl5pPr>
-            <a:lvl6pPr marL="1714500" indent="0">
-              <a:buNone/>
-              <a:defRPr sz="750"/>
+            <a:lvl6pPr marL="1485900" indent="0">
+              <a:buNone/>
+              <a:defRPr sz="650"/>
             </a:lvl6pPr>
-            <a:lvl7pPr marL="2057400" indent="0">
-              <a:buNone/>
-              <a:defRPr sz="750"/>
+            <a:lvl7pPr marL="1783080" indent="0">
+              <a:buNone/>
+              <a:defRPr sz="650"/>
             </a:lvl7pPr>
-            <a:lvl8pPr marL="2400300" indent="0">
-              <a:buNone/>
-              <a:defRPr sz="750"/>
+            <a:lvl8pPr marL="2080260" indent="0">
+              <a:buNone/>
+              <a:defRPr sz="650"/>
             </a:lvl8pPr>
-            <a:lvl9pPr marL="2743200" indent="0">
-              <a:buNone/>
-              <a:defRPr sz="750"/>
+            <a:lvl9pPr marL="2377440" indent="0">
+              <a:buNone/>
+              <a:defRPr sz="650"/>
             </a:lvl9pPr>
           </a:lstStyle>
           <a:p>
@@ -2091,7 +2956,7 @@
           <a:p>
             <a:fld id="{7E773BE6-0A1E-D04A-93D4-644A66363E90}" type="datetimeFigureOut">
               <a:rPr lang="en-US" smtClean="0"/>
-              <a:t>8/29/23</a:t>
+              <a:t>8/30/23</a:t>
             </a:fld>
             <a:endParaRPr lang="en-US"/>
           </a:p>
@@ -2142,7 +3007,7 @@
     </p:spTree>
     <p:extLst>
       <p:ext uri="{BB962C8B-B14F-4D97-AF65-F5344CB8AC3E}">
-        <p14:creationId xmlns:p14="http://schemas.microsoft.com/office/powerpoint/2010/main" val="2168036541"/>
+        <p14:creationId xmlns:p14="http://schemas.microsoft.com/office/powerpoint/2010/main" val="1806573557"/>
       </p:ext>
     </p:extLst>
   </p:cSld>
@@ -2181,15 +3046,15 @@
         </p:nvSpPr>
         <p:spPr>
           <a:xfrm>
-            <a:off x="472381" y="487680"/>
-            <a:ext cx="2211884" cy="1706880"/>
+            <a:off x="409397" y="487680"/>
+            <a:ext cx="1916966" cy="1706880"/>
           </a:xfrm>
         </p:spPr>
         <p:txBody>
           <a:bodyPr anchor="b"/>
           <a:lstStyle>
             <a:lvl1pPr>
-              <a:defRPr sz="2400"/>
+              <a:defRPr sz="2080"/>
             </a:lvl1pPr>
           </a:lstStyle>
           <a:p>
@@ -2213,8 +3078,8 @@
         </p:nvSpPr>
         <p:spPr>
           <a:xfrm>
-            <a:off x="2915543" y="1053255"/>
-            <a:ext cx="3471863" cy="5198533"/>
+            <a:off x="2526804" y="1053255"/>
+            <a:ext cx="3008948" cy="5198533"/>
           </a:xfrm>
         </p:spPr>
         <p:txBody>
@@ -2222,39 +3087,39 @@
           <a:lstStyle>
             <a:lvl1pPr marL="0" indent="0">
               <a:buNone/>
-              <a:defRPr sz="2400"/>
+              <a:defRPr sz="2080"/>
             </a:lvl1pPr>
-            <a:lvl2pPr marL="342900" indent="0">
-              <a:buNone/>
-              <a:defRPr sz="2100"/>
+            <a:lvl2pPr marL="297180" indent="0">
+              <a:buNone/>
+              <a:defRPr sz="1820"/>
             </a:lvl2pPr>
-            <a:lvl3pPr marL="685800" indent="0">
-              <a:buNone/>
-              <a:defRPr sz="1800"/>
+            <a:lvl3pPr marL="594360" indent="0">
+              <a:buNone/>
+              <a:defRPr sz="1560"/>
             </a:lvl3pPr>
-            <a:lvl4pPr marL="1028700" indent="0">
-              <a:buNone/>
-              <a:defRPr sz="1500"/>
+            <a:lvl4pPr marL="891540" indent="0">
+              <a:buNone/>
+              <a:defRPr sz="1300"/>
             </a:lvl4pPr>
-            <a:lvl5pPr marL="1371600" indent="0">
-              <a:buNone/>
-              <a:defRPr sz="1500"/>
+            <a:lvl5pPr marL="1188720" indent="0">
+              <a:buNone/>
+              <a:defRPr sz="1300"/>
             </a:lvl5pPr>
-            <a:lvl6pPr marL="1714500" indent="0">
-              <a:buNone/>
-              <a:defRPr sz="1500"/>
+            <a:lvl6pPr marL="1485900" indent="0">
+              <a:buNone/>
+              <a:defRPr sz="1300"/>
             </a:lvl6pPr>
-            <a:lvl7pPr marL="2057400" indent="0">
-              <a:buNone/>
-              <a:defRPr sz="1500"/>
+            <a:lvl7pPr marL="1783080" indent="0">
+              <a:buNone/>
+              <a:defRPr sz="1300"/>
             </a:lvl7pPr>
-            <a:lvl8pPr marL="2400300" indent="0">
-              <a:buNone/>
-              <a:defRPr sz="1500"/>
+            <a:lvl8pPr marL="2080260" indent="0">
+              <a:buNone/>
+              <a:defRPr sz="1300"/>
             </a:lvl8pPr>
-            <a:lvl9pPr marL="2743200" indent="0">
-              <a:buNone/>
-              <a:defRPr sz="1500"/>
+            <a:lvl9pPr marL="2377440" indent="0">
+              <a:buNone/>
+              <a:defRPr sz="1300"/>
             </a:lvl9pPr>
           </a:lstStyle>
           <a:p>
@@ -2278,8 +3143,8 @@
         </p:nvSpPr>
         <p:spPr>
           <a:xfrm>
-            <a:off x="472381" y="2194560"/>
-            <a:ext cx="2211884" cy="4065694"/>
+            <a:off x="409397" y="2194560"/>
+            <a:ext cx="1916966" cy="4065694"/>
           </a:xfrm>
         </p:spPr>
         <p:txBody>
@@ -2287,39 +3152,39 @@
           <a:lstStyle>
             <a:lvl1pPr marL="0" indent="0">
               <a:buNone/>
-              <a:defRPr sz="1200"/>
+              <a:defRPr sz="1040"/>
             </a:lvl1pPr>
-            <a:lvl2pPr marL="342900" indent="0">
-              <a:buNone/>
-              <a:defRPr sz="1050"/>
+            <a:lvl2pPr marL="297180" indent="0">
+              <a:buNone/>
+              <a:defRPr sz="910"/>
             </a:lvl2pPr>
-            <a:lvl3pPr marL="685800" indent="0">
-              <a:buNone/>
-              <a:defRPr sz="900"/>
+            <a:lvl3pPr marL="594360" indent="0">
+              <a:buNone/>
+              <a:defRPr sz="780"/>
             </a:lvl3pPr>
-            <a:lvl4pPr marL="1028700" indent="0">
-              <a:buNone/>
-              <a:defRPr sz="750"/>
+            <a:lvl4pPr marL="891540" indent="0">
+              <a:buNone/>
+              <a:defRPr sz="650"/>
             </a:lvl4pPr>
-            <a:lvl5pPr marL="1371600" indent="0">
-              <a:buNone/>
-              <a:defRPr sz="750"/>
+            <a:lvl5pPr marL="1188720" indent="0">
+              <a:buNone/>
+              <a:defRPr sz="650"/>
             </a:lvl5pPr>
-            <a:lvl6pPr marL="1714500" indent="0">
-              <a:buNone/>
-              <a:defRPr sz="750"/>
+            <a:lvl6pPr marL="1485900" indent="0">
+              <a:buNone/>
+              <a:defRPr sz="650"/>
             </a:lvl6pPr>
-            <a:lvl7pPr marL="2057400" indent="0">
-              <a:buNone/>
-              <a:defRPr sz="750"/>
+            <a:lvl7pPr marL="1783080" indent="0">
+              <a:buNone/>
+              <a:defRPr sz="650"/>
             </a:lvl7pPr>
-            <a:lvl8pPr marL="2400300" indent="0">
-              <a:buNone/>
-              <a:defRPr sz="750"/>
+            <a:lvl8pPr marL="2080260" indent="0">
+              <a:buNone/>
+              <a:defRPr sz="650"/>
             </a:lvl8pPr>
-            <a:lvl9pPr marL="2743200" indent="0">
-              <a:buNone/>
-              <a:defRPr sz="750"/>
+            <a:lvl9pPr marL="2377440" indent="0">
+              <a:buNone/>
+              <a:defRPr sz="650"/>
             </a:lvl9pPr>
           </a:lstStyle>
           <a:p>
@@ -2348,7 +3213,7 @@
           <a:p>
             <a:fld id="{7E773BE6-0A1E-D04A-93D4-644A66363E90}" type="datetimeFigureOut">
               <a:rPr lang="en-US" smtClean="0"/>
-              <a:t>8/29/23</a:t>
+              <a:t>8/30/23</a:t>
             </a:fld>
             <a:endParaRPr lang="en-US"/>
           </a:p>
@@ -2399,7 +3264,7 @@
     </p:spTree>
     <p:extLst>
       <p:ext uri="{BB962C8B-B14F-4D97-AF65-F5344CB8AC3E}">
-        <p14:creationId xmlns:p14="http://schemas.microsoft.com/office/powerpoint/2010/main" val="1643828127"/>
+        <p14:creationId xmlns:p14="http://schemas.microsoft.com/office/powerpoint/2010/main" val="1392216826"/>
       </p:ext>
     </p:extLst>
   </p:cSld>
@@ -2443,8 +3308,8 @@
         </p:nvSpPr>
         <p:spPr>
           <a:xfrm>
-            <a:off x="471488" y="389468"/>
-            <a:ext cx="5915025" cy="1413934"/>
+            <a:off x="408623" y="389468"/>
+            <a:ext cx="5126355" cy="1413934"/>
           </a:xfrm>
           <a:prstGeom prst="rect">
             <a:avLst/>
@@ -2476,8 +3341,8 @@
         </p:nvSpPr>
         <p:spPr>
           <a:xfrm>
-            <a:off x="471488" y="1947333"/>
-            <a:ext cx="5915025" cy="4641427"/>
+            <a:off x="408623" y="1947333"/>
+            <a:ext cx="5126355" cy="4641427"/>
           </a:xfrm>
           <a:prstGeom prst="rect">
             <a:avLst/>
@@ -2538,8 +3403,8 @@
         </p:nvSpPr>
         <p:spPr>
           <a:xfrm>
-            <a:off x="471487" y="6780108"/>
-            <a:ext cx="1543050" cy="389467"/>
+            <a:off x="408622" y="6780108"/>
+            <a:ext cx="1337310" cy="389467"/>
           </a:xfrm>
           <a:prstGeom prst="rect">
             <a:avLst/>
@@ -2549,7 +3414,7 @@
           <a:bodyPr vert="horz" lIns="91440" tIns="45720" rIns="91440" bIns="45720" rtlCol="0" anchor="ctr"/>
           <a:lstStyle>
             <a:lvl1pPr algn="l">
-              <a:defRPr sz="900">
+              <a:defRPr sz="780">
                 <a:solidFill>
                   <a:schemeClr val="tx1">
                     <a:tint val="75000"/>
@@ -2561,7 +3426,7 @@
           <a:p>
             <a:fld id="{7E773BE6-0A1E-D04A-93D4-644A66363E90}" type="datetimeFigureOut">
               <a:rPr lang="en-US" smtClean="0"/>
-              <a:t>8/29/23</a:t>
+              <a:t>8/30/23</a:t>
             </a:fld>
             <a:endParaRPr lang="en-US"/>
           </a:p>
@@ -2579,8 +3444,8 @@
         </p:nvSpPr>
         <p:spPr>
           <a:xfrm>
-            <a:off x="2271713" y="6780108"/>
-            <a:ext cx="2314575" cy="389467"/>
+            <a:off x="1968818" y="6780108"/>
+            <a:ext cx="2005965" cy="389467"/>
           </a:xfrm>
           <a:prstGeom prst="rect">
             <a:avLst/>
@@ -2590,7 +3455,7 @@
           <a:bodyPr vert="horz" lIns="91440" tIns="45720" rIns="91440" bIns="45720" rtlCol="0" anchor="ctr"/>
           <a:lstStyle>
             <a:lvl1pPr algn="ctr">
-              <a:defRPr sz="900">
+              <a:defRPr sz="780">
                 <a:solidFill>
                   <a:schemeClr val="tx1">
                     <a:tint val="75000"/>
@@ -2616,8 +3481,8 @@
         </p:nvSpPr>
         <p:spPr>
           <a:xfrm>
-            <a:off x="4843463" y="6780108"/>
-            <a:ext cx="1543050" cy="389467"/>
+            <a:off x="4197668" y="6780108"/>
+            <a:ext cx="1337310" cy="389467"/>
           </a:xfrm>
           <a:prstGeom prst="rect">
             <a:avLst/>
@@ -2627,7 +3492,7 @@
           <a:bodyPr vert="horz" lIns="91440" tIns="45720" rIns="91440" bIns="45720" rtlCol="0" anchor="ctr"/>
           <a:lstStyle>
             <a:lvl1pPr algn="r">
-              <a:defRPr sz="900">
+              <a:defRPr sz="780">
                 <a:solidFill>
                   <a:schemeClr val="tx1">
                     <a:tint val="75000"/>
@@ -2648,27 +3513,27 @@
     </p:spTree>
     <p:extLst>
       <p:ext uri="{BB962C8B-B14F-4D97-AF65-F5344CB8AC3E}">
-        <p14:creationId xmlns:p14="http://schemas.microsoft.com/office/powerpoint/2010/main" val="3937815069"/>
+        <p14:creationId xmlns:p14="http://schemas.microsoft.com/office/powerpoint/2010/main" val="3463236738"/>
       </p:ext>
     </p:extLst>
   </p:cSld>
   <p:clrMap bg1="lt1" tx1="dk1" bg2="lt2" tx2="dk2" accent1="accent1" accent2="accent2" accent3="accent3" accent4="accent4" accent5="accent5" accent6="accent6" hlink="hlink" folHlink="folHlink"/>
   <p:sldLayoutIdLst>
-    <p:sldLayoutId id="2147483673" r:id="rId1"/>
-    <p:sldLayoutId id="2147483674" r:id="rId2"/>
-    <p:sldLayoutId id="2147483675" r:id="rId3"/>
-    <p:sldLayoutId id="2147483676" r:id="rId4"/>
-    <p:sldLayoutId id="2147483677" r:id="rId5"/>
-    <p:sldLayoutId id="2147483678" r:id="rId6"/>
-    <p:sldLayoutId id="2147483679" r:id="rId7"/>
-    <p:sldLayoutId id="2147483680" r:id="rId8"/>
-    <p:sldLayoutId id="2147483681" r:id="rId9"/>
-    <p:sldLayoutId id="2147483682" r:id="rId10"/>
-    <p:sldLayoutId id="2147483683" r:id="rId11"/>
+    <p:sldLayoutId id="2147483697" r:id="rId1"/>
+    <p:sldLayoutId id="2147483698" r:id="rId2"/>
+    <p:sldLayoutId id="2147483699" r:id="rId3"/>
+    <p:sldLayoutId id="2147483700" r:id="rId4"/>
+    <p:sldLayoutId id="2147483701" r:id="rId5"/>
+    <p:sldLayoutId id="2147483702" r:id="rId6"/>
+    <p:sldLayoutId id="2147483703" r:id="rId7"/>
+    <p:sldLayoutId id="2147483704" r:id="rId8"/>
+    <p:sldLayoutId id="2147483705" r:id="rId9"/>
+    <p:sldLayoutId id="2147483706" r:id="rId10"/>
+    <p:sldLayoutId id="2147483707" r:id="rId11"/>
   </p:sldLayoutIdLst>
   <p:txStyles>
     <p:titleStyle>
-      <a:lvl1pPr algn="l" defTabSz="685800" rtl="0" eaLnBrk="1" latinLnBrk="0" hangingPunct="1">
+      <a:lvl1pPr algn="l" defTabSz="594360" rtl="0" eaLnBrk="1" latinLnBrk="0" hangingPunct="1">
         <a:lnSpc>
           <a:spcPct val="90000"/>
         </a:lnSpc>
@@ -2676,7 +3541,7 @@
           <a:spcPct val="0"/>
         </a:spcBef>
         <a:buNone/>
-        <a:defRPr sz="3300" kern="1200">
+        <a:defRPr sz="2860" kern="1200">
           <a:solidFill>
             <a:schemeClr val="tx1"/>
           </a:solidFill>
@@ -2687,16 +3552,16 @@
       </a:lvl1pPr>
     </p:titleStyle>
     <p:bodyStyle>
-      <a:lvl1pPr marL="171450" indent="-171450" algn="l" defTabSz="685800" rtl="0" eaLnBrk="1" latinLnBrk="0" hangingPunct="1">
+      <a:lvl1pPr marL="148590" indent="-148590" algn="l" defTabSz="594360" rtl="0" eaLnBrk="1" latinLnBrk="0" hangingPunct="1">
         <a:lnSpc>
           <a:spcPct val="90000"/>
         </a:lnSpc>
         <a:spcBef>
-          <a:spcPts val="750"/>
+          <a:spcPts val="650"/>
         </a:spcBef>
         <a:buFont typeface="Arial" panose="020B0604020202020204" pitchFamily="34" charset="0"/>
         <a:buChar char="•"/>
-        <a:defRPr sz="2100" kern="1200">
+        <a:defRPr sz="1820" kern="1200">
           <a:solidFill>
             <a:schemeClr val="tx1"/>
           </a:solidFill>
@@ -2705,16 +3570,16 @@
           <a:cs typeface="+mn-cs"/>
         </a:defRPr>
       </a:lvl1pPr>
-      <a:lvl2pPr marL="514350" indent="-171450" algn="l" defTabSz="685800" rtl="0" eaLnBrk="1" latinLnBrk="0" hangingPunct="1">
+      <a:lvl2pPr marL="445770" indent="-148590" algn="l" defTabSz="594360" rtl="0" eaLnBrk="1" latinLnBrk="0" hangingPunct="1">
         <a:lnSpc>
           <a:spcPct val="90000"/>
         </a:lnSpc>
         <a:spcBef>
-          <a:spcPts val="375"/>
+          <a:spcPts val="325"/>
         </a:spcBef>
         <a:buFont typeface="Arial" panose="020B0604020202020204" pitchFamily="34" charset="0"/>
         <a:buChar char="•"/>
-        <a:defRPr sz="1800" kern="1200">
+        <a:defRPr sz="1560" kern="1200">
           <a:solidFill>
             <a:schemeClr val="tx1"/>
           </a:solidFill>
@@ -2723,16 +3588,16 @@
           <a:cs typeface="+mn-cs"/>
         </a:defRPr>
       </a:lvl2pPr>
-      <a:lvl3pPr marL="857250" indent="-171450" algn="l" defTabSz="685800" rtl="0" eaLnBrk="1" latinLnBrk="0" hangingPunct="1">
+      <a:lvl3pPr marL="742950" indent="-148590" algn="l" defTabSz="594360" rtl="0" eaLnBrk="1" latinLnBrk="0" hangingPunct="1">
         <a:lnSpc>
           <a:spcPct val="90000"/>
         </a:lnSpc>
         <a:spcBef>
-          <a:spcPts val="375"/>
+          <a:spcPts val="325"/>
         </a:spcBef>
         <a:buFont typeface="Arial" panose="020B0604020202020204" pitchFamily="34" charset="0"/>
         <a:buChar char="•"/>
-        <a:defRPr sz="1500" kern="1200">
+        <a:defRPr sz="1300" kern="1200">
           <a:solidFill>
             <a:schemeClr val="tx1"/>
           </a:solidFill>
@@ -2741,16 +3606,16 @@
           <a:cs typeface="+mn-cs"/>
         </a:defRPr>
       </a:lvl3pPr>
-      <a:lvl4pPr marL="1200150" indent="-171450" algn="l" defTabSz="685800" rtl="0" eaLnBrk="1" latinLnBrk="0" hangingPunct="1">
+      <a:lvl4pPr marL="1040130" indent="-148590" algn="l" defTabSz="594360" rtl="0" eaLnBrk="1" latinLnBrk="0" hangingPunct="1">
         <a:lnSpc>
           <a:spcPct val="90000"/>
         </a:lnSpc>
         <a:spcBef>
-          <a:spcPts val="375"/>
+          <a:spcPts val="325"/>
         </a:spcBef>
         <a:buFont typeface="Arial" panose="020B0604020202020204" pitchFamily="34" charset="0"/>
         <a:buChar char="•"/>
-        <a:defRPr sz="1350" kern="1200">
+        <a:defRPr sz="1170" kern="1200">
           <a:solidFill>
             <a:schemeClr val="tx1"/>
           </a:solidFill>
@@ -2759,16 +3624,16 @@
           <a:cs typeface="+mn-cs"/>
         </a:defRPr>
       </a:lvl4pPr>
-      <a:lvl5pPr marL="1543050" indent="-171450" algn="l" defTabSz="685800" rtl="0" eaLnBrk="1" latinLnBrk="0" hangingPunct="1">
+      <a:lvl5pPr marL="1337310" indent="-148590" algn="l" defTabSz="594360" rtl="0" eaLnBrk="1" latinLnBrk="0" hangingPunct="1">
         <a:lnSpc>
           <a:spcPct val="90000"/>
         </a:lnSpc>
         <a:spcBef>
-          <a:spcPts val="375"/>
+          <a:spcPts val="325"/>
         </a:spcBef>
         <a:buFont typeface="Arial" panose="020B0604020202020204" pitchFamily="34" charset="0"/>
         <a:buChar char="•"/>
-        <a:defRPr sz="1350" kern="1200">
+        <a:defRPr sz="1170" kern="1200">
           <a:solidFill>
             <a:schemeClr val="tx1"/>
           </a:solidFill>
@@ -2777,16 +3642,16 @@
           <a:cs typeface="+mn-cs"/>
         </a:defRPr>
       </a:lvl5pPr>
-      <a:lvl6pPr marL="1885950" indent="-171450" algn="l" defTabSz="685800" rtl="0" eaLnBrk="1" latinLnBrk="0" hangingPunct="1">
+      <a:lvl6pPr marL="1634490" indent="-148590" algn="l" defTabSz="594360" rtl="0" eaLnBrk="1" latinLnBrk="0" hangingPunct="1">
         <a:lnSpc>
           <a:spcPct val="90000"/>
         </a:lnSpc>
         <a:spcBef>
-          <a:spcPts val="375"/>
+          <a:spcPts val="325"/>
         </a:spcBef>
         <a:buFont typeface="Arial" panose="020B0604020202020204" pitchFamily="34" charset="0"/>
         <a:buChar char="•"/>
-        <a:defRPr sz="1350" kern="1200">
+        <a:defRPr sz="1170" kern="1200">
           <a:solidFill>
             <a:schemeClr val="tx1"/>
           </a:solidFill>
@@ -2795,16 +3660,16 @@
           <a:cs typeface="+mn-cs"/>
         </a:defRPr>
       </a:lvl6pPr>
-      <a:lvl7pPr marL="2228850" indent="-171450" algn="l" defTabSz="685800" rtl="0" eaLnBrk="1" latinLnBrk="0" hangingPunct="1">
+      <a:lvl7pPr marL="1931670" indent="-148590" algn="l" defTabSz="594360" rtl="0" eaLnBrk="1" latinLnBrk="0" hangingPunct="1">
         <a:lnSpc>
           <a:spcPct val="90000"/>
         </a:lnSpc>
         <a:spcBef>
-          <a:spcPts val="375"/>
+          <a:spcPts val="325"/>
         </a:spcBef>
         <a:buFont typeface="Arial" panose="020B0604020202020204" pitchFamily="34" charset="0"/>
         <a:buChar char="•"/>
-        <a:defRPr sz="1350" kern="1200">
+        <a:defRPr sz="1170" kern="1200">
           <a:solidFill>
             <a:schemeClr val="tx1"/>
           </a:solidFill>
@@ -2813,16 +3678,16 @@
           <a:cs typeface="+mn-cs"/>
         </a:defRPr>
       </a:lvl7pPr>
-      <a:lvl8pPr marL="2571750" indent="-171450" algn="l" defTabSz="685800" rtl="0" eaLnBrk="1" latinLnBrk="0" hangingPunct="1">
+      <a:lvl8pPr marL="2228850" indent="-148590" algn="l" defTabSz="594360" rtl="0" eaLnBrk="1" latinLnBrk="0" hangingPunct="1">
         <a:lnSpc>
           <a:spcPct val="90000"/>
         </a:lnSpc>
         <a:spcBef>
-          <a:spcPts val="375"/>
+          <a:spcPts val="325"/>
         </a:spcBef>
         <a:buFont typeface="Arial" panose="020B0604020202020204" pitchFamily="34" charset="0"/>
         <a:buChar char="•"/>
-        <a:defRPr sz="1350" kern="1200">
+        <a:defRPr sz="1170" kern="1200">
           <a:solidFill>
             <a:schemeClr val="tx1"/>
           </a:solidFill>
@@ -2831,16 +3696,16 @@
           <a:cs typeface="+mn-cs"/>
         </a:defRPr>
       </a:lvl8pPr>
-      <a:lvl9pPr marL="2914650" indent="-171450" algn="l" defTabSz="685800" rtl="0" eaLnBrk="1" latinLnBrk="0" hangingPunct="1">
+      <a:lvl9pPr marL="2526030" indent="-148590" algn="l" defTabSz="594360" rtl="0" eaLnBrk="1" latinLnBrk="0" hangingPunct="1">
         <a:lnSpc>
           <a:spcPct val="90000"/>
         </a:lnSpc>
         <a:spcBef>
-          <a:spcPts val="375"/>
+          <a:spcPts val="325"/>
         </a:spcBef>
         <a:buFont typeface="Arial" panose="020B0604020202020204" pitchFamily="34" charset="0"/>
         <a:buChar char="•"/>
-        <a:defRPr sz="1350" kern="1200">
+        <a:defRPr sz="1170" kern="1200">
           <a:solidFill>
             <a:schemeClr val="tx1"/>
           </a:solidFill>
@@ -2854,8 +3719,8 @@
       <a:defPPr>
         <a:defRPr lang="en-US"/>
       </a:defPPr>
-      <a:lvl1pPr marL="0" algn="l" defTabSz="685800" rtl="0" eaLnBrk="1" latinLnBrk="0" hangingPunct="1">
-        <a:defRPr sz="1350" kern="1200">
+      <a:lvl1pPr marL="0" algn="l" defTabSz="594360" rtl="0" eaLnBrk="1" latinLnBrk="0" hangingPunct="1">
+        <a:defRPr sz="1170" kern="1200">
           <a:solidFill>
             <a:schemeClr val="tx1"/>
           </a:solidFill>
@@ -2864,8 +3729,8 @@
           <a:cs typeface="+mn-cs"/>
         </a:defRPr>
       </a:lvl1pPr>
-      <a:lvl2pPr marL="342900" algn="l" defTabSz="685800" rtl="0" eaLnBrk="1" latinLnBrk="0" hangingPunct="1">
-        <a:defRPr sz="1350" kern="1200">
+      <a:lvl2pPr marL="297180" algn="l" defTabSz="594360" rtl="0" eaLnBrk="1" latinLnBrk="0" hangingPunct="1">
+        <a:defRPr sz="1170" kern="1200">
           <a:solidFill>
             <a:schemeClr val="tx1"/>
           </a:solidFill>
@@ -2874,8 +3739,8 @@
           <a:cs typeface="+mn-cs"/>
         </a:defRPr>
       </a:lvl2pPr>
-      <a:lvl3pPr marL="685800" algn="l" defTabSz="685800" rtl="0" eaLnBrk="1" latinLnBrk="0" hangingPunct="1">
-        <a:defRPr sz="1350" kern="1200">
+      <a:lvl3pPr marL="594360" algn="l" defTabSz="594360" rtl="0" eaLnBrk="1" latinLnBrk="0" hangingPunct="1">
+        <a:defRPr sz="1170" kern="1200">
           <a:solidFill>
             <a:schemeClr val="tx1"/>
           </a:solidFill>
@@ -2884,8 +3749,8 @@
           <a:cs typeface="+mn-cs"/>
         </a:defRPr>
       </a:lvl3pPr>
-      <a:lvl4pPr marL="1028700" algn="l" defTabSz="685800" rtl="0" eaLnBrk="1" latinLnBrk="0" hangingPunct="1">
-        <a:defRPr sz="1350" kern="1200">
+      <a:lvl4pPr marL="891540" algn="l" defTabSz="594360" rtl="0" eaLnBrk="1" latinLnBrk="0" hangingPunct="1">
+        <a:defRPr sz="1170" kern="1200">
           <a:solidFill>
             <a:schemeClr val="tx1"/>
           </a:solidFill>
@@ -2894,8 +3759,8 @@
           <a:cs typeface="+mn-cs"/>
         </a:defRPr>
       </a:lvl4pPr>
-      <a:lvl5pPr marL="1371600" algn="l" defTabSz="685800" rtl="0" eaLnBrk="1" latinLnBrk="0" hangingPunct="1">
-        <a:defRPr sz="1350" kern="1200">
+      <a:lvl5pPr marL="1188720" algn="l" defTabSz="594360" rtl="0" eaLnBrk="1" latinLnBrk="0" hangingPunct="1">
+        <a:defRPr sz="1170" kern="1200">
           <a:solidFill>
             <a:schemeClr val="tx1"/>
           </a:solidFill>
@@ -2904,8 +3769,8 @@
           <a:cs typeface="+mn-cs"/>
         </a:defRPr>
       </a:lvl5pPr>
-      <a:lvl6pPr marL="1714500" algn="l" defTabSz="685800" rtl="0" eaLnBrk="1" latinLnBrk="0" hangingPunct="1">
-        <a:defRPr sz="1350" kern="1200">
+      <a:lvl6pPr marL="1485900" algn="l" defTabSz="594360" rtl="0" eaLnBrk="1" latinLnBrk="0" hangingPunct="1">
+        <a:defRPr sz="1170" kern="1200">
           <a:solidFill>
             <a:schemeClr val="tx1"/>
           </a:solidFill>
@@ -2914,8 +3779,8 @@
           <a:cs typeface="+mn-cs"/>
         </a:defRPr>
       </a:lvl6pPr>
-      <a:lvl7pPr marL="2057400" algn="l" defTabSz="685800" rtl="0" eaLnBrk="1" latinLnBrk="0" hangingPunct="1">
-        <a:defRPr sz="1350" kern="1200">
+      <a:lvl7pPr marL="1783080" algn="l" defTabSz="594360" rtl="0" eaLnBrk="1" latinLnBrk="0" hangingPunct="1">
+        <a:defRPr sz="1170" kern="1200">
           <a:solidFill>
             <a:schemeClr val="tx1"/>
           </a:solidFill>
@@ -2924,8 +3789,8 @@
           <a:cs typeface="+mn-cs"/>
         </a:defRPr>
       </a:lvl7pPr>
-      <a:lvl8pPr marL="2400300" algn="l" defTabSz="685800" rtl="0" eaLnBrk="1" latinLnBrk="0" hangingPunct="1">
-        <a:defRPr sz="1350" kern="1200">
+      <a:lvl8pPr marL="2080260" algn="l" defTabSz="594360" rtl="0" eaLnBrk="1" latinLnBrk="0" hangingPunct="1">
+        <a:defRPr sz="1170" kern="1200">
           <a:solidFill>
             <a:schemeClr val="tx1"/>
           </a:solidFill>
@@ -2934,8 +3799,8 @@
           <a:cs typeface="+mn-cs"/>
         </a:defRPr>
       </a:lvl8pPr>
-      <a:lvl9pPr marL="2743200" algn="l" defTabSz="685800" rtl="0" eaLnBrk="1" latinLnBrk="0" hangingPunct="1">
-        <a:defRPr sz="1350" kern="1200">
+      <a:lvl9pPr marL="2377440" algn="l" defTabSz="594360" rtl="0" eaLnBrk="1" latinLnBrk="0" hangingPunct="1">
+        <a:defRPr sz="1170" kern="1200">
           <a:solidFill>
             <a:schemeClr val="tx1"/>
           </a:solidFill>
@@ -2968,10 +3833,10 @@
       </p:grpSpPr>
       <p:grpSp>
         <p:nvGrpSpPr>
-          <p:cNvPr id="24" name="Group 23">
+          <p:cNvPr id="45" name="Group 44">
             <a:extLst>
               <a:ext uri="{FF2B5EF4-FFF2-40B4-BE49-F238E27FC236}">
-                <a16:creationId xmlns:a16="http://schemas.microsoft.com/office/drawing/2014/main" id="{B3F1F6C3-5606-F2A7-FB87-B4F7C4541FB0}"/>
+                <a16:creationId xmlns:a16="http://schemas.microsoft.com/office/drawing/2014/main" id="{41C23E74-FDF0-2B40-43FB-3811CB15C600}"/>
               </a:ext>
             </a:extLst>
           </p:cNvPr>
@@ -2980,18 +3845,863 @@
         </p:nvGrpSpPr>
         <p:grpSpPr>
           <a:xfrm>
-            <a:off x="-627148" y="0"/>
-            <a:ext cx="8309679" cy="7245752"/>
-            <a:chOff x="-627148" y="0"/>
-            <a:chExt cx="8309679" cy="7245752"/>
+            <a:off x="-731902" y="-10684"/>
+            <a:ext cx="7753202" cy="7282097"/>
+            <a:chOff x="-731902" y="-10684"/>
+            <a:chExt cx="7753202" cy="7282097"/>
           </a:xfrm>
         </p:grpSpPr>
+        <p:grpSp>
+          <p:nvGrpSpPr>
+            <p:cNvPr id="42" name="Group 41">
+              <a:extLst>
+                <a:ext uri="{FF2B5EF4-FFF2-40B4-BE49-F238E27FC236}">
+                  <a16:creationId xmlns:a16="http://schemas.microsoft.com/office/drawing/2014/main" id="{5979B789-1E96-9961-CB66-BBD9DF84B2F3}"/>
+                </a:ext>
+              </a:extLst>
+            </p:cNvPr>
+            <p:cNvGrpSpPr/>
+            <p:nvPr/>
+          </p:nvGrpSpPr>
+          <p:grpSpPr>
+            <a:xfrm>
+              <a:off x="-731902" y="-10684"/>
+              <a:ext cx="6598416" cy="7282097"/>
+              <a:chOff x="-731902" y="-10684"/>
+              <a:chExt cx="6598416" cy="7282097"/>
+            </a:xfrm>
+          </p:grpSpPr>
+          <p:pic>
+            <p:nvPicPr>
+              <p:cNvPr id="5" name="Picture 4" descr="A map of the united states with different colored dots&#10;&#10;Description automatically generated">
+                <a:extLst>
+                  <a:ext uri="{FF2B5EF4-FFF2-40B4-BE49-F238E27FC236}">
+                    <a16:creationId xmlns:a16="http://schemas.microsoft.com/office/drawing/2014/main" id="{39E164EF-881E-0794-1307-6EEFF0FFBAB1}"/>
+                  </a:ext>
+                </a:extLst>
+              </p:cNvPr>
+              <p:cNvPicPr>
+                <a:picLocks noChangeAspect="1"/>
+              </p:cNvPicPr>
+              <p:nvPr/>
+            </p:nvPicPr>
+            <p:blipFill>
+              <a:blip r:embed="rId2"/>
+              <a:stretch>
+                <a:fillRect/>
+              </a:stretch>
+            </p:blipFill>
+            <p:spPr>
+              <a:xfrm>
+                <a:off x="48474" y="-10684"/>
+                <a:ext cx="5818040" cy="3597413"/>
+              </a:xfrm>
+              <a:prstGeom prst="rect">
+                <a:avLst/>
+              </a:prstGeom>
+            </p:spPr>
+          </p:pic>
+          <p:sp>
+            <p:nvSpPr>
+              <p:cNvPr id="4" name="TextBox 3">
+                <a:extLst>
+                  <a:ext uri="{FF2B5EF4-FFF2-40B4-BE49-F238E27FC236}">
+                    <a16:creationId xmlns:a16="http://schemas.microsoft.com/office/drawing/2014/main" id="{ADC42F44-5573-2ED6-4D34-A1389B41BAFD}"/>
+                  </a:ext>
+                </a:extLst>
+              </p:cNvPr>
+              <p:cNvSpPr txBox="1"/>
+              <p:nvPr/>
+            </p:nvSpPr>
+            <p:spPr>
+              <a:xfrm>
+                <a:off x="151316" y="92368"/>
+                <a:ext cx="389850" cy="276999"/>
+              </a:xfrm>
+              <a:prstGeom prst="rect">
+                <a:avLst/>
+              </a:prstGeom>
+              <a:noFill/>
+            </p:spPr>
+            <p:txBody>
+              <a:bodyPr wrap="none" rtlCol="0">
+                <a:spAutoFit/>
+              </a:bodyPr>
+              <a:lstStyle/>
+              <a:p>
+                <a:r>
+                  <a:rPr lang="en-US" sz="1200" dirty="0">
+                    <a:latin typeface="Helvetica" pitchFamily="2" charset="0"/>
+                  </a:rPr>
+                  <a:t>(A)</a:t>
+                </a:r>
+              </a:p>
+            </p:txBody>
+          </p:sp>
+          <p:sp>
+            <p:nvSpPr>
+              <p:cNvPr id="6" name="TextBox 5">
+                <a:extLst>
+                  <a:ext uri="{FF2B5EF4-FFF2-40B4-BE49-F238E27FC236}">
+                    <a16:creationId xmlns:a16="http://schemas.microsoft.com/office/drawing/2014/main" id="{172DA89F-0CA6-171A-F5BC-EC15A3237041}"/>
+                  </a:ext>
+                </a:extLst>
+              </p:cNvPr>
+              <p:cNvSpPr txBox="1"/>
+              <p:nvPr/>
+            </p:nvSpPr>
+            <p:spPr>
+              <a:xfrm>
+                <a:off x="159059" y="3666480"/>
+                <a:ext cx="389850" cy="276999"/>
+              </a:xfrm>
+              <a:prstGeom prst="rect">
+                <a:avLst/>
+              </a:prstGeom>
+              <a:noFill/>
+            </p:spPr>
+            <p:txBody>
+              <a:bodyPr wrap="none" rtlCol="0">
+                <a:spAutoFit/>
+              </a:bodyPr>
+              <a:lstStyle/>
+              <a:p>
+                <a:r>
+                  <a:rPr lang="en-US" sz="1200" dirty="0">
+                    <a:latin typeface="Helvetica" pitchFamily="2" charset="0"/>
+                  </a:rPr>
+                  <a:t>(B)</a:t>
+                </a:r>
+              </a:p>
+            </p:txBody>
+          </p:sp>
+          <p:sp>
+            <p:nvSpPr>
+              <p:cNvPr id="7" name="TextBox 6">
+                <a:extLst>
+                  <a:ext uri="{FF2B5EF4-FFF2-40B4-BE49-F238E27FC236}">
+                    <a16:creationId xmlns:a16="http://schemas.microsoft.com/office/drawing/2014/main" id="{98C125B5-A1AF-C6E1-2E50-18C860451843}"/>
+                  </a:ext>
+                </a:extLst>
+              </p:cNvPr>
+              <p:cNvSpPr txBox="1"/>
+              <p:nvPr/>
+            </p:nvSpPr>
+            <p:spPr>
+              <a:xfrm>
+                <a:off x="2312086" y="3661590"/>
+                <a:ext cx="397866" cy="276999"/>
+              </a:xfrm>
+              <a:prstGeom prst="rect">
+                <a:avLst/>
+              </a:prstGeom>
+              <a:noFill/>
+            </p:spPr>
+            <p:txBody>
+              <a:bodyPr wrap="none" rtlCol="0">
+                <a:spAutoFit/>
+              </a:bodyPr>
+              <a:lstStyle/>
+              <a:p>
+                <a:r>
+                  <a:rPr lang="en-US" sz="1200" dirty="0">
+                    <a:latin typeface="Helvetica" pitchFamily="2" charset="0"/>
+                  </a:rPr>
+                  <a:t>(C)</a:t>
+                </a:r>
+              </a:p>
+            </p:txBody>
+          </p:sp>
+          <p:sp>
+            <p:nvSpPr>
+              <p:cNvPr id="8" name="TextBox 7">
+                <a:extLst>
+                  <a:ext uri="{FF2B5EF4-FFF2-40B4-BE49-F238E27FC236}">
+                    <a16:creationId xmlns:a16="http://schemas.microsoft.com/office/drawing/2014/main" id="{D84F4EF2-0EA1-14E6-4667-FB851AEDF9E8}"/>
+                  </a:ext>
+                </a:extLst>
+              </p:cNvPr>
+              <p:cNvSpPr txBox="1"/>
+              <p:nvPr/>
+            </p:nvSpPr>
+            <p:spPr>
+              <a:xfrm>
+                <a:off x="4056575" y="3661590"/>
+                <a:ext cx="397866" cy="276999"/>
+              </a:xfrm>
+              <a:prstGeom prst="rect">
+                <a:avLst/>
+              </a:prstGeom>
+              <a:noFill/>
+            </p:spPr>
+            <p:txBody>
+              <a:bodyPr wrap="none" rtlCol="0">
+                <a:spAutoFit/>
+              </a:bodyPr>
+              <a:lstStyle/>
+              <a:p>
+                <a:r>
+                  <a:rPr lang="en-US" sz="1200" dirty="0">
+                    <a:latin typeface="Helvetica" pitchFamily="2" charset="0"/>
+                  </a:rPr>
+                  <a:t>(D)</a:t>
+                </a:r>
+              </a:p>
+            </p:txBody>
+          </p:sp>
+          <p:sp>
+            <p:nvSpPr>
+              <p:cNvPr id="9" name="TextBox 8">
+                <a:extLst>
+                  <a:ext uri="{FF2B5EF4-FFF2-40B4-BE49-F238E27FC236}">
+                    <a16:creationId xmlns:a16="http://schemas.microsoft.com/office/drawing/2014/main" id="{47AAA2C0-65FB-8C39-B8D8-9691E5F0CB02}"/>
+                  </a:ext>
+                </a:extLst>
+              </p:cNvPr>
+              <p:cNvSpPr txBox="1"/>
+              <p:nvPr/>
+            </p:nvSpPr>
+            <p:spPr>
+              <a:xfrm>
+                <a:off x="414948" y="3706215"/>
+                <a:ext cx="1614545" cy="215444"/>
+              </a:xfrm>
+              <a:prstGeom prst="rect">
+                <a:avLst/>
+              </a:prstGeom>
+              <a:noFill/>
+            </p:spPr>
+            <p:txBody>
+              <a:bodyPr wrap="none" rtlCol="0">
+                <a:spAutoFit/>
+              </a:bodyPr>
+              <a:lstStyle/>
+              <a:p>
+                <a:r>
+                  <a:rPr lang="en-US" sz="800" dirty="0">
+                    <a:latin typeface="Helvetica" pitchFamily="2" charset="0"/>
+                  </a:rPr>
+                  <a:t>NW Oklahoma Complex (2018)</a:t>
+                </a:r>
+              </a:p>
+            </p:txBody>
+          </p:sp>
+          <p:sp>
+            <p:nvSpPr>
+              <p:cNvPr id="10" name="TextBox 9">
+                <a:extLst>
+                  <a:ext uri="{FF2B5EF4-FFF2-40B4-BE49-F238E27FC236}">
+                    <a16:creationId xmlns:a16="http://schemas.microsoft.com/office/drawing/2014/main" id="{413D147E-D9B5-61F9-3F25-03A300601330}"/>
+                  </a:ext>
+                </a:extLst>
+              </p:cNvPr>
+              <p:cNvSpPr txBox="1"/>
+              <p:nvPr/>
+            </p:nvSpPr>
+            <p:spPr>
+              <a:xfrm>
+                <a:off x="2586456" y="3688419"/>
+                <a:ext cx="1101584" cy="215444"/>
+              </a:xfrm>
+              <a:prstGeom prst="rect">
+                <a:avLst/>
+              </a:prstGeom>
+              <a:noFill/>
+            </p:spPr>
+            <p:txBody>
+              <a:bodyPr wrap="none" rtlCol="0">
+                <a:spAutoFit/>
+              </a:bodyPr>
+              <a:lstStyle/>
+              <a:p>
+                <a:r>
+                  <a:rPr lang="en-US" sz="800" dirty="0">
+                    <a:latin typeface="Helvetica" pitchFamily="2" charset="0"/>
+                  </a:rPr>
+                  <a:t>Cold Springs (2020)</a:t>
+                </a:r>
+              </a:p>
+            </p:txBody>
+          </p:sp>
+          <p:sp>
+            <p:nvSpPr>
+              <p:cNvPr id="12" name="TextBox 11">
+                <a:extLst>
+                  <a:ext uri="{FF2B5EF4-FFF2-40B4-BE49-F238E27FC236}">
+                    <a16:creationId xmlns:a16="http://schemas.microsoft.com/office/drawing/2014/main" id="{5D5D6216-993E-C5B7-13E4-C96EE9587A7C}"/>
+                  </a:ext>
+                </a:extLst>
+              </p:cNvPr>
+              <p:cNvSpPr txBox="1"/>
+              <p:nvPr/>
+            </p:nvSpPr>
+            <p:spPr>
+              <a:xfrm>
+                <a:off x="4360948" y="3697257"/>
+                <a:ext cx="1295547" cy="215444"/>
+              </a:xfrm>
+              <a:prstGeom prst="rect">
+                <a:avLst/>
+              </a:prstGeom>
+              <a:noFill/>
+            </p:spPr>
+            <p:txBody>
+              <a:bodyPr wrap="none" rtlCol="0">
+                <a:spAutoFit/>
+              </a:bodyPr>
+              <a:lstStyle/>
+              <a:p>
+                <a:r>
+                  <a:rPr lang="en-US" sz="800" dirty="0">
+                    <a:latin typeface="Helvetica" pitchFamily="2" charset="0"/>
+                  </a:rPr>
+                  <a:t>Witch-</a:t>
+                </a:r>
+                <a:r>
+                  <a:rPr lang="en-US" sz="800" dirty="0" err="1">
+                    <a:latin typeface="Helvetica" pitchFamily="2" charset="0"/>
+                  </a:rPr>
+                  <a:t>Poomacha</a:t>
+                </a:r>
+                <a:r>
+                  <a:rPr lang="en-US" sz="800" dirty="0">
+                    <a:latin typeface="Helvetica" pitchFamily="2" charset="0"/>
+                  </a:rPr>
+                  <a:t> (2007)</a:t>
+                </a:r>
+              </a:p>
+            </p:txBody>
+          </p:sp>
+          <p:pic>
+            <p:nvPicPr>
+              <p:cNvPr id="16" name="Picture 15" descr="A map of the united states&#10;&#10;Description automatically generated">
+                <a:extLst>
+                  <a:ext uri="{FF2B5EF4-FFF2-40B4-BE49-F238E27FC236}">
+                    <a16:creationId xmlns:a16="http://schemas.microsoft.com/office/drawing/2014/main" id="{42C9D3E6-33CC-F32E-2BE6-EA36E3C9667D}"/>
+                  </a:ext>
+                </a:extLst>
+              </p:cNvPr>
+              <p:cNvPicPr>
+                <a:picLocks noChangeAspect="1"/>
+              </p:cNvPicPr>
+              <p:nvPr/>
+            </p:nvPicPr>
+            <p:blipFill>
+              <a:blip r:embed="rId3"/>
+              <a:stretch>
+                <a:fillRect/>
+              </a:stretch>
+            </p:blipFill>
+            <p:spPr>
+              <a:xfrm>
+                <a:off x="219749" y="6232469"/>
+                <a:ext cx="1533415" cy="1038944"/>
+              </a:xfrm>
+              <a:prstGeom prst="rect">
+                <a:avLst/>
+              </a:prstGeom>
+            </p:spPr>
+          </p:pic>
+          <p:pic>
+            <p:nvPicPr>
+              <p:cNvPr id="11" name="Picture 10" descr="A red and black image of a person&#10;&#10;Description automatically generated">
+                <a:extLst>
+                  <a:ext uri="{FF2B5EF4-FFF2-40B4-BE49-F238E27FC236}">
+                    <a16:creationId xmlns:a16="http://schemas.microsoft.com/office/drawing/2014/main" id="{37BF7B02-6A9A-7447-AB4F-6F4460D8DE07}"/>
+                  </a:ext>
+                </a:extLst>
+              </p:cNvPr>
+              <p:cNvPicPr>
+                <a:picLocks noChangeAspect="1"/>
+              </p:cNvPicPr>
+              <p:nvPr/>
+            </p:nvPicPr>
+            <p:blipFill>
+              <a:blip r:embed="rId4"/>
+              <a:stretch>
+                <a:fillRect/>
+              </a:stretch>
+            </p:blipFill>
+            <p:spPr>
+              <a:xfrm>
+                <a:off x="-731902" y="3948484"/>
+                <a:ext cx="3685759" cy="2278980"/>
+              </a:xfrm>
+              <a:prstGeom prst="rect">
+                <a:avLst/>
+              </a:prstGeom>
+            </p:spPr>
+          </p:pic>
+          <p:pic>
+            <p:nvPicPr>
+              <p:cNvPr id="13" name="Picture 12" descr="A bar with numbers and a red line&#10;&#10;Description automatically generated with medium confidence">
+                <a:extLst>
+                  <a:ext uri="{FF2B5EF4-FFF2-40B4-BE49-F238E27FC236}">
+                    <a16:creationId xmlns:a16="http://schemas.microsoft.com/office/drawing/2014/main" id="{042CB577-A4A4-7E38-9B36-16C8B17C4964}"/>
+                  </a:ext>
+                </a:extLst>
+              </p:cNvPr>
+              <p:cNvPicPr>
+                <a:picLocks noChangeAspect="1"/>
+              </p:cNvPicPr>
+              <p:nvPr/>
+            </p:nvPicPr>
+            <p:blipFill>
+              <a:blip r:embed="rId5"/>
+              <a:stretch>
+                <a:fillRect/>
+              </a:stretch>
+            </p:blipFill>
+            <p:spPr>
+              <a:xfrm>
+                <a:off x="1890349" y="6540301"/>
+                <a:ext cx="2349500" cy="546100"/>
+              </a:xfrm>
+              <a:prstGeom prst="rect">
+                <a:avLst/>
+              </a:prstGeom>
+            </p:spPr>
+          </p:pic>
+          <p:pic>
+            <p:nvPicPr>
+              <p:cNvPr id="15" name="Picture 14">
+                <a:extLst>
+                  <a:ext uri="{FF2B5EF4-FFF2-40B4-BE49-F238E27FC236}">
+                    <a16:creationId xmlns:a16="http://schemas.microsoft.com/office/drawing/2014/main" id="{775DFF09-BC18-589D-94A6-B7E2AFE91C8F}"/>
+                  </a:ext>
+                </a:extLst>
+              </p:cNvPr>
+              <p:cNvPicPr>
+                <a:picLocks noChangeAspect="1"/>
+              </p:cNvPicPr>
+              <p:nvPr/>
+            </p:nvPicPr>
+            <p:blipFill>
+              <a:blip r:embed="rId6"/>
+              <a:stretch>
+                <a:fillRect/>
+              </a:stretch>
+            </p:blipFill>
+            <p:spPr>
+              <a:xfrm>
+                <a:off x="1222220" y="3936502"/>
+                <a:ext cx="3685758" cy="2278980"/>
+              </a:xfrm>
+              <a:prstGeom prst="rect">
+                <a:avLst/>
+              </a:prstGeom>
+            </p:spPr>
+          </p:pic>
+          <p:pic>
+            <p:nvPicPr>
+              <p:cNvPr id="19" name="Picture 18" descr="A close-up of a sign&#10;&#10;Description automatically generated">
+                <a:extLst>
+                  <a:ext uri="{FF2B5EF4-FFF2-40B4-BE49-F238E27FC236}">
+                    <a16:creationId xmlns:a16="http://schemas.microsoft.com/office/drawing/2014/main" id="{5191C38E-221D-CF1D-AF7A-9E7CD8E0E473}"/>
+                  </a:ext>
+                </a:extLst>
+              </p:cNvPr>
+              <p:cNvPicPr>
+                <a:picLocks noChangeAspect="1"/>
+              </p:cNvPicPr>
+              <p:nvPr/>
+            </p:nvPicPr>
+            <p:blipFill>
+              <a:blip r:embed="rId7"/>
+              <a:stretch>
+                <a:fillRect/>
+              </a:stretch>
+            </p:blipFill>
+            <p:spPr>
+              <a:xfrm>
+                <a:off x="4377034" y="6645608"/>
+                <a:ext cx="1362903" cy="335485"/>
+              </a:xfrm>
+              <a:prstGeom prst="rect">
+                <a:avLst/>
+              </a:prstGeom>
+            </p:spPr>
+          </p:pic>
+          <p:grpSp>
+            <p:nvGrpSpPr>
+              <p:cNvPr id="26" name="Group 25">
+                <a:extLst>
+                  <a:ext uri="{FF2B5EF4-FFF2-40B4-BE49-F238E27FC236}">
+                    <a16:creationId xmlns:a16="http://schemas.microsoft.com/office/drawing/2014/main" id="{288BEA6A-6616-7160-DE7E-E83EE333CF42}"/>
+                  </a:ext>
+                </a:extLst>
+              </p:cNvPr>
+              <p:cNvGrpSpPr/>
+              <p:nvPr/>
+            </p:nvGrpSpPr>
+            <p:grpSpPr>
+              <a:xfrm>
+                <a:off x="4027429" y="4086592"/>
+                <a:ext cx="760144" cy="340020"/>
+                <a:chOff x="275478" y="4101794"/>
+                <a:chExt cx="760144" cy="340020"/>
+              </a:xfrm>
+            </p:grpSpPr>
+            <p:cxnSp>
+              <p:nvCxnSpPr>
+                <p:cNvPr id="18" name="Straight Arrow Connector 17">
+                  <a:extLst>
+                    <a:ext uri="{FF2B5EF4-FFF2-40B4-BE49-F238E27FC236}">
+                      <a16:creationId xmlns:a16="http://schemas.microsoft.com/office/drawing/2014/main" id="{FB0BCBDA-D990-B1FE-8068-D156F677FA80}"/>
+                    </a:ext>
+                  </a:extLst>
+                </p:cNvPr>
+                <p:cNvCxnSpPr/>
+                <p:nvPr/>
+              </p:nvCxnSpPr>
+              <p:spPr>
+                <a:xfrm flipH="1">
+                  <a:off x="378737" y="4317238"/>
+                  <a:ext cx="161365" cy="107577"/>
+                </a:xfrm>
+                <a:prstGeom prst="straightConnector1">
+                  <a:avLst/>
+                </a:prstGeom>
+                <a:ln w="12700">
+                  <a:tailEnd type="triangle"/>
+                </a:ln>
+              </p:spPr>
+              <p:style>
+                <a:lnRef idx="1">
+                  <a:schemeClr val="dk1"/>
+                </a:lnRef>
+                <a:fillRef idx="0">
+                  <a:schemeClr val="dk1"/>
+                </a:fillRef>
+                <a:effectRef idx="0">
+                  <a:schemeClr val="dk1"/>
+                </a:effectRef>
+                <a:fontRef idx="minor">
+                  <a:schemeClr val="tx1"/>
+                </a:fontRef>
+              </p:style>
+            </p:cxnSp>
+            <p:sp>
+              <p:nvSpPr>
+                <p:cNvPr id="20" name="TextBox 19">
+                  <a:extLst>
+                    <a:ext uri="{FF2B5EF4-FFF2-40B4-BE49-F238E27FC236}">
+                      <a16:creationId xmlns:a16="http://schemas.microsoft.com/office/drawing/2014/main" id="{8E1F1EAB-3406-CF4B-79EF-47B1942CED47}"/>
+                    </a:ext>
+                  </a:extLst>
+                </p:cNvPr>
+                <p:cNvSpPr txBox="1"/>
+                <p:nvPr/>
+              </p:nvSpPr>
+              <p:spPr>
+                <a:xfrm>
+                  <a:off x="275478" y="4101794"/>
+                  <a:ext cx="760144" cy="215444"/>
+                </a:xfrm>
+                <a:prstGeom prst="rect">
+                  <a:avLst/>
+                </a:prstGeom>
+                <a:noFill/>
+              </p:spPr>
+              <p:txBody>
+                <a:bodyPr wrap="none" rtlCol="0">
+                  <a:spAutoFit/>
+                </a:bodyPr>
+                <a:lstStyle/>
+                <a:p>
+                  <a:r>
+                    <a:rPr lang="en-US" sz="800" dirty="0"/>
+                    <a:t>San Diego, CA</a:t>
+                  </a:r>
+                </a:p>
+              </p:txBody>
+            </p:sp>
+            <p:sp>
+              <p:nvSpPr>
+                <p:cNvPr id="21" name="TextBox 20">
+                  <a:extLst>
+                    <a:ext uri="{FF2B5EF4-FFF2-40B4-BE49-F238E27FC236}">
+                      <a16:creationId xmlns:a16="http://schemas.microsoft.com/office/drawing/2014/main" id="{EDE9353A-DB6D-405A-EAB9-ADCB782DD9F9}"/>
+                    </a:ext>
+                  </a:extLst>
+                </p:cNvPr>
+                <p:cNvSpPr txBox="1"/>
+                <p:nvPr/>
+              </p:nvSpPr>
+              <p:spPr>
+                <a:xfrm>
+                  <a:off x="475839" y="4241759"/>
+                  <a:ext cx="393056" cy="200055"/>
+                </a:xfrm>
+                <a:prstGeom prst="rect">
+                  <a:avLst/>
+                </a:prstGeom>
+                <a:noFill/>
+              </p:spPr>
+              <p:txBody>
+                <a:bodyPr wrap="none" rtlCol="0">
+                  <a:spAutoFit/>
+                </a:bodyPr>
+                <a:lstStyle/>
+                <a:p>
+                  <a:r>
+                    <a:rPr lang="en-US" sz="700" dirty="0"/>
+                    <a:t>50Km</a:t>
+                  </a:r>
+                </a:p>
+              </p:txBody>
+            </p:sp>
+          </p:grpSp>
+          <p:grpSp>
+            <p:nvGrpSpPr>
+              <p:cNvPr id="33" name="Group 32">
+                <a:extLst>
+                  <a:ext uri="{FF2B5EF4-FFF2-40B4-BE49-F238E27FC236}">
+                    <a16:creationId xmlns:a16="http://schemas.microsoft.com/office/drawing/2014/main" id="{3C6082F4-2EBA-36BB-A899-7A2102587A79}"/>
+                  </a:ext>
+                </a:extLst>
+              </p:cNvPr>
+              <p:cNvGrpSpPr/>
+              <p:nvPr/>
+            </p:nvGrpSpPr>
+            <p:grpSpPr>
+              <a:xfrm>
+                <a:off x="129208" y="4081416"/>
+                <a:ext cx="821059" cy="340020"/>
+                <a:chOff x="213570" y="4244574"/>
+                <a:chExt cx="821059" cy="340020"/>
+              </a:xfrm>
+            </p:grpSpPr>
+            <p:cxnSp>
+              <p:nvCxnSpPr>
+                <p:cNvPr id="28" name="Straight Arrow Connector 27">
+                  <a:extLst>
+                    <a:ext uri="{FF2B5EF4-FFF2-40B4-BE49-F238E27FC236}">
+                      <a16:creationId xmlns:a16="http://schemas.microsoft.com/office/drawing/2014/main" id="{D03DDD88-5847-AAC6-DED8-F8A6C796AF61}"/>
+                    </a:ext>
+                  </a:extLst>
+                </p:cNvPr>
+                <p:cNvCxnSpPr>
+                  <a:cxnSpLocks/>
+                </p:cNvCxnSpPr>
+                <p:nvPr/>
+              </p:nvCxnSpPr>
+              <p:spPr>
+                <a:xfrm>
+                  <a:off x="758758" y="4460018"/>
+                  <a:ext cx="132671" cy="90356"/>
+                </a:xfrm>
+                <a:prstGeom prst="straightConnector1">
+                  <a:avLst/>
+                </a:prstGeom>
+                <a:ln w="12700">
+                  <a:tailEnd type="triangle"/>
+                </a:ln>
+              </p:spPr>
+              <p:style>
+                <a:lnRef idx="1">
+                  <a:schemeClr val="dk1"/>
+                </a:lnRef>
+                <a:fillRef idx="0">
+                  <a:schemeClr val="dk1"/>
+                </a:fillRef>
+                <a:effectRef idx="0">
+                  <a:schemeClr val="dk1"/>
+                </a:effectRef>
+                <a:fontRef idx="minor">
+                  <a:schemeClr val="tx1"/>
+                </a:fontRef>
+              </p:style>
+            </p:cxnSp>
+            <p:sp>
+              <p:nvSpPr>
+                <p:cNvPr id="29" name="TextBox 28">
+                  <a:extLst>
+                    <a:ext uri="{FF2B5EF4-FFF2-40B4-BE49-F238E27FC236}">
+                      <a16:creationId xmlns:a16="http://schemas.microsoft.com/office/drawing/2014/main" id="{2A8429D0-769E-9AC0-A68C-49C2DBF10383}"/>
+                    </a:ext>
+                  </a:extLst>
+                </p:cNvPr>
+                <p:cNvSpPr txBox="1"/>
+                <p:nvPr/>
+              </p:nvSpPr>
+              <p:spPr>
+                <a:xfrm>
+                  <a:off x="213570" y="4244574"/>
+                  <a:ext cx="821059" cy="215444"/>
+                </a:xfrm>
+                <a:prstGeom prst="rect">
+                  <a:avLst/>
+                </a:prstGeom>
+                <a:noFill/>
+              </p:spPr>
+              <p:txBody>
+                <a:bodyPr wrap="none" rtlCol="0">
+                  <a:spAutoFit/>
+                </a:bodyPr>
+                <a:lstStyle/>
+                <a:p>
+                  <a:r>
+                    <a:rPr lang="en-US" sz="800" dirty="0"/>
+                    <a:t>Woodward, OK</a:t>
+                  </a:r>
+                </a:p>
+              </p:txBody>
+            </p:sp>
+            <p:sp>
+              <p:nvSpPr>
+                <p:cNvPr id="30" name="TextBox 29">
+                  <a:extLst>
+                    <a:ext uri="{FF2B5EF4-FFF2-40B4-BE49-F238E27FC236}">
+                      <a16:creationId xmlns:a16="http://schemas.microsoft.com/office/drawing/2014/main" id="{14372BC4-84D9-8E52-1E1D-B3CF8846D71F}"/>
+                    </a:ext>
+                  </a:extLst>
+                </p:cNvPr>
+                <p:cNvSpPr txBox="1"/>
+                <p:nvPr/>
+              </p:nvSpPr>
+              <p:spPr>
+                <a:xfrm>
+                  <a:off x="413931" y="4384539"/>
+                  <a:ext cx="393056" cy="200055"/>
+                </a:xfrm>
+                <a:prstGeom prst="rect">
+                  <a:avLst/>
+                </a:prstGeom>
+                <a:noFill/>
+              </p:spPr>
+              <p:txBody>
+                <a:bodyPr wrap="none" rtlCol="0">
+                  <a:spAutoFit/>
+                </a:bodyPr>
+                <a:lstStyle/>
+                <a:p>
+                  <a:r>
+                    <a:rPr lang="en-US" sz="700" dirty="0"/>
+                    <a:t>40Km</a:t>
+                  </a:r>
+                </a:p>
+              </p:txBody>
+            </p:sp>
+          </p:grpSp>
+          <p:cxnSp>
+            <p:nvCxnSpPr>
+              <p:cNvPr id="35" name="Straight Arrow Connector 34">
+                <a:extLst>
+                  <a:ext uri="{FF2B5EF4-FFF2-40B4-BE49-F238E27FC236}">
+                    <a16:creationId xmlns:a16="http://schemas.microsoft.com/office/drawing/2014/main" id="{44AC5393-F568-C12C-412A-5C49BF15DEED}"/>
+                  </a:ext>
+                </a:extLst>
+              </p:cNvPr>
+              <p:cNvCxnSpPr>
+                <a:cxnSpLocks/>
+              </p:cNvCxnSpPr>
+              <p:nvPr/>
+            </p:nvCxnSpPr>
+            <p:spPr>
+              <a:xfrm flipH="1">
+                <a:off x="2392762" y="4273421"/>
+                <a:ext cx="69166" cy="168353"/>
+              </a:xfrm>
+              <a:prstGeom prst="straightConnector1">
+                <a:avLst/>
+              </a:prstGeom>
+              <a:ln w="12700">
+                <a:tailEnd type="triangle"/>
+              </a:ln>
+            </p:spPr>
+            <p:style>
+              <a:lnRef idx="1">
+                <a:schemeClr val="dk1"/>
+              </a:lnRef>
+              <a:fillRef idx="0">
+                <a:schemeClr val="dk1"/>
+              </a:fillRef>
+              <a:effectRef idx="0">
+                <a:schemeClr val="dk1"/>
+              </a:effectRef>
+              <a:fontRef idx="minor">
+                <a:schemeClr val="tx1"/>
+              </a:fontRef>
+            </p:style>
+          </p:cxnSp>
+          <p:sp>
+            <p:nvSpPr>
+              <p:cNvPr id="36" name="TextBox 35">
+                <a:extLst>
+                  <a:ext uri="{FF2B5EF4-FFF2-40B4-BE49-F238E27FC236}">
+                    <a16:creationId xmlns:a16="http://schemas.microsoft.com/office/drawing/2014/main" id="{E5004386-CD0B-2A44-4818-D29DD5F693B4}"/>
+                  </a:ext>
+                </a:extLst>
+              </p:cNvPr>
+              <p:cNvSpPr txBox="1"/>
+              <p:nvPr/>
+            </p:nvSpPr>
+            <p:spPr>
+              <a:xfrm>
+                <a:off x="2179209" y="4081416"/>
+                <a:ext cx="864339" cy="215444"/>
+              </a:xfrm>
+              <a:prstGeom prst="rect">
+                <a:avLst/>
+              </a:prstGeom>
+              <a:noFill/>
+            </p:spPr>
+            <p:txBody>
+              <a:bodyPr wrap="none" rtlCol="0">
+                <a:spAutoFit/>
+              </a:bodyPr>
+              <a:lstStyle/>
+              <a:p>
+                <a:r>
+                  <a:rPr lang="en-US" sz="800" dirty="0"/>
+                  <a:t>Wenatchee, WA</a:t>
+                </a:r>
+              </a:p>
+            </p:txBody>
+          </p:sp>
+          <p:sp>
+            <p:nvSpPr>
+              <p:cNvPr id="37" name="TextBox 36">
+                <a:extLst>
+                  <a:ext uri="{FF2B5EF4-FFF2-40B4-BE49-F238E27FC236}">
+                    <a16:creationId xmlns:a16="http://schemas.microsoft.com/office/drawing/2014/main" id="{4CF4CC54-8B09-8C34-1A7A-B2528D5BAA05}"/>
+                  </a:ext>
+                </a:extLst>
+              </p:cNvPr>
+              <p:cNvSpPr txBox="1"/>
+              <p:nvPr/>
+            </p:nvSpPr>
+            <p:spPr>
+              <a:xfrm>
+                <a:off x="2398043" y="4208861"/>
+                <a:ext cx="437940" cy="200055"/>
+              </a:xfrm>
+              <a:prstGeom prst="rect">
+                <a:avLst/>
+              </a:prstGeom>
+              <a:noFill/>
+            </p:spPr>
+            <p:txBody>
+              <a:bodyPr wrap="none" rtlCol="0">
+                <a:spAutoFit/>
+              </a:bodyPr>
+              <a:lstStyle/>
+              <a:p>
+                <a:r>
+                  <a:rPr lang="en-US" sz="700" dirty="0"/>
+                  <a:t>100Km</a:t>
+                </a:r>
+              </a:p>
+            </p:txBody>
+          </p:sp>
+        </p:grpSp>
         <p:pic>
           <p:nvPicPr>
-            <p:cNvPr id="5" name="Picture 4" descr="A map of the united states with different colored dots&#10;&#10;Description automatically generated">
+            <p:cNvPr id="44" name="Picture 43" descr="A red and white cloud&#10;&#10;Description automatically generated with medium confidence">
               <a:extLst>
                 <a:ext uri="{FF2B5EF4-FFF2-40B4-BE49-F238E27FC236}">
-                  <a16:creationId xmlns:a16="http://schemas.microsoft.com/office/drawing/2014/main" id="{39E164EF-881E-0794-1307-6EEFF0FFBAB1}"/>
+                  <a16:creationId xmlns:a16="http://schemas.microsoft.com/office/drawing/2014/main" id="{0656A5FB-22E0-B700-6170-56C48F6B7964}"/>
                 </a:ext>
               </a:extLst>
             </p:cNvPr>
@@ -3001,165 +4711,15 @@
             <p:nvPr/>
           </p:nvPicPr>
           <p:blipFill>
-            <a:blip r:embed="rId2"/>
+            <a:blip r:embed="rId8"/>
             <a:stretch>
               <a:fillRect/>
             </a:stretch>
           </p:blipFill>
           <p:spPr>
             <a:xfrm>
-              <a:off x="111567" y="0"/>
-              <a:ext cx="6566516" cy="4060212"/>
-            </a:xfrm>
-            <a:prstGeom prst="rect">
-              <a:avLst/>
-            </a:prstGeom>
-          </p:spPr>
-        </p:pic>
-        <p:pic>
-          <p:nvPicPr>
-            <p:cNvPr id="11" name="Picture 10" descr="A red and black image of a person&#10;&#10;Description automatically generated">
-              <a:extLst>
-                <a:ext uri="{FF2B5EF4-FFF2-40B4-BE49-F238E27FC236}">
-                  <a16:creationId xmlns:a16="http://schemas.microsoft.com/office/drawing/2014/main" id="{37BF7B02-6A9A-7447-AB4F-6F4460D8DE07}"/>
-                </a:ext>
-              </a:extLst>
-            </p:cNvPr>
-            <p:cNvPicPr>
-              <a:picLocks noChangeAspect="1"/>
-            </p:cNvPicPr>
-            <p:nvPr/>
-          </p:nvPicPr>
-          <p:blipFill>
-            <a:blip r:embed="rId3"/>
-            <a:stretch>
-              <a:fillRect/>
-            </a:stretch>
-          </p:blipFill>
-          <p:spPr>
-            <a:xfrm>
-              <a:off x="-627148" y="4386180"/>
-              <a:ext cx="3685759" cy="2278980"/>
-            </a:xfrm>
-            <a:prstGeom prst="rect">
-              <a:avLst/>
-            </a:prstGeom>
-          </p:spPr>
-        </p:pic>
-        <p:pic>
-          <p:nvPicPr>
-            <p:cNvPr id="13" name="Picture 12" descr="A bar with numbers and a red line&#10;&#10;Description automatically generated with medium confidence">
-              <a:extLst>
-                <a:ext uri="{FF2B5EF4-FFF2-40B4-BE49-F238E27FC236}">
-                  <a16:creationId xmlns:a16="http://schemas.microsoft.com/office/drawing/2014/main" id="{042CB577-A4A4-7E38-9B36-16C8B17C4964}"/>
-                </a:ext>
-              </a:extLst>
-            </p:cNvPr>
-            <p:cNvPicPr>
-              <a:picLocks noChangeAspect="1"/>
-            </p:cNvPicPr>
-            <p:nvPr/>
-          </p:nvPicPr>
-          <p:blipFill>
-            <a:blip r:embed="rId4"/>
-            <a:stretch>
-              <a:fillRect/>
-            </a:stretch>
-          </p:blipFill>
-          <p:spPr>
-            <a:xfrm>
-              <a:off x="2358423" y="6699652"/>
-              <a:ext cx="2349500" cy="546100"/>
-            </a:xfrm>
-            <a:prstGeom prst="rect">
-              <a:avLst/>
-            </a:prstGeom>
-          </p:spPr>
-        </p:pic>
-        <p:pic>
-          <p:nvPicPr>
-            <p:cNvPr id="15" name="Picture 14">
-              <a:extLst>
-                <a:ext uri="{FF2B5EF4-FFF2-40B4-BE49-F238E27FC236}">
-                  <a16:creationId xmlns:a16="http://schemas.microsoft.com/office/drawing/2014/main" id="{775DFF09-BC18-589D-94A6-B7E2AFE91C8F}"/>
-                </a:ext>
-              </a:extLst>
-            </p:cNvPr>
-            <p:cNvPicPr>
-              <a:picLocks noChangeAspect="1"/>
-            </p:cNvPicPr>
-            <p:nvPr/>
-          </p:nvPicPr>
-          <p:blipFill>
-            <a:blip r:embed="rId5"/>
-            <a:stretch>
-              <a:fillRect/>
-            </a:stretch>
-          </p:blipFill>
-          <p:spPr>
-            <a:xfrm>
-              <a:off x="1586121" y="4351688"/>
-              <a:ext cx="3685758" cy="2278980"/>
-            </a:xfrm>
-            <a:prstGeom prst="rect">
-              <a:avLst/>
-            </a:prstGeom>
-          </p:spPr>
-        </p:pic>
-        <p:pic>
-          <p:nvPicPr>
-            <p:cNvPr id="19" name="Picture 18" descr="A close-up of a sign&#10;&#10;Description automatically generated">
-              <a:extLst>
-                <a:ext uri="{FF2B5EF4-FFF2-40B4-BE49-F238E27FC236}">
-                  <a16:creationId xmlns:a16="http://schemas.microsoft.com/office/drawing/2014/main" id="{5191C38E-221D-CF1D-AF7A-9E7CD8E0E473}"/>
-                </a:ext>
-              </a:extLst>
-            </p:cNvPr>
-            <p:cNvPicPr>
-              <a:picLocks noChangeAspect="1"/>
-            </p:cNvPicPr>
-            <p:nvPr/>
-          </p:nvPicPr>
-          <p:blipFill>
-            <a:blip r:embed="rId6"/>
-            <a:stretch>
-              <a:fillRect/>
-            </a:stretch>
-          </p:blipFill>
-          <p:spPr>
-            <a:xfrm>
-              <a:off x="5237704" y="6874593"/>
-              <a:ext cx="1222581" cy="300944"/>
-            </a:xfrm>
-            <a:prstGeom prst="rect">
-              <a:avLst/>
-            </a:prstGeom>
-          </p:spPr>
-        </p:pic>
-        <p:pic>
-          <p:nvPicPr>
-            <p:cNvPr id="22" name="Picture 21" descr="A red and white cloud&#10;&#10;Description automatically generated with medium confidence">
-              <a:extLst>
-                <a:ext uri="{FF2B5EF4-FFF2-40B4-BE49-F238E27FC236}">
-                  <a16:creationId xmlns:a16="http://schemas.microsoft.com/office/drawing/2014/main" id="{E2BBE999-9A8C-E3E5-EE6D-08A81B7ECDBA}"/>
-                </a:ext>
-              </a:extLst>
-            </p:cNvPr>
-            <p:cNvPicPr>
-              <a:picLocks noChangeAspect="1"/>
-            </p:cNvPicPr>
-            <p:nvPr/>
-          </p:nvPicPr>
-          <p:blipFill>
-            <a:blip r:embed="rId7"/>
-            <a:stretch>
-              <a:fillRect/>
-            </a:stretch>
-          </p:blipFill>
-          <p:spPr>
-            <a:xfrm>
-              <a:off x="3198709" y="3993712"/>
-              <a:ext cx="4483822" cy="2772440"/>
+              <a:off x="2794656" y="3728472"/>
+              <a:ext cx="4226644" cy="2613421"/>
             </a:xfrm>
             <a:prstGeom prst="rect">
               <a:avLst/>

--- a/figures/Figure1_PanelMaps_Arrange.pptx
+++ b/figures/Figure1_PanelMaps_Arrange.pptx
@@ -126,7 +126,7 @@
 <file path=ppt/revisionInfo.xml><?xml version="1.0" encoding="utf-8"?>
 <p1510:revInfo xmlns:a="http://schemas.openxmlformats.org/drawingml/2006/main" xmlns:r="http://schemas.openxmlformats.org/officeDocument/2006/relationships" xmlns:p1510="http://schemas.microsoft.com/office/powerpoint/2015/10/main">
   <p1510:revLst>
-    <p1510:client id="{5064C11E-9D4E-8941-A2BE-AE2A4CD31B41}" v="28" dt="2023-08-30T22:51:22.365"/>
+    <p1510:client id="{CA970F45-79AF-5E42-81B8-CE7B00EC0B4D}" v="10" dt="2023-09-21T16:33:46.007"/>
   </p1510:revLst>
 </p1510:revInfo>
 </file>
@@ -969,6 +969,318 @@
       </pc:sldMasterChg>
     </pc:docChg>
   </pc:docChgLst>
+  <pc:docChgLst>
+    <pc:chgData name="Maxwell Cook" userId="6270a8f4b8f62cae" providerId="LiveId" clId="{CA970F45-79AF-5E42-81B8-CE7B00EC0B4D}"/>
+    <pc:docChg chg="undo custSel modSld">
+      <pc:chgData name="Maxwell Cook" userId="6270a8f4b8f62cae" providerId="LiveId" clId="{CA970F45-79AF-5E42-81B8-CE7B00EC0B4D}" dt="2023-09-21T16:35:12.371" v="127" actId="478"/>
+      <pc:docMkLst>
+        <pc:docMk/>
+      </pc:docMkLst>
+      <pc:sldChg chg="addSp delSp modSp mod">
+        <pc:chgData name="Maxwell Cook" userId="6270a8f4b8f62cae" providerId="LiveId" clId="{CA970F45-79AF-5E42-81B8-CE7B00EC0B4D}" dt="2023-09-21T16:35:12.371" v="127" actId="478"/>
+        <pc:sldMkLst>
+          <pc:docMk/>
+          <pc:sldMk cId="2170444034" sldId="256"/>
+        </pc:sldMkLst>
+        <pc:spChg chg="del mod">
+          <ac:chgData name="Maxwell Cook" userId="6270a8f4b8f62cae" providerId="LiveId" clId="{CA970F45-79AF-5E42-81B8-CE7B00EC0B4D}" dt="2023-09-21T16:18:16.893" v="3" actId="478"/>
+          <ac:spMkLst>
+            <pc:docMk/>
+            <pc:sldMk cId="2170444034" sldId="256"/>
+            <ac:spMk id="4" creationId="{ADC42F44-5573-2ED6-4D34-A1389B41BAFD}"/>
+          </ac:spMkLst>
+        </pc:spChg>
+        <pc:spChg chg="mod">
+          <ac:chgData name="Maxwell Cook" userId="6270a8f4b8f62cae" providerId="LiveId" clId="{CA970F45-79AF-5E42-81B8-CE7B00EC0B4D}" dt="2023-09-21T16:26:56.805" v="107" actId="14826"/>
+          <ac:spMkLst>
+            <pc:docMk/>
+            <pc:sldMk cId="2170444034" sldId="256"/>
+            <ac:spMk id="6" creationId="{172DA89F-0CA6-171A-F5BC-EC15A3237041}"/>
+          </ac:spMkLst>
+        </pc:spChg>
+        <pc:spChg chg="mod">
+          <ac:chgData name="Maxwell Cook" userId="6270a8f4b8f62cae" providerId="LiveId" clId="{CA970F45-79AF-5E42-81B8-CE7B00EC0B4D}" dt="2023-09-21T16:26:56.805" v="107" actId="14826"/>
+          <ac:spMkLst>
+            <pc:docMk/>
+            <pc:sldMk cId="2170444034" sldId="256"/>
+            <ac:spMk id="7" creationId="{98C125B5-A1AF-C6E1-2E50-18C860451843}"/>
+          </ac:spMkLst>
+        </pc:spChg>
+        <pc:spChg chg="mod">
+          <ac:chgData name="Maxwell Cook" userId="6270a8f4b8f62cae" providerId="LiveId" clId="{CA970F45-79AF-5E42-81B8-CE7B00EC0B4D}" dt="2023-09-21T16:26:56.805" v="107" actId="14826"/>
+          <ac:spMkLst>
+            <pc:docMk/>
+            <pc:sldMk cId="2170444034" sldId="256"/>
+            <ac:spMk id="8" creationId="{D84F4EF2-0EA1-14E6-4667-FB851AEDF9E8}"/>
+          </ac:spMkLst>
+        </pc:spChg>
+        <pc:spChg chg="mod">
+          <ac:chgData name="Maxwell Cook" userId="6270a8f4b8f62cae" providerId="LiveId" clId="{CA970F45-79AF-5E42-81B8-CE7B00EC0B4D}" dt="2023-09-21T16:26:56.805" v="107" actId="14826"/>
+          <ac:spMkLst>
+            <pc:docMk/>
+            <pc:sldMk cId="2170444034" sldId="256"/>
+            <ac:spMk id="9" creationId="{47AAA2C0-65FB-8C39-B8D8-9691E5F0CB02}"/>
+          </ac:spMkLst>
+        </pc:spChg>
+        <pc:spChg chg="mod">
+          <ac:chgData name="Maxwell Cook" userId="6270a8f4b8f62cae" providerId="LiveId" clId="{CA970F45-79AF-5E42-81B8-CE7B00EC0B4D}" dt="2023-09-21T16:26:56.805" v="107" actId="14826"/>
+          <ac:spMkLst>
+            <pc:docMk/>
+            <pc:sldMk cId="2170444034" sldId="256"/>
+            <ac:spMk id="10" creationId="{413D147E-D9B5-61F9-3F25-03A300601330}"/>
+          </ac:spMkLst>
+        </pc:spChg>
+        <pc:spChg chg="mod">
+          <ac:chgData name="Maxwell Cook" userId="6270a8f4b8f62cae" providerId="LiveId" clId="{CA970F45-79AF-5E42-81B8-CE7B00EC0B4D}" dt="2023-09-21T16:26:56.805" v="107" actId="14826"/>
+          <ac:spMkLst>
+            <pc:docMk/>
+            <pc:sldMk cId="2170444034" sldId="256"/>
+            <ac:spMk id="12" creationId="{5D5D6216-993E-C5B7-13E4-C96EE9587A7C}"/>
+          </ac:spMkLst>
+        </pc:spChg>
+        <pc:spChg chg="add mod">
+          <ac:chgData name="Maxwell Cook" userId="6270a8f4b8f62cae" providerId="LiveId" clId="{CA970F45-79AF-5E42-81B8-CE7B00EC0B4D}" dt="2023-09-21T16:26:38.398" v="106" actId="164"/>
+          <ac:spMkLst>
+            <pc:docMk/>
+            <pc:sldMk cId="2170444034" sldId="256"/>
+            <ac:spMk id="14" creationId="{2C074F3F-0308-5D22-2990-3460B42F501E}"/>
+          </ac:spMkLst>
+        </pc:spChg>
+        <pc:spChg chg="add mod">
+          <ac:chgData name="Maxwell Cook" userId="6270a8f4b8f62cae" providerId="LiveId" clId="{CA970F45-79AF-5E42-81B8-CE7B00EC0B4D}" dt="2023-09-21T16:26:38.398" v="106" actId="164"/>
+          <ac:spMkLst>
+            <pc:docMk/>
+            <pc:sldMk cId="2170444034" sldId="256"/>
+            <ac:spMk id="17" creationId="{EC76E043-77ED-DCA6-349A-C9EBCB24B885}"/>
+          </ac:spMkLst>
+        </pc:spChg>
+        <pc:spChg chg="mod">
+          <ac:chgData name="Maxwell Cook" userId="6270a8f4b8f62cae" providerId="LiveId" clId="{CA970F45-79AF-5E42-81B8-CE7B00EC0B4D}" dt="2023-09-21T16:26:56.805" v="107" actId="14826"/>
+          <ac:spMkLst>
+            <pc:docMk/>
+            <pc:sldMk cId="2170444034" sldId="256"/>
+            <ac:spMk id="20" creationId="{8E1F1EAB-3406-CF4B-79EF-47B1942CED47}"/>
+          </ac:spMkLst>
+        </pc:spChg>
+        <pc:spChg chg="mod">
+          <ac:chgData name="Maxwell Cook" userId="6270a8f4b8f62cae" providerId="LiveId" clId="{CA970F45-79AF-5E42-81B8-CE7B00EC0B4D}" dt="2023-09-21T16:26:56.805" v="107" actId="14826"/>
+          <ac:spMkLst>
+            <pc:docMk/>
+            <pc:sldMk cId="2170444034" sldId="256"/>
+            <ac:spMk id="21" creationId="{EDE9353A-DB6D-405A-EAB9-ADCB782DD9F9}"/>
+          </ac:spMkLst>
+        </pc:spChg>
+        <pc:spChg chg="add mod">
+          <ac:chgData name="Maxwell Cook" userId="6270a8f4b8f62cae" providerId="LiveId" clId="{CA970F45-79AF-5E42-81B8-CE7B00EC0B4D}" dt="2023-09-21T16:26:38.398" v="106" actId="164"/>
+          <ac:spMkLst>
+            <pc:docMk/>
+            <pc:sldMk cId="2170444034" sldId="256"/>
+            <ac:spMk id="22" creationId="{AD7C5786-B7EE-93D7-F4E5-E8AD597E8C01}"/>
+          </ac:spMkLst>
+        </pc:spChg>
+        <pc:spChg chg="add mod">
+          <ac:chgData name="Maxwell Cook" userId="6270a8f4b8f62cae" providerId="LiveId" clId="{CA970F45-79AF-5E42-81B8-CE7B00EC0B4D}" dt="2023-09-21T16:26:38.398" v="106" actId="164"/>
+          <ac:spMkLst>
+            <pc:docMk/>
+            <pc:sldMk cId="2170444034" sldId="256"/>
+            <ac:spMk id="23" creationId="{03F21952-81DB-4ACA-BC23-991DA2DD1CA5}"/>
+          </ac:spMkLst>
+        </pc:spChg>
+        <pc:spChg chg="mod">
+          <ac:chgData name="Maxwell Cook" userId="6270a8f4b8f62cae" providerId="LiveId" clId="{CA970F45-79AF-5E42-81B8-CE7B00EC0B4D}" dt="2023-09-21T16:26:56.805" v="107" actId="14826"/>
+          <ac:spMkLst>
+            <pc:docMk/>
+            <pc:sldMk cId="2170444034" sldId="256"/>
+            <ac:spMk id="29" creationId="{2A8429D0-769E-9AC0-A68C-49C2DBF10383}"/>
+          </ac:spMkLst>
+        </pc:spChg>
+        <pc:spChg chg="mod">
+          <ac:chgData name="Maxwell Cook" userId="6270a8f4b8f62cae" providerId="LiveId" clId="{CA970F45-79AF-5E42-81B8-CE7B00EC0B4D}" dt="2023-09-21T16:26:56.805" v="107" actId="14826"/>
+          <ac:spMkLst>
+            <pc:docMk/>
+            <pc:sldMk cId="2170444034" sldId="256"/>
+            <ac:spMk id="30" creationId="{14372BC4-84D9-8E52-1E1D-B3CF8846D71F}"/>
+          </ac:spMkLst>
+        </pc:spChg>
+        <pc:spChg chg="mod">
+          <ac:chgData name="Maxwell Cook" userId="6270a8f4b8f62cae" providerId="LiveId" clId="{CA970F45-79AF-5E42-81B8-CE7B00EC0B4D}" dt="2023-09-21T16:26:56.805" v="107" actId="14826"/>
+          <ac:spMkLst>
+            <pc:docMk/>
+            <pc:sldMk cId="2170444034" sldId="256"/>
+            <ac:spMk id="36" creationId="{E5004386-CD0B-2A44-4818-D29DD5F693B4}"/>
+          </ac:spMkLst>
+        </pc:spChg>
+        <pc:spChg chg="mod">
+          <ac:chgData name="Maxwell Cook" userId="6270a8f4b8f62cae" providerId="LiveId" clId="{CA970F45-79AF-5E42-81B8-CE7B00EC0B4D}" dt="2023-09-21T16:26:56.805" v="107" actId="14826"/>
+          <ac:spMkLst>
+            <pc:docMk/>
+            <pc:sldMk cId="2170444034" sldId="256"/>
+            <ac:spMk id="37" creationId="{4CF4CC54-8B09-8C34-1A7A-B2528D5BAA05}"/>
+          </ac:spMkLst>
+        </pc:spChg>
+        <pc:grpChg chg="add mod">
+          <ac:chgData name="Maxwell Cook" userId="6270a8f4b8f62cae" providerId="LiveId" clId="{CA970F45-79AF-5E42-81B8-CE7B00EC0B4D}" dt="2023-09-21T16:26:38.398" v="106" actId="164"/>
+          <ac:grpSpMkLst>
+            <pc:docMk/>
+            <pc:sldMk cId="2170444034" sldId="256"/>
+            <ac:grpSpMk id="24" creationId="{6EDCFE78-FB64-9124-F7B1-EB63586A133E}"/>
+          </ac:grpSpMkLst>
+        </pc:grpChg>
+        <pc:grpChg chg="mod">
+          <ac:chgData name="Maxwell Cook" userId="6270a8f4b8f62cae" providerId="LiveId" clId="{CA970F45-79AF-5E42-81B8-CE7B00EC0B4D}" dt="2023-09-21T16:26:56.805" v="107" actId="14826"/>
+          <ac:grpSpMkLst>
+            <pc:docMk/>
+            <pc:sldMk cId="2170444034" sldId="256"/>
+            <ac:grpSpMk id="26" creationId="{288BEA6A-6616-7160-DE7E-E83EE333CF42}"/>
+          </ac:grpSpMkLst>
+        </pc:grpChg>
+        <pc:grpChg chg="mod">
+          <ac:chgData name="Maxwell Cook" userId="6270a8f4b8f62cae" providerId="LiveId" clId="{CA970F45-79AF-5E42-81B8-CE7B00EC0B4D}" dt="2023-09-21T16:26:56.805" v="107" actId="14826"/>
+          <ac:grpSpMkLst>
+            <pc:docMk/>
+            <pc:sldMk cId="2170444034" sldId="256"/>
+            <ac:grpSpMk id="33" creationId="{3C6082F4-2EBA-36BB-A899-7A2102587A79}"/>
+          </ac:grpSpMkLst>
+        </pc:grpChg>
+        <pc:grpChg chg="mod">
+          <ac:chgData name="Maxwell Cook" userId="6270a8f4b8f62cae" providerId="LiveId" clId="{CA970F45-79AF-5E42-81B8-CE7B00EC0B4D}" dt="2023-09-21T16:26:56.805" v="107" actId="14826"/>
+          <ac:grpSpMkLst>
+            <pc:docMk/>
+            <pc:sldMk cId="2170444034" sldId="256"/>
+            <ac:grpSpMk id="42" creationId="{5979B789-1E96-9961-CB66-BBD9DF84B2F3}"/>
+          </ac:grpSpMkLst>
+        </pc:grpChg>
+        <pc:grpChg chg="mod">
+          <ac:chgData name="Maxwell Cook" userId="6270a8f4b8f62cae" providerId="LiveId" clId="{CA970F45-79AF-5E42-81B8-CE7B00EC0B4D}" dt="2023-09-21T16:26:56.805" v="107" actId="14826"/>
+          <ac:grpSpMkLst>
+            <pc:docMk/>
+            <pc:sldMk cId="2170444034" sldId="256"/>
+            <ac:grpSpMk id="45" creationId="{41C23E74-FDF0-2B40-43FB-3811CB15C600}"/>
+          </ac:grpSpMkLst>
+        </pc:grpChg>
+        <pc:picChg chg="add del mod">
+          <ac:chgData name="Maxwell Cook" userId="6270a8f4b8f62cae" providerId="LiveId" clId="{CA970F45-79AF-5E42-81B8-CE7B00EC0B4D}" dt="2023-09-21T16:20:52.602" v="6" actId="478"/>
+          <ac:picMkLst>
+            <pc:docMk/>
+            <pc:sldMk cId="2170444034" sldId="256"/>
+            <ac:picMk id="3" creationId="{89F910FF-C0C0-BA23-4B6B-1A293F016117}"/>
+          </ac:picMkLst>
+        </pc:picChg>
+        <pc:picChg chg="mod">
+          <ac:chgData name="Maxwell Cook" userId="6270a8f4b8f62cae" providerId="LiveId" clId="{CA970F45-79AF-5E42-81B8-CE7B00EC0B4D}" dt="2023-09-21T16:26:56.805" v="107" actId="14826"/>
+          <ac:picMkLst>
+            <pc:docMk/>
+            <pc:sldMk cId="2170444034" sldId="256"/>
+            <ac:picMk id="5" creationId="{39E164EF-881E-0794-1307-6EEFF0FFBAB1}"/>
+          </ac:picMkLst>
+        </pc:picChg>
+        <pc:picChg chg="del mod">
+          <ac:chgData name="Maxwell Cook" userId="6270a8f4b8f62cae" providerId="LiveId" clId="{CA970F45-79AF-5E42-81B8-CE7B00EC0B4D}" dt="2023-09-21T16:30:47.127" v="111" actId="478"/>
+          <ac:picMkLst>
+            <pc:docMk/>
+            <pc:sldMk cId="2170444034" sldId="256"/>
+            <ac:picMk id="11" creationId="{37BF7B02-6A9A-7447-AB4F-6F4460D8DE07}"/>
+          </ac:picMkLst>
+        </pc:picChg>
+        <pc:picChg chg="mod">
+          <ac:chgData name="Maxwell Cook" userId="6270a8f4b8f62cae" providerId="LiveId" clId="{CA970F45-79AF-5E42-81B8-CE7B00EC0B4D}" dt="2023-09-21T16:26:56.805" v="107" actId="14826"/>
+          <ac:picMkLst>
+            <pc:docMk/>
+            <pc:sldMk cId="2170444034" sldId="256"/>
+            <ac:picMk id="13" creationId="{042CB577-A4A4-7E38-9B36-16C8B17C4964}"/>
+          </ac:picMkLst>
+        </pc:picChg>
+        <pc:picChg chg="mod">
+          <ac:chgData name="Maxwell Cook" userId="6270a8f4b8f62cae" providerId="LiveId" clId="{CA970F45-79AF-5E42-81B8-CE7B00EC0B4D}" dt="2023-09-21T16:26:56.805" v="107" actId="14826"/>
+          <ac:picMkLst>
+            <pc:docMk/>
+            <pc:sldMk cId="2170444034" sldId="256"/>
+            <ac:picMk id="15" creationId="{775DFF09-BC18-589D-94A6-B7E2AFE91C8F}"/>
+          </ac:picMkLst>
+        </pc:picChg>
+        <pc:picChg chg="mod">
+          <ac:chgData name="Maxwell Cook" userId="6270a8f4b8f62cae" providerId="LiveId" clId="{CA970F45-79AF-5E42-81B8-CE7B00EC0B4D}" dt="2023-09-21T16:26:56.805" v="107" actId="14826"/>
+          <ac:picMkLst>
+            <pc:docMk/>
+            <pc:sldMk cId="2170444034" sldId="256"/>
+            <ac:picMk id="16" creationId="{42C9D3E6-33CC-F32E-2BE6-EA36E3C9667D}"/>
+          </ac:picMkLst>
+        </pc:picChg>
+        <pc:picChg chg="del mod">
+          <ac:chgData name="Maxwell Cook" userId="6270a8f4b8f62cae" providerId="LiveId" clId="{CA970F45-79AF-5E42-81B8-CE7B00EC0B4D}" dt="2023-09-21T16:23:31.006" v="7" actId="478"/>
+          <ac:picMkLst>
+            <pc:docMk/>
+            <pc:sldMk cId="2170444034" sldId="256"/>
+            <ac:picMk id="19" creationId="{5191C38E-221D-CF1D-AF7A-9E7CD8E0E473}"/>
+          </ac:picMkLst>
+        </pc:picChg>
+        <pc:picChg chg="add del mod">
+          <ac:chgData name="Maxwell Cook" userId="6270a8f4b8f62cae" providerId="LiveId" clId="{CA970F45-79AF-5E42-81B8-CE7B00EC0B4D}" dt="2023-09-21T16:31:18.377" v="113" actId="478"/>
+          <ac:picMkLst>
+            <pc:docMk/>
+            <pc:sldMk cId="2170444034" sldId="256"/>
+            <ac:picMk id="27" creationId="{A7D1902B-2549-AAE3-0A8C-D39C05C34478}"/>
+          </ac:picMkLst>
+        </pc:picChg>
+        <pc:picChg chg="add del mod">
+          <ac:chgData name="Maxwell Cook" userId="6270a8f4b8f62cae" providerId="LiveId" clId="{CA970F45-79AF-5E42-81B8-CE7B00EC0B4D}" dt="2023-09-21T16:32:56.575" v="118" actId="478"/>
+          <ac:picMkLst>
+            <pc:docMk/>
+            <pc:sldMk cId="2170444034" sldId="256"/>
+            <ac:picMk id="32" creationId="{7F724A67-3046-765B-F312-EAC1B5AC6D23}"/>
+          </ac:picMkLst>
+        </pc:picChg>
+        <pc:picChg chg="add del mod">
+          <ac:chgData name="Maxwell Cook" userId="6270a8f4b8f62cae" providerId="LiveId" clId="{CA970F45-79AF-5E42-81B8-CE7B00EC0B4D}" dt="2023-09-21T16:33:27.093" v="121" actId="478"/>
+          <ac:picMkLst>
+            <pc:docMk/>
+            <pc:sldMk cId="2170444034" sldId="256"/>
+            <ac:picMk id="38" creationId="{A6C7E66E-8520-1656-4AA5-B3918756AB57}"/>
+          </ac:picMkLst>
+        </pc:picChg>
+        <pc:picChg chg="add del mod">
+          <ac:chgData name="Maxwell Cook" userId="6270a8f4b8f62cae" providerId="LiveId" clId="{CA970F45-79AF-5E42-81B8-CE7B00EC0B4D}" dt="2023-09-21T16:35:12.371" v="127" actId="478"/>
+          <ac:picMkLst>
+            <pc:docMk/>
+            <pc:sldMk cId="2170444034" sldId="256"/>
+            <ac:picMk id="40" creationId="{DB3BB3FC-E88A-B02F-FD0F-0F855D2C4E32}"/>
+          </ac:picMkLst>
+        </pc:picChg>
+        <pc:picChg chg="mod">
+          <ac:chgData name="Maxwell Cook" userId="6270a8f4b8f62cae" providerId="LiveId" clId="{CA970F45-79AF-5E42-81B8-CE7B00EC0B4D}" dt="2023-09-21T16:26:56.805" v="107" actId="14826"/>
+          <ac:picMkLst>
+            <pc:docMk/>
+            <pc:sldMk cId="2170444034" sldId="256"/>
+            <ac:picMk id="44" creationId="{0656A5FB-22E0-B700-6170-56C48F6B7964}"/>
+          </ac:picMkLst>
+        </pc:picChg>
+        <pc:cxnChg chg="mod">
+          <ac:chgData name="Maxwell Cook" userId="6270a8f4b8f62cae" providerId="LiveId" clId="{CA970F45-79AF-5E42-81B8-CE7B00EC0B4D}" dt="2023-09-21T16:26:56.805" v="107" actId="14826"/>
+          <ac:cxnSpMkLst>
+            <pc:docMk/>
+            <pc:sldMk cId="2170444034" sldId="256"/>
+            <ac:cxnSpMk id="18" creationId="{FB0BCBDA-D990-B1FE-8068-D156F677FA80}"/>
+          </ac:cxnSpMkLst>
+        </pc:cxnChg>
+        <pc:cxnChg chg="mod">
+          <ac:chgData name="Maxwell Cook" userId="6270a8f4b8f62cae" providerId="LiveId" clId="{CA970F45-79AF-5E42-81B8-CE7B00EC0B4D}" dt="2023-09-21T16:26:56.805" v="107" actId="14826"/>
+          <ac:cxnSpMkLst>
+            <pc:docMk/>
+            <pc:sldMk cId="2170444034" sldId="256"/>
+            <ac:cxnSpMk id="28" creationId="{D03DDD88-5847-AAC6-DED8-F8A6C796AF61}"/>
+          </ac:cxnSpMkLst>
+        </pc:cxnChg>
+        <pc:cxnChg chg="mod">
+          <ac:chgData name="Maxwell Cook" userId="6270a8f4b8f62cae" providerId="LiveId" clId="{CA970F45-79AF-5E42-81B8-CE7B00EC0B4D}" dt="2023-09-21T16:26:56.805" v="107" actId="14826"/>
+          <ac:cxnSpMkLst>
+            <pc:docMk/>
+            <pc:sldMk cId="2170444034" sldId="256"/>
+            <ac:cxnSpMk id="35" creationId="{44AC5393-F568-C12C-412A-5C49BF15DEED}"/>
+          </ac:cxnSpMkLst>
+        </pc:cxnChg>
+      </pc:sldChg>
+    </pc:docChg>
+  </pc:docChgLst>
 </pc:chgInfo>
 </file>
 
@@ -1103,7 +1415,7 @@
           <a:p>
             <a:fld id="{7E773BE6-0A1E-D04A-93D4-644A66363E90}" type="datetimeFigureOut">
               <a:rPr lang="en-US" smtClean="0"/>
-              <a:t>8/30/23</a:t>
+              <a:t>9/21/23</a:t>
             </a:fld>
             <a:endParaRPr lang="en-US"/>
           </a:p>
@@ -1273,7 +1585,7 @@
           <a:p>
             <a:fld id="{7E773BE6-0A1E-D04A-93D4-644A66363E90}" type="datetimeFigureOut">
               <a:rPr lang="en-US" smtClean="0"/>
-              <a:t>8/30/23</a:t>
+              <a:t>9/21/23</a:t>
             </a:fld>
             <a:endParaRPr lang="en-US"/>
           </a:p>
@@ -1453,7 +1765,7 @@
           <a:p>
             <a:fld id="{7E773BE6-0A1E-D04A-93D4-644A66363E90}" type="datetimeFigureOut">
               <a:rPr lang="en-US" smtClean="0"/>
-              <a:t>8/30/23</a:t>
+              <a:t>9/21/23</a:t>
             </a:fld>
             <a:endParaRPr lang="en-US"/>
           </a:p>
@@ -1623,7 +1935,7 @@
           <a:p>
             <a:fld id="{7E773BE6-0A1E-D04A-93D4-644A66363E90}" type="datetimeFigureOut">
               <a:rPr lang="en-US" smtClean="0"/>
-              <a:t>8/30/23</a:t>
+              <a:t>9/21/23</a:t>
             </a:fld>
             <a:endParaRPr lang="en-US"/>
           </a:p>
@@ -1867,7 +2179,7 @@
           <a:p>
             <a:fld id="{7E773BE6-0A1E-D04A-93D4-644A66363E90}" type="datetimeFigureOut">
               <a:rPr lang="en-US" smtClean="0"/>
-              <a:t>8/30/23</a:t>
+              <a:t>9/21/23</a:t>
             </a:fld>
             <a:endParaRPr lang="en-US"/>
           </a:p>
@@ -2099,7 +2411,7 @@
           <a:p>
             <a:fld id="{7E773BE6-0A1E-D04A-93D4-644A66363E90}" type="datetimeFigureOut">
               <a:rPr lang="en-US" smtClean="0"/>
-              <a:t>8/30/23</a:t>
+              <a:t>9/21/23</a:t>
             </a:fld>
             <a:endParaRPr lang="en-US"/>
           </a:p>
@@ -2466,7 +2778,7 @@
           <a:p>
             <a:fld id="{7E773BE6-0A1E-D04A-93D4-644A66363E90}" type="datetimeFigureOut">
               <a:rPr lang="en-US" smtClean="0"/>
-              <a:t>8/30/23</a:t>
+              <a:t>9/21/23</a:t>
             </a:fld>
             <a:endParaRPr lang="en-US"/>
           </a:p>
@@ -2584,7 +2896,7 @@
           <a:p>
             <a:fld id="{7E773BE6-0A1E-D04A-93D4-644A66363E90}" type="datetimeFigureOut">
               <a:rPr lang="en-US" smtClean="0"/>
-              <a:t>8/30/23</a:t>
+              <a:t>9/21/23</a:t>
             </a:fld>
             <a:endParaRPr lang="en-US"/>
           </a:p>
@@ -2679,7 +2991,7 @@
           <a:p>
             <a:fld id="{7E773BE6-0A1E-D04A-93D4-644A66363E90}" type="datetimeFigureOut">
               <a:rPr lang="en-US" smtClean="0"/>
-              <a:t>8/30/23</a:t>
+              <a:t>9/21/23</a:t>
             </a:fld>
             <a:endParaRPr lang="en-US"/>
           </a:p>
@@ -2956,7 +3268,7 @@
           <a:p>
             <a:fld id="{7E773BE6-0A1E-D04A-93D4-644A66363E90}" type="datetimeFigureOut">
               <a:rPr lang="en-US" smtClean="0"/>
-              <a:t>8/30/23</a:t>
+              <a:t>9/21/23</a:t>
             </a:fld>
             <a:endParaRPr lang="en-US"/>
           </a:p>
@@ -3213,7 +3525,7 @@
           <a:p>
             <a:fld id="{7E773BE6-0A1E-D04A-93D4-644A66363E90}" type="datetimeFigureOut">
               <a:rPr lang="en-US" smtClean="0"/>
-              <a:t>8/30/23</a:t>
+              <a:t>9/21/23</a:t>
             </a:fld>
             <a:endParaRPr lang="en-US"/>
           </a:p>
@@ -3426,7 +3738,7 @@
           <a:p>
             <a:fld id="{7E773BE6-0A1E-D04A-93D4-644A66363E90}" type="datetimeFigureOut">
               <a:rPr lang="en-US" smtClean="0"/>
-              <a:t>8/30/23</a:t>
+              <a:t>9/21/23</a:t>
             </a:fld>
             <a:endParaRPr lang="en-US"/>
           </a:p>
@@ -3845,10 +4157,10 @@
         </p:nvGrpSpPr>
         <p:grpSpPr>
           <a:xfrm>
-            <a:off x="-731902" y="-10684"/>
-            <a:ext cx="7753202" cy="7282097"/>
-            <a:chOff x="-731902" y="-10684"/>
-            <a:chExt cx="7753202" cy="7282097"/>
+            <a:off x="50200" y="35913"/>
+            <a:ext cx="6971100" cy="7235500"/>
+            <a:chOff x="50200" y="35913"/>
+            <a:chExt cx="6971100" cy="7235500"/>
           </a:xfrm>
         </p:grpSpPr>
         <p:grpSp>
@@ -3865,15 +4177,15 @@
           </p:nvGrpSpPr>
           <p:grpSpPr>
             <a:xfrm>
-              <a:off x="-731902" y="-10684"/>
-              <a:ext cx="6598416" cy="7282097"/>
-              <a:chOff x="-731902" y="-10684"/>
-              <a:chExt cx="6598416" cy="7282097"/>
+              <a:off x="50200" y="35913"/>
+              <a:ext cx="5818038" cy="7235500"/>
+              <a:chOff x="50200" y="35913"/>
+              <a:chExt cx="5818038" cy="7235500"/>
             </a:xfrm>
           </p:grpSpPr>
           <p:pic>
             <p:nvPicPr>
-              <p:cNvPr id="5" name="Picture 4" descr="A map of the united states with different colored dots&#10;&#10;Description automatically generated">
+              <p:cNvPr id="5" name="Picture 4">
                 <a:extLst>
                   <a:ext uri="{FF2B5EF4-FFF2-40B4-BE49-F238E27FC236}">
                     <a16:creationId xmlns:a16="http://schemas.microsoft.com/office/drawing/2014/main" id="{39E164EF-881E-0794-1307-6EEFF0FFBAB1}"/>
@@ -3887,57 +4199,19 @@
             </p:nvPicPr>
             <p:blipFill>
               <a:blip r:embed="rId2"/>
-              <a:stretch>
-                <a:fillRect/>
-              </a:stretch>
+              <a:srcRect/>
+              <a:stretch/>
             </p:blipFill>
             <p:spPr>
               <a:xfrm>
-                <a:off x="48474" y="-10684"/>
-                <a:ext cx="5818040" cy="3597413"/>
+                <a:off x="50200" y="35913"/>
+                <a:ext cx="5818038" cy="3597413"/>
               </a:xfrm>
               <a:prstGeom prst="rect">
                 <a:avLst/>
               </a:prstGeom>
             </p:spPr>
           </p:pic>
-          <p:sp>
-            <p:nvSpPr>
-              <p:cNvPr id="4" name="TextBox 3">
-                <a:extLst>
-                  <a:ext uri="{FF2B5EF4-FFF2-40B4-BE49-F238E27FC236}">
-                    <a16:creationId xmlns:a16="http://schemas.microsoft.com/office/drawing/2014/main" id="{ADC42F44-5573-2ED6-4D34-A1389B41BAFD}"/>
-                  </a:ext>
-                </a:extLst>
-              </p:cNvPr>
-              <p:cNvSpPr txBox="1"/>
-              <p:nvPr/>
-            </p:nvSpPr>
-            <p:spPr>
-              <a:xfrm>
-                <a:off x="151316" y="92368"/>
-                <a:ext cx="389850" cy="276999"/>
-              </a:xfrm>
-              <a:prstGeom prst="rect">
-                <a:avLst/>
-              </a:prstGeom>
-              <a:noFill/>
-            </p:spPr>
-            <p:txBody>
-              <a:bodyPr wrap="none" rtlCol="0">
-                <a:spAutoFit/>
-              </a:bodyPr>
-              <a:lstStyle/>
-              <a:p>
-                <a:r>
-                  <a:rPr lang="en-US" sz="1200" dirty="0">
-                    <a:latin typeface="Helvetica" pitchFamily="2" charset="0"/>
-                  </a:rPr>
-                  <a:t>(A)</a:t>
-                </a:r>
-              </a:p>
-            </p:txBody>
-          </p:sp>
           <p:sp>
             <p:nvSpPr>
               <p:cNvPr id="6" name="TextBox 5">
@@ -4204,36 +4478,6 @@
           </p:pic>
           <p:pic>
             <p:nvPicPr>
-              <p:cNvPr id="11" name="Picture 10" descr="A red and black image of a person&#10;&#10;Description automatically generated">
-                <a:extLst>
-                  <a:ext uri="{FF2B5EF4-FFF2-40B4-BE49-F238E27FC236}">
-                    <a16:creationId xmlns:a16="http://schemas.microsoft.com/office/drawing/2014/main" id="{37BF7B02-6A9A-7447-AB4F-6F4460D8DE07}"/>
-                  </a:ext>
-                </a:extLst>
-              </p:cNvPr>
-              <p:cNvPicPr>
-                <a:picLocks noChangeAspect="1"/>
-              </p:cNvPicPr>
-              <p:nvPr/>
-            </p:nvPicPr>
-            <p:blipFill>
-              <a:blip r:embed="rId4"/>
-              <a:stretch>
-                <a:fillRect/>
-              </a:stretch>
-            </p:blipFill>
-            <p:spPr>
-              <a:xfrm>
-                <a:off x="-731902" y="3948484"/>
-                <a:ext cx="3685759" cy="2278980"/>
-              </a:xfrm>
-              <a:prstGeom prst="rect">
-                <a:avLst/>
-              </a:prstGeom>
-            </p:spPr>
-          </p:pic>
-          <p:pic>
-            <p:nvPicPr>
               <p:cNvPr id="13" name="Picture 12" descr="A bar with numbers and a red line&#10;&#10;Description automatically generated with medium confidence">
                 <a:extLst>
                   <a:ext uri="{FF2B5EF4-FFF2-40B4-BE49-F238E27FC236}">
@@ -4247,7 +4491,7 @@
               <p:nvPr/>
             </p:nvPicPr>
             <p:blipFill>
-              <a:blip r:embed="rId5"/>
+              <a:blip r:embed="rId4"/>
               <a:stretch>
                 <a:fillRect/>
               </a:stretch>
@@ -4277,7 +4521,7 @@
               <p:nvPr/>
             </p:nvPicPr>
             <p:blipFill>
-              <a:blip r:embed="rId6"/>
+              <a:blip r:embed="rId5"/>
               <a:stretch>
                 <a:fillRect/>
               </a:stretch>
@@ -4286,36 +4530,6 @@
               <a:xfrm>
                 <a:off x="1222220" y="3936502"/>
                 <a:ext cx="3685758" cy="2278980"/>
-              </a:xfrm>
-              <a:prstGeom prst="rect">
-                <a:avLst/>
-              </a:prstGeom>
-            </p:spPr>
-          </p:pic>
-          <p:pic>
-            <p:nvPicPr>
-              <p:cNvPr id="19" name="Picture 18" descr="A close-up of a sign&#10;&#10;Description automatically generated">
-                <a:extLst>
-                  <a:ext uri="{FF2B5EF4-FFF2-40B4-BE49-F238E27FC236}">
-                    <a16:creationId xmlns:a16="http://schemas.microsoft.com/office/drawing/2014/main" id="{5191C38E-221D-CF1D-AF7A-9E7CD8E0E473}"/>
-                  </a:ext>
-                </a:extLst>
-              </p:cNvPr>
-              <p:cNvPicPr>
-                <a:picLocks noChangeAspect="1"/>
-              </p:cNvPicPr>
-              <p:nvPr/>
-            </p:nvPicPr>
-            <p:blipFill>
-              <a:blip r:embed="rId7"/>
-              <a:stretch>
-                <a:fillRect/>
-              </a:stretch>
-            </p:blipFill>
-            <p:spPr>
-              <a:xfrm>
-                <a:off x="4377034" y="6645608"/>
-                <a:ext cx="1362903" cy="335485"/>
               </a:xfrm>
               <a:prstGeom prst="rect">
                 <a:avLst/>
@@ -4711,7 +4925,7 @@
             <p:nvPr/>
           </p:nvPicPr>
           <p:blipFill>
-            <a:blip r:embed="rId8"/>
+            <a:blip r:embed="rId6"/>
             <a:stretch>
               <a:fillRect/>
             </a:stretch>
@@ -4726,6 +4940,199 @@
             </a:prstGeom>
           </p:spPr>
         </p:pic>
+      </p:grpSp>
+      <p:grpSp>
+        <p:nvGrpSpPr>
+          <p:cNvPr id="24" name="Group 23">
+            <a:extLst>
+              <a:ext uri="{FF2B5EF4-FFF2-40B4-BE49-F238E27FC236}">
+                <a16:creationId xmlns:a16="http://schemas.microsoft.com/office/drawing/2014/main" id="{6EDCFE78-FB64-9124-F7B1-EB63586A133E}"/>
+              </a:ext>
+            </a:extLst>
+          </p:cNvPr>
+          <p:cNvGrpSpPr/>
+          <p:nvPr/>
+        </p:nvGrpSpPr>
+        <p:grpSpPr>
+          <a:xfrm>
+            <a:off x="4360948" y="6590208"/>
+            <a:ext cx="1535683" cy="361788"/>
+            <a:chOff x="4360948" y="6590208"/>
+            <a:chExt cx="1535683" cy="361788"/>
+          </a:xfrm>
+        </p:grpSpPr>
+        <p:sp>
+          <p:nvSpPr>
+            <p:cNvPr id="14" name="Triangle 13">
+              <a:extLst>
+                <a:ext uri="{FF2B5EF4-FFF2-40B4-BE49-F238E27FC236}">
+                  <a16:creationId xmlns:a16="http://schemas.microsoft.com/office/drawing/2014/main" id="{2C074F3F-0308-5D22-2990-3460B42F501E}"/>
+                </a:ext>
+              </a:extLst>
+            </p:cNvPr>
+            <p:cNvSpPr/>
+            <p:nvPr/>
+          </p:nvSpPr>
+          <p:spPr>
+            <a:xfrm>
+              <a:off x="4369309" y="6649763"/>
+              <a:ext cx="94861" cy="80946"/>
+            </a:xfrm>
+            <a:prstGeom prst="triangle">
+              <a:avLst/>
+            </a:prstGeom>
+          </p:spPr>
+          <p:style>
+            <a:lnRef idx="2">
+              <a:schemeClr val="dk1">
+                <a:shade val="15000"/>
+              </a:schemeClr>
+            </a:lnRef>
+            <a:fillRef idx="1">
+              <a:schemeClr val="dk1"/>
+            </a:fillRef>
+            <a:effectRef idx="0">
+              <a:schemeClr val="dk1"/>
+            </a:effectRef>
+            <a:fontRef idx="minor">
+              <a:schemeClr val="lt1"/>
+            </a:fontRef>
+          </p:style>
+          <p:txBody>
+            <a:bodyPr rtlCol="0" anchor="ctr"/>
+            <a:lstStyle/>
+            <a:p>
+              <a:pPr algn="ctr"/>
+              <a:endParaRPr lang="en-US"/>
+            </a:p>
+          </p:txBody>
+        </p:sp>
+        <p:sp>
+          <p:nvSpPr>
+            <p:cNvPr id="17" name="TextBox 16">
+              <a:extLst>
+                <a:ext uri="{FF2B5EF4-FFF2-40B4-BE49-F238E27FC236}">
+                  <a16:creationId xmlns:a16="http://schemas.microsoft.com/office/drawing/2014/main" id="{EC76E043-77ED-DCA6-349A-C9EBCB24B885}"/>
+                </a:ext>
+              </a:extLst>
+            </p:cNvPr>
+            <p:cNvSpPr txBox="1"/>
+            <p:nvPr/>
+          </p:nvSpPr>
+          <p:spPr>
+            <a:xfrm>
+              <a:off x="4416739" y="6590208"/>
+              <a:ext cx="1479892" cy="200055"/>
+            </a:xfrm>
+            <a:prstGeom prst="rect">
+              <a:avLst/>
+            </a:prstGeom>
+            <a:noFill/>
+          </p:spPr>
+          <p:txBody>
+            <a:bodyPr wrap="none" rtlCol="0">
+              <a:spAutoFit/>
+            </a:bodyPr>
+            <a:lstStyle/>
+            <a:p>
+              <a:r>
+                <a:rPr lang="en-US" sz="700" dirty="0">
+                  <a:latin typeface="Helvetica" pitchFamily="2" charset="0"/>
+                </a:rPr>
+                <a:t>Property locations (HISDAC-US)</a:t>
+              </a:r>
+            </a:p>
+          </p:txBody>
+        </p:sp>
+        <p:sp>
+          <p:nvSpPr>
+            <p:cNvPr id="22" name="Rectangle 21">
+              <a:extLst>
+                <a:ext uri="{FF2B5EF4-FFF2-40B4-BE49-F238E27FC236}">
+                  <a16:creationId xmlns:a16="http://schemas.microsoft.com/office/drawing/2014/main" id="{AD7C5786-B7EE-93D7-F4E5-E8AD597E8C01}"/>
+                </a:ext>
+              </a:extLst>
+            </p:cNvPr>
+            <p:cNvSpPr/>
+            <p:nvPr/>
+          </p:nvSpPr>
+          <p:spPr>
+            <a:xfrm>
+              <a:off x="4360948" y="6821454"/>
+              <a:ext cx="103222" cy="61410"/>
+            </a:xfrm>
+            <a:prstGeom prst="rect">
+              <a:avLst/>
+            </a:prstGeom>
+            <a:noFill/>
+            <a:ln w="19050">
+              <a:solidFill>
+                <a:schemeClr val="tx1"/>
+              </a:solidFill>
+            </a:ln>
+          </p:spPr>
+          <p:style>
+            <a:lnRef idx="2">
+              <a:schemeClr val="accent1">
+                <a:shade val="15000"/>
+              </a:schemeClr>
+            </a:lnRef>
+            <a:fillRef idx="1">
+              <a:schemeClr val="accent1"/>
+            </a:fillRef>
+            <a:effectRef idx="0">
+              <a:schemeClr val="accent1"/>
+            </a:effectRef>
+            <a:fontRef idx="minor">
+              <a:schemeClr val="lt1"/>
+            </a:fontRef>
+          </p:style>
+          <p:txBody>
+            <a:bodyPr rtlCol="0" anchor="ctr"/>
+            <a:lstStyle/>
+            <a:p>
+              <a:pPr algn="ctr"/>
+              <a:endParaRPr lang="en-US"/>
+            </a:p>
+          </p:txBody>
+        </p:sp>
+        <p:sp>
+          <p:nvSpPr>
+            <p:cNvPr id="23" name="TextBox 22">
+              <a:extLst>
+                <a:ext uri="{FF2B5EF4-FFF2-40B4-BE49-F238E27FC236}">
+                  <a16:creationId xmlns:a16="http://schemas.microsoft.com/office/drawing/2014/main" id="{03F21952-81DB-4ACA-BC23-991DA2DD1CA5}"/>
+                </a:ext>
+              </a:extLst>
+            </p:cNvPr>
+            <p:cNvSpPr txBox="1"/>
+            <p:nvPr/>
+          </p:nvSpPr>
+          <p:spPr>
+            <a:xfrm>
+              <a:off x="4416739" y="6751941"/>
+              <a:ext cx="1223412" cy="200055"/>
+            </a:xfrm>
+            <a:prstGeom prst="rect">
+              <a:avLst/>
+            </a:prstGeom>
+            <a:noFill/>
+          </p:spPr>
+          <p:txBody>
+            <a:bodyPr wrap="none" rtlCol="0">
+              <a:spAutoFit/>
+            </a:bodyPr>
+            <a:lstStyle/>
+            <a:p>
+              <a:r>
+                <a:rPr lang="en-US" sz="700" dirty="0">
+                  <a:latin typeface="Helvetica" pitchFamily="2" charset="0"/>
+                </a:rPr>
+                <a:t>Wildfire perimeter (MTBS)</a:t>
+              </a:r>
+            </a:p>
+          </p:txBody>
+        </p:sp>
       </p:grpSp>
     </p:spTree>
     <p:extLst>

--- a/figures/Figure1_PanelMaps_Arrange.pptx
+++ b/figures/Figure1_PanelMaps_Arrange.pptx
@@ -126,7 +126,7 @@
 <file path=ppt/revisionInfo.xml><?xml version="1.0" encoding="utf-8"?>
 <p1510:revInfo xmlns:a="http://schemas.openxmlformats.org/drawingml/2006/main" xmlns:r="http://schemas.openxmlformats.org/officeDocument/2006/relationships" xmlns:p1510="http://schemas.microsoft.com/office/powerpoint/2015/10/main">
   <p1510:revLst>
-    <p1510:client id="{CA970F45-79AF-5E42-81B8-CE7B00EC0B4D}" v="10" dt="2023-09-21T16:33:46.007"/>
+    <p1510:client id="{CA970F45-79AF-5E42-81B8-CE7B00EC0B4D}" v="24" dt="2023-09-29T15:31:00.695"/>
   </p1510:revLst>
 </p1510:revInfo>
 </file>
@@ -972,12 +972,12 @@
   <pc:docChgLst>
     <pc:chgData name="Maxwell Cook" userId="6270a8f4b8f62cae" providerId="LiveId" clId="{CA970F45-79AF-5E42-81B8-CE7B00EC0B4D}"/>
     <pc:docChg chg="undo custSel modSld">
-      <pc:chgData name="Maxwell Cook" userId="6270a8f4b8f62cae" providerId="LiveId" clId="{CA970F45-79AF-5E42-81B8-CE7B00EC0B4D}" dt="2023-09-21T16:35:12.371" v="127" actId="478"/>
+      <pc:chgData name="Maxwell Cook" userId="6270a8f4b8f62cae" providerId="LiveId" clId="{CA970F45-79AF-5E42-81B8-CE7B00EC0B4D}" dt="2023-09-29T15:32:00.138" v="229" actId="1076"/>
       <pc:docMkLst>
         <pc:docMk/>
       </pc:docMkLst>
       <pc:sldChg chg="addSp delSp modSp mod">
-        <pc:chgData name="Maxwell Cook" userId="6270a8f4b8f62cae" providerId="LiveId" clId="{CA970F45-79AF-5E42-81B8-CE7B00EC0B4D}" dt="2023-09-21T16:35:12.371" v="127" actId="478"/>
+        <pc:chgData name="Maxwell Cook" userId="6270a8f4b8f62cae" providerId="LiveId" clId="{CA970F45-79AF-5E42-81B8-CE7B00EC0B4D}" dt="2023-09-29T15:32:00.138" v="229" actId="1076"/>
         <pc:sldMkLst>
           <pc:docMk/>
           <pc:sldMk cId="2170444034" sldId="256"/>
@@ -991,7 +991,7 @@
           </ac:spMkLst>
         </pc:spChg>
         <pc:spChg chg="mod">
-          <ac:chgData name="Maxwell Cook" userId="6270a8f4b8f62cae" providerId="LiveId" clId="{CA970F45-79AF-5E42-81B8-CE7B00EC0B4D}" dt="2023-09-21T16:26:56.805" v="107" actId="14826"/>
+          <ac:chgData name="Maxwell Cook" userId="6270a8f4b8f62cae" providerId="LiveId" clId="{CA970F45-79AF-5E42-81B8-CE7B00EC0B4D}" dt="2023-09-29T15:31:54.548" v="228" actId="1076"/>
           <ac:spMkLst>
             <pc:docMk/>
             <pc:sldMk cId="2170444034" sldId="256"/>
@@ -999,7 +999,7 @@
           </ac:spMkLst>
         </pc:spChg>
         <pc:spChg chg="mod">
-          <ac:chgData name="Maxwell Cook" userId="6270a8f4b8f62cae" providerId="LiveId" clId="{CA970F45-79AF-5E42-81B8-CE7B00EC0B4D}" dt="2023-09-21T16:26:56.805" v="107" actId="14826"/>
+          <ac:chgData name="Maxwell Cook" userId="6270a8f4b8f62cae" providerId="LiveId" clId="{CA970F45-79AF-5E42-81B8-CE7B00EC0B4D}" dt="2023-09-29T15:31:00.694" v="220" actId="571"/>
           <ac:spMkLst>
             <pc:docMk/>
             <pc:sldMk cId="2170444034" sldId="256"/>
@@ -1007,7 +1007,7 @@
           </ac:spMkLst>
         </pc:spChg>
         <pc:spChg chg="mod">
-          <ac:chgData name="Maxwell Cook" userId="6270a8f4b8f62cae" providerId="LiveId" clId="{CA970F45-79AF-5E42-81B8-CE7B00EC0B4D}" dt="2023-09-21T16:26:56.805" v="107" actId="14826"/>
+          <ac:chgData name="Maxwell Cook" userId="6270a8f4b8f62cae" providerId="LiveId" clId="{CA970F45-79AF-5E42-81B8-CE7B00EC0B4D}" dt="2023-09-29T15:31:00.694" v="220" actId="571"/>
           <ac:spMkLst>
             <pc:docMk/>
             <pc:sldMk cId="2170444034" sldId="256"/>
@@ -1015,7 +1015,7 @@
           </ac:spMkLst>
         </pc:spChg>
         <pc:spChg chg="mod">
-          <ac:chgData name="Maxwell Cook" userId="6270a8f4b8f62cae" providerId="LiveId" clId="{CA970F45-79AF-5E42-81B8-CE7B00EC0B4D}" dt="2023-09-21T16:26:56.805" v="107" actId="14826"/>
+          <ac:chgData name="Maxwell Cook" userId="6270a8f4b8f62cae" providerId="LiveId" clId="{CA970F45-79AF-5E42-81B8-CE7B00EC0B4D}" dt="2023-09-29T15:32:00.138" v="229" actId="1076"/>
           <ac:spMkLst>
             <pc:docMk/>
             <pc:sldMk cId="2170444034" sldId="256"/>
@@ -1023,7 +1023,7 @@
           </ac:spMkLst>
         </pc:spChg>
         <pc:spChg chg="mod">
-          <ac:chgData name="Maxwell Cook" userId="6270a8f4b8f62cae" providerId="LiveId" clId="{CA970F45-79AF-5E42-81B8-CE7B00EC0B4D}" dt="2023-09-21T16:26:56.805" v="107" actId="14826"/>
+          <ac:chgData name="Maxwell Cook" userId="6270a8f4b8f62cae" providerId="LiveId" clId="{CA970F45-79AF-5E42-81B8-CE7B00EC0B4D}" dt="2023-09-29T15:31:37.524" v="225" actId="1076"/>
           <ac:spMkLst>
             <pc:docMk/>
             <pc:sldMk cId="2170444034" sldId="256"/>
@@ -1031,7 +1031,7 @@
           </ac:spMkLst>
         </pc:spChg>
         <pc:spChg chg="mod">
-          <ac:chgData name="Maxwell Cook" userId="6270a8f4b8f62cae" providerId="LiveId" clId="{CA970F45-79AF-5E42-81B8-CE7B00EC0B4D}" dt="2023-09-21T16:26:56.805" v="107" actId="14826"/>
+          <ac:chgData name="Maxwell Cook" userId="6270a8f4b8f62cae" providerId="LiveId" clId="{CA970F45-79AF-5E42-81B8-CE7B00EC0B4D}" dt="2023-09-29T15:31:10.930" v="223" actId="1076"/>
           <ac:spMkLst>
             <pc:docMk/>
             <pc:sldMk cId="2170444034" sldId="256"/>
@@ -1039,7 +1039,7 @@
           </ac:spMkLst>
         </pc:spChg>
         <pc:spChg chg="add mod">
-          <ac:chgData name="Maxwell Cook" userId="6270a8f4b8f62cae" providerId="LiveId" clId="{CA970F45-79AF-5E42-81B8-CE7B00EC0B4D}" dt="2023-09-21T16:26:38.398" v="106" actId="164"/>
+          <ac:chgData name="Maxwell Cook" userId="6270a8f4b8f62cae" providerId="LiveId" clId="{CA970F45-79AF-5E42-81B8-CE7B00EC0B4D}" dt="2023-09-29T15:31:00.694" v="220" actId="571"/>
           <ac:spMkLst>
             <pc:docMk/>
             <pc:sldMk cId="2170444034" sldId="256"/>
@@ -1047,7 +1047,7 @@
           </ac:spMkLst>
         </pc:spChg>
         <pc:spChg chg="add mod">
-          <ac:chgData name="Maxwell Cook" userId="6270a8f4b8f62cae" providerId="LiveId" clId="{CA970F45-79AF-5E42-81B8-CE7B00EC0B4D}" dt="2023-09-21T16:26:38.398" v="106" actId="164"/>
+          <ac:chgData name="Maxwell Cook" userId="6270a8f4b8f62cae" providerId="LiveId" clId="{CA970F45-79AF-5E42-81B8-CE7B00EC0B4D}" dt="2023-09-29T15:31:00.694" v="220" actId="571"/>
           <ac:spMkLst>
             <pc:docMk/>
             <pc:sldMk cId="2170444034" sldId="256"/>
@@ -1055,7 +1055,7 @@
           </ac:spMkLst>
         </pc:spChg>
         <pc:spChg chg="mod">
-          <ac:chgData name="Maxwell Cook" userId="6270a8f4b8f62cae" providerId="LiveId" clId="{CA970F45-79AF-5E42-81B8-CE7B00EC0B4D}" dt="2023-09-21T16:26:56.805" v="107" actId="14826"/>
+          <ac:chgData name="Maxwell Cook" userId="6270a8f4b8f62cae" providerId="LiveId" clId="{CA970F45-79AF-5E42-81B8-CE7B00EC0B4D}" dt="2023-09-29T15:31:00.694" v="220" actId="571"/>
           <ac:spMkLst>
             <pc:docMk/>
             <pc:sldMk cId="2170444034" sldId="256"/>
@@ -1063,7 +1063,7 @@
           </ac:spMkLst>
         </pc:spChg>
         <pc:spChg chg="mod">
-          <ac:chgData name="Maxwell Cook" userId="6270a8f4b8f62cae" providerId="LiveId" clId="{CA970F45-79AF-5E42-81B8-CE7B00EC0B4D}" dt="2023-09-21T16:26:56.805" v="107" actId="14826"/>
+          <ac:chgData name="Maxwell Cook" userId="6270a8f4b8f62cae" providerId="LiveId" clId="{CA970F45-79AF-5E42-81B8-CE7B00EC0B4D}" dt="2023-09-29T15:31:00.694" v="220" actId="571"/>
           <ac:spMkLst>
             <pc:docMk/>
             <pc:sldMk cId="2170444034" sldId="256"/>
@@ -1071,7 +1071,7 @@
           </ac:spMkLst>
         </pc:spChg>
         <pc:spChg chg="add mod">
-          <ac:chgData name="Maxwell Cook" userId="6270a8f4b8f62cae" providerId="LiveId" clId="{CA970F45-79AF-5E42-81B8-CE7B00EC0B4D}" dt="2023-09-21T16:26:38.398" v="106" actId="164"/>
+          <ac:chgData name="Maxwell Cook" userId="6270a8f4b8f62cae" providerId="LiveId" clId="{CA970F45-79AF-5E42-81B8-CE7B00EC0B4D}" dt="2023-09-29T15:31:00.694" v="220" actId="571"/>
           <ac:spMkLst>
             <pc:docMk/>
             <pc:sldMk cId="2170444034" sldId="256"/>
@@ -1079,7 +1079,7 @@
           </ac:spMkLst>
         </pc:spChg>
         <pc:spChg chg="add mod">
-          <ac:chgData name="Maxwell Cook" userId="6270a8f4b8f62cae" providerId="LiveId" clId="{CA970F45-79AF-5E42-81B8-CE7B00EC0B4D}" dt="2023-09-21T16:26:38.398" v="106" actId="164"/>
+          <ac:chgData name="Maxwell Cook" userId="6270a8f4b8f62cae" providerId="LiveId" clId="{CA970F45-79AF-5E42-81B8-CE7B00EC0B4D}" dt="2023-09-29T15:31:00.694" v="220" actId="571"/>
           <ac:spMkLst>
             <pc:docMk/>
             <pc:sldMk cId="2170444034" sldId="256"/>
@@ -1087,7 +1087,7 @@
           </ac:spMkLst>
         </pc:spChg>
         <pc:spChg chg="mod">
-          <ac:chgData name="Maxwell Cook" userId="6270a8f4b8f62cae" providerId="LiveId" clId="{CA970F45-79AF-5E42-81B8-CE7B00EC0B4D}" dt="2023-09-21T16:26:56.805" v="107" actId="14826"/>
+          <ac:chgData name="Maxwell Cook" userId="6270a8f4b8f62cae" providerId="LiveId" clId="{CA970F45-79AF-5E42-81B8-CE7B00EC0B4D}" dt="2023-09-29T15:31:00.694" v="220" actId="571"/>
           <ac:spMkLst>
             <pc:docMk/>
             <pc:sldMk cId="2170444034" sldId="256"/>
@@ -1095,7 +1095,7 @@
           </ac:spMkLst>
         </pc:spChg>
         <pc:spChg chg="mod">
-          <ac:chgData name="Maxwell Cook" userId="6270a8f4b8f62cae" providerId="LiveId" clId="{CA970F45-79AF-5E42-81B8-CE7B00EC0B4D}" dt="2023-09-21T16:26:56.805" v="107" actId="14826"/>
+          <ac:chgData name="Maxwell Cook" userId="6270a8f4b8f62cae" providerId="LiveId" clId="{CA970F45-79AF-5E42-81B8-CE7B00EC0B4D}" dt="2023-09-29T15:31:00.694" v="220" actId="571"/>
           <ac:spMkLst>
             <pc:docMk/>
             <pc:sldMk cId="2170444034" sldId="256"/>
@@ -1103,7 +1103,7 @@
           </ac:spMkLst>
         </pc:spChg>
         <pc:spChg chg="mod">
-          <ac:chgData name="Maxwell Cook" userId="6270a8f4b8f62cae" providerId="LiveId" clId="{CA970F45-79AF-5E42-81B8-CE7B00EC0B4D}" dt="2023-09-21T16:26:56.805" v="107" actId="14826"/>
+          <ac:chgData name="Maxwell Cook" userId="6270a8f4b8f62cae" providerId="LiveId" clId="{CA970F45-79AF-5E42-81B8-CE7B00EC0B4D}" dt="2023-09-29T15:31:00.694" v="220" actId="571"/>
           <ac:spMkLst>
             <pc:docMk/>
             <pc:sldMk cId="2170444034" sldId="256"/>
@@ -1111,15 +1111,23 @@
           </ac:spMkLst>
         </pc:spChg>
         <pc:spChg chg="mod">
-          <ac:chgData name="Maxwell Cook" userId="6270a8f4b8f62cae" providerId="LiveId" clId="{CA970F45-79AF-5E42-81B8-CE7B00EC0B4D}" dt="2023-09-21T16:26:56.805" v="107" actId="14826"/>
+          <ac:chgData name="Maxwell Cook" userId="6270a8f4b8f62cae" providerId="LiveId" clId="{CA970F45-79AF-5E42-81B8-CE7B00EC0B4D}" dt="2023-09-29T15:31:00.694" v="220" actId="571"/>
           <ac:spMkLst>
             <pc:docMk/>
             <pc:sldMk cId="2170444034" sldId="256"/>
             <ac:spMk id="37" creationId="{4CF4CC54-8B09-8C34-1A7A-B2528D5BAA05}"/>
           </ac:spMkLst>
         </pc:spChg>
+        <pc:spChg chg="add del mod">
+          <ac:chgData name="Maxwell Cook" userId="6270a8f4b8f62cae" providerId="LiveId" clId="{CA970F45-79AF-5E42-81B8-CE7B00EC0B4D}" dt="2023-09-29T15:31:02.261" v="221" actId="478"/>
+          <ac:spMkLst>
+            <pc:docMk/>
+            <pc:sldMk cId="2170444034" sldId="256"/>
+            <ac:spMk id="52" creationId="{9ACF71A5-4CEC-AE0F-9234-315114DFDE5F}"/>
+          </ac:spMkLst>
+        </pc:spChg>
         <pc:grpChg chg="add mod">
-          <ac:chgData name="Maxwell Cook" userId="6270a8f4b8f62cae" providerId="LiveId" clId="{CA970F45-79AF-5E42-81B8-CE7B00EC0B4D}" dt="2023-09-21T16:26:38.398" v="106" actId="164"/>
+          <ac:chgData name="Maxwell Cook" userId="6270a8f4b8f62cae" providerId="LiveId" clId="{CA970F45-79AF-5E42-81B8-CE7B00EC0B4D}" dt="2023-09-29T15:31:00.694" v="220" actId="571"/>
           <ac:grpSpMkLst>
             <pc:docMk/>
             <pc:sldMk cId="2170444034" sldId="256"/>
@@ -1127,7 +1135,7 @@
           </ac:grpSpMkLst>
         </pc:grpChg>
         <pc:grpChg chg="mod">
-          <ac:chgData name="Maxwell Cook" userId="6270a8f4b8f62cae" providerId="LiveId" clId="{CA970F45-79AF-5E42-81B8-CE7B00EC0B4D}" dt="2023-09-21T16:26:56.805" v="107" actId="14826"/>
+          <ac:chgData name="Maxwell Cook" userId="6270a8f4b8f62cae" providerId="LiveId" clId="{CA970F45-79AF-5E42-81B8-CE7B00EC0B4D}" dt="2023-09-29T15:31:00.694" v="220" actId="571"/>
           <ac:grpSpMkLst>
             <pc:docMk/>
             <pc:sldMk cId="2170444034" sldId="256"/>
@@ -1135,29 +1143,45 @@
           </ac:grpSpMkLst>
         </pc:grpChg>
         <pc:grpChg chg="mod">
-          <ac:chgData name="Maxwell Cook" userId="6270a8f4b8f62cae" providerId="LiveId" clId="{CA970F45-79AF-5E42-81B8-CE7B00EC0B4D}" dt="2023-09-21T16:26:56.805" v="107" actId="14826"/>
+          <ac:chgData name="Maxwell Cook" userId="6270a8f4b8f62cae" providerId="LiveId" clId="{CA970F45-79AF-5E42-81B8-CE7B00EC0B4D}" dt="2023-09-29T15:31:00.694" v="220" actId="571"/>
           <ac:grpSpMkLst>
             <pc:docMk/>
             <pc:sldMk cId="2170444034" sldId="256"/>
             <ac:grpSpMk id="33" creationId="{3C6082F4-2EBA-36BB-A899-7A2102587A79}"/>
           </ac:grpSpMkLst>
         </pc:grpChg>
-        <pc:grpChg chg="mod">
-          <ac:chgData name="Maxwell Cook" userId="6270a8f4b8f62cae" providerId="LiveId" clId="{CA970F45-79AF-5E42-81B8-CE7B00EC0B4D}" dt="2023-09-21T16:26:56.805" v="107" actId="14826"/>
+        <pc:grpChg chg="mod topLvl">
+          <ac:chgData name="Maxwell Cook" userId="6270a8f4b8f62cae" providerId="LiveId" clId="{CA970F45-79AF-5E42-81B8-CE7B00EC0B4D}" dt="2023-09-29T15:31:00.694" v="220" actId="571"/>
           <ac:grpSpMkLst>
             <pc:docMk/>
             <pc:sldMk cId="2170444034" sldId="256"/>
             <ac:grpSpMk id="42" creationId="{5979B789-1E96-9961-CB66-BBD9DF84B2F3}"/>
           </ac:grpSpMkLst>
         </pc:grpChg>
-        <pc:grpChg chg="mod">
-          <ac:chgData name="Maxwell Cook" userId="6270a8f4b8f62cae" providerId="LiveId" clId="{CA970F45-79AF-5E42-81B8-CE7B00EC0B4D}" dt="2023-09-21T16:26:56.805" v="107" actId="14826"/>
+        <pc:grpChg chg="del mod">
+          <ac:chgData name="Maxwell Cook" userId="6270a8f4b8f62cae" providerId="LiveId" clId="{CA970F45-79AF-5E42-81B8-CE7B00EC0B4D}" dt="2023-09-29T15:17:13.530" v="158" actId="478"/>
           <ac:grpSpMkLst>
             <pc:docMk/>
             <pc:sldMk cId="2170444034" sldId="256"/>
             <ac:grpSpMk id="45" creationId="{41C23E74-FDF0-2B40-43FB-3811CB15C600}"/>
           </ac:grpSpMkLst>
         </pc:grpChg>
+        <pc:grpChg chg="add mod">
+          <ac:chgData name="Maxwell Cook" userId="6270a8f4b8f62cae" providerId="LiveId" clId="{CA970F45-79AF-5E42-81B8-CE7B00EC0B4D}" dt="2023-09-29T15:31:00.694" v="220" actId="571"/>
+          <ac:grpSpMkLst>
+            <pc:docMk/>
+            <pc:sldMk cId="2170444034" sldId="256"/>
+            <ac:grpSpMk id="51" creationId="{187BF4B3-B99A-6D9C-0E1A-F65EA432B08E}"/>
+          </ac:grpSpMkLst>
+        </pc:grpChg>
+        <pc:picChg chg="add del mod">
+          <ac:chgData name="Maxwell Cook" userId="6270a8f4b8f62cae" providerId="LiveId" clId="{CA970F45-79AF-5E42-81B8-CE7B00EC0B4D}" dt="2023-09-29T15:10:33.805" v="135" actId="478"/>
+          <ac:picMkLst>
+            <pc:docMk/>
+            <pc:sldMk cId="2170444034" sldId="256"/>
+            <ac:picMk id="3" creationId="{69D8CB0A-5307-BB1D-4460-2DF2B72287D6}"/>
+          </ac:picMkLst>
+        </pc:picChg>
         <pc:picChg chg="add del mod">
           <ac:chgData name="Maxwell Cook" userId="6270a8f4b8f62cae" providerId="LiveId" clId="{CA970F45-79AF-5E42-81B8-CE7B00EC0B4D}" dt="2023-09-21T16:20:52.602" v="6" actId="478"/>
           <ac:picMkLst>
@@ -1167,7 +1191,7 @@
           </ac:picMkLst>
         </pc:picChg>
         <pc:picChg chg="mod">
-          <ac:chgData name="Maxwell Cook" userId="6270a8f4b8f62cae" providerId="LiveId" clId="{CA970F45-79AF-5E42-81B8-CE7B00EC0B4D}" dt="2023-09-21T16:26:56.805" v="107" actId="14826"/>
+          <ac:chgData name="Maxwell Cook" userId="6270a8f4b8f62cae" providerId="LiveId" clId="{CA970F45-79AF-5E42-81B8-CE7B00EC0B4D}" dt="2023-09-29T15:31:00.694" v="220" actId="571"/>
           <ac:picMkLst>
             <pc:docMk/>
             <pc:sldMk cId="2170444034" sldId="256"/>
@@ -1182,16 +1206,24 @@
             <ac:picMk id="11" creationId="{37BF7B02-6A9A-7447-AB4F-6F4460D8DE07}"/>
           </ac:picMkLst>
         </pc:picChg>
+        <pc:picChg chg="add mod">
+          <ac:chgData name="Maxwell Cook" userId="6270a8f4b8f62cae" providerId="LiveId" clId="{CA970F45-79AF-5E42-81B8-CE7B00EC0B4D}" dt="2023-09-29T15:31:00.694" v="220" actId="571"/>
+          <ac:picMkLst>
+            <pc:docMk/>
+            <pc:sldMk cId="2170444034" sldId="256"/>
+            <ac:picMk id="11" creationId="{CCFD0DF3-F9A1-2C06-6403-5F378D3F15B9}"/>
+          </ac:picMkLst>
+        </pc:picChg>
         <pc:picChg chg="mod">
-          <ac:chgData name="Maxwell Cook" userId="6270a8f4b8f62cae" providerId="LiveId" clId="{CA970F45-79AF-5E42-81B8-CE7B00EC0B4D}" dt="2023-09-21T16:26:56.805" v="107" actId="14826"/>
+          <ac:chgData name="Maxwell Cook" userId="6270a8f4b8f62cae" providerId="LiveId" clId="{CA970F45-79AF-5E42-81B8-CE7B00EC0B4D}" dt="2023-09-29T15:31:00.694" v="220" actId="571"/>
           <ac:picMkLst>
             <pc:docMk/>
             <pc:sldMk cId="2170444034" sldId="256"/>
             <ac:picMk id="13" creationId="{042CB577-A4A4-7E38-9B36-16C8B17C4964}"/>
           </ac:picMkLst>
         </pc:picChg>
-        <pc:picChg chg="mod">
-          <ac:chgData name="Maxwell Cook" userId="6270a8f4b8f62cae" providerId="LiveId" clId="{CA970F45-79AF-5E42-81B8-CE7B00EC0B4D}" dt="2023-09-21T16:26:56.805" v="107" actId="14826"/>
+        <pc:picChg chg="del mod">
+          <ac:chgData name="Maxwell Cook" userId="6270a8f4b8f62cae" providerId="LiveId" clId="{CA970F45-79AF-5E42-81B8-CE7B00EC0B4D}" dt="2023-09-29T15:15:14.049" v="142" actId="478"/>
           <ac:picMkLst>
             <pc:docMk/>
             <pc:sldMk cId="2170444034" sldId="256"/>
@@ -1199,7 +1231,7 @@
           </ac:picMkLst>
         </pc:picChg>
         <pc:picChg chg="mod">
-          <ac:chgData name="Maxwell Cook" userId="6270a8f4b8f62cae" providerId="LiveId" clId="{CA970F45-79AF-5E42-81B8-CE7B00EC0B4D}" dt="2023-09-21T16:26:56.805" v="107" actId="14826"/>
+          <ac:chgData name="Maxwell Cook" userId="6270a8f4b8f62cae" providerId="LiveId" clId="{CA970F45-79AF-5E42-81B8-CE7B00EC0B4D}" dt="2023-09-29T15:31:00.694" v="220" actId="571"/>
           <ac:picMkLst>
             <pc:docMk/>
             <pc:sldMk cId="2170444034" sldId="256"/>
@@ -1215,11 +1247,27 @@
           </ac:picMkLst>
         </pc:picChg>
         <pc:picChg chg="add del mod">
+          <ac:chgData name="Maxwell Cook" userId="6270a8f4b8f62cae" providerId="LiveId" clId="{CA970F45-79AF-5E42-81B8-CE7B00EC0B4D}" dt="2023-09-29T15:15:23.477" v="146" actId="478"/>
+          <ac:picMkLst>
+            <pc:docMk/>
+            <pc:sldMk cId="2170444034" sldId="256"/>
+            <ac:picMk id="25" creationId="{4F8BEDC8-EE19-89D3-D824-9957FA741BF2}"/>
+          </ac:picMkLst>
+        </pc:picChg>
+        <pc:picChg chg="add del mod">
           <ac:chgData name="Maxwell Cook" userId="6270a8f4b8f62cae" providerId="LiveId" clId="{CA970F45-79AF-5E42-81B8-CE7B00EC0B4D}" dt="2023-09-21T16:31:18.377" v="113" actId="478"/>
           <ac:picMkLst>
             <pc:docMk/>
             <pc:sldMk cId="2170444034" sldId="256"/>
             <ac:picMk id="27" creationId="{A7D1902B-2549-AAE3-0A8C-D39C05C34478}"/>
+          </ac:picMkLst>
+        </pc:picChg>
+        <pc:picChg chg="add mod">
+          <ac:chgData name="Maxwell Cook" userId="6270a8f4b8f62cae" providerId="LiveId" clId="{CA970F45-79AF-5E42-81B8-CE7B00EC0B4D}" dt="2023-09-29T15:31:00.694" v="220" actId="571"/>
+          <ac:picMkLst>
+            <pc:docMk/>
+            <pc:sldMk cId="2170444034" sldId="256"/>
+            <ac:picMk id="31" creationId="{4ED5D20C-2B5A-2414-5CFF-51C739B22171}"/>
           </ac:picMkLst>
         </pc:picChg>
         <pc:picChg chg="add del mod">
@@ -1231,11 +1279,27 @@
           </ac:picMkLst>
         </pc:picChg>
         <pc:picChg chg="add del mod">
+          <ac:chgData name="Maxwell Cook" userId="6270a8f4b8f62cae" providerId="LiveId" clId="{CA970F45-79AF-5E42-81B8-CE7B00EC0B4D}" dt="2023-09-29T15:17:35.984" v="161" actId="478"/>
+          <ac:picMkLst>
+            <pc:docMk/>
+            <pc:sldMk cId="2170444034" sldId="256"/>
+            <ac:picMk id="34" creationId="{0444A5F2-B22A-A289-6FC6-C4AB3A790BC1}"/>
+          </ac:picMkLst>
+        </pc:picChg>
+        <pc:picChg chg="add del mod">
           <ac:chgData name="Maxwell Cook" userId="6270a8f4b8f62cae" providerId="LiveId" clId="{CA970F45-79AF-5E42-81B8-CE7B00EC0B4D}" dt="2023-09-21T16:33:27.093" v="121" actId="478"/>
           <ac:picMkLst>
             <pc:docMk/>
             <pc:sldMk cId="2170444034" sldId="256"/>
             <ac:picMk id="38" creationId="{A6C7E66E-8520-1656-4AA5-B3918756AB57}"/>
+          </ac:picMkLst>
+        </pc:picChg>
+        <pc:picChg chg="add del mod">
+          <ac:chgData name="Maxwell Cook" userId="6270a8f4b8f62cae" providerId="LiveId" clId="{CA970F45-79AF-5E42-81B8-CE7B00EC0B4D}" dt="2023-09-29T15:18:43.904" v="168" actId="478"/>
+          <ac:picMkLst>
+            <pc:docMk/>
+            <pc:sldMk cId="2170444034" sldId="256"/>
+            <ac:picMk id="39" creationId="{C485E674-ACDB-F0E9-DB12-1C119A565262}"/>
           </ac:picMkLst>
         </pc:picChg>
         <pc:picChg chg="add del mod">
@@ -1246,16 +1310,56 @@
             <ac:picMk id="40" creationId="{DB3BB3FC-E88A-B02F-FD0F-0F855D2C4E32}"/>
           </ac:picMkLst>
         </pc:picChg>
-        <pc:picChg chg="mod">
-          <ac:chgData name="Maxwell Cook" userId="6270a8f4b8f62cae" providerId="LiveId" clId="{CA970F45-79AF-5E42-81B8-CE7B00EC0B4D}" dt="2023-09-21T16:26:56.805" v="107" actId="14826"/>
+        <pc:picChg chg="add del mod">
+          <ac:chgData name="Maxwell Cook" userId="6270a8f4b8f62cae" providerId="LiveId" clId="{CA970F45-79AF-5E42-81B8-CE7B00EC0B4D}" dt="2023-09-29T15:20:10.185" v="171" actId="478"/>
+          <ac:picMkLst>
+            <pc:docMk/>
+            <pc:sldMk cId="2170444034" sldId="256"/>
+            <ac:picMk id="41" creationId="{85224DE2-08B8-AC26-8B50-AEC5FB355E04}"/>
+          </ac:picMkLst>
+        </pc:picChg>
+        <pc:picChg chg="del mod topLvl">
+          <ac:chgData name="Maxwell Cook" userId="6270a8f4b8f62cae" providerId="LiveId" clId="{CA970F45-79AF-5E42-81B8-CE7B00EC0B4D}" dt="2023-09-29T15:17:13.530" v="158" actId="478"/>
           <ac:picMkLst>
             <pc:docMk/>
             <pc:sldMk cId="2170444034" sldId="256"/>
             <ac:picMk id="44" creationId="{0656A5FB-22E0-B700-6170-56C48F6B7964}"/>
           </ac:picMkLst>
         </pc:picChg>
+        <pc:picChg chg="add del mod">
+          <ac:chgData name="Maxwell Cook" userId="6270a8f4b8f62cae" providerId="LiveId" clId="{CA970F45-79AF-5E42-81B8-CE7B00EC0B4D}" dt="2023-09-29T15:26:06.580" v="177" actId="478"/>
+          <ac:picMkLst>
+            <pc:docMk/>
+            <pc:sldMk cId="2170444034" sldId="256"/>
+            <ac:picMk id="46" creationId="{BE597A92-CA63-756E-A6E1-2B63CD0E0CA3}"/>
+          </ac:picMkLst>
+        </pc:picChg>
+        <pc:picChg chg="add mod">
+          <ac:chgData name="Maxwell Cook" userId="6270a8f4b8f62cae" providerId="LiveId" clId="{CA970F45-79AF-5E42-81B8-CE7B00EC0B4D}" dt="2023-09-29T15:31:00.694" v="220" actId="571"/>
+          <ac:picMkLst>
+            <pc:docMk/>
+            <pc:sldMk cId="2170444034" sldId="256"/>
+            <ac:picMk id="48" creationId="{8830B6AB-ED7D-B09C-1E44-7BBB7622051E}"/>
+          </ac:picMkLst>
+        </pc:picChg>
+        <pc:picChg chg="add del mod">
+          <ac:chgData name="Maxwell Cook" userId="6270a8f4b8f62cae" providerId="LiveId" clId="{CA970F45-79AF-5E42-81B8-CE7B00EC0B4D}" dt="2023-09-29T15:27:46.460" v="197" actId="478"/>
+          <ac:picMkLst>
+            <pc:docMk/>
+            <pc:sldMk cId="2170444034" sldId="256"/>
+            <ac:picMk id="49" creationId="{D2A3C1B2-C1F8-692A-D1B6-B398957D8D10}"/>
+          </ac:picMkLst>
+        </pc:picChg>
+        <pc:picChg chg="add del mod">
+          <ac:chgData name="Maxwell Cook" userId="6270a8f4b8f62cae" providerId="LiveId" clId="{CA970F45-79AF-5E42-81B8-CE7B00EC0B4D}" dt="2023-09-29T15:27:54.365" v="199" actId="478"/>
+          <ac:picMkLst>
+            <pc:docMk/>
+            <pc:sldMk cId="2170444034" sldId="256"/>
+            <ac:picMk id="50" creationId="{D7C7DD74-D478-3578-2414-C09499EADB07}"/>
+          </ac:picMkLst>
+        </pc:picChg>
         <pc:cxnChg chg="mod">
-          <ac:chgData name="Maxwell Cook" userId="6270a8f4b8f62cae" providerId="LiveId" clId="{CA970F45-79AF-5E42-81B8-CE7B00EC0B4D}" dt="2023-09-21T16:26:56.805" v="107" actId="14826"/>
+          <ac:chgData name="Maxwell Cook" userId="6270a8f4b8f62cae" providerId="LiveId" clId="{CA970F45-79AF-5E42-81B8-CE7B00EC0B4D}" dt="2023-09-29T15:31:00.694" v="220" actId="571"/>
           <ac:cxnSpMkLst>
             <pc:docMk/>
             <pc:sldMk cId="2170444034" sldId="256"/>
@@ -1263,7 +1367,7 @@
           </ac:cxnSpMkLst>
         </pc:cxnChg>
         <pc:cxnChg chg="mod">
-          <ac:chgData name="Maxwell Cook" userId="6270a8f4b8f62cae" providerId="LiveId" clId="{CA970F45-79AF-5E42-81B8-CE7B00EC0B4D}" dt="2023-09-21T16:26:56.805" v="107" actId="14826"/>
+          <ac:chgData name="Maxwell Cook" userId="6270a8f4b8f62cae" providerId="LiveId" clId="{CA970F45-79AF-5E42-81B8-CE7B00EC0B4D}" dt="2023-09-29T15:31:00.694" v="220" actId="571"/>
           <ac:cxnSpMkLst>
             <pc:docMk/>
             <pc:sldMk cId="2170444034" sldId="256"/>
@@ -1271,7 +1375,7 @@
           </ac:cxnSpMkLst>
         </pc:cxnChg>
         <pc:cxnChg chg="mod">
-          <ac:chgData name="Maxwell Cook" userId="6270a8f4b8f62cae" providerId="LiveId" clId="{CA970F45-79AF-5E42-81B8-CE7B00EC0B4D}" dt="2023-09-21T16:26:56.805" v="107" actId="14826"/>
+          <ac:chgData name="Maxwell Cook" userId="6270a8f4b8f62cae" providerId="LiveId" clId="{CA970F45-79AF-5E42-81B8-CE7B00EC0B4D}" dt="2023-09-29T15:31:00.694" v="220" actId="571"/>
           <ac:cxnSpMkLst>
             <pc:docMk/>
             <pc:sldMk cId="2170444034" sldId="256"/>
@@ -1415,7 +1519,7 @@
           <a:p>
             <a:fld id="{7E773BE6-0A1E-D04A-93D4-644A66363E90}" type="datetimeFigureOut">
               <a:rPr lang="en-US" smtClean="0"/>
-              <a:t>9/21/23</a:t>
+              <a:t>9/29/23</a:t>
             </a:fld>
             <a:endParaRPr lang="en-US"/>
           </a:p>
@@ -1585,7 +1689,7 @@
           <a:p>
             <a:fld id="{7E773BE6-0A1E-D04A-93D4-644A66363E90}" type="datetimeFigureOut">
               <a:rPr lang="en-US" smtClean="0"/>
-              <a:t>9/21/23</a:t>
+              <a:t>9/29/23</a:t>
             </a:fld>
             <a:endParaRPr lang="en-US"/>
           </a:p>
@@ -1765,7 +1869,7 @@
           <a:p>
             <a:fld id="{7E773BE6-0A1E-D04A-93D4-644A66363E90}" type="datetimeFigureOut">
               <a:rPr lang="en-US" smtClean="0"/>
-              <a:t>9/21/23</a:t>
+              <a:t>9/29/23</a:t>
             </a:fld>
             <a:endParaRPr lang="en-US"/>
           </a:p>
@@ -1935,7 +2039,7 @@
           <a:p>
             <a:fld id="{7E773BE6-0A1E-D04A-93D4-644A66363E90}" type="datetimeFigureOut">
               <a:rPr lang="en-US" smtClean="0"/>
-              <a:t>9/21/23</a:t>
+              <a:t>9/29/23</a:t>
             </a:fld>
             <a:endParaRPr lang="en-US"/>
           </a:p>
@@ -2179,7 +2283,7 @@
           <a:p>
             <a:fld id="{7E773BE6-0A1E-D04A-93D4-644A66363E90}" type="datetimeFigureOut">
               <a:rPr lang="en-US" smtClean="0"/>
-              <a:t>9/21/23</a:t>
+              <a:t>9/29/23</a:t>
             </a:fld>
             <a:endParaRPr lang="en-US"/>
           </a:p>
@@ -2411,7 +2515,7 @@
           <a:p>
             <a:fld id="{7E773BE6-0A1E-D04A-93D4-644A66363E90}" type="datetimeFigureOut">
               <a:rPr lang="en-US" smtClean="0"/>
-              <a:t>9/21/23</a:t>
+              <a:t>9/29/23</a:t>
             </a:fld>
             <a:endParaRPr lang="en-US"/>
           </a:p>
@@ -2778,7 +2882,7 @@
           <a:p>
             <a:fld id="{7E773BE6-0A1E-D04A-93D4-644A66363E90}" type="datetimeFigureOut">
               <a:rPr lang="en-US" smtClean="0"/>
-              <a:t>9/21/23</a:t>
+              <a:t>9/29/23</a:t>
             </a:fld>
             <a:endParaRPr lang="en-US"/>
           </a:p>
@@ -2896,7 +3000,7 @@
           <a:p>
             <a:fld id="{7E773BE6-0A1E-D04A-93D4-644A66363E90}" type="datetimeFigureOut">
               <a:rPr lang="en-US" smtClean="0"/>
-              <a:t>9/21/23</a:t>
+              <a:t>9/29/23</a:t>
             </a:fld>
             <a:endParaRPr lang="en-US"/>
           </a:p>
@@ -2991,7 +3095,7 @@
           <a:p>
             <a:fld id="{7E773BE6-0A1E-D04A-93D4-644A66363E90}" type="datetimeFigureOut">
               <a:rPr lang="en-US" smtClean="0"/>
-              <a:t>9/21/23</a:t>
+              <a:t>9/29/23</a:t>
             </a:fld>
             <a:endParaRPr lang="en-US"/>
           </a:p>
@@ -3268,7 +3372,7 @@
           <a:p>
             <a:fld id="{7E773BE6-0A1E-D04A-93D4-644A66363E90}" type="datetimeFigureOut">
               <a:rPr lang="en-US" smtClean="0"/>
-              <a:t>9/21/23</a:t>
+              <a:t>9/29/23</a:t>
             </a:fld>
             <a:endParaRPr lang="en-US"/>
           </a:p>
@@ -3525,7 +3629,7 @@
           <a:p>
             <a:fld id="{7E773BE6-0A1E-D04A-93D4-644A66363E90}" type="datetimeFigureOut">
               <a:rPr lang="en-US" smtClean="0"/>
-              <a:t>9/21/23</a:t>
+              <a:t>9/29/23</a:t>
             </a:fld>
             <a:endParaRPr lang="en-US"/>
           </a:p>
@@ -3738,7 +3842,7 @@
           <a:p>
             <a:fld id="{7E773BE6-0A1E-D04A-93D4-644A66363E90}" type="datetimeFigureOut">
               <a:rPr lang="en-US" smtClean="0"/>
-              <a:t>9/21/23</a:t>
+              <a:t>9/29/23</a:t>
             </a:fld>
             <a:endParaRPr lang="en-US"/>
           </a:p>
@@ -4145,10 +4249,10 @@
       </p:grpSpPr>
       <p:grpSp>
         <p:nvGrpSpPr>
-          <p:cNvPr id="45" name="Group 44">
+          <p:cNvPr id="51" name="Group 50">
             <a:extLst>
               <a:ext uri="{FF2B5EF4-FFF2-40B4-BE49-F238E27FC236}">
-                <a16:creationId xmlns:a16="http://schemas.microsoft.com/office/drawing/2014/main" id="{41C23E74-FDF0-2B40-43FB-3811CB15C600}"/>
+                <a16:creationId xmlns:a16="http://schemas.microsoft.com/office/drawing/2014/main" id="{187BF4B3-B99A-6D9C-0E1A-F65EA432B08E}"/>
               </a:ext>
             </a:extLst>
           </p:cNvPr>
@@ -4157,12 +4261,42 @@
         </p:nvGrpSpPr>
         <p:grpSpPr>
           <a:xfrm>
-            <a:off x="50200" y="35913"/>
-            <a:ext cx="6971100" cy="7235500"/>
-            <a:chOff x="50200" y="35913"/>
-            <a:chExt cx="6971100" cy="7235500"/>
+            <a:off x="-13659" y="-153733"/>
+            <a:ext cx="7103007" cy="7425146"/>
+            <a:chOff x="-13659" y="-153733"/>
+            <a:chExt cx="7103007" cy="7425146"/>
           </a:xfrm>
         </p:grpSpPr>
+        <p:pic>
+          <p:nvPicPr>
+            <p:cNvPr id="48" name="Picture 47" descr="A red and white map&#10;&#10;Description automatically generated">
+              <a:extLst>
+                <a:ext uri="{FF2B5EF4-FFF2-40B4-BE49-F238E27FC236}">
+                  <a16:creationId xmlns:a16="http://schemas.microsoft.com/office/drawing/2014/main" id="{8830B6AB-ED7D-B09C-1E44-7BBB7622051E}"/>
+                </a:ext>
+              </a:extLst>
+            </p:cNvPr>
+            <p:cNvPicPr>
+              <a:picLocks noChangeAspect="1"/>
+            </p:cNvPicPr>
+            <p:nvPr/>
+          </p:nvPicPr>
+          <p:blipFill>
+            <a:blip r:embed="rId2"/>
+            <a:stretch>
+              <a:fillRect/>
+            </a:stretch>
+          </p:blipFill>
+          <p:spPr>
+            <a:xfrm>
+              <a:off x="2773920" y="3735091"/>
+              <a:ext cx="4315428" cy="2668318"/>
+            </a:xfrm>
+            <a:prstGeom prst="rect">
+              <a:avLst/>
+            </a:prstGeom>
+          </p:spPr>
+        </p:pic>
         <p:grpSp>
           <p:nvGrpSpPr>
             <p:cNvPr id="42" name="Group 41">
@@ -4177,10 +4311,10 @@
           </p:nvGrpSpPr>
           <p:grpSpPr>
             <a:xfrm>
-              <a:off x="50200" y="35913"/>
-              <a:ext cx="5818038" cy="7235500"/>
-              <a:chOff x="50200" y="35913"/>
-              <a:chExt cx="5818038" cy="7235500"/>
+              <a:off x="-4522" y="-153733"/>
+              <a:ext cx="5948122" cy="7425146"/>
+              <a:chOff x="-4522" y="-153733"/>
+              <a:chExt cx="5948122" cy="7425146"/>
             </a:xfrm>
           </p:grpSpPr>
           <p:pic>
@@ -4198,14 +4332,14 @@
               <p:nvPr/>
             </p:nvPicPr>
             <p:blipFill>
-              <a:blip r:embed="rId2"/>
+              <a:blip r:embed="rId3"/>
               <a:srcRect/>
               <a:stretch/>
             </p:blipFill>
             <p:spPr>
               <a:xfrm>
-                <a:off x="50200" y="35913"/>
-                <a:ext cx="5818038" cy="3597413"/>
+                <a:off x="-4522" y="-153733"/>
+                <a:ext cx="5948122" cy="3667320"/>
               </a:xfrm>
               <a:prstGeom prst="rect">
                 <a:avLst/>
@@ -4226,8 +4360,8 @@
             </p:nvSpPr>
             <p:spPr>
               <a:xfrm>
-                <a:off x="159059" y="3666480"/>
-                <a:ext cx="389850" cy="276999"/>
+                <a:off x="58754" y="3666696"/>
+                <a:ext cx="380232" cy="261610"/>
               </a:xfrm>
               <a:prstGeom prst="rect">
                 <a:avLst/>
@@ -4241,7 +4375,7 @@
               <a:lstStyle/>
               <a:p>
                 <a:r>
-                  <a:rPr lang="en-US" sz="1200" dirty="0">
+                  <a:rPr lang="en-US" sz="1100" b="1" dirty="0">
                     <a:latin typeface="Helvetica" pitchFamily="2" charset="0"/>
                   </a:rPr>
                   <a:t>(B)</a:t>
@@ -4263,8 +4397,8 @@
             </p:nvSpPr>
             <p:spPr>
               <a:xfrm>
-                <a:off x="2312086" y="3661590"/>
-                <a:ext cx="397866" cy="276999"/>
+                <a:off x="2286449" y="3658009"/>
+                <a:ext cx="380232" cy="261610"/>
               </a:xfrm>
               <a:prstGeom prst="rect">
                 <a:avLst/>
@@ -4278,7 +4412,7 @@
               <a:lstStyle/>
               <a:p>
                 <a:r>
-                  <a:rPr lang="en-US" sz="1200" dirty="0">
+                  <a:rPr lang="en-US" sz="1100" b="1" dirty="0">
                     <a:latin typeface="Helvetica" pitchFamily="2" charset="0"/>
                   </a:rPr>
                   <a:t>(C)</a:t>
@@ -4301,7 +4435,7 @@
             <p:spPr>
               <a:xfrm>
                 <a:off x="4056575" y="3661590"/>
-                <a:ext cx="397866" cy="276999"/>
+                <a:ext cx="380232" cy="261610"/>
               </a:xfrm>
               <a:prstGeom prst="rect">
                 <a:avLst/>
@@ -4315,7 +4449,7 @@
               <a:lstStyle/>
               <a:p>
                 <a:r>
-                  <a:rPr lang="en-US" sz="1200" dirty="0">
+                  <a:rPr lang="en-US" sz="1100" b="1" dirty="0">
                     <a:latin typeface="Helvetica" pitchFamily="2" charset="0"/>
                   </a:rPr>
                   <a:t>(D)</a:t>
@@ -4337,8 +4471,8 @@
             </p:nvSpPr>
             <p:spPr>
               <a:xfrm>
-                <a:off x="414948" y="3706215"/>
-                <a:ext cx="1614545" cy="215444"/>
+                <a:off x="325424" y="3685179"/>
+                <a:ext cx="1960793" cy="246221"/>
               </a:xfrm>
               <a:prstGeom prst="rect">
                 <a:avLst/>
@@ -4352,7 +4486,7 @@
               <a:lstStyle/>
               <a:p>
                 <a:r>
-                  <a:rPr lang="en-US" sz="800" dirty="0">
+                  <a:rPr lang="en-US" sz="1000" dirty="0">
                     <a:latin typeface="Helvetica" pitchFamily="2" charset="0"/>
                   </a:rPr>
                   <a:t>NW Oklahoma Complex (2018)</a:t>
@@ -4374,8 +4508,8 @@
             </p:nvSpPr>
             <p:spPr>
               <a:xfrm>
-                <a:off x="2586456" y="3688419"/>
-                <a:ext cx="1101584" cy="215444"/>
+                <a:off x="2535073" y="3673130"/>
+                <a:ext cx="1319592" cy="246221"/>
               </a:xfrm>
               <a:prstGeom prst="rect">
                 <a:avLst/>
@@ -4389,7 +4523,7 @@
               <a:lstStyle/>
               <a:p>
                 <a:r>
-                  <a:rPr lang="en-US" sz="800" dirty="0">
+                  <a:rPr lang="en-US" sz="1000" dirty="0">
                     <a:latin typeface="Helvetica" pitchFamily="2" charset="0"/>
                   </a:rPr>
                   <a:t>Cold Springs (2020)</a:t>
@@ -4411,8 +4545,8 @@
             </p:nvSpPr>
             <p:spPr>
               <a:xfrm>
-                <a:off x="4360948" y="3697257"/>
-                <a:ext cx="1295547" cy="215444"/>
+                <a:off x="4323200" y="3674174"/>
+                <a:ext cx="1561646" cy="246221"/>
               </a:xfrm>
               <a:prstGeom prst="rect">
                 <a:avLst/>
@@ -4426,19 +4560,19 @@
               <a:lstStyle/>
               <a:p>
                 <a:r>
-                  <a:rPr lang="en-US" sz="800" dirty="0">
+                  <a:rPr lang="en-US" sz="1000" dirty="0">
                     <a:latin typeface="Helvetica" pitchFamily="2" charset="0"/>
                   </a:rPr>
                   <a:t>Witch-</a:t>
                 </a:r>
                 <a:r>
-                  <a:rPr lang="en-US" sz="800" dirty="0" err="1">
+                  <a:rPr lang="en-US" sz="1000" dirty="0" err="1">
                     <a:latin typeface="Helvetica" pitchFamily="2" charset="0"/>
                   </a:rPr>
                   <a:t>Poomacha</a:t>
                 </a:r>
                 <a:r>
-                  <a:rPr lang="en-US" sz="800" dirty="0">
+                  <a:rPr lang="en-US" sz="1000" dirty="0">
                     <a:latin typeface="Helvetica" pitchFamily="2" charset="0"/>
                   </a:rPr>
                   <a:t> (2007)</a:t>
@@ -4461,7 +4595,7 @@
               <p:nvPr/>
             </p:nvPicPr>
             <p:blipFill>
-              <a:blip r:embed="rId3"/>
+              <a:blip r:embed="rId4"/>
               <a:stretch>
                 <a:fillRect/>
               </a:stretch>
@@ -4491,7 +4625,7 @@
               <p:nvPr/>
             </p:nvPicPr>
             <p:blipFill>
-              <a:blip r:embed="rId4"/>
+              <a:blip r:embed="rId5"/>
               <a:stretch>
                 <a:fillRect/>
               </a:stretch>
@@ -4500,36 +4634,6 @@
               <a:xfrm>
                 <a:off x="1890349" y="6540301"/>
                 <a:ext cx="2349500" cy="546100"/>
-              </a:xfrm>
-              <a:prstGeom prst="rect">
-                <a:avLst/>
-              </a:prstGeom>
-            </p:spPr>
-          </p:pic>
-          <p:pic>
-            <p:nvPicPr>
-              <p:cNvPr id="15" name="Picture 14">
-                <a:extLst>
-                  <a:ext uri="{FF2B5EF4-FFF2-40B4-BE49-F238E27FC236}">
-                    <a16:creationId xmlns:a16="http://schemas.microsoft.com/office/drawing/2014/main" id="{775DFF09-BC18-589D-94A6-B7E2AFE91C8F}"/>
-                  </a:ext>
-                </a:extLst>
-              </p:cNvPr>
-              <p:cNvPicPr>
-                <a:picLocks noChangeAspect="1"/>
-              </p:cNvPicPr>
-              <p:nvPr/>
-            </p:nvPicPr>
-            <p:blipFill>
-              <a:blip r:embed="rId5"/>
-              <a:stretch>
-                <a:fillRect/>
-              </a:stretch>
-            </p:blipFill>
-            <p:spPr>
-              <a:xfrm>
-                <a:off x="1222220" y="3936502"/>
-                <a:ext cx="3685758" cy="2278980"/>
               </a:xfrm>
               <a:prstGeom prst="rect">
                 <a:avLst/>
@@ -4910,12 +5014,205 @@
             </p:txBody>
           </p:sp>
         </p:grpSp>
+        <p:grpSp>
+          <p:nvGrpSpPr>
+            <p:cNvPr id="24" name="Group 23">
+              <a:extLst>
+                <a:ext uri="{FF2B5EF4-FFF2-40B4-BE49-F238E27FC236}">
+                  <a16:creationId xmlns:a16="http://schemas.microsoft.com/office/drawing/2014/main" id="{6EDCFE78-FB64-9124-F7B1-EB63586A133E}"/>
+                </a:ext>
+              </a:extLst>
+            </p:cNvPr>
+            <p:cNvGrpSpPr/>
+            <p:nvPr/>
+          </p:nvGrpSpPr>
+          <p:grpSpPr>
+            <a:xfrm>
+              <a:off x="4360948" y="6590208"/>
+              <a:ext cx="1535683" cy="361788"/>
+              <a:chOff x="4360948" y="6590208"/>
+              <a:chExt cx="1535683" cy="361788"/>
+            </a:xfrm>
+          </p:grpSpPr>
+          <p:sp>
+            <p:nvSpPr>
+              <p:cNvPr id="14" name="Triangle 13">
+                <a:extLst>
+                  <a:ext uri="{FF2B5EF4-FFF2-40B4-BE49-F238E27FC236}">
+                    <a16:creationId xmlns:a16="http://schemas.microsoft.com/office/drawing/2014/main" id="{2C074F3F-0308-5D22-2990-3460B42F501E}"/>
+                  </a:ext>
+                </a:extLst>
+              </p:cNvPr>
+              <p:cNvSpPr/>
+              <p:nvPr/>
+            </p:nvSpPr>
+            <p:spPr>
+              <a:xfrm>
+                <a:off x="4369309" y="6649763"/>
+                <a:ext cx="94861" cy="80946"/>
+              </a:xfrm>
+              <a:prstGeom prst="triangle">
+                <a:avLst/>
+              </a:prstGeom>
+            </p:spPr>
+            <p:style>
+              <a:lnRef idx="2">
+                <a:schemeClr val="dk1">
+                  <a:shade val="15000"/>
+                </a:schemeClr>
+              </a:lnRef>
+              <a:fillRef idx="1">
+                <a:schemeClr val="dk1"/>
+              </a:fillRef>
+              <a:effectRef idx="0">
+                <a:schemeClr val="dk1"/>
+              </a:effectRef>
+              <a:fontRef idx="minor">
+                <a:schemeClr val="lt1"/>
+              </a:fontRef>
+            </p:style>
+            <p:txBody>
+              <a:bodyPr rtlCol="0" anchor="ctr"/>
+              <a:lstStyle/>
+              <a:p>
+                <a:pPr algn="ctr"/>
+                <a:endParaRPr lang="en-US"/>
+              </a:p>
+            </p:txBody>
+          </p:sp>
+          <p:sp>
+            <p:nvSpPr>
+              <p:cNvPr id="17" name="TextBox 16">
+                <a:extLst>
+                  <a:ext uri="{FF2B5EF4-FFF2-40B4-BE49-F238E27FC236}">
+                    <a16:creationId xmlns:a16="http://schemas.microsoft.com/office/drawing/2014/main" id="{EC76E043-77ED-DCA6-349A-C9EBCB24B885}"/>
+                  </a:ext>
+                </a:extLst>
+              </p:cNvPr>
+              <p:cNvSpPr txBox="1"/>
+              <p:nvPr/>
+            </p:nvSpPr>
+            <p:spPr>
+              <a:xfrm>
+                <a:off x="4416739" y="6590208"/>
+                <a:ext cx="1479892" cy="200055"/>
+              </a:xfrm>
+              <a:prstGeom prst="rect">
+                <a:avLst/>
+              </a:prstGeom>
+              <a:noFill/>
+            </p:spPr>
+            <p:txBody>
+              <a:bodyPr wrap="none" rtlCol="0">
+                <a:spAutoFit/>
+              </a:bodyPr>
+              <a:lstStyle/>
+              <a:p>
+                <a:r>
+                  <a:rPr lang="en-US" sz="700" dirty="0">
+                    <a:latin typeface="Helvetica" pitchFamily="2" charset="0"/>
+                  </a:rPr>
+                  <a:t>Property locations (HISDAC-US)</a:t>
+                </a:r>
+              </a:p>
+            </p:txBody>
+          </p:sp>
+          <p:sp>
+            <p:nvSpPr>
+              <p:cNvPr id="22" name="Rectangle 21">
+                <a:extLst>
+                  <a:ext uri="{FF2B5EF4-FFF2-40B4-BE49-F238E27FC236}">
+                    <a16:creationId xmlns:a16="http://schemas.microsoft.com/office/drawing/2014/main" id="{AD7C5786-B7EE-93D7-F4E5-E8AD597E8C01}"/>
+                  </a:ext>
+                </a:extLst>
+              </p:cNvPr>
+              <p:cNvSpPr/>
+              <p:nvPr/>
+            </p:nvSpPr>
+            <p:spPr>
+              <a:xfrm>
+                <a:off x="4360948" y="6821454"/>
+                <a:ext cx="103222" cy="61410"/>
+              </a:xfrm>
+              <a:prstGeom prst="rect">
+                <a:avLst/>
+              </a:prstGeom>
+              <a:noFill/>
+              <a:ln w="19050">
+                <a:solidFill>
+                  <a:schemeClr val="tx1"/>
+                </a:solidFill>
+              </a:ln>
+            </p:spPr>
+            <p:style>
+              <a:lnRef idx="2">
+                <a:schemeClr val="accent1">
+                  <a:shade val="15000"/>
+                </a:schemeClr>
+              </a:lnRef>
+              <a:fillRef idx="1">
+                <a:schemeClr val="accent1"/>
+              </a:fillRef>
+              <a:effectRef idx="0">
+                <a:schemeClr val="accent1"/>
+              </a:effectRef>
+              <a:fontRef idx="minor">
+                <a:schemeClr val="lt1"/>
+              </a:fontRef>
+            </p:style>
+            <p:txBody>
+              <a:bodyPr rtlCol="0" anchor="ctr"/>
+              <a:lstStyle/>
+              <a:p>
+                <a:pPr algn="ctr"/>
+                <a:endParaRPr lang="en-US"/>
+              </a:p>
+            </p:txBody>
+          </p:sp>
+          <p:sp>
+            <p:nvSpPr>
+              <p:cNvPr id="23" name="TextBox 22">
+                <a:extLst>
+                  <a:ext uri="{FF2B5EF4-FFF2-40B4-BE49-F238E27FC236}">
+                    <a16:creationId xmlns:a16="http://schemas.microsoft.com/office/drawing/2014/main" id="{03F21952-81DB-4ACA-BC23-991DA2DD1CA5}"/>
+                  </a:ext>
+                </a:extLst>
+              </p:cNvPr>
+              <p:cNvSpPr txBox="1"/>
+              <p:nvPr/>
+            </p:nvSpPr>
+            <p:spPr>
+              <a:xfrm>
+                <a:off x="4416739" y="6751941"/>
+                <a:ext cx="1223412" cy="200055"/>
+              </a:xfrm>
+              <a:prstGeom prst="rect">
+                <a:avLst/>
+              </a:prstGeom>
+              <a:noFill/>
+            </p:spPr>
+            <p:txBody>
+              <a:bodyPr wrap="none" rtlCol="0">
+                <a:spAutoFit/>
+              </a:bodyPr>
+              <a:lstStyle/>
+              <a:p>
+                <a:r>
+                  <a:rPr lang="en-US" sz="700" dirty="0">
+                    <a:latin typeface="Helvetica" pitchFamily="2" charset="0"/>
+                  </a:rPr>
+                  <a:t>Wildfire perimeter (MTBS)</a:t>
+                </a:r>
+              </a:p>
+            </p:txBody>
+          </p:sp>
+        </p:grpSp>
         <p:pic>
           <p:nvPicPr>
-            <p:cNvPr id="44" name="Picture 43" descr="A red and white cloud&#10;&#10;Description automatically generated with medium confidence">
+            <p:cNvPr id="11" name="Picture 10" descr="A red and white map&#10;&#10;Description automatically generated">
               <a:extLst>
                 <a:ext uri="{FF2B5EF4-FFF2-40B4-BE49-F238E27FC236}">
-                  <a16:creationId xmlns:a16="http://schemas.microsoft.com/office/drawing/2014/main" id="{0656A5FB-22E0-B700-6170-56C48F6B7964}"/>
+                  <a16:creationId xmlns:a16="http://schemas.microsoft.com/office/drawing/2014/main" id="{CCFD0DF3-F9A1-2C06-6403-5F378D3F15B9}"/>
                 </a:ext>
               </a:extLst>
             </p:cNvPr>
@@ -4932,207 +5229,44 @@
           </p:blipFill>
           <p:spPr>
             <a:xfrm>
-              <a:off x="2794656" y="3728472"/>
-              <a:ext cx="4226644" cy="2613421"/>
+              <a:off x="-13659" y="4103236"/>
+              <a:ext cx="2223432" cy="2223432"/>
             </a:xfrm>
             <a:prstGeom prst="rect">
               <a:avLst/>
             </a:prstGeom>
           </p:spPr>
         </p:pic>
-      </p:grpSp>
-      <p:grpSp>
-        <p:nvGrpSpPr>
-          <p:cNvPr id="24" name="Group 23">
-            <a:extLst>
-              <a:ext uri="{FF2B5EF4-FFF2-40B4-BE49-F238E27FC236}">
-                <a16:creationId xmlns:a16="http://schemas.microsoft.com/office/drawing/2014/main" id="{6EDCFE78-FB64-9124-F7B1-EB63586A133E}"/>
-              </a:ext>
-            </a:extLst>
-          </p:cNvPr>
-          <p:cNvGrpSpPr/>
-          <p:nvPr/>
-        </p:nvGrpSpPr>
-        <p:grpSpPr>
-          <a:xfrm>
-            <a:off x="4360948" y="6590208"/>
-            <a:ext cx="1535683" cy="361788"/>
-            <a:chOff x="4360948" y="6590208"/>
-            <a:chExt cx="1535683" cy="361788"/>
-          </a:xfrm>
-        </p:grpSpPr>
-        <p:sp>
-          <p:nvSpPr>
-            <p:cNvPr id="14" name="Triangle 13">
+        <p:pic>
+          <p:nvPicPr>
+            <p:cNvPr id="31" name="Picture 30" descr="A map of a country&#10;&#10;Description automatically generated">
               <a:extLst>
                 <a:ext uri="{FF2B5EF4-FFF2-40B4-BE49-F238E27FC236}">
-                  <a16:creationId xmlns:a16="http://schemas.microsoft.com/office/drawing/2014/main" id="{2C074F3F-0308-5D22-2990-3460B42F501E}"/>
+                  <a16:creationId xmlns:a16="http://schemas.microsoft.com/office/drawing/2014/main" id="{4ED5D20C-2B5A-2414-5CFF-51C739B22171}"/>
                 </a:ext>
               </a:extLst>
             </p:cNvPr>
-            <p:cNvSpPr/>
+            <p:cNvPicPr>
+              <a:picLocks noChangeAspect="1"/>
+            </p:cNvPicPr>
             <p:nvPr/>
-          </p:nvSpPr>
+          </p:nvPicPr>
+          <p:blipFill>
+            <a:blip r:embed="rId7"/>
+            <a:stretch>
+              <a:fillRect/>
+            </a:stretch>
+          </p:blipFill>
           <p:spPr>
             <a:xfrm>
-              <a:off x="4369309" y="6649763"/>
-              <a:ext cx="94861" cy="80946"/>
-            </a:xfrm>
-            <a:prstGeom prst="triangle">
-              <a:avLst/>
-            </a:prstGeom>
-          </p:spPr>
-          <p:style>
-            <a:lnRef idx="2">
-              <a:schemeClr val="dk1">
-                <a:shade val="15000"/>
-              </a:schemeClr>
-            </a:lnRef>
-            <a:fillRef idx="1">
-              <a:schemeClr val="dk1"/>
-            </a:fillRef>
-            <a:effectRef idx="0">
-              <a:schemeClr val="dk1"/>
-            </a:effectRef>
-            <a:fontRef idx="minor">
-              <a:schemeClr val="lt1"/>
-            </a:fontRef>
-          </p:style>
-          <p:txBody>
-            <a:bodyPr rtlCol="0" anchor="ctr"/>
-            <a:lstStyle/>
-            <a:p>
-              <a:pPr algn="ctr"/>
-              <a:endParaRPr lang="en-US"/>
-            </a:p>
-          </p:txBody>
-        </p:sp>
-        <p:sp>
-          <p:nvSpPr>
-            <p:cNvPr id="17" name="TextBox 16">
-              <a:extLst>
-                <a:ext uri="{FF2B5EF4-FFF2-40B4-BE49-F238E27FC236}">
-                  <a16:creationId xmlns:a16="http://schemas.microsoft.com/office/drawing/2014/main" id="{EC76E043-77ED-DCA6-349A-C9EBCB24B885}"/>
-                </a:ext>
-              </a:extLst>
-            </p:cNvPr>
-            <p:cNvSpPr txBox="1"/>
-            <p:nvPr/>
-          </p:nvSpPr>
-          <p:spPr>
-            <a:xfrm>
-              <a:off x="4416739" y="6590208"/>
-              <a:ext cx="1479892" cy="200055"/>
+              <a:off x="2052791" y="4103236"/>
+              <a:ext cx="2223432" cy="2223432"/>
             </a:xfrm>
             <a:prstGeom prst="rect">
               <a:avLst/>
             </a:prstGeom>
-            <a:noFill/>
           </p:spPr>
-          <p:txBody>
-            <a:bodyPr wrap="none" rtlCol="0">
-              <a:spAutoFit/>
-            </a:bodyPr>
-            <a:lstStyle/>
-            <a:p>
-              <a:r>
-                <a:rPr lang="en-US" sz="700" dirty="0">
-                  <a:latin typeface="Helvetica" pitchFamily="2" charset="0"/>
-                </a:rPr>
-                <a:t>Property locations (HISDAC-US)</a:t>
-              </a:r>
-            </a:p>
-          </p:txBody>
-        </p:sp>
-        <p:sp>
-          <p:nvSpPr>
-            <p:cNvPr id="22" name="Rectangle 21">
-              <a:extLst>
-                <a:ext uri="{FF2B5EF4-FFF2-40B4-BE49-F238E27FC236}">
-                  <a16:creationId xmlns:a16="http://schemas.microsoft.com/office/drawing/2014/main" id="{AD7C5786-B7EE-93D7-F4E5-E8AD597E8C01}"/>
-                </a:ext>
-              </a:extLst>
-            </p:cNvPr>
-            <p:cNvSpPr/>
-            <p:nvPr/>
-          </p:nvSpPr>
-          <p:spPr>
-            <a:xfrm>
-              <a:off x="4360948" y="6821454"/>
-              <a:ext cx="103222" cy="61410"/>
-            </a:xfrm>
-            <a:prstGeom prst="rect">
-              <a:avLst/>
-            </a:prstGeom>
-            <a:noFill/>
-            <a:ln w="19050">
-              <a:solidFill>
-                <a:schemeClr val="tx1"/>
-              </a:solidFill>
-            </a:ln>
-          </p:spPr>
-          <p:style>
-            <a:lnRef idx="2">
-              <a:schemeClr val="accent1">
-                <a:shade val="15000"/>
-              </a:schemeClr>
-            </a:lnRef>
-            <a:fillRef idx="1">
-              <a:schemeClr val="accent1"/>
-            </a:fillRef>
-            <a:effectRef idx="0">
-              <a:schemeClr val="accent1"/>
-            </a:effectRef>
-            <a:fontRef idx="minor">
-              <a:schemeClr val="lt1"/>
-            </a:fontRef>
-          </p:style>
-          <p:txBody>
-            <a:bodyPr rtlCol="0" anchor="ctr"/>
-            <a:lstStyle/>
-            <a:p>
-              <a:pPr algn="ctr"/>
-              <a:endParaRPr lang="en-US"/>
-            </a:p>
-          </p:txBody>
-        </p:sp>
-        <p:sp>
-          <p:nvSpPr>
-            <p:cNvPr id="23" name="TextBox 22">
-              <a:extLst>
-                <a:ext uri="{FF2B5EF4-FFF2-40B4-BE49-F238E27FC236}">
-                  <a16:creationId xmlns:a16="http://schemas.microsoft.com/office/drawing/2014/main" id="{03F21952-81DB-4ACA-BC23-991DA2DD1CA5}"/>
-                </a:ext>
-              </a:extLst>
-            </p:cNvPr>
-            <p:cNvSpPr txBox="1"/>
-            <p:nvPr/>
-          </p:nvSpPr>
-          <p:spPr>
-            <a:xfrm>
-              <a:off x="4416739" y="6751941"/>
-              <a:ext cx="1223412" cy="200055"/>
-            </a:xfrm>
-            <a:prstGeom prst="rect">
-              <a:avLst/>
-            </a:prstGeom>
-            <a:noFill/>
-          </p:spPr>
-          <p:txBody>
-            <a:bodyPr wrap="none" rtlCol="0">
-              <a:spAutoFit/>
-            </a:bodyPr>
-            <a:lstStyle/>
-            <a:p>
-              <a:r>
-                <a:rPr lang="en-US" sz="700" dirty="0">
-                  <a:latin typeface="Helvetica" pitchFamily="2" charset="0"/>
-                </a:rPr>
-                <a:t>Wildfire perimeter (MTBS)</a:t>
-              </a:r>
-            </a:p>
-          </p:txBody>
-        </p:sp>
+        </p:pic>
       </p:grpSp>
     </p:spTree>
     <p:extLst>

--- a/figures/Figure1_PanelMaps_Arrange.pptx
+++ b/figures/Figure1_PanelMaps_Arrange.pptx
@@ -126,7 +126,7 @@
 <file path=ppt/revisionInfo.xml><?xml version="1.0" encoding="utf-8"?>
 <p1510:revInfo xmlns:a="http://schemas.openxmlformats.org/drawingml/2006/main" xmlns:r="http://schemas.openxmlformats.org/officeDocument/2006/relationships" xmlns:p1510="http://schemas.microsoft.com/office/powerpoint/2015/10/main">
   <p1510:revLst>
-    <p1510:client id="{CA970F45-79AF-5E42-81B8-CE7B00EC0B4D}" v="24" dt="2023-09-29T15:31:00.695"/>
+    <p1510:client id="{CA970F45-79AF-5E42-81B8-CE7B00EC0B4D}" v="29" dt="2023-10-02T16:31:25.568"/>
   </p1510:revLst>
 </p1510:revInfo>
 </file>
@@ -972,12 +972,12 @@
   <pc:docChgLst>
     <pc:chgData name="Maxwell Cook" userId="6270a8f4b8f62cae" providerId="LiveId" clId="{CA970F45-79AF-5E42-81B8-CE7B00EC0B4D}"/>
     <pc:docChg chg="undo custSel modSld">
-      <pc:chgData name="Maxwell Cook" userId="6270a8f4b8f62cae" providerId="LiveId" clId="{CA970F45-79AF-5E42-81B8-CE7B00EC0B4D}" dt="2023-09-29T15:32:00.138" v="229" actId="1076"/>
+      <pc:chgData name="Maxwell Cook" userId="6270a8f4b8f62cae" providerId="LiveId" clId="{CA970F45-79AF-5E42-81B8-CE7B00EC0B4D}" dt="2023-10-02T16:31:25.568" v="279" actId="164"/>
       <pc:docMkLst>
         <pc:docMk/>
       </pc:docMkLst>
       <pc:sldChg chg="addSp delSp modSp mod">
-        <pc:chgData name="Maxwell Cook" userId="6270a8f4b8f62cae" providerId="LiveId" clId="{CA970F45-79AF-5E42-81B8-CE7B00EC0B4D}" dt="2023-09-29T15:32:00.138" v="229" actId="1076"/>
+        <pc:chgData name="Maxwell Cook" userId="6270a8f4b8f62cae" providerId="LiveId" clId="{CA970F45-79AF-5E42-81B8-CE7B00EC0B4D}" dt="2023-10-02T16:31:25.568" v="279" actId="164"/>
         <pc:sldMkLst>
           <pc:docMk/>
           <pc:sldMk cId="2170444034" sldId="256"/>
@@ -991,7 +991,7 @@
           </ac:spMkLst>
         </pc:spChg>
         <pc:spChg chg="mod">
-          <ac:chgData name="Maxwell Cook" userId="6270a8f4b8f62cae" providerId="LiveId" clId="{CA970F45-79AF-5E42-81B8-CE7B00EC0B4D}" dt="2023-09-29T15:31:54.548" v="228" actId="1076"/>
+          <ac:chgData name="Maxwell Cook" userId="6270a8f4b8f62cae" providerId="LiveId" clId="{CA970F45-79AF-5E42-81B8-CE7B00EC0B4D}" dt="2023-10-02T16:28:41.122" v="238" actId="165"/>
           <ac:spMkLst>
             <pc:docMk/>
             <pc:sldMk cId="2170444034" sldId="256"/>
@@ -999,7 +999,7 @@
           </ac:spMkLst>
         </pc:spChg>
         <pc:spChg chg="mod">
-          <ac:chgData name="Maxwell Cook" userId="6270a8f4b8f62cae" providerId="LiveId" clId="{CA970F45-79AF-5E42-81B8-CE7B00EC0B4D}" dt="2023-09-29T15:31:00.694" v="220" actId="571"/>
+          <ac:chgData name="Maxwell Cook" userId="6270a8f4b8f62cae" providerId="LiveId" clId="{CA970F45-79AF-5E42-81B8-CE7B00EC0B4D}" dt="2023-10-02T16:28:41.122" v="238" actId="165"/>
           <ac:spMkLst>
             <pc:docMk/>
             <pc:sldMk cId="2170444034" sldId="256"/>
@@ -1007,7 +1007,7 @@
           </ac:spMkLst>
         </pc:spChg>
         <pc:spChg chg="mod">
-          <ac:chgData name="Maxwell Cook" userId="6270a8f4b8f62cae" providerId="LiveId" clId="{CA970F45-79AF-5E42-81B8-CE7B00EC0B4D}" dt="2023-09-29T15:31:00.694" v="220" actId="571"/>
+          <ac:chgData name="Maxwell Cook" userId="6270a8f4b8f62cae" providerId="LiveId" clId="{CA970F45-79AF-5E42-81B8-CE7B00EC0B4D}" dt="2023-10-02T16:28:41.122" v="238" actId="165"/>
           <ac:spMkLst>
             <pc:docMk/>
             <pc:sldMk cId="2170444034" sldId="256"/>
@@ -1015,7 +1015,7 @@
           </ac:spMkLst>
         </pc:spChg>
         <pc:spChg chg="mod">
-          <ac:chgData name="Maxwell Cook" userId="6270a8f4b8f62cae" providerId="LiveId" clId="{CA970F45-79AF-5E42-81B8-CE7B00EC0B4D}" dt="2023-09-29T15:32:00.138" v="229" actId="1076"/>
+          <ac:chgData name="Maxwell Cook" userId="6270a8f4b8f62cae" providerId="LiveId" clId="{CA970F45-79AF-5E42-81B8-CE7B00EC0B4D}" dt="2023-10-02T16:28:41.122" v="238" actId="165"/>
           <ac:spMkLst>
             <pc:docMk/>
             <pc:sldMk cId="2170444034" sldId="256"/>
@@ -1023,7 +1023,7 @@
           </ac:spMkLst>
         </pc:spChg>
         <pc:spChg chg="mod">
-          <ac:chgData name="Maxwell Cook" userId="6270a8f4b8f62cae" providerId="LiveId" clId="{CA970F45-79AF-5E42-81B8-CE7B00EC0B4D}" dt="2023-09-29T15:31:37.524" v="225" actId="1076"/>
+          <ac:chgData name="Maxwell Cook" userId="6270a8f4b8f62cae" providerId="LiveId" clId="{CA970F45-79AF-5E42-81B8-CE7B00EC0B4D}" dt="2023-10-02T16:28:41.122" v="238" actId="165"/>
           <ac:spMkLst>
             <pc:docMk/>
             <pc:sldMk cId="2170444034" sldId="256"/>
@@ -1031,7 +1031,7 @@
           </ac:spMkLst>
         </pc:spChg>
         <pc:spChg chg="mod">
-          <ac:chgData name="Maxwell Cook" userId="6270a8f4b8f62cae" providerId="LiveId" clId="{CA970F45-79AF-5E42-81B8-CE7B00EC0B4D}" dt="2023-09-29T15:31:10.930" v="223" actId="1076"/>
+          <ac:chgData name="Maxwell Cook" userId="6270a8f4b8f62cae" providerId="LiveId" clId="{CA970F45-79AF-5E42-81B8-CE7B00EC0B4D}" dt="2023-10-02T16:28:41.122" v="238" actId="165"/>
           <ac:spMkLst>
             <pc:docMk/>
             <pc:sldMk cId="2170444034" sldId="256"/>
@@ -1039,7 +1039,7 @@
           </ac:spMkLst>
         </pc:spChg>
         <pc:spChg chg="add mod">
-          <ac:chgData name="Maxwell Cook" userId="6270a8f4b8f62cae" providerId="LiveId" clId="{CA970F45-79AF-5E42-81B8-CE7B00EC0B4D}" dt="2023-09-29T15:31:00.694" v="220" actId="571"/>
+          <ac:chgData name="Maxwell Cook" userId="6270a8f4b8f62cae" providerId="LiveId" clId="{CA970F45-79AF-5E42-81B8-CE7B00EC0B4D}" dt="2023-10-02T16:28:41.122" v="238" actId="165"/>
           <ac:spMkLst>
             <pc:docMk/>
             <pc:sldMk cId="2170444034" sldId="256"/>
@@ -1047,7 +1047,7 @@
           </ac:spMkLst>
         </pc:spChg>
         <pc:spChg chg="add mod">
-          <ac:chgData name="Maxwell Cook" userId="6270a8f4b8f62cae" providerId="LiveId" clId="{CA970F45-79AF-5E42-81B8-CE7B00EC0B4D}" dt="2023-09-29T15:31:00.694" v="220" actId="571"/>
+          <ac:chgData name="Maxwell Cook" userId="6270a8f4b8f62cae" providerId="LiveId" clId="{CA970F45-79AF-5E42-81B8-CE7B00EC0B4D}" dt="2023-10-02T16:30:24.956" v="276" actId="20577"/>
           <ac:spMkLst>
             <pc:docMk/>
             <pc:sldMk cId="2170444034" sldId="256"/>
@@ -1055,7 +1055,7 @@
           </ac:spMkLst>
         </pc:spChg>
         <pc:spChg chg="mod">
-          <ac:chgData name="Maxwell Cook" userId="6270a8f4b8f62cae" providerId="LiveId" clId="{CA970F45-79AF-5E42-81B8-CE7B00EC0B4D}" dt="2023-09-29T15:31:00.694" v="220" actId="571"/>
+          <ac:chgData name="Maxwell Cook" userId="6270a8f4b8f62cae" providerId="LiveId" clId="{CA970F45-79AF-5E42-81B8-CE7B00EC0B4D}" dt="2023-10-02T16:28:41.122" v="238" actId="165"/>
           <ac:spMkLst>
             <pc:docMk/>
             <pc:sldMk cId="2170444034" sldId="256"/>
@@ -1063,7 +1063,7 @@
           </ac:spMkLst>
         </pc:spChg>
         <pc:spChg chg="mod">
-          <ac:chgData name="Maxwell Cook" userId="6270a8f4b8f62cae" providerId="LiveId" clId="{CA970F45-79AF-5E42-81B8-CE7B00EC0B4D}" dt="2023-09-29T15:31:00.694" v="220" actId="571"/>
+          <ac:chgData name="Maxwell Cook" userId="6270a8f4b8f62cae" providerId="LiveId" clId="{CA970F45-79AF-5E42-81B8-CE7B00EC0B4D}" dt="2023-10-02T16:28:41.122" v="238" actId="165"/>
           <ac:spMkLst>
             <pc:docMk/>
             <pc:sldMk cId="2170444034" sldId="256"/>
@@ -1071,7 +1071,7 @@
           </ac:spMkLst>
         </pc:spChg>
         <pc:spChg chg="add mod">
-          <ac:chgData name="Maxwell Cook" userId="6270a8f4b8f62cae" providerId="LiveId" clId="{CA970F45-79AF-5E42-81B8-CE7B00EC0B4D}" dt="2023-09-29T15:31:00.694" v="220" actId="571"/>
+          <ac:chgData name="Maxwell Cook" userId="6270a8f4b8f62cae" providerId="LiveId" clId="{CA970F45-79AF-5E42-81B8-CE7B00EC0B4D}" dt="2023-10-02T16:29:05.662" v="241" actId="14100"/>
           <ac:spMkLst>
             <pc:docMk/>
             <pc:sldMk cId="2170444034" sldId="256"/>
@@ -1079,7 +1079,7 @@
           </ac:spMkLst>
         </pc:spChg>
         <pc:spChg chg="add mod">
-          <ac:chgData name="Maxwell Cook" userId="6270a8f4b8f62cae" providerId="LiveId" clId="{CA970F45-79AF-5E42-81B8-CE7B00EC0B4D}" dt="2023-09-29T15:31:00.694" v="220" actId="571"/>
+          <ac:chgData name="Maxwell Cook" userId="6270a8f4b8f62cae" providerId="LiveId" clId="{CA970F45-79AF-5E42-81B8-CE7B00EC0B4D}" dt="2023-10-02T16:29:11.888" v="242" actId="1076"/>
           <ac:spMkLst>
             <pc:docMk/>
             <pc:sldMk cId="2170444034" sldId="256"/>
@@ -1087,7 +1087,7 @@
           </ac:spMkLst>
         </pc:spChg>
         <pc:spChg chg="mod">
-          <ac:chgData name="Maxwell Cook" userId="6270a8f4b8f62cae" providerId="LiveId" clId="{CA970F45-79AF-5E42-81B8-CE7B00EC0B4D}" dt="2023-09-29T15:31:00.694" v="220" actId="571"/>
+          <ac:chgData name="Maxwell Cook" userId="6270a8f4b8f62cae" providerId="LiveId" clId="{CA970F45-79AF-5E42-81B8-CE7B00EC0B4D}" dt="2023-10-02T16:28:41.122" v="238" actId="165"/>
           <ac:spMkLst>
             <pc:docMk/>
             <pc:sldMk cId="2170444034" sldId="256"/>
@@ -1095,7 +1095,7 @@
           </ac:spMkLst>
         </pc:spChg>
         <pc:spChg chg="mod">
-          <ac:chgData name="Maxwell Cook" userId="6270a8f4b8f62cae" providerId="LiveId" clId="{CA970F45-79AF-5E42-81B8-CE7B00EC0B4D}" dt="2023-09-29T15:31:00.694" v="220" actId="571"/>
+          <ac:chgData name="Maxwell Cook" userId="6270a8f4b8f62cae" providerId="LiveId" clId="{CA970F45-79AF-5E42-81B8-CE7B00EC0B4D}" dt="2023-10-02T16:28:41.122" v="238" actId="165"/>
           <ac:spMkLst>
             <pc:docMk/>
             <pc:sldMk cId="2170444034" sldId="256"/>
@@ -1103,7 +1103,7 @@
           </ac:spMkLst>
         </pc:spChg>
         <pc:spChg chg="mod">
-          <ac:chgData name="Maxwell Cook" userId="6270a8f4b8f62cae" providerId="LiveId" clId="{CA970F45-79AF-5E42-81B8-CE7B00EC0B4D}" dt="2023-09-29T15:31:00.694" v="220" actId="571"/>
+          <ac:chgData name="Maxwell Cook" userId="6270a8f4b8f62cae" providerId="LiveId" clId="{CA970F45-79AF-5E42-81B8-CE7B00EC0B4D}" dt="2023-10-02T16:28:41.122" v="238" actId="165"/>
           <ac:spMkLst>
             <pc:docMk/>
             <pc:sldMk cId="2170444034" sldId="256"/>
@@ -1111,7 +1111,7 @@
           </ac:spMkLst>
         </pc:spChg>
         <pc:spChg chg="mod">
-          <ac:chgData name="Maxwell Cook" userId="6270a8f4b8f62cae" providerId="LiveId" clId="{CA970F45-79AF-5E42-81B8-CE7B00EC0B4D}" dt="2023-09-29T15:31:00.694" v="220" actId="571"/>
+          <ac:chgData name="Maxwell Cook" userId="6270a8f4b8f62cae" providerId="LiveId" clId="{CA970F45-79AF-5E42-81B8-CE7B00EC0B4D}" dt="2023-10-02T16:28:41.122" v="238" actId="165"/>
           <ac:spMkLst>
             <pc:docMk/>
             <pc:sldMk cId="2170444034" sldId="256"/>
@@ -1127,7 +1127,15 @@
           </ac:spMkLst>
         </pc:spChg>
         <pc:grpChg chg="add mod">
-          <ac:chgData name="Maxwell Cook" userId="6270a8f4b8f62cae" providerId="LiveId" clId="{CA970F45-79AF-5E42-81B8-CE7B00EC0B4D}" dt="2023-09-29T15:31:00.694" v="220" actId="571"/>
+          <ac:chgData name="Maxwell Cook" userId="6270a8f4b8f62cae" providerId="LiveId" clId="{CA970F45-79AF-5E42-81B8-CE7B00EC0B4D}" dt="2023-10-02T16:31:25.568" v="279" actId="164"/>
+          <ac:grpSpMkLst>
+            <pc:docMk/>
+            <pc:sldMk cId="2170444034" sldId="256"/>
+            <ac:grpSpMk id="2" creationId="{69EC7CA6-02C7-37DD-7429-F8120DBA45CE}"/>
+          </ac:grpSpMkLst>
+        </pc:grpChg>
+        <pc:grpChg chg="add mod topLvl">
+          <ac:chgData name="Maxwell Cook" userId="6270a8f4b8f62cae" providerId="LiveId" clId="{CA970F45-79AF-5E42-81B8-CE7B00EC0B4D}" dt="2023-10-02T16:31:25.568" v="279" actId="164"/>
           <ac:grpSpMkLst>
             <pc:docMk/>
             <pc:sldMk cId="2170444034" sldId="256"/>
@@ -1135,7 +1143,7 @@
           </ac:grpSpMkLst>
         </pc:grpChg>
         <pc:grpChg chg="mod">
-          <ac:chgData name="Maxwell Cook" userId="6270a8f4b8f62cae" providerId="LiveId" clId="{CA970F45-79AF-5E42-81B8-CE7B00EC0B4D}" dt="2023-09-29T15:31:00.694" v="220" actId="571"/>
+          <ac:chgData name="Maxwell Cook" userId="6270a8f4b8f62cae" providerId="LiveId" clId="{CA970F45-79AF-5E42-81B8-CE7B00EC0B4D}" dt="2023-10-02T16:28:41.122" v="238" actId="165"/>
           <ac:grpSpMkLst>
             <pc:docMk/>
             <pc:sldMk cId="2170444034" sldId="256"/>
@@ -1143,7 +1151,7 @@
           </ac:grpSpMkLst>
         </pc:grpChg>
         <pc:grpChg chg="mod">
-          <ac:chgData name="Maxwell Cook" userId="6270a8f4b8f62cae" providerId="LiveId" clId="{CA970F45-79AF-5E42-81B8-CE7B00EC0B4D}" dt="2023-09-29T15:31:00.694" v="220" actId="571"/>
+          <ac:chgData name="Maxwell Cook" userId="6270a8f4b8f62cae" providerId="LiveId" clId="{CA970F45-79AF-5E42-81B8-CE7B00EC0B4D}" dt="2023-10-02T16:28:41.122" v="238" actId="165"/>
           <ac:grpSpMkLst>
             <pc:docMk/>
             <pc:sldMk cId="2170444034" sldId="256"/>
@@ -1151,7 +1159,7 @@
           </ac:grpSpMkLst>
         </pc:grpChg>
         <pc:grpChg chg="mod topLvl">
-          <ac:chgData name="Maxwell Cook" userId="6270a8f4b8f62cae" providerId="LiveId" clId="{CA970F45-79AF-5E42-81B8-CE7B00EC0B4D}" dt="2023-09-29T15:31:00.694" v="220" actId="571"/>
+          <ac:chgData name="Maxwell Cook" userId="6270a8f4b8f62cae" providerId="LiveId" clId="{CA970F45-79AF-5E42-81B8-CE7B00EC0B4D}" dt="2023-10-02T16:31:25.568" v="279" actId="164"/>
           <ac:grpSpMkLst>
             <pc:docMk/>
             <pc:sldMk cId="2170444034" sldId="256"/>
@@ -1166,8 +1174,8 @@
             <ac:grpSpMk id="45" creationId="{41C23E74-FDF0-2B40-43FB-3811CB15C600}"/>
           </ac:grpSpMkLst>
         </pc:grpChg>
-        <pc:grpChg chg="add mod">
-          <ac:chgData name="Maxwell Cook" userId="6270a8f4b8f62cae" providerId="LiveId" clId="{CA970F45-79AF-5E42-81B8-CE7B00EC0B4D}" dt="2023-09-29T15:31:00.694" v="220" actId="571"/>
+        <pc:grpChg chg="add del mod">
+          <ac:chgData name="Maxwell Cook" userId="6270a8f4b8f62cae" providerId="LiveId" clId="{CA970F45-79AF-5E42-81B8-CE7B00EC0B4D}" dt="2023-10-02T16:28:41.122" v="238" actId="165"/>
           <ac:grpSpMkLst>
             <pc:docMk/>
             <pc:sldMk cId="2170444034" sldId="256"/>
@@ -1191,7 +1199,7 @@
           </ac:picMkLst>
         </pc:picChg>
         <pc:picChg chg="mod">
-          <ac:chgData name="Maxwell Cook" userId="6270a8f4b8f62cae" providerId="LiveId" clId="{CA970F45-79AF-5E42-81B8-CE7B00EC0B4D}" dt="2023-09-29T15:31:00.694" v="220" actId="571"/>
+          <ac:chgData name="Maxwell Cook" userId="6270a8f4b8f62cae" providerId="LiveId" clId="{CA970F45-79AF-5E42-81B8-CE7B00EC0B4D}" dt="2023-10-02T16:28:41.122" v="238" actId="165"/>
           <ac:picMkLst>
             <pc:docMk/>
             <pc:sldMk cId="2170444034" sldId="256"/>
@@ -1206,8 +1214,8 @@
             <ac:picMk id="11" creationId="{37BF7B02-6A9A-7447-AB4F-6F4460D8DE07}"/>
           </ac:picMkLst>
         </pc:picChg>
-        <pc:picChg chg="add mod">
-          <ac:chgData name="Maxwell Cook" userId="6270a8f4b8f62cae" providerId="LiveId" clId="{CA970F45-79AF-5E42-81B8-CE7B00EC0B4D}" dt="2023-09-29T15:31:00.694" v="220" actId="571"/>
+        <pc:picChg chg="add mod topLvl">
+          <ac:chgData name="Maxwell Cook" userId="6270a8f4b8f62cae" providerId="LiveId" clId="{CA970F45-79AF-5E42-81B8-CE7B00EC0B4D}" dt="2023-10-02T16:31:25.568" v="279" actId="164"/>
           <ac:picMkLst>
             <pc:docMk/>
             <pc:sldMk cId="2170444034" sldId="256"/>
@@ -1215,7 +1223,7 @@
           </ac:picMkLst>
         </pc:picChg>
         <pc:picChg chg="mod">
-          <ac:chgData name="Maxwell Cook" userId="6270a8f4b8f62cae" providerId="LiveId" clId="{CA970F45-79AF-5E42-81B8-CE7B00EC0B4D}" dt="2023-09-29T15:31:00.694" v="220" actId="571"/>
+          <ac:chgData name="Maxwell Cook" userId="6270a8f4b8f62cae" providerId="LiveId" clId="{CA970F45-79AF-5E42-81B8-CE7B00EC0B4D}" dt="2023-10-02T16:28:41.122" v="238" actId="165"/>
           <ac:picMkLst>
             <pc:docMk/>
             <pc:sldMk cId="2170444034" sldId="256"/>
@@ -1231,7 +1239,7 @@
           </ac:picMkLst>
         </pc:picChg>
         <pc:picChg chg="mod">
-          <ac:chgData name="Maxwell Cook" userId="6270a8f4b8f62cae" providerId="LiveId" clId="{CA970F45-79AF-5E42-81B8-CE7B00EC0B4D}" dt="2023-09-29T15:31:00.694" v="220" actId="571"/>
+          <ac:chgData name="Maxwell Cook" userId="6270a8f4b8f62cae" providerId="LiveId" clId="{CA970F45-79AF-5E42-81B8-CE7B00EC0B4D}" dt="2023-10-02T16:28:41.122" v="238" actId="165"/>
           <ac:picMkLst>
             <pc:docMk/>
             <pc:sldMk cId="2170444034" sldId="256"/>
@@ -1262,8 +1270,8 @@
             <ac:picMk id="27" creationId="{A7D1902B-2549-AAE3-0A8C-D39C05C34478}"/>
           </ac:picMkLst>
         </pc:picChg>
-        <pc:picChg chg="add mod">
-          <ac:chgData name="Maxwell Cook" userId="6270a8f4b8f62cae" providerId="LiveId" clId="{CA970F45-79AF-5E42-81B8-CE7B00EC0B4D}" dt="2023-09-29T15:31:00.694" v="220" actId="571"/>
+        <pc:picChg chg="add mod topLvl">
+          <ac:chgData name="Maxwell Cook" userId="6270a8f4b8f62cae" providerId="LiveId" clId="{CA970F45-79AF-5E42-81B8-CE7B00EC0B4D}" dt="2023-10-02T16:31:25.568" v="279" actId="164"/>
           <ac:picMkLst>
             <pc:docMk/>
             <pc:sldMk cId="2170444034" sldId="256"/>
@@ -1334,8 +1342,8 @@
             <ac:picMk id="46" creationId="{BE597A92-CA63-756E-A6E1-2B63CD0E0CA3}"/>
           </ac:picMkLst>
         </pc:picChg>
-        <pc:picChg chg="add mod">
-          <ac:chgData name="Maxwell Cook" userId="6270a8f4b8f62cae" providerId="LiveId" clId="{CA970F45-79AF-5E42-81B8-CE7B00EC0B4D}" dt="2023-09-29T15:31:00.694" v="220" actId="571"/>
+        <pc:picChg chg="add mod topLvl">
+          <ac:chgData name="Maxwell Cook" userId="6270a8f4b8f62cae" providerId="LiveId" clId="{CA970F45-79AF-5E42-81B8-CE7B00EC0B4D}" dt="2023-10-02T16:31:25.568" v="279" actId="164"/>
           <ac:picMkLst>
             <pc:docMk/>
             <pc:sldMk cId="2170444034" sldId="256"/>
@@ -1359,7 +1367,7 @@
           </ac:picMkLst>
         </pc:picChg>
         <pc:cxnChg chg="mod">
-          <ac:chgData name="Maxwell Cook" userId="6270a8f4b8f62cae" providerId="LiveId" clId="{CA970F45-79AF-5E42-81B8-CE7B00EC0B4D}" dt="2023-09-29T15:31:00.694" v="220" actId="571"/>
+          <ac:chgData name="Maxwell Cook" userId="6270a8f4b8f62cae" providerId="LiveId" clId="{CA970F45-79AF-5E42-81B8-CE7B00EC0B4D}" dt="2023-10-02T16:28:41.122" v="238" actId="165"/>
           <ac:cxnSpMkLst>
             <pc:docMk/>
             <pc:sldMk cId="2170444034" sldId="256"/>
@@ -1367,7 +1375,7 @@
           </ac:cxnSpMkLst>
         </pc:cxnChg>
         <pc:cxnChg chg="mod">
-          <ac:chgData name="Maxwell Cook" userId="6270a8f4b8f62cae" providerId="LiveId" clId="{CA970F45-79AF-5E42-81B8-CE7B00EC0B4D}" dt="2023-09-29T15:31:00.694" v="220" actId="571"/>
+          <ac:chgData name="Maxwell Cook" userId="6270a8f4b8f62cae" providerId="LiveId" clId="{CA970F45-79AF-5E42-81B8-CE7B00EC0B4D}" dt="2023-10-02T16:28:41.122" v="238" actId="165"/>
           <ac:cxnSpMkLst>
             <pc:docMk/>
             <pc:sldMk cId="2170444034" sldId="256"/>
@@ -1375,7 +1383,7 @@
           </ac:cxnSpMkLst>
         </pc:cxnChg>
         <pc:cxnChg chg="mod">
-          <ac:chgData name="Maxwell Cook" userId="6270a8f4b8f62cae" providerId="LiveId" clId="{CA970F45-79AF-5E42-81B8-CE7B00EC0B4D}" dt="2023-09-29T15:31:00.694" v="220" actId="571"/>
+          <ac:chgData name="Maxwell Cook" userId="6270a8f4b8f62cae" providerId="LiveId" clId="{CA970F45-79AF-5E42-81B8-CE7B00EC0B4D}" dt="2023-10-02T16:28:41.122" v="238" actId="165"/>
           <ac:cxnSpMkLst>
             <pc:docMk/>
             <pc:sldMk cId="2170444034" sldId="256"/>
@@ -1519,7 +1527,7 @@
           <a:p>
             <a:fld id="{7E773BE6-0A1E-D04A-93D4-644A66363E90}" type="datetimeFigureOut">
               <a:rPr lang="en-US" smtClean="0"/>
-              <a:t>9/29/23</a:t>
+              <a:t>10/2/23</a:t>
             </a:fld>
             <a:endParaRPr lang="en-US"/>
           </a:p>
@@ -1689,7 +1697,7 @@
           <a:p>
             <a:fld id="{7E773BE6-0A1E-D04A-93D4-644A66363E90}" type="datetimeFigureOut">
               <a:rPr lang="en-US" smtClean="0"/>
-              <a:t>9/29/23</a:t>
+              <a:t>10/2/23</a:t>
             </a:fld>
             <a:endParaRPr lang="en-US"/>
           </a:p>
@@ -1869,7 +1877,7 @@
           <a:p>
             <a:fld id="{7E773BE6-0A1E-D04A-93D4-644A66363E90}" type="datetimeFigureOut">
               <a:rPr lang="en-US" smtClean="0"/>
-              <a:t>9/29/23</a:t>
+              <a:t>10/2/23</a:t>
             </a:fld>
             <a:endParaRPr lang="en-US"/>
           </a:p>
@@ -2039,7 +2047,7 @@
           <a:p>
             <a:fld id="{7E773BE6-0A1E-D04A-93D4-644A66363E90}" type="datetimeFigureOut">
               <a:rPr lang="en-US" smtClean="0"/>
-              <a:t>9/29/23</a:t>
+              <a:t>10/2/23</a:t>
             </a:fld>
             <a:endParaRPr lang="en-US"/>
           </a:p>
@@ -2283,7 +2291,7 @@
           <a:p>
             <a:fld id="{7E773BE6-0A1E-D04A-93D4-644A66363E90}" type="datetimeFigureOut">
               <a:rPr lang="en-US" smtClean="0"/>
-              <a:t>9/29/23</a:t>
+              <a:t>10/2/23</a:t>
             </a:fld>
             <a:endParaRPr lang="en-US"/>
           </a:p>
@@ -2515,7 +2523,7 @@
           <a:p>
             <a:fld id="{7E773BE6-0A1E-D04A-93D4-644A66363E90}" type="datetimeFigureOut">
               <a:rPr lang="en-US" smtClean="0"/>
-              <a:t>9/29/23</a:t>
+              <a:t>10/2/23</a:t>
             </a:fld>
             <a:endParaRPr lang="en-US"/>
           </a:p>
@@ -2882,7 +2890,7 @@
           <a:p>
             <a:fld id="{7E773BE6-0A1E-D04A-93D4-644A66363E90}" type="datetimeFigureOut">
               <a:rPr lang="en-US" smtClean="0"/>
-              <a:t>9/29/23</a:t>
+              <a:t>10/2/23</a:t>
             </a:fld>
             <a:endParaRPr lang="en-US"/>
           </a:p>
@@ -3000,7 +3008,7 @@
           <a:p>
             <a:fld id="{7E773BE6-0A1E-D04A-93D4-644A66363E90}" type="datetimeFigureOut">
               <a:rPr lang="en-US" smtClean="0"/>
-              <a:t>9/29/23</a:t>
+              <a:t>10/2/23</a:t>
             </a:fld>
             <a:endParaRPr lang="en-US"/>
           </a:p>
@@ -3095,7 +3103,7 @@
           <a:p>
             <a:fld id="{7E773BE6-0A1E-D04A-93D4-644A66363E90}" type="datetimeFigureOut">
               <a:rPr lang="en-US" smtClean="0"/>
-              <a:t>9/29/23</a:t>
+              <a:t>10/2/23</a:t>
             </a:fld>
             <a:endParaRPr lang="en-US"/>
           </a:p>
@@ -3372,7 +3380,7 @@
           <a:p>
             <a:fld id="{7E773BE6-0A1E-D04A-93D4-644A66363E90}" type="datetimeFigureOut">
               <a:rPr lang="en-US" smtClean="0"/>
-              <a:t>9/29/23</a:t>
+              <a:t>10/2/23</a:t>
             </a:fld>
             <a:endParaRPr lang="en-US"/>
           </a:p>
@@ -3629,7 +3637,7 @@
           <a:p>
             <a:fld id="{7E773BE6-0A1E-D04A-93D4-644A66363E90}" type="datetimeFigureOut">
               <a:rPr lang="en-US" smtClean="0"/>
-              <a:t>9/29/23</a:t>
+              <a:t>10/2/23</a:t>
             </a:fld>
             <a:endParaRPr lang="en-US"/>
           </a:p>
@@ -3842,7 +3850,7 @@
           <a:p>
             <a:fld id="{7E773BE6-0A1E-D04A-93D4-644A66363E90}" type="datetimeFigureOut">
               <a:rPr lang="en-US" smtClean="0"/>
-              <a:t>9/29/23</a:t>
+              <a:t>10/2/23</a:t>
             </a:fld>
             <a:endParaRPr lang="en-US"/>
           </a:p>
@@ -4249,10 +4257,10 @@
       </p:grpSpPr>
       <p:grpSp>
         <p:nvGrpSpPr>
-          <p:cNvPr id="51" name="Group 50">
+          <p:cNvPr id="2" name="Group 1">
             <a:extLst>
               <a:ext uri="{FF2B5EF4-FFF2-40B4-BE49-F238E27FC236}">
-                <a16:creationId xmlns:a16="http://schemas.microsoft.com/office/drawing/2014/main" id="{187BF4B3-B99A-6D9C-0E1A-F65EA432B08E}"/>
+                <a16:creationId xmlns:a16="http://schemas.microsoft.com/office/drawing/2014/main" id="{69EC7CA6-02C7-37DD-7429-F8120DBA45CE}"/>
               </a:ext>
             </a:extLst>
           </p:cNvPr>
@@ -4269,6 +4277,66 @@
         </p:grpSpPr>
         <p:pic>
           <p:nvPicPr>
+            <p:cNvPr id="11" name="Picture 10" descr="A red and white map&#10;&#10;Description automatically generated">
+              <a:extLst>
+                <a:ext uri="{FF2B5EF4-FFF2-40B4-BE49-F238E27FC236}">
+                  <a16:creationId xmlns:a16="http://schemas.microsoft.com/office/drawing/2014/main" id="{CCFD0DF3-F9A1-2C06-6403-5F378D3F15B9}"/>
+                </a:ext>
+              </a:extLst>
+            </p:cNvPr>
+            <p:cNvPicPr>
+              <a:picLocks noChangeAspect="1"/>
+            </p:cNvPicPr>
+            <p:nvPr/>
+          </p:nvPicPr>
+          <p:blipFill>
+            <a:blip r:embed="rId2"/>
+            <a:stretch>
+              <a:fillRect/>
+            </a:stretch>
+          </p:blipFill>
+          <p:spPr>
+            <a:xfrm>
+              <a:off x="-13659" y="4103236"/>
+              <a:ext cx="2223432" cy="2223432"/>
+            </a:xfrm>
+            <a:prstGeom prst="rect">
+              <a:avLst/>
+            </a:prstGeom>
+          </p:spPr>
+        </p:pic>
+        <p:pic>
+          <p:nvPicPr>
+            <p:cNvPr id="31" name="Picture 30" descr="A map of a country&#10;&#10;Description automatically generated">
+              <a:extLst>
+                <a:ext uri="{FF2B5EF4-FFF2-40B4-BE49-F238E27FC236}">
+                  <a16:creationId xmlns:a16="http://schemas.microsoft.com/office/drawing/2014/main" id="{4ED5D20C-2B5A-2414-5CFF-51C739B22171}"/>
+                </a:ext>
+              </a:extLst>
+            </p:cNvPr>
+            <p:cNvPicPr>
+              <a:picLocks noChangeAspect="1"/>
+            </p:cNvPicPr>
+            <p:nvPr/>
+          </p:nvPicPr>
+          <p:blipFill>
+            <a:blip r:embed="rId3"/>
+            <a:stretch>
+              <a:fillRect/>
+            </a:stretch>
+          </p:blipFill>
+          <p:spPr>
+            <a:xfrm>
+              <a:off x="2052791" y="4103236"/>
+              <a:ext cx="2223432" cy="2223432"/>
+            </a:xfrm>
+            <a:prstGeom prst="rect">
+              <a:avLst/>
+            </a:prstGeom>
+          </p:spPr>
+        </p:pic>
+        <p:pic>
+          <p:nvPicPr>
             <p:cNvPr id="48" name="Picture 47" descr="A red and white map&#10;&#10;Description automatically generated">
               <a:extLst>
                 <a:ext uri="{FF2B5EF4-FFF2-40B4-BE49-F238E27FC236}">
@@ -4282,7 +4350,7 @@
             <p:nvPr/>
           </p:nvPicPr>
           <p:blipFill>
-            <a:blip r:embed="rId2"/>
+            <a:blip r:embed="rId4"/>
             <a:stretch>
               <a:fillRect/>
             </a:stretch>
@@ -4332,7 +4400,7 @@
               <p:nvPr/>
             </p:nvPicPr>
             <p:blipFill>
-              <a:blip r:embed="rId3"/>
+              <a:blip r:embed="rId5"/>
               <a:srcRect/>
               <a:stretch/>
             </p:blipFill>
@@ -4595,7 +4663,7 @@
               <p:nvPr/>
             </p:nvPicPr>
             <p:blipFill>
-              <a:blip r:embed="rId4"/>
+              <a:blip r:embed="rId6"/>
               <a:stretch>
                 <a:fillRect/>
               </a:stretch>
@@ -4625,7 +4693,7 @@
               <p:nvPr/>
             </p:nvPicPr>
             <p:blipFill>
-              <a:blip r:embed="rId5"/>
+              <a:blip r:embed="rId7"/>
               <a:stretch>
                 <a:fillRect/>
               </a:stretch>
@@ -4655,9 +4723,9 @@
             <p:grpSpPr>
               <a:xfrm>
                 <a:off x="4027429" y="4086592"/>
-                <a:ext cx="760144" cy="340020"/>
+                <a:ext cx="867545" cy="340020"/>
                 <a:chOff x="275478" y="4101794"/>
-                <a:chExt cx="760144" cy="340020"/>
+                <a:chExt cx="867545" cy="340020"/>
               </a:xfrm>
             </p:grpSpPr>
             <p:cxnSp>
@@ -4714,7 +4782,7 @@
               <p:spPr>
                 <a:xfrm>
                   <a:off x="275478" y="4101794"/>
-                  <a:ext cx="760144" cy="215444"/>
+                  <a:ext cx="867545" cy="215444"/>
                 </a:xfrm>
                 <a:prstGeom prst="rect">
                   <a:avLst/>
@@ -4728,7 +4796,9 @@
                 <a:lstStyle/>
                 <a:p>
                   <a:r>
-                    <a:rPr lang="en-US" sz="800" dirty="0"/>
+                    <a:rPr lang="en-US" sz="800" dirty="0">
+                      <a:latin typeface="Helvetica" pitchFamily="2" charset="0"/>
+                    </a:rPr>
                     <a:t>San Diego, CA</a:t>
                   </a:r>
                 </a:p>
@@ -4749,7 +4819,7 @@
               <p:spPr>
                 <a:xfrm>
                   <a:off x="475839" y="4241759"/>
-                  <a:ext cx="393056" cy="200055"/>
+                  <a:ext cx="418704" cy="200055"/>
                 </a:xfrm>
                 <a:prstGeom prst="rect">
                   <a:avLst/>
@@ -4763,7 +4833,9 @@
                 <a:lstStyle/>
                 <a:p>
                   <a:r>
-                    <a:rPr lang="en-US" sz="700" dirty="0"/>
+                    <a:rPr lang="en-US" sz="700" dirty="0">
+                      <a:latin typeface="Helvetica" pitchFamily="2" charset="0"/>
+                    </a:rPr>
                     <a:t>50Km</a:t>
                   </a:r>
                 </a:p>
@@ -4785,9 +4857,9 @@
             <p:grpSpPr>
               <a:xfrm>
                 <a:off x="129208" y="4081416"/>
-                <a:ext cx="821059" cy="340020"/>
+                <a:ext cx="883575" cy="340020"/>
                 <a:chOff x="213570" y="4244574"/>
-                <a:chExt cx="821059" cy="340020"/>
+                <a:chExt cx="883575" cy="340020"/>
               </a:xfrm>
             </p:grpSpPr>
             <p:cxnSp>
@@ -4846,7 +4918,7 @@
               <p:spPr>
                 <a:xfrm>
                   <a:off x="213570" y="4244574"/>
-                  <a:ext cx="821059" cy="215444"/>
+                  <a:ext cx="883575" cy="215444"/>
                 </a:xfrm>
                 <a:prstGeom prst="rect">
                   <a:avLst/>
@@ -4860,7 +4932,9 @@
                 <a:lstStyle/>
                 <a:p>
                   <a:r>
-                    <a:rPr lang="en-US" sz="800" dirty="0"/>
+                    <a:rPr lang="en-US" sz="800" dirty="0">
+                      <a:latin typeface="Helvetica" pitchFamily="2" charset="0"/>
+                    </a:rPr>
                     <a:t>Woodward, OK</a:t>
                   </a:r>
                 </a:p>
@@ -4881,7 +4955,7 @@
               <p:spPr>
                 <a:xfrm>
                   <a:off x="413931" y="4384539"/>
-                  <a:ext cx="393056" cy="200055"/>
+                  <a:ext cx="418704" cy="200055"/>
                 </a:xfrm>
                 <a:prstGeom prst="rect">
                   <a:avLst/>
@@ -4895,7 +4969,9 @@
                 <a:lstStyle/>
                 <a:p>
                   <a:r>
-                    <a:rPr lang="en-US" sz="700" dirty="0"/>
+                    <a:rPr lang="en-US" sz="700" dirty="0">
+                      <a:latin typeface="Helvetica" pitchFamily="2" charset="0"/>
+                    </a:rPr>
                     <a:t>40Km</a:t>
                   </a:r>
                 </a:p>
@@ -4958,7 +5034,7 @@
             <p:spPr>
               <a:xfrm>
                 <a:off x="2179209" y="4081416"/>
-                <a:ext cx="864339" cy="215444"/>
+                <a:ext cx="930063" cy="215444"/>
               </a:xfrm>
               <a:prstGeom prst="rect">
                 <a:avLst/>
@@ -4972,7 +5048,9 @@
               <a:lstStyle/>
               <a:p>
                 <a:r>
-                  <a:rPr lang="en-US" sz="800" dirty="0"/>
+                  <a:rPr lang="en-US" sz="800" dirty="0">
+                    <a:latin typeface="Helvetica" pitchFamily="2" charset="0"/>
+                  </a:rPr>
                   <a:t>Wenatchee, WA</a:t>
                 </a:r>
               </a:p>
@@ -4993,7 +5071,7 @@
             <p:spPr>
               <a:xfrm>
                 <a:off x="2398043" y="4208861"/>
-                <a:ext cx="437940" cy="200055"/>
+                <a:ext cx="468398" cy="200055"/>
               </a:xfrm>
               <a:prstGeom prst="rect">
                 <a:avLst/>
@@ -5007,7 +5085,9 @@
               <a:lstStyle/>
               <a:p>
                 <a:r>
-                  <a:rPr lang="en-US" sz="700" dirty="0"/>
+                  <a:rPr lang="en-US" sz="700" dirty="0">
+                    <a:latin typeface="Helvetica" pitchFamily="2" charset="0"/>
+                  </a:rPr>
                   <a:t>100Km</a:t>
                 </a:r>
               </a:p>
@@ -5028,10 +5108,10 @@
           </p:nvGrpSpPr>
           <p:grpSpPr>
             <a:xfrm>
-              <a:off x="4360948" y="6590208"/>
-              <a:ext cx="1535683" cy="361788"/>
-              <a:chOff x="4360948" y="6590208"/>
-              <a:chExt cx="1535683" cy="361788"/>
+              <a:off x="4377034" y="6621996"/>
+              <a:ext cx="1529754" cy="378173"/>
+              <a:chOff x="4360948" y="6598890"/>
+              <a:chExt cx="1529754" cy="378173"/>
             </a:xfrm>
           </p:grpSpPr>
           <p:sp>
@@ -5094,8 +5174,8 @@
             </p:nvSpPr>
             <p:spPr>
               <a:xfrm>
-                <a:off x="4416739" y="6590208"/>
-                <a:ext cx="1479892" cy="200055"/>
+                <a:off x="4463708" y="6598890"/>
+                <a:ext cx="1426994" cy="200055"/>
               </a:xfrm>
               <a:prstGeom prst="rect">
                 <a:avLst/>
@@ -5112,7 +5192,7 @@
                   <a:rPr lang="en-US" sz="700" dirty="0">
                     <a:latin typeface="Helvetica" pitchFamily="2" charset="0"/>
                   </a:rPr>
-                  <a:t>Property locations (HISDAC-US)</a:t>
+                  <a:t>Property records (HISDAC-US)</a:t>
                 </a:r>
               </a:p>
             </p:txBody>
@@ -5131,8 +5211,8 @@
             </p:nvSpPr>
             <p:spPr>
               <a:xfrm>
-                <a:off x="4360948" y="6821454"/>
-                <a:ext cx="103222" cy="61410"/>
+                <a:off x="4360948" y="6821453"/>
+                <a:ext cx="102760" cy="80945"/>
               </a:xfrm>
               <a:prstGeom prst="rect">
                 <a:avLst/>
@@ -5183,7 +5263,7 @@
             </p:nvSpPr>
             <p:spPr>
               <a:xfrm>
-                <a:off x="4416739" y="6751941"/>
+                <a:off x="4463708" y="6777008"/>
                 <a:ext cx="1223412" cy="200055"/>
               </a:xfrm>
               <a:prstGeom prst="rect">
@@ -5207,66 +5287,6 @@
             </p:txBody>
           </p:sp>
         </p:grpSp>
-        <p:pic>
-          <p:nvPicPr>
-            <p:cNvPr id="11" name="Picture 10" descr="A red and white map&#10;&#10;Description automatically generated">
-              <a:extLst>
-                <a:ext uri="{FF2B5EF4-FFF2-40B4-BE49-F238E27FC236}">
-                  <a16:creationId xmlns:a16="http://schemas.microsoft.com/office/drawing/2014/main" id="{CCFD0DF3-F9A1-2C06-6403-5F378D3F15B9}"/>
-                </a:ext>
-              </a:extLst>
-            </p:cNvPr>
-            <p:cNvPicPr>
-              <a:picLocks noChangeAspect="1"/>
-            </p:cNvPicPr>
-            <p:nvPr/>
-          </p:nvPicPr>
-          <p:blipFill>
-            <a:blip r:embed="rId6"/>
-            <a:stretch>
-              <a:fillRect/>
-            </a:stretch>
-          </p:blipFill>
-          <p:spPr>
-            <a:xfrm>
-              <a:off x="-13659" y="4103236"/>
-              <a:ext cx="2223432" cy="2223432"/>
-            </a:xfrm>
-            <a:prstGeom prst="rect">
-              <a:avLst/>
-            </a:prstGeom>
-          </p:spPr>
-        </p:pic>
-        <p:pic>
-          <p:nvPicPr>
-            <p:cNvPr id="31" name="Picture 30" descr="A map of a country&#10;&#10;Description automatically generated">
-              <a:extLst>
-                <a:ext uri="{FF2B5EF4-FFF2-40B4-BE49-F238E27FC236}">
-                  <a16:creationId xmlns:a16="http://schemas.microsoft.com/office/drawing/2014/main" id="{4ED5D20C-2B5A-2414-5CFF-51C739B22171}"/>
-                </a:ext>
-              </a:extLst>
-            </p:cNvPr>
-            <p:cNvPicPr>
-              <a:picLocks noChangeAspect="1"/>
-            </p:cNvPicPr>
-            <p:nvPr/>
-          </p:nvPicPr>
-          <p:blipFill>
-            <a:blip r:embed="rId7"/>
-            <a:stretch>
-              <a:fillRect/>
-            </a:stretch>
-          </p:blipFill>
-          <p:spPr>
-            <a:xfrm>
-              <a:off x="2052791" y="4103236"/>
-              <a:ext cx="2223432" cy="2223432"/>
-            </a:xfrm>
-            <a:prstGeom prst="rect">
-              <a:avLst/>
-            </a:prstGeom>
-          </p:spPr>
-        </p:pic>
       </p:grpSp>
     </p:spTree>
     <p:extLst>

--- a/figures/Figure1_PanelMaps_Arrange.pptx
+++ b/figures/Figure1_PanelMaps_Arrange.pptx
@@ -6,6 +6,7 @@
   </p:sldMasterIdLst>
   <p:sldIdLst>
     <p:sldId id="256" r:id="rId2"/>
+    <p:sldId id="257" r:id="rId3"/>
   </p:sldIdLst>
   <p:sldSz cx="5943600" cy="7315200"/>
   <p:notesSz cx="6858000" cy="9144000"/>
@@ -107,7 +108,7 @@
   <p:extLst>
     <p:ext uri="{EFAFB233-063F-42B5-8137-9DF3F51BA10A}">
       <p15:sldGuideLst xmlns:p15="http://schemas.microsoft.com/office/powerpoint/2012/main">
-        <p15:guide id="1" orient="horz" pos="3864" userDrawn="1">
+        <p15:guide id="1" orient="horz" pos="2520" userDrawn="1">
           <p15:clr>
             <a:srgbClr val="A4A3A4"/>
           </p15:clr>
@@ -126,7 +127,7 @@
 <file path=ppt/revisionInfo.xml><?xml version="1.0" encoding="utf-8"?>
 <p1510:revInfo xmlns:a="http://schemas.openxmlformats.org/drawingml/2006/main" xmlns:r="http://schemas.openxmlformats.org/officeDocument/2006/relationships" xmlns:p1510="http://schemas.microsoft.com/office/powerpoint/2015/10/main">
   <p1510:revLst>
-    <p1510:client id="{CA970F45-79AF-5E42-81B8-CE7B00EC0B4D}" v="29" dt="2023-10-02T16:31:25.568"/>
+    <p1510:client id="{9C4BDB99-EBC5-1840-B647-6EE675D85830}" v="30" dt="2024-10-07T20:44:09.787"/>
   </p1510:revLst>
 </p1510:revInfo>
 </file>
@@ -970,6 +971,717 @@
     </pc:docChg>
   </pc:docChgLst>
   <pc:docChgLst>
+    <pc:chgData name="Maxwell Cook" userId="6270a8f4b8f62cae" providerId="LiveId" clId="{9C4BDB99-EBC5-1840-B647-6EE675D85830}"/>
+    <pc:docChg chg="undo custSel addSld modSld">
+      <pc:chgData name="Maxwell Cook" userId="6270a8f4b8f62cae" providerId="LiveId" clId="{9C4BDB99-EBC5-1840-B647-6EE675D85830}" dt="2024-10-07T20:44:52.648" v="214" actId="14100"/>
+      <pc:docMkLst>
+        <pc:docMk/>
+      </pc:docMkLst>
+      <pc:sldChg chg="addSp delSp modSp mod modShow">
+        <pc:chgData name="Maxwell Cook" userId="6270a8f4b8f62cae" providerId="LiveId" clId="{9C4BDB99-EBC5-1840-B647-6EE675D85830}" dt="2024-10-07T19:08:15.950" v="133" actId="729"/>
+        <pc:sldMkLst>
+          <pc:docMk/>
+          <pc:sldMk cId="2170444034" sldId="256"/>
+        </pc:sldMkLst>
+        <pc:spChg chg="mod">
+          <ac:chgData name="Maxwell Cook" userId="6270a8f4b8f62cae" providerId="LiveId" clId="{9C4BDB99-EBC5-1840-B647-6EE675D85830}" dt="2024-10-07T17:46:32.047" v="1" actId="20577"/>
+          <ac:spMkLst>
+            <pc:docMk/>
+            <pc:sldMk cId="2170444034" sldId="256"/>
+            <ac:spMk id="3" creationId="{C062BF66-596C-97C5-C7FC-3A73CABE9285}"/>
+          </ac:spMkLst>
+        </pc:spChg>
+        <pc:spChg chg="mod">
+          <ac:chgData name="Maxwell Cook" userId="6270a8f4b8f62cae" providerId="LiveId" clId="{9C4BDB99-EBC5-1840-B647-6EE675D85830}" dt="2024-10-07T19:08:01.169" v="132" actId="165"/>
+          <ac:spMkLst>
+            <pc:docMk/>
+            <pc:sldMk cId="2170444034" sldId="256"/>
+            <ac:spMk id="6" creationId="{172DA89F-0CA6-171A-F5BC-EC15A3237041}"/>
+          </ac:spMkLst>
+        </pc:spChg>
+        <pc:spChg chg="mod">
+          <ac:chgData name="Maxwell Cook" userId="6270a8f4b8f62cae" providerId="LiveId" clId="{9C4BDB99-EBC5-1840-B647-6EE675D85830}" dt="2024-10-07T19:08:01.169" v="132" actId="165"/>
+          <ac:spMkLst>
+            <pc:docMk/>
+            <pc:sldMk cId="2170444034" sldId="256"/>
+            <ac:spMk id="7" creationId="{98C125B5-A1AF-C6E1-2E50-18C860451843}"/>
+          </ac:spMkLst>
+        </pc:spChg>
+        <pc:spChg chg="mod">
+          <ac:chgData name="Maxwell Cook" userId="6270a8f4b8f62cae" providerId="LiveId" clId="{9C4BDB99-EBC5-1840-B647-6EE675D85830}" dt="2024-10-07T19:08:01.169" v="132" actId="165"/>
+          <ac:spMkLst>
+            <pc:docMk/>
+            <pc:sldMk cId="2170444034" sldId="256"/>
+            <ac:spMk id="8" creationId="{D84F4EF2-0EA1-14E6-4667-FB851AEDF9E8}"/>
+          </ac:spMkLst>
+        </pc:spChg>
+        <pc:spChg chg="mod">
+          <ac:chgData name="Maxwell Cook" userId="6270a8f4b8f62cae" providerId="LiveId" clId="{9C4BDB99-EBC5-1840-B647-6EE675D85830}" dt="2024-10-07T19:08:01.169" v="132" actId="165"/>
+          <ac:spMkLst>
+            <pc:docMk/>
+            <pc:sldMk cId="2170444034" sldId="256"/>
+            <ac:spMk id="9" creationId="{47AAA2C0-65FB-8C39-B8D8-9691E5F0CB02}"/>
+          </ac:spMkLst>
+        </pc:spChg>
+        <pc:spChg chg="mod">
+          <ac:chgData name="Maxwell Cook" userId="6270a8f4b8f62cae" providerId="LiveId" clId="{9C4BDB99-EBC5-1840-B647-6EE675D85830}" dt="2024-10-07T19:08:01.169" v="132" actId="165"/>
+          <ac:spMkLst>
+            <pc:docMk/>
+            <pc:sldMk cId="2170444034" sldId="256"/>
+            <ac:spMk id="10" creationId="{413D147E-D9B5-61F9-3F25-03A300601330}"/>
+          </ac:spMkLst>
+        </pc:spChg>
+        <pc:spChg chg="mod">
+          <ac:chgData name="Maxwell Cook" userId="6270a8f4b8f62cae" providerId="LiveId" clId="{9C4BDB99-EBC5-1840-B647-6EE675D85830}" dt="2024-10-07T19:08:01.169" v="132" actId="165"/>
+          <ac:spMkLst>
+            <pc:docMk/>
+            <pc:sldMk cId="2170444034" sldId="256"/>
+            <ac:spMk id="12" creationId="{5D5D6216-993E-C5B7-13E4-C96EE9587A7C}"/>
+          </ac:spMkLst>
+        </pc:spChg>
+        <pc:spChg chg="mod">
+          <ac:chgData name="Maxwell Cook" userId="6270a8f4b8f62cae" providerId="LiveId" clId="{9C4BDB99-EBC5-1840-B647-6EE675D85830}" dt="2024-10-07T19:08:01.169" v="132" actId="165"/>
+          <ac:spMkLst>
+            <pc:docMk/>
+            <pc:sldMk cId="2170444034" sldId="256"/>
+            <ac:spMk id="14" creationId="{2C074F3F-0308-5D22-2990-3460B42F501E}"/>
+          </ac:spMkLst>
+        </pc:spChg>
+        <pc:spChg chg="mod">
+          <ac:chgData name="Maxwell Cook" userId="6270a8f4b8f62cae" providerId="LiveId" clId="{9C4BDB99-EBC5-1840-B647-6EE675D85830}" dt="2024-10-07T19:08:01.169" v="132" actId="165"/>
+          <ac:spMkLst>
+            <pc:docMk/>
+            <pc:sldMk cId="2170444034" sldId="256"/>
+            <ac:spMk id="17" creationId="{EC76E043-77ED-DCA6-349A-C9EBCB24B885}"/>
+          </ac:spMkLst>
+        </pc:spChg>
+        <pc:spChg chg="mod">
+          <ac:chgData name="Maxwell Cook" userId="6270a8f4b8f62cae" providerId="LiveId" clId="{9C4BDB99-EBC5-1840-B647-6EE675D85830}" dt="2024-10-07T19:08:01.169" v="132" actId="165"/>
+          <ac:spMkLst>
+            <pc:docMk/>
+            <pc:sldMk cId="2170444034" sldId="256"/>
+            <ac:spMk id="20" creationId="{8E1F1EAB-3406-CF4B-79EF-47B1942CED47}"/>
+          </ac:spMkLst>
+        </pc:spChg>
+        <pc:spChg chg="mod">
+          <ac:chgData name="Maxwell Cook" userId="6270a8f4b8f62cae" providerId="LiveId" clId="{9C4BDB99-EBC5-1840-B647-6EE675D85830}" dt="2024-10-07T19:08:01.169" v="132" actId="165"/>
+          <ac:spMkLst>
+            <pc:docMk/>
+            <pc:sldMk cId="2170444034" sldId="256"/>
+            <ac:spMk id="21" creationId="{EDE9353A-DB6D-405A-EAB9-ADCB782DD9F9}"/>
+          </ac:spMkLst>
+        </pc:spChg>
+        <pc:spChg chg="mod">
+          <ac:chgData name="Maxwell Cook" userId="6270a8f4b8f62cae" providerId="LiveId" clId="{9C4BDB99-EBC5-1840-B647-6EE675D85830}" dt="2024-10-07T19:08:01.169" v="132" actId="165"/>
+          <ac:spMkLst>
+            <pc:docMk/>
+            <pc:sldMk cId="2170444034" sldId="256"/>
+            <ac:spMk id="22" creationId="{AD7C5786-B7EE-93D7-F4E5-E8AD597E8C01}"/>
+          </ac:spMkLst>
+        </pc:spChg>
+        <pc:spChg chg="mod">
+          <ac:chgData name="Maxwell Cook" userId="6270a8f4b8f62cae" providerId="LiveId" clId="{9C4BDB99-EBC5-1840-B647-6EE675D85830}" dt="2024-10-07T19:08:01.169" v="132" actId="165"/>
+          <ac:spMkLst>
+            <pc:docMk/>
+            <pc:sldMk cId="2170444034" sldId="256"/>
+            <ac:spMk id="23" creationId="{03F21952-81DB-4ACA-BC23-991DA2DD1CA5}"/>
+          </ac:spMkLst>
+        </pc:spChg>
+        <pc:spChg chg="mod">
+          <ac:chgData name="Maxwell Cook" userId="6270a8f4b8f62cae" providerId="LiveId" clId="{9C4BDB99-EBC5-1840-B647-6EE675D85830}" dt="2024-10-07T19:08:01.169" v="132" actId="165"/>
+          <ac:spMkLst>
+            <pc:docMk/>
+            <pc:sldMk cId="2170444034" sldId="256"/>
+            <ac:spMk id="29" creationId="{2A8429D0-769E-9AC0-A68C-49C2DBF10383}"/>
+          </ac:spMkLst>
+        </pc:spChg>
+        <pc:spChg chg="mod">
+          <ac:chgData name="Maxwell Cook" userId="6270a8f4b8f62cae" providerId="LiveId" clId="{9C4BDB99-EBC5-1840-B647-6EE675D85830}" dt="2024-10-07T19:08:01.169" v="132" actId="165"/>
+          <ac:spMkLst>
+            <pc:docMk/>
+            <pc:sldMk cId="2170444034" sldId="256"/>
+            <ac:spMk id="30" creationId="{14372BC4-84D9-8E52-1E1D-B3CF8846D71F}"/>
+          </ac:spMkLst>
+        </pc:spChg>
+        <pc:spChg chg="mod">
+          <ac:chgData name="Maxwell Cook" userId="6270a8f4b8f62cae" providerId="LiveId" clId="{9C4BDB99-EBC5-1840-B647-6EE675D85830}" dt="2024-10-07T19:08:01.169" v="132" actId="165"/>
+          <ac:spMkLst>
+            <pc:docMk/>
+            <pc:sldMk cId="2170444034" sldId="256"/>
+            <ac:spMk id="36" creationId="{E5004386-CD0B-2A44-4818-D29DD5F693B4}"/>
+          </ac:spMkLst>
+        </pc:spChg>
+        <pc:spChg chg="mod">
+          <ac:chgData name="Maxwell Cook" userId="6270a8f4b8f62cae" providerId="LiveId" clId="{9C4BDB99-EBC5-1840-B647-6EE675D85830}" dt="2024-10-07T19:08:01.169" v="132" actId="165"/>
+          <ac:spMkLst>
+            <pc:docMk/>
+            <pc:sldMk cId="2170444034" sldId="256"/>
+            <ac:spMk id="37" creationId="{4CF4CC54-8B09-8C34-1A7A-B2528D5BAA05}"/>
+          </ac:spMkLst>
+        </pc:spChg>
+        <pc:grpChg chg="del mod">
+          <ac:chgData name="Maxwell Cook" userId="6270a8f4b8f62cae" providerId="LiveId" clId="{9C4BDB99-EBC5-1840-B647-6EE675D85830}" dt="2024-10-07T19:08:01.169" v="132" actId="165"/>
+          <ac:grpSpMkLst>
+            <pc:docMk/>
+            <pc:sldMk cId="2170444034" sldId="256"/>
+            <ac:grpSpMk id="2" creationId="{69EC7CA6-02C7-37DD-7429-F8120DBA45CE}"/>
+          </ac:grpSpMkLst>
+        </pc:grpChg>
+        <pc:grpChg chg="mod topLvl">
+          <ac:chgData name="Maxwell Cook" userId="6270a8f4b8f62cae" providerId="LiveId" clId="{9C4BDB99-EBC5-1840-B647-6EE675D85830}" dt="2024-10-07T19:08:01.169" v="132" actId="165"/>
+          <ac:grpSpMkLst>
+            <pc:docMk/>
+            <pc:sldMk cId="2170444034" sldId="256"/>
+            <ac:grpSpMk id="24" creationId="{6EDCFE78-FB64-9124-F7B1-EB63586A133E}"/>
+          </ac:grpSpMkLst>
+        </pc:grpChg>
+        <pc:grpChg chg="mod">
+          <ac:chgData name="Maxwell Cook" userId="6270a8f4b8f62cae" providerId="LiveId" clId="{9C4BDB99-EBC5-1840-B647-6EE675D85830}" dt="2024-10-07T19:08:01.169" v="132" actId="165"/>
+          <ac:grpSpMkLst>
+            <pc:docMk/>
+            <pc:sldMk cId="2170444034" sldId="256"/>
+            <ac:grpSpMk id="26" creationId="{288BEA6A-6616-7160-DE7E-E83EE333CF42}"/>
+          </ac:grpSpMkLst>
+        </pc:grpChg>
+        <pc:grpChg chg="mod">
+          <ac:chgData name="Maxwell Cook" userId="6270a8f4b8f62cae" providerId="LiveId" clId="{9C4BDB99-EBC5-1840-B647-6EE675D85830}" dt="2024-10-07T19:08:01.169" v="132" actId="165"/>
+          <ac:grpSpMkLst>
+            <pc:docMk/>
+            <pc:sldMk cId="2170444034" sldId="256"/>
+            <ac:grpSpMk id="33" creationId="{3C6082F4-2EBA-36BB-A899-7A2102587A79}"/>
+          </ac:grpSpMkLst>
+        </pc:grpChg>
+        <pc:grpChg chg="mod topLvl">
+          <ac:chgData name="Maxwell Cook" userId="6270a8f4b8f62cae" providerId="LiveId" clId="{9C4BDB99-EBC5-1840-B647-6EE675D85830}" dt="2024-10-07T19:08:01.169" v="132" actId="165"/>
+          <ac:grpSpMkLst>
+            <pc:docMk/>
+            <pc:sldMk cId="2170444034" sldId="256"/>
+            <ac:grpSpMk id="42" creationId="{5979B789-1E96-9961-CB66-BBD9DF84B2F3}"/>
+          </ac:grpSpMkLst>
+        </pc:grpChg>
+        <pc:picChg chg="add mod">
+          <ac:chgData name="Maxwell Cook" userId="6270a8f4b8f62cae" providerId="LiveId" clId="{9C4BDB99-EBC5-1840-B647-6EE675D85830}" dt="2024-10-07T19:05:47.600" v="125" actId="931"/>
+          <ac:picMkLst>
+            <pc:docMk/>
+            <pc:sldMk cId="2170444034" sldId="256"/>
+            <ac:picMk id="5" creationId="{315339DF-4CA1-74B6-EC69-86D2CE97EFB5}"/>
+          </ac:picMkLst>
+        </pc:picChg>
+        <pc:picChg chg="mod topLvl">
+          <ac:chgData name="Maxwell Cook" userId="6270a8f4b8f62cae" providerId="LiveId" clId="{9C4BDB99-EBC5-1840-B647-6EE675D85830}" dt="2024-10-07T19:08:01.169" v="132" actId="165"/>
+          <ac:picMkLst>
+            <pc:docMk/>
+            <pc:sldMk cId="2170444034" sldId="256"/>
+            <ac:picMk id="11" creationId="{CCFD0DF3-F9A1-2C06-6403-5F378D3F15B9}"/>
+          </ac:picMkLst>
+        </pc:picChg>
+        <pc:picChg chg="del">
+          <ac:chgData name="Maxwell Cook" userId="6270a8f4b8f62cae" providerId="LiveId" clId="{9C4BDB99-EBC5-1840-B647-6EE675D85830}" dt="2024-10-07T19:05:41.663" v="124" actId="478"/>
+          <ac:picMkLst>
+            <pc:docMk/>
+            <pc:sldMk cId="2170444034" sldId="256"/>
+            <ac:picMk id="13" creationId="{042CB577-A4A4-7E38-9B36-16C8B17C4964}"/>
+          </ac:picMkLst>
+        </pc:picChg>
+        <pc:picChg chg="mod">
+          <ac:chgData name="Maxwell Cook" userId="6270a8f4b8f62cae" providerId="LiveId" clId="{9C4BDB99-EBC5-1840-B647-6EE675D85830}" dt="2024-10-07T19:08:01.169" v="132" actId="165"/>
+          <ac:picMkLst>
+            <pc:docMk/>
+            <pc:sldMk cId="2170444034" sldId="256"/>
+            <ac:picMk id="16" creationId="{42C9D3E6-33CC-F32E-2BE6-EA36E3C9667D}"/>
+          </ac:picMkLst>
+        </pc:picChg>
+        <pc:picChg chg="add mod">
+          <ac:chgData name="Maxwell Cook" userId="6270a8f4b8f62cae" providerId="LiveId" clId="{9C4BDB99-EBC5-1840-B647-6EE675D85830}" dt="2024-10-07T19:07:36.413" v="131" actId="1076"/>
+          <ac:picMkLst>
+            <pc:docMk/>
+            <pc:sldMk cId="2170444034" sldId="256"/>
+            <ac:picMk id="25" creationId="{C4247B4C-E38B-00AA-2D8A-EF4CC029CACF}"/>
+          </ac:picMkLst>
+        </pc:picChg>
+        <pc:picChg chg="mod topLvl">
+          <ac:chgData name="Maxwell Cook" userId="6270a8f4b8f62cae" providerId="LiveId" clId="{9C4BDB99-EBC5-1840-B647-6EE675D85830}" dt="2024-10-07T19:08:01.169" v="132" actId="165"/>
+          <ac:picMkLst>
+            <pc:docMk/>
+            <pc:sldMk cId="2170444034" sldId="256"/>
+            <ac:picMk id="31" creationId="{4ED5D20C-2B5A-2414-5CFF-51C739B22171}"/>
+          </ac:picMkLst>
+        </pc:picChg>
+        <pc:picChg chg="mod topLvl">
+          <ac:chgData name="Maxwell Cook" userId="6270a8f4b8f62cae" providerId="LiveId" clId="{9C4BDB99-EBC5-1840-B647-6EE675D85830}" dt="2024-10-07T19:08:01.169" v="132" actId="165"/>
+          <ac:picMkLst>
+            <pc:docMk/>
+            <pc:sldMk cId="2170444034" sldId="256"/>
+            <ac:picMk id="48" creationId="{8830B6AB-ED7D-B09C-1E44-7BBB7622051E}"/>
+          </ac:picMkLst>
+        </pc:picChg>
+        <pc:cxnChg chg="mod">
+          <ac:chgData name="Maxwell Cook" userId="6270a8f4b8f62cae" providerId="LiveId" clId="{9C4BDB99-EBC5-1840-B647-6EE675D85830}" dt="2024-10-07T19:08:01.169" v="132" actId="165"/>
+          <ac:cxnSpMkLst>
+            <pc:docMk/>
+            <pc:sldMk cId="2170444034" sldId="256"/>
+            <ac:cxnSpMk id="18" creationId="{FB0BCBDA-D990-B1FE-8068-D156F677FA80}"/>
+          </ac:cxnSpMkLst>
+        </pc:cxnChg>
+        <pc:cxnChg chg="mod">
+          <ac:chgData name="Maxwell Cook" userId="6270a8f4b8f62cae" providerId="LiveId" clId="{9C4BDB99-EBC5-1840-B647-6EE675D85830}" dt="2024-10-07T19:08:01.169" v="132" actId="165"/>
+          <ac:cxnSpMkLst>
+            <pc:docMk/>
+            <pc:sldMk cId="2170444034" sldId="256"/>
+            <ac:cxnSpMk id="28" creationId="{D03DDD88-5847-AAC6-DED8-F8A6C796AF61}"/>
+          </ac:cxnSpMkLst>
+        </pc:cxnChg>
+        <pc:cxnChg chg="mod">
+          <ac:chgData name="Maxwell Cook" userId="6270a8f4b8f62cae" providerId="LiveId" clId="{9C4BDB99-EBC5-1840-B647-6EE675D85830}" dt="2024-10-07T19:08:01.169" v="132" actId="165"/>
+          <ac:cxnSpMkLst>
+            <pc:docMk/>
+            <pc:sldMk cId="2170444034" sldId="256"/>
+            <ac:cxnSpMk id="35" creationId="{44AC5393-F568-C12C-412A-5C49BF15DEED}"/>
+          </ac:cxnSpMkLst>
+        </pc:cxnChg>
+      </pc:sldChg>
+      <pc:sldChg chg="addSp delSp modSp add mod">
+        <pc:chgData name="Maxwell Cook" userId="6270a8f4b8f62cae" providerId="LiveId" clId="{9C4BDB99-EBC5-1840-B647-6EE675D85830}" dt="2024-10-07T20:44:52.648" v="214" actId="14100"/>
+        <pc:sldMkLst>
+          <pc:docMk/>
+          <pc:sldMk cId="499581293" sldId="257"/>
+        </pc:sldMkLst>
+        <pc:spChg chg="mod topLvl">
+          <ac:chgData name="Maxwell Cook" userId="6270a8f4b8f62cae" providerId="LiveId" clId="{9C4BDB99-EBC5-1840-B647-6EE675D85830}" dt="2024-10-07T18:02:42.860" v="24" actId="1076"/>
+          <ac:spMkLst>
+            <pc:docMk/>
+            <pc:sldMk cId="499581293" sldId="257"/>
+            <ac:spMk id="6" creationId="{E105992A-9594-857A-20D6-0B4C3E7EF4B3}"/>
+          </ac:spMkLst>
+        </pc:spChg>
+        <pc:spChg chg="mod topLvl">
+          <ac:chgData name="Maxwell Cook" userId="6270a8f4b8f62cae" providerId="LiveId" clId="{9C4BDB99-EBC5-1840-B647-6EE675D85830}" dt="2024-10-07T18:12:26.753" v="65" actId="1076"/>
+          <ac:spMkLst>
+            <pc:docMk/>
+            <pc:sldMk cId="499581293" sldId="257"/>
+            <ac:spMk id="7" creationId="{0619FA69-1D87-32B0-3236-83C0A45FADA9}"/>
+          </ac:spMkLst>
+        </pc:spChg>
+        <pc:spChg chg="mod topLvl">
+          <ac:chgData name="Maxwell Cook" userId="6270a8f4b8f62cae" providerId="LiveId" clId="{9C4BDB99-EBC5-1840-B647-6EE675D85830}" dt="2024-10-07T18:12:38.096" v="67" actId="1076"/>
+          <ac:spMkLst>
+            <pc:docMk/>
+            <pc:sldMk cId="499581293" sldId="257"/>
+            <ac:spMk id="8" creationId="{6A3CDF51-9699-7B27-A036-531CB368C93D}"/>
+          </ac:spMkLst>
+        </pc:spChg>
+        <pc:spChg chg="mod topLvl">
+          <ac:chgData name="Maxwell Cook" userId="6270a8f4b8f62cae" providerId="LiveId" clId="{9C4BDB99-EBC5-1840-B647-6EE675D85830}" dt="2024-10-07T18:03:35.273" v="28" actId="1076"/>
+          <ac:spMkLst>
+            <pc:docMk/>
+            <pc:sldMk cId="499581293" sldId="257"/>
+            <ac:spMk id="9" creationId="{E43FAF43-AF7B-CA94-C0C7-4BFD95257E05}"/>
+          </ac:spMkLst>
+        </pc:spChg>
+        <pc:spChg chg="mod topLvl">
+          <ac:chgData name="Maxwell Cook" userId="6270a8f4b8f62cae" providerId="LiveId" clId="{9C4BDB99-EBC5-1840-B647-6EE675D85830}" dt="2024-10-07T18:03:47.810" v="30" actId="1076"/>
+          <ac:spMkLst>
+            <pc:docMk/>
+            <pc:sldMk cId="499581293" sldId="257"/>
+            <ac:spMk id="10" creationId="{992DDEBF-F998-7A40-96BC-F4DF1BB254DC}"/>
+          </ac:spMkLst>
+        </pc:spChg>
+        <pc:spChg chg="mod topLvl">
+          <ac:chgData name="Maxwell Cook" userId="6270a8f4b8f62cae" providerId="LiveId" clId="{9C4BDB99-EBC5-1840-B647-6EE675D85830}" dt="2024-10-07T18:11:50.392" v="63" actId="1076"/>
+          <ac:spMkLst>
+            <pc:docMk/>
+            <pc:sldMk cId="499581293" sldId="257"/>
+            <ac:spMk id="12" creationId="{2604F559-7474-B65B-7E1B-52BFC981D915}"/>
+          </ac:spMkLst>
+        </pc:spChg>
+        <pc:spChg chg="mod">
+          <ac:chgData name="Maxwell Cook" userId="6270a8f4b8f62cae" providerId="LiveId" clId="{9C4BDB99-EBC5-1840-B647-6EE675D85830}" dt="2024-10-07T17:58:28.316" v="9" actId="165"/>
+          <ac:spMkLst>
+            <pc:docMk/>
+            <pc:sldMk cId="499581293" sldId="257"/>
+            <ac:spMk id="14" creationId="{66EC28A7-61F3-C50D-78B1-B8110FE5BC9A}"/>
+          </ac:spMkLst>
+        </pc:spChg>
+        <pc:spChg chg="mod">
+          <ac:chgData name="Maxwell Cook" userId="6270a8f4b8f62cae" providerId="LiveId" clId="{9C4BDB99-EBC5-1840-B647-6EE675D85830}" dt="2024-10-07T17:58:28.316" v="9" actId="165"/>
+          <ac:spMkLst>
+            <pc:docMk/>
+            <pc:sldMk cId="499581293" sldId="257"/>
+            <ac:spMk id="17" creationId="{9FF95860-A196-D254-1188-C572780C8B2A}"/>
+          </ac:spMkLst>
+        </pc:spChg>
+        <pc:spChg chg="mod">
+          <ac:chgData name="Maxwell Cook" userId="6270a8f4b8f62cae" providerId="LiveId" clId="{9C4BDB99-EBC5-1840-B647-6EE675D85830}" dt="2024-10-07T18:17:34.614" v="82" actId="255"/>
+          <ac:spMkLst>
+            <pc:docMk/>
+            <pc:sldMk cId="499581293" sldId="257"/>
+            <ac:spMk id="20" creationId="{052EAE81-261A-867F-1B1C-B96E9B9D5F35}"/>
+          </ac:spMkLst>
+        </pc:spChg>
+        <pc:spChg chg="mod">
+          <ac:chgData name="Maxwell Cook" userId="6270a8f4b8f62cae" providerId="LiveId" clId="{9C4BDB99-EBC5-1840-B647-6EE675D85830}" dt="2024-10-07T18:19:38.127" v="97" actId="1076"/>
+          <ac:spMkLst>
+            <pc:docMk/>
+            <pc:sldMk cId="499581293" sldId="257"/>
+            <ac:spMk id="21" creationId="{F8CA6D1C-DF53-B4C1-D757-8678B0869B84}"/>
+          </ac:spMkLst>
+        </pc:spChg>
+        <pc:spChg chg="mod">
+          <ac:chgData name="Maxwell Cook" userId="6270a8f4b8f62cae" providerId="LiveId" clId="{9C4BDB99-EBC5-1840-B647-6EE675D85830}" dt="2024-10-07T17:58:28.316" v="9" actId="165"/>
+          <ac:spMkLst>
+            <pc:docMk/>
+            <pc:sldMk cId="499581293" sldId="257"/>
+            <ac:spMk id="22" creationId="{24FE722C-30CF-194F-A393-F52C0FF842E6}"/>
+          </ac:spMkLst>
+        </pc:spChg>
+        <pc:spChg chg="mod">
+          <ac:chgData name="Maxwell Cook" userId="6270a8f4b8f62cae" providerId="LiveId" clId="{9C4BDB99-EBC5-1840-B647-6EE675D85830}" dt="2024-10-07T17:58:28.316" v="9" actId="165"/>
+          <ac:spMkLst>
+            <pc:docMk/>
+            <pc:sldMk cId="499581293" sldId="257"/>
+            <ac:spMk id="23" creationId="{BF6137A8-0D2A-9E82-482B-25A9263968CA}"/>
+          </ac:spMkLst>
+        </pc:spChg>
+        <pc:spChg chg="add del mod">
+          <ac:chgData name="Maxwell Cook" userId="6270a8f4b8f62cae" providerId="LiveId" clId="{9C4BDB99-EBC5-1840-B647-6EE675D85830}" dt="2024-10-07T18:03:15.331" v="26" actId="478"/>
+          <ac:spMkLst>
+            <pc:docMk/>
+            <pc:sldMk cId="499581293" sldId="257"/>
+            <ac:spMk id="27" creationId="{6B6BA097-3AE1-160E-5367-A2FA75ED7AF4}"/>
+          </ac:spMkLst>
+        </pc:spChg>
+        <pc:spChg chg="mod">
+          <ac:chgData name="Maxwell Cook" userId="6270a8f4b8f62cae" providerId="LiveId" clId="{9C4BDB99-EBC5-1840-B647-6EE675D85830}" dt="2024-10-07T18:17:55.176" v="84" actId="255"/>
+          <ac:spMkLst>
+            <pc:docMk/>
+            <pc:sldMk cId="499581293" sldId="257"/>
+            <ac:spMk id="29" creationId="{ACFA236A-75B4-E433-F22D-6DB90A167DBE}"/>
+          </ac:spMkLst>
+        </pc:spChg>
+        <pc:spChg chg="mod">
+          <ac:chgData name="Maxwell Cook" userId="6270a8f4b8f62cae" providerId="LiveId" clId="{9C4BDB99-EBC5-1840-B647-6EE675D85830}" dt="2024-10-07T18:18:06.760" v="87" actId="1076"/>
+          <ac:spMkLst>
+            <pc:docMk/>
+            <pc:sldMk cId="499581293" sldId="257"/>
+            <ac:spMk id="30" creationId="{61999BEA-8E6D-7510-2FEE-A57783690317}"/>
+          </ac:spMkLst>
+        </pc:spChg>
+        <pc:spChg chg="mod topLvl">
+          <ac:chgData name="Maxwell Cook" userId="6270a8f4b8f62cae" providerId="LiveId" clId="{9C4BDB99-EBC5-1840-B647-6EE675D85830}" dt="2024-10-07T18:17:41.886" v="83" actId="255"/>
+          <ac:spMkLst>
+            <pc:docMk/>
+            <pc:sldMk cId="499581293" sldId="257"/>
+            <ac:spMk id="36" creationId="{D74138CF-EF95-3CEB-3822-4C4BD76A3764}"/>
+          </ac:spMkLst>
+        </pc:spChg>
+        <pc:spChg chg="mod topLvl">
+          <ac:chgData name="Maxwell Cook" userId="6270a8f4b8f62cae" providerId="LiveId" clId="{9C4BDB99-EBC5-1840-B647-6EE675D85830}" dt="2024-10-07T18:19:00.057" v="92" actId="1076"/>
+          <ac:spMkLst>
+            <pc:docMk/>
+            <pc:sldMk cId="499581293" sldId="257"/>
+            <ac:spMk id="37" creationId="{0498B8DF-DEF6-E1A5-63D6-718F6609B52C}"/>
+          </ac:spMkLst>
+        </pc:spChg>
+        <pc:spChg chg="mod">
+          <ac:chgData name="Maxwell Cook" userId="6270a8f4b8f62cae" providerId="LiveId" clId="{9C4BDB99-EBC5-1840-B647-6EE675D85830}" dt="2024-10-07T18:17:18.276" v="80" actId="571"/>
+          <ac:spMkLst>
+            <pc:docMk/>
+            <pc:sldMk cId="499581293" sldId="257"/>
+            <ac:spMk id="47" creationId="{A7CAEB96-205A-B5E5-949E-D220C4718403}"/>
+          </ac:spMkLst>
+        </pc:spChg>
+        <pc:spChg chg="mod">
+          <ac:chgData name="Maxwell Cook" userId="6270a8f4b8f62cae" providerId="LiveId" clId="{9C4BDB99-EBC5-1840-B647-6EE675D85830}" dt="2024-10-07T18:17:18.276" v="80" actId="571"/>
+          <ac:spMkLst>
+            <pc:docMk/>
+            <pc:sldMk cId="499581293" sldId="257"/>
+            <ac:spMk id="49" creationId="{E8ACCD83-6BF6-9298-3D6D-D59006CC9DD6}"/>
+          </ac:spMkLst>
+        </pc:spChg>
+        <pc:grpChg chg="del">
+          <ac:chgData name="Maxwell Cook" userId="6270a8f4b8f62cae" providerId="LiveId" clId="{9C4BDB99-EBC5-1840-B647-6EE675D85830}" dt="2024-10-07T17:58:28.316" v="9" actId="165"/>
+          <ac:grpSpMkLst>
+            <pc:docMk/>
+            <pc:sldMk cId="499581293" sldId="257"/>
+            <ac:grpSpMk id="2" creationId="{70A8A838-C5B6-3DE0-85E7-9E7074C05AF5}"/>
+          </ac:grpSpMkLst>
+        </pc:grpChg>
+        <pc:grpChg chg="del mod topLvl">
+          <ac:chgData name="Maxwell Cook" userId="6270a8f4b8f62cae" providerId="LiveId" clId="{9C4BDB99-EBC5-1840-B647-6EE675D85830}" dt="2024-10-07T18:37:25.464" v="103" actId="478"/>
+          <ac:grpSpMkLst>
+            <pc:docMk/>
+            <pc:sldMk cId="499581293" sldId="257"/>
+            <ac:grpSpMk id="24" creationId="{ACFE2BD8-F7CA-2C16-3458-CBEDBBB416C6}"/>
+          </ac:grpSpMkLst>
+        </pc:grpChg>
+        <pc:grpChg chg="mod topLvl">
+          <ac:chgData name="Maxwell Cook" userId="6270a8f4b8f62cae" providerId="LiveId" clId="{9C4BDB99-EBC5-1840-B647-6EE675D85830}" dt="2024-10-07T18:17:28.539" v="81" actId="1076"/>
+          <ac:grpSpMkLst>
+            <pc:docMk/>
+            <pc:sldMk cId="499581293" sldId="257"/>
+            <ac:grpSpMk id="26" creationId="{7568B8E9-ED84-070F-6EA7-D8747D096466}"/>
+          </ac:grpSpMkLst>
+        </pc:grpChg>
+        <pc:grpChg chg="mod topLvl">
+          <ac:chgData name="Maxwell Cook" userId="6270a8f4b8f62cae" providerId="LiveId" clId="{9C4BDB99-EBC5-1840-B647-6EE675D85830}" dt="2024-10-07T18:05:53.240" v="41" actId="1076"/>
+          <ac:grpSpMkLst>
+            <pc:docMk/>
+            <pc:sldMk cId="499581293" sldId="257"/>
+            <ac:grpSpMk id="33" creationId="{ACBF2611-56C6-A150-5B6E-05FC96543543}"/>
+          </ac:grpSpMkLst>
+        </pc:grpChg>
+        <pc:grpChg chg="del mod topLvl">
+          <ac:chgData name="Maxwell Cook" userId="6270a8f4b8f62cae" providerId="LiveId" clId="{9C4BDB99-EBC5-1840-B647-6EE675D85830}" dt="2024-10-07T17:58:39.106" v="10" actId="165"/>
+          <ac:grpSpMkLst>
+            <pc:docMk/>
+            <pc:sldMk cId="499581293" sldId="257"/>
+            <ac:grpSpMk id="42" creationId="{E27A2004-9125-9C39-AC6D-E3C7EC6D2014}"/>
+          </ac:grpSpMkLst>
+        </pc:grpChg>
+        <pc:grpChg chg="add mod">
+          <ac:chgData name="Maxwell Cook" userId="6270a8f4b8f62cae" providerId="LiveId" clId="{9C4BDB99-EBC5-1840-B647-6EE675D85830}" dt="2024-10-07T18:17:18.276" v="80" actId="571"/>
+          <ac:grpSpMkLst>
+            <pc:docMk/>
+            <pc:sldMk cId="499581293" sldId="257"/>
+            <ac:grpSpMk id="45" creationId="{42174262-D848-F226-DA2D-790B25ACF457}"/>
+          </ac:grpSpMkLst>
+        </pc:grpChg>
+        <pc:picChg chg="add del mod">
+          <ac:chgData name="Maxwell Cook" userId="6270a8f4b8f62cae" providerId="LiveId" clId="{9C4BDB99-EBC5-1840-B647-6EE675D85830}" dt="2024-10-07T20:41:26.587" v="178" actId="478"/>
+          <ac:picMkLst>
+            <pc:docMk/>
+            <pc:sldMk cId="499581293" sldId="257"/>
+            <ac:picMk id="4" creationId="{8ABE8F6F-05DE-5355-B5D0-50AFAB7CF013}"/>
+          </ac:picMkLst>
+        </pc:picChg>
+        <pc:picChg chg="add del mod">
+          <ac:chgData name="Maxwell Cook" userId="6270a8f4b8f62cae" providerId="LiveId" clId="{9C4BDB99-EBC5-1840-B647-6EE675D85830}" dt="2024-10-07T17:59:00.631" v="15" actId="478"/>
+          <ac:picMkLst>
+            <pc:docMk/>
+            <pc:sldMk cId="499581293" sldId="257"/>
+            <ac:picMk id="5" creationId="{1CD02B8D-E650-35FA-1404-9E2299BFCEFE}"/>
+          </ac:picMkLst>
+        </pc:picChg>
+        <pc:picChg chg="del mod topLvl">
+          <ac:chgData name="Maxwell Cook" userId="6270a8f4b8f62cae" providerId="LiveId" clId="{9C4BDB99-EBC5-1840-B647-6EE675D85830}" dt="2024-10-07T17:58:44.210" v="11" actId="478"/>
+          <ac:picMkLst>
+            <pc:docMk/>
+            <pc:sldMk cId="499581293" sldId="257"/>
+            <ac:picMk id="11" creationId="{005E984B-7A77-52F5-9BAD-85FCDEE84412}"/>
+          </ac:picMkLst>
+        </pc:picChg>
+        <pc:picChg chg="add mod">
+          <ac:chgData name="Maxwell Cook" userId="6270a8f4b8f62cae" providerId="LiveId" clId="{9C4BDB99-EBC5-1840-B647-6EE675D85830}" dt="2024-10-07T20:43:48.551" v="198" actId="14100"/>
+          <ac:picMkLst>
+            <pc:docMk/>
+            <pc:sldMk cId="499581293" sldId="257"/>
+            <ac:picMk id="11" creationId="{1F2EE52C-8BD5-7D83-3C8F-2F714F5DAFA8}"/>
+          </ac:picMkLst>
+        </pc:picChg>
+        <pc:picChg chg="del mod topLvl">
+          <ac:chgData name="Maxwell Cook" userId="6270a8f4b8f62cae" providerId="LiveId" clId="{9C4BDB99-EBC5-1840-B647-6EE675D85830}" dt="2024-10-07T19:08:21.818" v="134" actId="478"/>
+          <ac:picMkLst>
+            <pc:docMk/>
+            <pc:sldMk cId="499581293" sldId="257"/>
+            <ac:picMk id="13" creationId="{6F225C87-BAB5-5581-E54B-A14E2C4F7143}"/>
+          </ac:picMkLst>
+        </pc:picChg>
+        <pc:picChg chg="add mod">
+          <ac:chgData name="Maxwell Cook" userId="6270a8f4b8f62cae" providerId="LiveId" clId="{9C4BDB99-EBC5-1840-B647-6EE675D85830}" dt="2024-10-07T20:44:00.013" v="199" actId="1076"/>
+          <ac:picMkLst>
+            <pc:docMk/>
+            <pc:sldMk cId="499581293" sldId="257"/>
+            <ac:picMk id="14" creationId="{F716A063-83E8-24A3-DAF2-786DEFDC7BB2}"/>
+          </ac:picMkLst>
+        </pc:picChg>
+        <pc:picChg chg="del">
+          <ac:chgData name="Maxwell Cook" userId="6270a8f4b8f62cae" providerId="LiveId" clId="{9C4BDB99-EBC5-1840-B647-6EE675D85830}" dt="2024-10-07T19:38:04.375" v="166" actId="478"/>
+          <ac:picMkLst>
+            <pc:docMk/>
+            <pc:sldMk cId="499581293" sldId="257"/>
+            <ac:picMk id="15" creationId="{05B6F897-AE4C-C309-77DA-88913D3713D3}"/>
+          </ac:picMkLst>
+        </pc:picChg>
+        <pc:picChg chg="del mod topLvl">
+          <ac:chgData name="Maxwell Cook" userId="6270a8f4b8f62cae" providerId="LiveId" clId="{9C4BDB99-EBC5-1840-B647-6EE675D85830}" dt="2024-10-07T19:33:06.493" v="143" actId="478"/>
+          <ac:picMkLst>
+            <pc:docMk/>
+            <pc:sldMk cId="499581293" sldId="257"/>
+            <ac:picMk id="16" creationId="{32415287-529B-9598-B1C8-1E69F6FF0B25}"/>
+          </ac:picMkLst>
+        </pc:picChg>
+        <pc:picChg chg="add mod">
+          <ac:chgData name="Maxwell Cook" userId="6270a8f4b8f62cae" providerId="LiveId" clId="{9C4BDB99-EBC5-1840-B647-6EE675D85830}" dt="2024-10-07T20:44:33.986" v="209" actId="1076"/>
+          <ac:picMkLst>
+            <pc:docMk/>
+            <pc:sldMk cId="499581293" sldId="257"/>
+            <ac:picMk id="16" creationId="{CCCF7773-85BD-C122-0F21-9F8858446F37}"/>
+          </ac:picMkLst>
+        </pc:picChg>
+        <pc:picChg chg="add del mod">
+          <ac:chgData name="Maxwell Cook" userId="6270a8f4b8f62cae" providerId="LiveId" clId="{9C4BDB99-EBC5-1840-B647-6EE675D85830}" dt="2024-10-07T18:00:49.565" v="22" actId="478"/>
+          <ac:picMkLst>
+            <pc:docMk/>
+            <pc:sldMk cId="499581293" sldId="257"/>
+            <ac:picMk id="25" creationId="{032E66B5-7032-9017-5AA5-1EBA245DDB3A}"/>
+          </ac:picMkLst>
+        </pc:picChg>
+        <pc:picChg chg="del mod topLvl">
+          <ac:chgData name="Maxwell Cook" userId="6270a8f4b8f62cae" providerId="LiveId" clId="{9C4BDB99-EBC5-1840-B647-6EE675D85830}" dt="2024-10-07T18:09:23.703" v="49" actId="478"/>
+          <ac:picMkLst>
+            <pc:docMk/>
+            <pc:sldMk cId="499581293" sldId="257"/>
+            <ac:picMk id="31" creationId="{C331AA96-70A2-A162-7C4F-AC6D54F7FA81}"/>
+          </ac:picMkLst>
+        </pc:picChg>
+        <pc:picChg chg="add del mod">
+          <ac:chgData name="Maxwell Cook" userId="6270a8f4b8f62cae" providerId="LiveId" clId="{9C4BDB99-EBC5-1840-B647-6EE675D85830}" dt="2024-10-07T18:05:42.047" v="40" actId="478"/>
+          <ac:picMkLst>
+            <pc:docMk/>
+            <pc:sldMk cId="499581293" sldId="257"/>
+            <ac:picMk id="34" creationId="{80F0F051-1A92-01C2-B1A6-4005F8A5297D}"/>
+          </ac:picMkLst>
+        </pc:picChg>
+        <pc:picChg chg="add del mod">
+          <ac:chgData name="Maxwell Cook" userId="6270a8f4b8f62cae" providerId="LiveId" clId="{9C4BDB99-EBC5-1840-B647-6EE675D85830}" dt="2024-10-07T20:41:16.129" v="174" actId="478"/>
+          <ac:picMkLst>
+            <pc:docMk/>
+            <pc:sldMk cId="499581293" sldId="257"/>
+            <ac:picMk id="39" creationId="{819D7C19-D22F-D461-ACF3-97B964769679}"/>
+          </ac:picMkLst>
+        </pc:picChg>
+        <pc:picChg chg="add del mod">
+          <ac:chgData name="Maxwell Cook" userId="6270a8f4b8f62cae" providerId="LiveId" clId="{9C4BDB99-EBC5-1840-B647-6EE675D85830}" dt="2024-10-07T20:43:21.444" v="188" actId="478"/>
+          <ac:picMkLst>
+            <pc:docMk/>
+            <pc:sldMk cId="499581293" sldId="257"/>
+            <ac:picMk id="41" creationId="{4D988C38-8379-1C7D-427A-9FE078A51BA2}"/>
+          </ac:picMkLst>
+        </pc:picChg>
+        <pc:picChg chg="add del mod">
+          <ac:chgData name="Maxwell Cook" userId="6270a8f4b8f62cae" providerId="LiveId" clId="{9C4BDB99-EBC5-1840-B647-6EE675D85830}" dt="2024-10-07T20:44:01.776" v="200" actId="478"/>
+          <ac:picMkLst>
+            <pc:docMk/>
+            <pc:sldMk cId="499581293" sldId="257"/>
+            <ac:picMk id="44" creationId="{1C8C611E-F9AB-33CB-C64C-E013FCF58914}"/>
+          </ac:picMkLst>
+        </pc:picChg>
+        <pc:picChg chg="del mod topLvl">
+          <ac:chgData name="Maxwell Cook" userId="6270a8f4b8f62cae" providerId="LiveId" clId="{9C4BDB99-EBC5-1840-B647-6EE675D85830}" dt="2024-10-07T18:12:45.065" v="68" actId="478"/>
+          <ac:picMkLst>
+            <pc:docMk/>
+            <pc:sldMk cId="499581293" sldId="257"/>
+            <ac:picMk id="48" creationId="{F67BA154-1347-E530-453A-3B4350A7A4D2}"/>
+          </ac:picMkLst>
+        </pc:picChg>
+        <pc:picChg chg="add del mod">
+          <ac:chgData name="Maxwell Cook" userId="6270a8f4b8f62cae" providerId="LiveId" clId="{9C4BDB99-EBC5-1840-B647-6EE675D85830}" dt="2024-10-07T18:37:33.952" v="107" actId="478"/>
+          <ac:picMkLst>
+            <pc:docMk/>
+            <pc:sldMk cId="499581293" sldId="257"/>
+            <ac:picMk id="54" creationId="{09BFA405-A36F-B704-36D8-1D779DCC6CAB}"/>
+          </ac:picMkLst>
+        </pc:picChg>
+        <pc:picChg chg="add mod">
+          <ac:chgData name="Maxwell Cook" userId="6270a8f4b8f62cae" providerId="LiveId" clId="{9C4BDB99-EBC5-1840-B647-6EE675D85830}" dt="2024-10-07T18:46:26.628" v="108" actId="931"/>
+          <ac:picMkLst>
+            <pc:docMk/>
+            <pc:sldMk cId="499581293" sldId="257"/>
+            <ac:picMk id="56" creationId="{762553FD-0D38-4F7F-2CAD-9EA879A38AED}"/>
+          </ac:picMkLst>
+        </pc:picChg>
+        <pc:picChg chg="add del mod">
+          <ac:chgData name="Maxwell Cook" userId="6270a8f4b8f62cae" providerId="LiveId" clId="{9C4BDB99-EBC5-1840-B647-6EE675D85830}" dt="2024-10-07T18:48:33.735" v="118" actId="478"/>
+          <ac:picMkLst>
+            <pc:docMk/>
+            <pc:sldMk cId="499581293" sldId="257"/>
+            <ac:picMk id="58" creationId="{B2FDFAEB-FAB3-78DE-0842-80110780B558}"/>
+          </ac:picMkLst>
+        </pc:picChg>
+        <pc:picChg chg="add mod">
+          <ac:chgData name="Maxwell Cook" userId="6270a8f4b8f62cae" providerId="LiveId" clId="{9C4BDB99-EBC5-1840-B647-6EE675D85830}" dt="2024-10-07T19:38:22.736" v="169" actId="1076"/>
+          <ac:picMkLst>
+            <pc:docMk/>
+            <pc:sldMk cId="499581293" sldId="257"/>
+            <ac:picMk id="60" creationId="{1F24A10F-6AB4-2648-3560-EBF77D873B70}"/>
+          </ac:picMkLst>
+        </pc:picChg>
+        <pc:picChg chg="add mod">
+          <ac:chgData name="Maxwell Cook" userId="6270a8f4b8f62cae" providerId="LiveId" clId="{9C4BDB99-EBC5-1840-B647-6EE675D85830}" dt="2024-10-07T19:35:38.860" v="162" actId="1076"/>
+          <ac:picMkLst>
+            <pc:docMk/>
+            <pc:sldMk cId="499581293" sldId="257"/>
+            <ac:picMk id="62" creationId="{D5AB2A65-370C-1B54-5920-CEF9B3263C04}"/>
+          </ac:picMkLst>
+        </pc:picChg>
+        <pc:picChg chg="add del mod">
+          <ac:chgData name="Maxwell Cook" userId="6270a8f4b8f62cae" providerId="LiveId" clId="{9C4BDB99-EBC5-1840-B647-6EE675D85830}" dt="2024-10-07T19:33:35.851" v="151" actId="478"/>
+          <ac:picMkLst>
+            <pc:docMk/>
+            <pc:sldMk cId="499581293" sldId="257"/>
+            <ac:picMk id="64" creationId="{681340A4-2D52-8B32-787B-1AD2C0007C59}"/>
+          </ac:picMkLst>
+        </pc:picChg>
+        <pc:picChg chg="add mod">
+          <ac:chgData name="Maxwell Cook" userId="6270a8f4b8f62cae" providerId="LiveId" clId="{9C4BDB99-EBC5-1840-B647-6EE675D85830}" dt="2024-10-07T19:34:37.198" v="159" actId="1076"/>
+          <ac:picMkLst>
+            <pc:docMk/>
+            <pc:sldMk cId="499581293" sldId="257"/>
+            <ac:picMk id="66" creationId="{DDF2C7B2-3632-6AA6-3AEB-5BED9D64C6D8}"/>
+          </ac:picMkLst>
+        </pc:picChg>
+        <pc:picChg chg="add mod">
+          <ac:chgData name="Maxwell Cook" userId="6270a8f4b8f62cae" providerId="LiveId" clId="{9C4BDB99-EBC5-1840-B647-6EE675D85830}" dt="2024-10-07T19:38:19.345" v="168" actId="571"/>
+          <ac:picMkLst>
+            <pc:docMk/>
+            <pc:sldMk cId="499581293" sldId="257"/>
+            <ac:picMk id="67" creationId="{0B476D06-7D0E-2633-8565-0BAE678153C1}"/>
+          </ac:picMkLst>
+        </pc:picChg>
+        <pc:picChg chg="add mod">
+          <ac:chgData name="Maxwell Cook" userId="6270a8f4b8f62cae" providerId="LiveId" clId="{9C4BDB99-EBC5-1840-B647-6EE675D85830}" dt="2024-10-07T20:44:52.648" v="214" actId="14100"/>
+          <ac:picMkLst>
+            <pc:docMk/>
+            <pc:sldMk cId="499581293" sldId="257"/>
+            <ac:picMk id="69" creationId="{561D21B8-E931-F5E9-0BCF-18F6CEA4500D}"/>
+          </ac:picMkLst>
+        </pc:picChg>
+        <pc:cxnChg chg="mod">
+          <ac:chgData name="Maxwell Cook" userId="6270a8f4b8f62cae" providerId="LiveId" clId="{9C4BDB99-EBC5-1840-B647-6EE675D85830}" dt="2024-10-07T18:19:25.842" v="94" actId="14100"/>
+          <ac:cxnSpMkLst>
+            <pc:docMk/>
+            <pc:sldMk cId="499581293" sldId="257"/>
+            <ac:cxnSpMk id="18" creationId="{1AC24055-9ED6-E517-13AB-4778D0632E47}"/>
+          </ac:cxnSpMkLst>
+        </pc:cxnChg>
+        <pc:cxnChg chg="mod">
+          <ac:chgData name="Maxwell Cook" userId="6270a8f4b8f62cae" providerId="LiveId" clId="{9C4BDB99-EBC5-1840-B647-6EE675D85830}" dt="2024-10-07T18:18:33.583" v="89" actId="1076"/>
+          <ac:cxnSpMkLst>
+            <pc:docMk/>
+            <pc:sldMk cId="499581293" sldId="257"/>
+            <ac:cxnSpMk id="28" creationId="{7C4B4E39-281A-D601-B5D0-E3A2810CB148}"/>
+          </ac:cxnSpMkLst>
+        </pc:cxnChg>
+        <pc:cxnChg chg="mod topLvl">
+          <ac:chgData name="Maxwell Cook" userId="6270a8f4b8f62cae" providerId="LiveId" clId="{9C4BDB99-EBC5-1840-B647-6EE675D85830}" dt="2024-10-07T18:18:48.493" v="91" actId="14100"/>
+          <ac:cxnSpMkLst>
+            <pc:docMk/>
+            <pc:sldMk cId="499581293" sldId="257"/>
+            <ac:cxnSpMk id="35" creationId="{529D1DC0-FBC2-C2BC-29A4-5324BDE28316}"/>
+          </ac:cxnSpMkLst>
+        </pc:cxnChg>
+        <pc:cxnChg chg="mod">
+          <ac:chgData name="Maxwell Cook" userId="6270a8f4b8f62cae" providerId="LiveId" clId="{9C4BDB99-EBC5-1840-B647-6EE675D85830}" dt="2024-10-07T18:17:18.276" v="80" actId="571"/>
+          <ac:cxnSpMkLst>
+            <pc:docMk/>
+            <pc:sldMk cId="499581293" sldId="257"/>
+            <ac:cxnSpMk id="46" creationId="{ED4B5649-45AD-82DC-780B-CC9614509EEA}"/>
+          </ac:cxnSpMkLst>
+        </pc:cxnChg>
+      </pc:sldChg>
+    </pc:docChg>
+  </pc:docChgLst>
+  <pc:docChgLst>
     <pc:chgData name="Maxwell Cook" userId="6270a8f4b8f62cae" providerId="LiveId" clId="{CA970F45-79AF-5E42-81B8-CE7B00EC0B4D}"/>
     <pc:docChg chg="undo custSel modSld">
       <pc:chgData name="Maxwell Cook" userId="6270a8f4b8f62cae" providerId="LiveId" clId="{CA970F45-79AF-5E42-81B8-CE7B00EC0B4D}" dt="2023-10-02T16:31:25.568" v="279" actId="164"/>
@@ -1390,6 +2102,317 @@
             <ac:cxnSpMk id="35" creationId="{44AC5393-F568-C12C-412A-5C49BF15DEED}"/>
           </ac:cxnSpMkLst>
         </pc:cxnChg>
+      </pc:sldChg>
+    </pc:docChg>
+  </pc:docChgLst>
+  <pc:docChgLst>
+    <pc:chgData name="Maxwell Cook" userId="6270a8f4b8f62cae" providerId="LiveId" clId="{706A2E1C-E32D-3F49-B2E4-251001C110B6}"/>
+    <pc:docChg chg="undo custSel delSld modSld">
+      <pc:chgData name="Maxwell Cook" userId="6270a8f4b8f62cae" providerId="LiveId" clId="{706A2E1C-E32D-3F49-B2E4-251001C110B6}" dt="2024-04-29T15:36:17.952" v="88" actId="1076"/>
+      <pc:docMkLst>
+        <pc:docMk/>
+      </pc:docMkLst>
+      <pc:sldChg chg="addSp delSp modSp mod">
+        <pc:chgData name="Maxwell Cook" userId="6270a8f4b8f62cae" providerId="LiveId" clId="{706A2E1C-E32D-3F49-B2E4-251001C110B6}" dt="2024-04-29T15:36:17.952" v="88" actId="1076"/>
+        <pc:sldMkLst>
+          <pc:docMk/>
+          <pc:sldMk cId="2170444034" sldId="256"/>
+        </pc:sldMkLst>
+        <pc:spChg chg="add mod">
+          <ac:chgData name="Maxwell Cook" userId="6270a8f4b8f62cae" providerId="LiveId" clId="{706A2E1C-E32D-3F49-B2E4-251001C110B6}" dt="2024-04-29T15:34:33.492" v="60" actId="1076"/>
+          <ac:spMkLst>
+            <pc:docMk/>
+            <pc:sldMk cId="2170444034" sldId="256"/>
+            <ac:spMk id="3" creationId="{C062BF66-596C-97C5-C7FC-3A73CABE9285}"/>
+          </ac:spMkLst>
+        </pc:spChg>
+        <pc:spChg chg="mod">
+          <ac:chgData name="Maxwell Cook" userId="6270a8f4b8f62cae" providerId="LiveId" clId="{706A2E1C-E32D-3F49-B2E4-251001C110B6}" dt="2024-04-29T15:28:10.538" v="46" actId="14826"/>
+          <ac:spMkLst>
+            <pc:docMk/>
+            <pc:sldMk cId="2170444034" sldId="256"/>
+            <ac:spMk id="6" creationId="{172DA89F-0CA6-171A-F5BC-EC15A3237041}"/>
+          </ac:spMkLst>
+        </pc:spChg>
+        <pc:spChg chg="mod">
+          <ac:chgData name="Maxwell Cook" userId="6270a8f4b8f62cae" providerId="LiveId" clId="{706A2E1C-E32D-3F49-B2E4-251001C110B6}" dt="2024-04-29T15:28:10.538" v="46" actId="14826"/>
+          <ac:spMkLst>
+            <pc:docMk/>
+            <pc:sldMk cId="2170444034" sldId="256"/>
+            <ac:spMk id="7" creationId="{98C125B5-A1AF-C6E1-2E50-18C860451843}"/>
+          </ac:spMkLst>
+        </pc:spChg>
+        <pc:spChg chg="mod">
+          <ac:chgData name="Maxwell Cook" userId="6270a8f4b8f62cae" providerId="LiveId" clId="{706A2E1C-E32D-3F49-B2E4-251001C110B6}" dt="2024-04-29T15:28:10.538" v="46" actId="14826"/>
+          <ac:spMkLst>
+            <pc:docMk/>
+            <pc:sldMk cId="2170444034" sldId="256"/>
+            <ac:spMk id="8" creationId="{D84F4EF2-0EA1-14E6-4667-FB851AEDF9E8}"/>
+          </ac:spMkLst>
+        </pc:spChg>
+        <pc:spChg chg="mod">
+          <ac:chgData name="Maxwell Cook" userId="6270a8f4b8f62cae" providerId="LiveId" clId="{706A2E1C-E32D-3F49-B2E4-251001C110B6}" dt="2024-04-29T15:28:10.538" v="46" actId="14826"/>
+          <ac:spMkLst>
+            <pc:docMk/>
+            <pc:sldMk cId="2170444034" sldId="256"/>
+            <ac:spMk id="9" creationId="{47AAA2C0-65FB-8C39-B8D8-9691E5F0CB02}"/>
+          </ac:spMkLst>
+        </pc:spChg>
+        <pc:spChg chg="mod">
+          <ac:chgData name="Maxwell Cook" userId="6270a8f4b8f62cae" providerId="LiveId" clId="{706A2E1C-E32D-3F49-B2E4-251001C110B6}" dt="2024-04-29T15:28:10.538" v="46" actId="14826"/>
+          <ac:spMkLst>
+            <pc:docMk/>
+            <pc:sldMk cId="2170444034" sldId="256"/>
+            <ac:spMk id="10" creationId="{413D147E-D9B5-61F9-3F25-03A300601330}"/>
+          </ac:spMkLst>
+        </pc:spChg>
+        <pc:spChg chg="mod">
+          <ac:chgData name="Maxwell Cook" userId="6270a8f4b8f62cae" providerId="LiveId" clId="{706A2E1C-E32D-3F49-B2E4-251001C110B6}" dt="2024-04-29T15:28:10.538" v="46" actId="14826"/>
+          <ac:spMkLst>
+            <pc:docMk/>
+            <pc:sldMk cId="2170444034" sldId="256"/>
+            <ac:spMk id="12" creationId="{5D5D6216-993E-C5B7-13E4-C96EE9587A7C}"/>
+          </ac:spMkLst>
+        </pc:spChg>
+        <pc:spChg chg="mod">
+          <ac:chgData name="Maxwell Cook" userId="6270a8f4b8f62cae" providerId="LiveId" clId="{706A2E1C-E32D-3F49-B2E4-251001C110B6}" dt="2024-04-29T15:28:10.538" v="46" actId="14826"/>
+          <ac:spMkLst>
+            <pc:docMk/>
+            <pc:sldMk cId="2170444034" sldId="256"/>
+            <ac:spMk id="14" creationId="{2C074F3F-0308-5D22-2990-3460B42F501E}"/>
+          </ac:spMkLst>
+        </pc:spChg>
+        <pc:spChg chg="mod">
+          <ac:chgData name="Maxwell Cook" userId="6270a8f4b8f62cae" providerId="LiveId" clId="{706A2E1C-E32D-3F49-B2E4-251001C110B6}" dt="2024-04-29T15:28:10.538" v="46" actId="14826"/>
+          <ac:spMkLst>
+            <pc:docMk/>
+            <pc:sldMk cId="2170444034" sldId="256"/>
+            <ac:spMk id="17" creationId="{EC76E043-77ED-DCA6-349A-C9EBCB24B885}"/>
+          </ac:spMkLst>
+        </pc:spChg>
+        <pc:spChg chg="add mod">
+          <ac:chgData name="Maxwell Cook" userId="6270a8f4b8f62cae" providerId="LiveId" clId="{706A2E1C-E32D-3F49-B2E4-251001C110B6}" dt="2024-04-29T15:35:35.725" v="61"/>
+          <ac:spMkLst>
+            <pc:docMk/>
+            <pc:sldMk cId="2170444034" sldId="256"/>
+            <ac:spMk id="19" creationId="{FE6E66FA-B38B-7289-78DD-43E831A5BAE0}"/>
+          </ac:spMkLst>
+        </pc:spChg>
+        <pc:spChg chg="mod">
+          <ac:chgData name="Maxwell Cook" userId="6270a8f4b8f62cae" providerId="LiveId" clId="{706A2E1C-E32D-3F49-B2E4-251001C110B6}" dt="2024-04-29T15:28:10.538" v="46" actId="14826"/>
+          <ac:spMkLst>
+            <pc:docMk/>
+            <pc:sldMk cId="2170444034" sldId="256"/>
+            <ac:spMk id="20" creationId="{8E1F1EAB-3406-CF4B-79EF-47B1942CED47}"/>
+          </ac:spMkLst>
+        </pc:spChg>
+        <pc:spChg chg="mod">
+          <ac:chgData name="Maxwell Cook" userId="6270a8f4b8f62cae" providerId="LiveId" clId="{706A2E1C-E32D-3F49-B2E4-251001C110B6}" dt="2024-04-29T15:28:10.538" v="46" actId="14826"/>
+          <ac:spMkLst>
+            <pc:docMk/>
+            <pc:sldMk cId="2170444034" sldId="256"/>
+            <ac:spMk id="21" creationId="{EDE9353A-DB6D-405A-EAB9-ADCB782DD9F9}"/>
+          </ac:spMkLst>
+        </pc:spChg>
+        <pc:spChg chg="mod">
+          <ac:chgData name="Maxwell Cook" userId="6270a8f4b8f62cae" providerId="LiveId" clId="{706A2E1C-E32D-3F49-B2E4-251001C110B6}" dt="2024-04-29T15:28:10.538" v="46" actId="14826"/>
+          <ac:spMkLst>
+            <pc:docMk/>
+            <pc:sldMk cId="2170444034" sldId="256"/>
+            <ac:spMk id="22" creationId="{AD7C5786-B7EE-93D7-F4E5-E8AD597E8C01}"/>
+          </ac:spMkLst>
+        </pc:spChg>
+        <pc:spChg chg="mod">
+          <ac:chgData name="Maxwell Cook" userId="6270a8f4b8f62cae" providerId="LiveId" clId="{706A2E1C-E32D-3F49-B2E4-251001C110B6}" dt="2024-04-29T15:28:10.538" v="46" actId="14826"/>
+          <ac:spMkLst>
+            <pc:docMk/>
+            <pc:sldMk cId="2170444034" sldId="256"/>
+            <ac:spMk id="23" creationId="{03F21952-81DB-4ACA-BC23-991DA2DD1CA5}"/>
+          </ac:spMkLst>
+        </pc:spChg>
+        <pc:spChg chg="add del mod">
+          <ac:chgData name="Maxwell Cook" userId="6270a8f4b8f62cae" providerId="LiveId" clId="{706A2E1C-E32D-3F49-B2E4-251001C110B6}" dt="2024-04-29T15:36:04.269" v="86" actId="478"/>
+          <ac:spMkLst>
+            <pc:docMk/>
+            <pc:sldMk cId="2170444034" sldId="256"/>
+            <ac:spMk id="25" creationId="{4A47A87C-71A9-1885-C0C3-B78FE78EC567}"/>
+          </ac:spMkLst>
+        </pc:spChg>
+        <pc:spChg chg="mod">
+          <ac:chgData name="Maxwell Cook" userId="6270a8f4b8f62cae" providerId="LiveId" clId="{706A2E1C-E32D-3F49-B2E4-251001C110B6}" dt="2024-04-29T15:28:10.538" v="46" actId="14826"/>
+          <ac:spMkLst>
+            <pc:docMk/>
+            <pc:sldMk cId="2170444034" sldId="256"/>
+            <ac:spMk id="29" creationId="{2A8429D0-769E-9AC0-A68C-49C2DBF10383}"/>
+          </ac:spMkLst>
+        </pc:spChg>
+        <pc:spChg chg="mod">
+          <ac:chgData name="Maxwell Cook" userId="6270a8f4b8f62cae" providerId="LiveId" clId="{706A2E1C-E32D-3F49-B2E4-251001C110B6}" dt="2024-04-29T15:28:10.538" v="46" actId="14826"/>
+          <ac:spMkLst>
+            <pc:docMk/>
+            <pc:sldMk cId="2170444034" sldId="256"/>
+            <ac:spMk id="30" creationId="{14372BC4-84D9-8E52-1E1D-B3CF8846D71F}"/>
+          </ac:spMkLst>
+        </pc:spChg>
+        <pc:spChg chg="mod">
+          <ac:chgData name="Maxwell Cook" userId="6270a8f4b8f62cae" providerId="LiveId" clId="{706A2E1C-E32D-3F49-B2E4-251001C110B6}" dt="2024-04-29T15:28:10.538" v="46" actId="14826"/>
+          <ac:spMkLst>
+            <pc:docMk/>
+            <pc:sldMk cId="2170444034" sldId="256"/>
+            <ac:spMk id="36" creationId="{E5004386-CD0B-2A44-4818-D29DD5F693B4}"/>
+          </ac:spMkLst>
+        </pc:spChg>
+        <pc:spChg chg="mod">
+          <ac:chgData name="Maxwell Cook" userId="6270a8f4b8f62cae" providerId="LiveId" clId="{706A2E1C-E32D-3F49-B2E4-251001C110B6}" dt="2024-04-29T15:28:10.538" v="46" actId="14826"/>
+          <ac:spMkLst>
+            <pc:docMk/>
+            <pc:sldMk cId="2170444034" sldId="256"/>
+            <ac:spMk id="37" creationId="{4CF4CC54-8B09-8C34-1A7A-B2528D5BAA05}"/>
+          </ac:spMkLst>
+        </pc:spChg>
+        <pc:grpChg chg="mod">
+          <ac:chgData name="Maxwell Cook" userId="6270a8f4b8f62cae" providerId="LiveId" clId="{706A2E1C-E32D-3F49-B2E4-251001C110B6}" dt="2024-04-29T15:36:08.763" v="87" actId="1076"/>
+          <ac:grpSpMkLst>
+            <pc:docMk/>
+            <pc:sldMk cId="2170444034" sldId="256"/>
+            <ac:grpSpMk id="2" creationId="{69EC7CA6-02C7-37DD-7429-F8120DBA45CE}"/>
+          </ac:grpSpMkLst>
+        </pc:grpChg>
+        <pc:grpChg chg="mod">
+          <ac:chgData name="Maxwell Cook" userId="6270a8f4b8f62cae" providerId="LiveId" clId="{706A2E1C-E32D-3F49-B2E4-251001C110B6}" dt="2024-04-29T15:28:10.538" v="46" actId="14826"/>
+          <ac:grpSpMkLst>
+            <pc:docMk/>
+            <pc:sldMk cId="2170444034" sldId="256"/>
+            <ac:grpSpMk id="24" creationId="{6EDCFE78-FB64-9124-F7B1-EB63586A133E}"/>
+          </ac:grpSpMkLst>
+        </pc:grpChg>
+        <pc:grpChg chg="mod">
+          <ac:chgData name="Maxwell Cook" userId="6270a8f4b8f62cae" providerId="LiveId" clId="{706A2E1C-E32D-3F49-B2E4-251001C110B6}" dt="2024-04-29T15:28:10.538" v="46" actId="14826"/>
+          <ac:grpSpMkLst>
+            <pc:docMk/>
+            <pc:sldMk cId="2170444034" sldId="256"/>
+            <ac:grpSpMk id="26" creationId="{288BEA6A-6616-7160-DE7E-E83EE333CF42}"/>
+          </ac:grpSpMkLst>
+        </pc:grpChg>
+        <pc:grpChg chg="mod">
+          <ac:chgData name="Maxwell Cook" userId="6270a8f4b8f62cae" providerId="LiveId" clId="{706A2E1C-E32D-3F49-B2E4-251001C110B6}" dt="2024-04-29T15:28:10.538" v="46" actId="14826"/>
+          <ac:grpSpMkLst>
+            <pc:docMk/>
+            <pc:sldMk cId="2170444034" sldId="256"/>
+            <ac:grpSpMk id="33" creationId="{3C6082F4-2EBA-36BB-A899-7A2102587A79}"/>
+          </ac:grpSpMkLst>
+        </pc:grpChg>
+        <pc:grpChg chg="mod">
+          <ac:chgData name="Maxwell Cook" userId="6270a8f4b8f62cae" providerId="LiveId" clId="{706A2E1C-E32D-3F49-B2E4-251001C110B6}" dt="2024-04-29T15:28:10.538" v="46" actId="14826"/>
+          <ac:grpSpMkLst>
+            <pc:docMk/>
+            <pc:sldMk cId="2170444034" sldId="256"/>
+            <ac:grpSpMk id="42" creationId="{5979B789-1E96-9961-CB66-BBD9DF84B2F3}"/>
+          </ac:grpSpMkLst>
+        </pc:grpChg>
+        <pc:picChg chg="del mod">
+          <ac:chgData name="Maxwell Cook" userId="6270a8f4b8f62cae" providerId="LiveId" clId="{706A2E1C-E32D-3F49-B2E4-251001C110B6}" dt="2024-04-29T15:30:03.099" v="50" actId="478"/>
+          <ac:picMkLst>
+            <pc:docMk/>
+            <pc:sldMk cId="2170444034" sldId="256"/>
+            <ac:picMk id="5" creationId="{39E164EF-881E-0794-1307-6EEFF0FFBAB1}"/>
+          </ac:picMkLst>
+        </pc:picChg>
+        <pc:picChg chg="mod">
+          <ac:chgData name="Maxwell Cook" userId="6270a8f4b8f62cae" providerId="LiveId" clId="{706A2E1C-E32D-3F49-B2E4-251001C110B6}" dt="2024-04-29T15:28:10.538" v="46" actId="14826"/>
+          <ac:picMkLst>
+            <pc:docMk/>
+            <pc:sldMk cId="2170444034" sldId="256"/>
+            <ac:picMk id="11" creationId="{CCFD0DF3-F9A1-2C06-6403-5F378D3F15B9}"/>
+          </ac:picMkLst>
+        </pc:picChg>
+        <pc:picChg chg="mod">
+          <ac:chgData name="Maxwell Cook" userId="6270a8f4b8f62cae" providerId="LiveId" clId="{706A2E1C-E32D-3F49-B2E4-251001C110B6}" dt="2024-04-29T15:36:17.952" v="88" actId="1076"/>
+          <ac:picMkLst>
+            <pc:docMk/>
+            <pc:sldMk cId="2170444034" sldId="256"/>
+            <ac:picMk id="13" creationId="{042CB577-A4A4-7E38-9B36-16C8B17C4964}"/>
+          </ac:picMkLst>
+        </pc:picChg>
+        <pc:picChg chg="add mod">
+          <ac:chgData name="Maxwell Cook" userId="6270a8f4b8f62cae" providerId="LiveId" clId="{706A2E1C-E32D-3F49-B2E4-251001C110B6}" dt="2024-04-29T15:34:14.892" v="57" actId="1076"/>
+          <ac:picMkLst>
+            <pc:docMk/>
+            <pc:sldMk cId="2170444034" sldId="256"/>
+            <ac:picMk id="15" creationId="{B241C4EE-4BF8-9542-88C2-1A6051428FAA}"/>
+          </ac:picMkLst>
+        </pc:picChg>
+        <pc:picChg chg="mod">
+          <ac:chgData name="Maxwell Cook" userId="6270a8f4b8f62cae" providerId="LiveId" clId="{706A2E1C-E32D-3F49-B2E4-251001C110B6}" dt="2024-04-29T15:28:10.538" v="46" actId="14826"/>
+          <ac:picMkLst>
+            <pc:docMk/>
+            <pc:sldMk cId="2170444034" sldId="256"/>
+            <ac:picMk id="16" creationId="{42C9D3E6-33CC-F32E-2BE6-EA36E3C9667D}"/>
+          </ac:picMkLst>
+        </pc:picChg>
+        <pc:picChg chg="mod">
+          <ac:chgData name="Maxwell Cook" userId="6270a8f4b8f62cae" providerId="LiveId" clId="{706A2E1C-E32D-3F49-B2E4-251001C110B6}" dt="2024-04-29T15:28:10.538" v="46" actId="14826"/>
+          <ac:picMkLst>
+            <pc:docMk/>
+            <pc:sldMk cId="2170444034" sldId="256"/>
+            <ac:picMk id="31" creationId="{4ED5D20C-2B5A-2414-5CFF-51C739B22171}"/>
+          </ac:picMkLst>
+        </pc:picChg>
+        <pc:picChg chg="mod">
+          <ac:chgData name="Maxwell Cook" userId="6270a8f4b8f62cae" providerId="LiveId" clId="{706A2E1C-E32D-3F49-B2E4-251001C110B6}" dt="2024-04-29T15:28:10.538" v="46" actId="14826"/>
+          <ac:picMkLst>
+            <pc:docMk/>
+            <pc:sldMk cId="2170444034" sldId="256"/>
+            <ac:picMk id="48" creationId="{8830B6AB-ED7D-B09C-1E44-7BBB7622051E}"/>
+          </ac:picMkLst>
+        </pc:picChg>
+        <pc:cxnChg chg="mod">
+          <ac:chgData name="Maxwell Cook" userId="6270a8f4b8f62cae" providerId="LiveId" clId="{706A2E1C-E32D-3F49-B2E4-251001C110B6}" dt="2024-04-29T15:28:10.538" v="46" actId="14826"/>
+          <ac:cxnSpMkLst>
+            <pc:docMk/>
+            <pc:sldMk cId="2170444034" sldId="256"/>
+            <ac:cxnSpMk id="18" creationId="{FB0BCBDA-D990-B1FE-8068-D156F677FA80}"/>
+          </ac:cxnSpMkLst>
+        </pc:cxnChg>
+        <pc:cxnChg chg="mod">
+          <ac:chgData name="Maxwell Cook" userId="6270a8f4b8f62cae" providerId="LiveId" clId="{706A2E1C-E32D-3F49-B2E4-251001C110B6}" dt="2024-04-29T15:28:10.538" v="46" actId="14826"/>
+          <ac:cxnSpMkLst>
+            <pc:docMk/>
+            <pc:sldMk cId="2170444034" sldId="256"/>
+            <ac:cxnSpMk id="28" creationId="{D03DDD88-5847-AAC6-DED8-F8A6C796AF61}"/>
+          </ac:cxnSpMkLst>
+        </pc:cxnChg>
+        <pc:cxnChg chg="mod">
+          <ac:chgData name="Maxwell Cook" userId="6270a8f4b8f62cae" providerId="LiveId" clId="{706A2E1C-E32D-3F49-B2E4-251001C110B6}" dt="2024-04-29T15:28:10.538" v="46" actId="14826"/>
+          <ac:cxnSpMkLst>
+            <pc:docMk/>
+            <pc:sldMk cId="2170444034" sldId="256"/>
+            <ac:cxnSpMk id="35" creationId="{44AC5393-F568-C12C-412A-5C49BF15DEED}"/>
+          </ac:cxnSpMkLst>
+        </pc:cxnChg>
+      </pc:sldChg>
+      <pc:sldChg chg="addSp delSp modSp del mod">
+        <pc:chgData name="Maxwell Cook" userId="6270a8f4b8f62cae" providerId="LiveId" clId="{706A2E1C-E32D-3F49-B2E4-251001C110B6}" dt="2024-04-29T15:26:09.311" v="45" actId="2696"/>
+        <pc:sldMkLst>
+          <pc:docMk/>
+          <pc:sldMk cId="1401473677" sldId="257"/>
+        </pc:sldMkLst>
+        <pc:spChg chg="add del mod">
+          <ac:chgData name="Maxwell Cook" userId="6270a8f4b8f62cae" providerId="LiveId" clId="{706A2E1C-E32D-3F49-B2E4-251001C110B6}" dt="2024-04-29T15:25:53.808" v="44" actId="478"/>
+          <ac:spMkLst>
+            <pc:docMk/>
+            <pc:sldMk cId="1401473677" sldId="257"/>
+            <ac:spMk id="3" creationId="{61087F51-DDAB-BBE7-AD30-3F9C846644F4}"/>
+          </ac:spMkLst>
+        </pc:spChg>
+        <pc:picChg chg="add mod">
+          <ac:chgData name="Maxwell Cook" userId="6270a8f4b8f62cae" providerId="LiveId" clId="{706A2E1C-E32D-3F49-B2E4-251001C110B6}" dt="2024-04-29T15:24:27.570" v="13" actId="1076"/>
+          <ac:picMkLst>
+            <pc:docMk/>
+            <pc:sldMk cId="1401473677" sldId="257"/>
+            <ac:picMk id="2" creationId="{016A19E9-C81E-4DC8-B1C1-DC6765726678}"/>
+          </ac:picMkLst>
+        </pc:picChg>
       </pc:sldChg>
     </pc:docChg>
   </pc:docChgLst>
@@ -1527,7 +2550,7 @@
           <a:p>
             <a:fld id="{7E773BE6-0A1E-D04A-93D4-644A66363E90}" type="datetimeFigureOut">
               <a:rPr lang="en-US" smtClean="0"/>
-              <a:t>10/2/23</a:t>
+              <a:t>10/7/24</a:t>
             </a:fld>
             <a:endParaRPr lang="en-US"/>
           </a:p>
@@ -1697,7 +2720,7 @@
           <a:p>
             <a:fld id="{7E773BE6-0A1E-D04A-93D4-644A66363E90}" type="datetimeFigureOut">
               <a:rPr lang="en-US" smtClean="0"/>
-              <a:t>10/2/23</a:t>
+              <a:t>10/7/24</a:t>
             </a:fld>
             <a:endParaRPr lang="en-US"/>
           </a:p>
@@ -1877,7 +2900,7 @@
           <a:p>
             <a:fld id="{7E773BE6-0A1E-D04A-93D4-644A66363E90}" type="datetimeFigureOut">
               <a:rPr lang="en-US" smtClean="0"/>
-              <a:t>10/2/23</a:t>
+              <a:t>10/7/24</a:t>
             </a:fld>
             <a:endParaRPr lang="en-US"/>
           </a:p>
@@ -2047,7 +3070,7 @@
           <a:p>
             <a:fld id="{7E773BE6-0A1E-D04A-93D4-644A66363E90}" type="datetimeFigureOut">
               <a:rPr lang="en-US" smtClean="0"/>
-              <a:t>10/2/23</a:t>
+              <a:t>10/7/24</a:t>
             </a:fld>
             <a:endParaRPr lang="en-US"/>
           </a:p>
@@ -2291,7 +3314,7 @@
           <a:p>
             <a:fld id="{7E773BE6-0A1E-D04A-93D4-644A66363E90}" type="datetimeFigureOut">
               <a:rPr lang="en-US" smtClean="0"/>
-              <a:t>10/2/23</a:t>
+              <a:t>10/7/24</a:t>
             </a:fld>
             <a:endParaRPr lang="en-US"/>
           </a:p>
@@ -2523,7 +3546,7 @@
           <a:p>
             <a:fld id="{7E773BE6-0A1E-D04A-93D4-644A66363E90}" type="datetimeFigureOut">
               <a:rPr lang="en-US" smtClean="0"/>
-              <a:t>10/2/23</a:t>
+              <a:t>10/7/24</a:t>
             </a:fld>
             <a:endParaRPr lang="en-US"/>
           </a:p>
@@ -2890,7 +3913,7 @@
           <a:p>
             <a:fld id="{7E773BE6-0A1E-D04A-93D4-644A66363E90}" type="datetimeFigureOut">
               <a:rPr lang="en-US" smtClean="0"/>
-              <a:t>10/2/23</a:t>
+              <a:t>10/7/24</a:t>
             </a:fld>
             <a:endParaRPr lang="en-US"/>
           </a:p>
@@ -3008,7 +4031,7 @@
           <a:p>
             <a:fld id="{7E773BE6-0A1E-D04A-93D4-644A66363E90}" type="datetimeFigureOut">
               <a:rPr lang="en-US" smtClean="0"/>
-              <a:t>10/2/23</a:t>
+              <a:t>10/7/24</a:t>
             </a:fld>
             <a:endParaRPr lang="en-US"/>
           </a:p>
@@ -3103,7 +4126,7 @@
           <a:p>
             <a:fld id="{7E773BE6-0A1E-D04A-93D4-644A66363E90}" type="datetimeFigureOut">
               <a:rPr lang="en-US" smtClean="0"/>
-              <a:t>10/2/23</a:t>
+              <a:t>10/7/24</a:t>
             </a:fld>
             <a:endParaRPr lang="en-US"/>
           </a:p>
@@ -3380,7 +4403,7 @@
           <a:p>
             <a:fld id="{7E773BE6-0A1E-D04A-93D4-644A66363E90}" type="datetimeFigureOut">
               <a:rPr lang="en-US" smtClean="0"/>
-              <a:t>10/2/23</a:t>
+              <a:t>10/7/24</a:t>
             </a:fld>
             <a:endParaRPr lang="en-US"/>
           </a:p>
@@ -3637,7 +4660,7 @@
           <a:p>
             <a:fld id="{7E773BE6-0A1E-D04A-93D4-644A66363E90}" type="datetimeFigureOut">
               <a:rPr lang="en-US" smtClean="0"/>
-              <a:t>10/2/23</a:t>
+              <a:t>10/7/24</a:t>
             </a:fld>
             <a:endParaRPr lang="en-US"/>
           </a:p>
@@ -3850,7 +4873,7 @@
           <a:p>
             <a:fld id="{7E773BE6-0A1E-D04A-93D4-644A66363E90}" type="datetimeFigureOut">
               <a:rPr lang="en-US" smtClean="0"/>
-              <a:t>10/2/23</a:t>
+              <a:t>10/7/24</a:t>
             </a:fld>
             <a:endParaRPr lang="en-US"/>
           </a:p>
@@ -4239,7 +5262,7 @@
 </file>
 
 <file path=ppt/slides/slide1.xml><?xml version="1.0" encoding="utf-8"?>
-<p:sld xmlns:a="http://schemas.openxmlformats.org/drawingml/2006/main" xmlns:r="http://schemas.openxmlformats.org/officeDocument/2006/relationships" xmlns:p="http://schemas.openxmlformats.org/presentationml/2006/main">
+<p:sld xmlns:a="http://schemas.openxmlformats.org/drawingml/2006/main" xmlns:r="http://schemas.openxmlformats.org/officeDocument/2006/relationships" xmlns:p="http://schemas.openxmlformats.org/presentationml/2006/main" show="0">
   <p:cSld>
     <p:spTree>
       <p:nvGrpSpPr>
@@ -4255,12 +5278,102 @@
           <a:chExt cx="0" cy="0"/>
         </a:xfrm>
       </p:grpSpPr>
+      <p:pic>
+        <p:nvPicPr>
+          <p:cNvPr id="11" name="Picture 10" descr="A red and white map&#10;&#10;Description automatically generated">
+            <a:extLst>
+              <a:ext uri="{FF2B5EF4-FFF2-40B4-BE49-F238E27FC236}">
+                <a16:creationId xmlns:a16="http://schemas.microsoft.com/office/drawing/2014/main" id="{CCFD0DF3-F9A1-2C06-6403-5F378D3F15B9}"/>
+              </a:ext>
+            </a:extLst>
+          </p:cNvPr>
+          <p:cNvPicPr>
+            <a:picLocks noChangeAspect="1"/>
+          </p:cNvPicPr>
+          <p:nvPr/>
+        </p:nvPicPr>
+        <p:blipFill>
+          <a:blip r:embed="rId2"/>
+          <a:stretch>
+            <a:fillRect/>
+          </a:stretch>
+        </p:blipFill>
+        <p:spPr>
+          <a:xfrm>
+            <a:off x="-2735" y="4147023"/>
+            <a:ext cx="2223432" cy="2223432"/>
+          </a:xfrm>
+          <a:prstGeom prst="rect">
+            <a:avLst/>
+          </a:prstGeom>
+        </p:spPr>
+      </p:pic>
+      <p:pic>
+        <p:nvPicPr>
+          <p:cNvPr id="31" name="Picture 30" descr="A map of a country&#10;&#10;Description automatically generated">
+            <a:extLst>
+              <a:ext uri="{FF2B5EF4-FFF2-40B4-BE49-F238E27FC236}">
+                <a16:creationId xmlns:a16="http://schemas.microsoft.com/office/drawing/2014/main" id="{4ED5D20C-2B5A-2414-5CFF-51C739B22171}"/>
+              </a:ext>
+            </a:extLst>
+          </p:cNvPr>
+          <p:cNvPicPr>
+            <a:picLocks noChangeAspect="1"/>
+          </p:cNvPicPr>
+          <p:nvPr/>
+        </p:nvPicPr>
+        <p:blipFill>
+          <a:blip r:embed="rId3"/>
+          <a:stretch>
+            <a:fillRect/>
+          </a:stretch>
+        </p:blipFill>
+        <p:spPr>
+          <a:xfrm>
+            <a:off x="2063715" y="4147023"/>
+            <a:ext cx="2223432" cy="2223432"/>
+          </a:xfrm>
+          <a:prstGeom prst="rect">
+            <a:avLst/>
+          </a:prstGeom>
+        </p:spPr>
+      </p:pic>
+      <p:pic>
+        <p:nvPicPr>
+          <p:cNvPr id="48" name="Picture 47" descr="A red and white map&#10;&#10;Description automatically generated">
+            <a:extLst>
+              <a:ext uri="{FF2B5EF4-FFF2-40B4-BE49-F238E27FC236}">
+                <a16:creationId xmlns:a16="http://schemas.microsoft.com/office/drawing/2014/main" id="{8830B6AB-ED7D-B09C-1E44-7BBB7622051E}"/>
+              </a:ext>
+            </a:extLst>
+          </p:cNvPr>
+          <p:cNvPicPr>
+            <a:picLocks noChangeAspect="1"/>
+          </p:cNvPicPr>
+          <p:nvPr/>
+        </p:nvPicPr>
+        <p:blipFill>
+          <a:blip r:embed="rId4"/>
+          <a:stretch>
+            <a:fillRect/>
+          </a:stretch>
+        </p:blipFill>
+        <p:spPr>
+          <a:xfrm>
+            <a:off x="2784844" y="3778878"/>
+            <a:ext cx="4315428" cy="2668318"/>
+          </a:xfrm>
+          <a:prstGeom prst="rect">
+            <a:avLst/>
+          </a:prstGeom>
+        </p:spPr>
+      </p:pic>
       <p:grpSp>
         <p:nvGrpSpPr>
-          <p:cNvPr id="2" name="Group 1">
+          <p:cNvPr id="42" name="Group 41">
             <a:extLst>
               <a:ext uri="{FF2B5EF4-FFF2-40B4-BE49-F238E27FC236}">
-                <a16:creationId xmlns:a16="http://schemas.microsoft.com/office/drawing/2014/main" id="{69EC7CA6-02C7-37DD-7429-F8120DBA45CE}"/>
+                <a16:creationId xmlns:a16="http://schemas.microsoft.com/office/drawing/2014/main" id="{5979B789-1E96-9961-CB66-BBD9DF84B2F3}"/>
               </a:ext>
             </a:extLst>
           </p:cNvPr>
@@ -4269,18 +5382,252 @@
         </p:nvGrpSpPr>
         <p:grpSpPr>
           <a:xfrm>
-            <a:off x="-13659" y="-153733"/>
-            <a:ext cx="7103007" cy="7425146"/>
-            <a:chOff x="-13659" y="-153733"/>
-            <a:chExt cx="7103007" cy="7425146"/>
+            <a:off x="69678" y="3701796"/>
+            <a:ext cx="5826092" cy="3613404"/>
+            <a:chOff x="58754" y="3658009"/>
+            <a:chExt cx="5826092" cy="3613404"/>
           </a:xfrm>
         </p:grpSpPr>
+        <p:sp>
+          <p:nvSpPr>
+            <p:cNvPr id="6" name="TextBox 5">
+              <a:extLst>
+                <a:ext uri="{FF2B5EF4-FFF2-40B4-BE49-F238E27FC236}">
+                  <a16:creationId xmlns:a16="http://schemas.microsoft.com/office/drawing/2014/main" id="{172DA89F-0CA6-171A-F5BC-EC15A3237041}"/>
+                </a:ext>
+              </a:extLst>
+            </p:cNvPr>
+            <p:cNvSpPr txBox="1"/>
+            <p:nvPr/>
+          </p:nvSpPr>
+          <p:spPr>
+            <a:xfrm>
+              <a:off x="58754" y="3666696"/>
+              <a:ext cx="287258" cy="261610"/>
+            </a:xfrm>
+            <a:prstGeom prst="rect">
+              <a:avLst/>
+            </a:prstGeom>
+            <a:noFill/>
+          </p:spPr>
+          <p:txBody>
+            <a:bodyPr wrap="none" rtlCol="0">
+              <a:spAutoFit/>
+            </a:bodyPr>
+            <a:lstStyle/>
+            <a:p>
+              <a:r>
+                <a:rPr lang="en-US" sz="1100" b="1" dirty="0">
+                  <a:latin typeface="Helvetica" pitchFamily="2" charset="0"/>
+                </a:rPr>
+                <a:t>B</a:t>
+              </a:r>
+            </a:p>
+          </p:txBody>
+        </p:sp>
+        <p:sp>
+          <p:nvSpPr>
+            <p:cNvPr id="7" name="TextBox 6">
+              <a:extLst>
+                <a:ext uri="{FF2B5EF4-FFF2-40B4-BE49-F238E27FC236}">
+                  <a16:creationId xmlns:a16="http://schemas.microsoft.com/office/drawing/2014/main" id="{98C125B5-A1AF-C6E1-2E50-18C860451843}"/>
+                </a:ext>
+              </a:extLst>
+            </p:cNvPr>
+            <p:cNvSpPr txBox="1"/>
+            <p:nvPr/>
+          </p:nvSpPr>
+          <p:spPr>
+            <a:xfrm>
+              <a:off x="2286449" y="3658009"/>
+              <a:ext cx="287258" cy="261610"/>
+            </a:xfrm>
+            <a:prstGeom prst="rect">
+              <a:avLst/>
+            </a:prstGeom>
+            <a:noFill/>
+          </p:spPr>
+          <p:txBody>
+            <a:bodyPr wrap="none" rtlCol="0">
+              <a:spAutoFit/>
+            </a:bodyPr>
+            <a:lstStyle/>
+            <a:p>
+              <a:r>
+                <a:rPr lang="en-US" sz="1100" b="1" dirty="0">
+                  <a:latin typeface="Helvetica" pitchFamily="2" charset="0"/>
+                </a:rPr>
+                <a:t>C</a:t>
+              </a:r>
+            </a:p>
+          </p:txBody>
+        </p:sp>
+        <p:sp>
+          <p:nvSpPr>
+            <p:cNvPr id="8" name="TextBox 7">
+              <a:extLst>
+                <a:ext uri="{FF2B5EF4-FFF2-40B4-BE49-F238E27FC236}">
+                  <a16:creationId xmlns:a16="http://schemas.microsoft.com/office/drawing/2014/main" id="{D84F4EF2-0EA1-14E6-4667-FB851AEDF9E8}"/>
+                </a:ext>
+              </a:extLst>
+            </p:cNvPr>
+            <p:cNvSpPr txBox="1"/>
+            <p:nvPr/>
+          </p:nvSpPr>
+          <p:spPr>
+            <a:xfrm>
+              <a:off x="4056575" y="3661590"/>
+              <a:ext cx="287258" cy="261610"/>
+            </a:xfrm>
+            <a:prstGeom prst="rect">
+              <a:avLst/>
+            </a:prstGeom>
+            <a:noFill/>
+          </p:spPr>
+          <p:txBody>
+            <a:bodyPr wrap="none" rtlCol="0">
+              <a:spAutoFit/>
+            </a:bodyPr>
+            <a:lstStyle/>
+            <a:p>
+              <a:r>
+                <a:rPr lang="en-US" sz="1100" b="1" dirty="0">
+                  <a:latin typeface="Helvetica" pitchFamily="2" charset="0"/>
+                </a:rPr>
+                <a:t>D</a:t>
+              </a:r>
+            </a:p>
+          </p:txBody>
+        </p:sp>
+        <p:sp>
+          <p:nvSpPr>
+            <p:cNvPr id="9" name="TextBox 8">
+              <a:extLst>
+                <a:ext uri="{FF2B5EF4-FFF2-40B4-BE49-F238E27FC236}">
+                  <a16:creationId xmlns:a16="http://schemas.microsoft.com/office/drawing/2014/main" id="{47AAA2C0-65FB-8C39-B8D8-9691E5F0CB02}"/>
+                </a:ext>
+              </a:extLst>
+            </p:cNvPr>
+            <p:cNvSpPr txBox="1"/>
+            <p:nvPr/>
+          </p:nvSpPr>
+          <p:spPr>
+            <a:xfrm>
+              <a:off x="325424" y="3685179"/>
+              <a:ext cx="1960793" cy="246221"/>
+            </a:xfrm>
+            <a:prstGeom prst="rect">
+              <a:avLst/>
+            </a:prstGeom>
+            <a:noFill/>
+          </p:spPr>
+          <p:txBody>
+            <a:bodyPr wrap="none" rtlCol="0">
+              <a:spAutoFit/>
+            </a:bodyPr>
+            <a:lstStyle/>
+            <a:p>
+              <a:r>
+                <a:rPr lang="en-US" sz="1000" dirty="0">
+                  <a:latin typeface="Helvetica" pitchFamily="2" charset="0"/>
+                </a:rPr>
+                <a:t>NW Oklahoma Complex (2018)</a:t>
+              </a:r>
+            </a:p>
+          </p:txBody>
+        </p:sp>
+        <p:sp>
+          <p:nvSpPr>
+            <p:cNvPr id="10" name="TextBox 9">
+              <a:extLst>
+                <a:ext uri="{FF2B5EF4-FFF2-40B4-BE49-F238E27FC236}">
+                  <a16:creationId xmlns:a16="http://schemas.microsoft.com/office/drawing/2014/main" id="{413D147E-D9B5-61F9-3F25-03A300601330}"/>
+                </a:ext>
+              </a:extLst>
+            </p:cNvPr>
+            <p:cNvSpPr txBox="1"/>
+            <p:nvPr/>
+          </p:nvSpPr>
+          <p:spPr>
+            <a:xfrm>
+              <a:off x="2535073" y="3673130"/>
+              <a:ext cx="1319592" cy="246221"/>
+            </a:xfrm>
+            <a:prstGeom prst="rect">
+              <a:avLst/>
+            </a:prstGeom>
+            <a:noFill/>
+          </p:spPr>
+          <p:txBody>
+            <a:bodyPr wrap="none" rtlCol="0">
+              <a:spAutoFit/>
+            </a:bodyPr>
+            <a:lstStyle/>
+            <a:p>
+              <a:r>
+                <a:rPr lang="en-US" sz="1000" dirty="0">
+                  <a:latin typeface="Helvetica" pitchFamily="2" charset="0"/>
+                </a:rPr>
+                <a:t>Cold Springs (2020)</a:t>
+              </a:r>
+            </a:p>
+          </p:txBody>
+        </p:sp>
+        <p:sp>
+          <p:nvSpPr>
+            <p:cNvPr id="12" name="TextBox 11">
+              <a:extLst>
+                <a:ext uri="{FF2B5EF4-FFF2-40B4-BE49-F238E27FC236}">
+                  <a16:creationId xmlns:a16="http://schemas.microsoft.com/office/drawing/2014/main" id="{5D5D6216-993E-C5B7-13E4-C96EE9587A7C}"/>
+                </a:ext>
+              </a:extLst>
+            </p:cNvPr>
+            <p:cNvSpPr txBox="1"/>
+            <p:nvPr/>
+          </p:nvSpPr>
+          <p:spPr>
+            <a:xfrm>
+              <a:off x="4323200" y="3674174"/>
+              <a:ext cx="1561646" cy="246221"/>
+            </a:xfrm>
+            <a:prstGeom prst="rect">
+              <a:avLst/>
+            </a:prstGeom>
+            <a:noFill/>
+          </p:spPr>
+          <p:txBody>
+            <a:bodyPr wrap="none" rtlCol="0">
+              <a:spAutoFit/>
+            </a:bodyPr>
+            <a:lstStyle/>
+            <a:p>
+              <a:r>
+                <a:rPr lang="en-US" sz="1000" dirty="0">
+                  <a:latin typeface="Helvetica" pitchFamily="2" charset="0"/>
+                </a:rPr>
+                <a:t>Witch-</a:t>
+              </a:r>
+              <a:r>
+                <a:rPr lang="en-US" sz="1000" dirty="0" err="1">
+                  <a:latin typeface="Helvetica" pitchFamily="2" charset="0"/>
+                </a:rPr>
+                <a:t>Poomacha</a:t>
+              </a:r>
+              <a:r>
+                <a:rPr lang="en-US" sz="1000" dirty="0">
+                  <a:latin typeface="Helvetica" pitchFamily="2" charset="0"/>
+                </a:rPr>
+                <a:t> (2007)</a:t>
+              </a:r>
+            </a:p>
+          </p:txBody>
+        </p:sp>
         <p:pic>
           <p:nvPicPr>
-            <p:cNvPr id="11" name="Picture 10" descr="A red and white map&#10;&#10;Description automatically generated">
+            <p:cNvPr id="16" name="Picture 15" descr="A map of the united states&#10;&#10;Description automatically generated">
               <a:extLst>
                 <a:ext uri="{FF2B5EF4-FFF2-40B4-BE49-F238E27FC236}">
-                  <a16:creationId xmlns:a16="http://schemas.microsoft.com/office/drawing/2014/main" id="{CCFD0DF3-F9A1-2C06-6403-5F378D3F15B9}"/>
+                  <a16:creationId xmlns:a16="http://schemas.microsoft.com/office/drawing/2014/main" id="{42C9D3E6-33CC-F32E-2BE6-EA36E3C9667D}"/>
                 </a:ext>
               </a:extLst>
             </p:cNvPr>
@@ -4290,75 +5637,15 @@
             <p:nvPr/>
           </p:nvPicPr>
           <p:blipFill>
-            <a:blip r:embed="rId2"/>
+            <a:blip r:embed="rId5"/>
             <a:stretch>
               <a:fillRect/>
             </a:stretch>
           </p:blipFill>
           <p:spPr>
             <a:xfrm>
-              <a:off x="-13659" y="4103236"/>
-              <a:ext cx="2223432" cy="2223432"/>
-            </a:xfrm>
-            <a:prstGeom prst="rect">
-              <a:avLst/>
-            </a:prstGeom>
-          </p:spPr>
-        </p:pic>
-        <p:pic>
-          <p:nvPicPr>
-            <p:cNvPr id="31" name="Picture 30" descr="A map of a country&#10;&#10;Description automatically generated">
-              <a:extLst>
-                <a:ext uri="{FF2B5EF4-FFF2-40B4-BE49-F238E27FC236}">
-                  <a16:creationId xmlns:a16="http://schemas.microsoft.com/office/drawing/2014/main" id="{4ED5D20C-2B5A-2414-5CFF-51C739B22171}"/>
-                </a:ext>
-              </a:extLst>
-            </p:cNvPr>
-            <p:cNvPicPr>
-              <a:picLocks noChangeAspect="1"/>
-            </p:cNvPicPr>
-            <p:nvPr/>
-          </p:nvPicPr>
-          <p:blipFill>
-            <a:blip r:embed="rId3"/>
-            <a:stretch>
-              <a:fillRect/>
-            </a:stretch>
-          </p:blipFill>
-          <p:spPr>
-            <a:xfrm>
-              <a:off x="2052791" y="4103236"/>
-              <a:ext cx="2223432" cy="2223432"/>
-            </a:xfrm>
-            <a:prstGeom prst="rect">
-              <a:avLst/>
-            </a:prstGeom>
-          </p:spPr>
-        </p:pic>
-        <p:pic>
-          <p:nvPicPr>
-            <p:cNvPr id="48" name="Picture 47" descr="A red and white map&#10;&#10;Description automatically generated">
-              <a:extLst>
-                <a:ext uri="{FF2B5EF4-FFF2-40B4-BE49-F238E27FC236}">
-                  <a16:creationId xmlns:a16="http://schemas.microsoft.com/office/drawing/2014/main" id="{8830B6AB-ED7D-B09C-1E44-7BBB7622051E}"/>
-                </a:ext>
-              </a:extLst>
-            </p:cNvPr>
-            <p:cNvPicPr>
-              <a:picLocks noChangeAspect="1"/>
-            </p:cNvPicPr>
-            <p:nvPr/>
-          </p:nvPicPr>
-          <p:blipFill>
-            <a:blip r:embed="rId4"/>
-            <a:stretch>
-              <a:fillRect/>
-            </a:stretch>
-          </p:blipFill>
-          <p:spPr>
-            <a:xfrm>
-              <a:off x="2773920" y="3735091"/>
-              <a:ext cx="4315428" cy="2668318"/>
+              <a:off x="219749" y="6232469"/>
+              <a:ext cx="1533415" cy="1038944"/>
             </a:xfrm>
             <a:prstGeom prst="rect">
               <a:avLst/>
@@ -4367,10 +5654,10 @@
         </p:pic>
         <p:grpSp>
           <p:nvGrpSpPr>
-            <p:cNvPr id="42" name="Group 41">
+            <p:cNvPr id="26" name="Group 25">
               <a:extLst>
                 <a:ext uri="{FF2B5EF4-FFF2-40B4-BE49-F238E27FC236}">
-                  <a16:creationId xmlns:a16="http://schemas.microsoft.com/office/drawing/2014/main" id="{5979B789-1E96-9961-CB66-BBD9DF84B2F3}"/>
+                  <a16:creationId xmlns:a16="http://schemas.microsoft.com/office/drawing/2014/main" id="{288BEA6A-6616-7160-DE7E-E83EE333CF42}"/>
                 </a:ext>
               </a:extLst>
             </p:cNvPr>
@@ -4379,623 +5666,28 @@
           </p:nvGrpSpPr>
           <p:grpSpPr>
             <a:xfrm>
-              <a:off x="-4522" y="-153733"/>
-              <a:ext cx="5948122" cy="7425146"/>
-              <a:chOff x="-4522" y="-153733"/>
-              <a:chExt cx="5948122" cy="7425146"/>
+              <a:off x="4027429" y="4086592"/>
+              <a:ext cx="867545" cy="340020"/>
+              <a:chOff x="275478" y="4101794"/>
+              <a:chExt cx="867545" cy="340020"/>
             </a:xfrm>
           </p:grpSpPr>
-          <p:pic>
-            <p:nvPicPr>
-              <p:cNvPr id="5" name="Picture 4">
+          <p:cxnSp>
+            <p:nvCxnSpPr>
+              <p:cNvPr id="18" name="Straight Arrow Connector 17">
                 <a:extLst>
                   <a:ext uri="{FF2B5EF4-FFF2-40B4-BE49-F238E27FC236}">
-                    <a16:creationId xmlns:a16="http://schemas.microsoft.com/office/drawing/2014/main" id="{39E164EF-881E-0794-1307-6EEFF0FFBAB1}"/>
+                    <a16:creationId xmlns:a16="http://schemas.microsoft.com/office/drawing/2014/main" id="{FB0BCBDA-D990-B1FE-8068-D156F677FA80}"/>
                   </a:ext>
                 </a:extLst>
               </p:cNvPr>
-              <p:cNvPicPr>
-                <a:picLocks noChangeAspect="1"/>
-              </p:cNvPicPr>
-              <p:nvPr/>
-            </p:nvPicPr>
-            <p:blipFill>
-              <a:blip r:embed="rId5"/>
-              <a:srcRect/>
-              <a:stretch/>
-            </p:blipFill>
-            <p:spPr>
-              <a:xfrm>
-                <a:off x="-4522" y="-153733"/>
-                <a:ext cx="5948122" cy="3667320"/>
-              </a:xfrm>
-              <a:prstGeom prst="rect">
-                <a:avLst/>
-              </a:prstGeom>
-            </p:spPr>
-          </p:pic>
-          <p:sp>
-            <p:nvSpPr>
-              <p:cNvPr id="6" name="TextBox 5">
-                <a:extLst>
-                  <a:ext uri="{FF2B5EF4-FFF2-40B4-BE49-F238E27FC236}">
-                    <a16:creationId xmlns:a16="http://schemas.microsoft.com/office/drawing/2014/main" id="{172DA89F-0CA6-171A-F5BC-EC15A3237041}"/>
-                  </a:ext>
-                </a:extLst>
-              </p:cNvPr>
-              <p:cNvSpPr txBox="1"/>
-              <p:nvPr/>
-            </p:nvSpPr>
-            <p:spPr>
-              <a:xfrm>
-                <a:off x="58754" y="3666696"/>
-                <a:ext cx="380232" cy="261610"/>
-              </a:xfrm>
-              <a:prstGeom prst="rect">
-                <a:avLst/>
-              </a:prstGeom>
-              <a:noFill/>
-            </p:spPr>
-            <p:txBody>
-              <a:bodyPr wrap="none" rtlCol="0">
-                <a:spAutoFit/>
-              </a:bodyPr>
-              <a:lstStyle/>
-              <a:p>
-                <a:r>
-                  <a:rPr lang="en-US" sz="1100" b="1" dirty="0">
-                    <a:latin typeface="Helvetica" pitchFamily="2" charset="0"/>
-                  </a:rPr>
-                  <a:t>(B)</a:t>
-                </a:r>
-              </a:p>
-            </p:txBody>
-          </p:sp>
-          <p:sp>
-            <p:nvSpPr>
-              <p:cNvPr id="7" name="TextBox 6">
-                <a:extLst>
-                  <a:ext uri="{FF2B5EF4-FFF2-40B4-BE49-F238E27FC236}">
-                    <a16:creationId xmlns:a16="http://schemas.microsoft.com/office/drawing/2014/main" id="{98C125B5-A1AF-C6E1-2E50-18C860451843}"/>
-                  </a:ext>
-                </a:extLst>
-              </p:cNvPr>
-              <p:cNvSpPr txBox="1"/>
-              <p:nvPr/>
-            </p:nvSpPr>
-            <p:spPr>
-              <a:xfrm>
-                <a:off x="2286449" y="3658009"/>
-                <a:ext cx="380232" cy="261610"/>
-              </a:xfrm>
-              <a:prstGeom prst="rect">
-                <a:avLst/>
-              </a:prstGeom>
-              <a:noFill/>
-            </p:spPr>
-            <p:txBody>
-              <a:bodyPr wrap="none" rtlCol="0">
-                <a:spAutoFit/>
-              </a:bodyPr>
-              <a:lstStyle/>
-              <a:p>
-                <a:r>
-                  <a:rPr lang="en-US" sz="1100" b="1" dirty="0">
-                    <a:latin typeface="Helvetica" pitchFamily="2" charset="0"/>
-                  </a:rPr>
-                  <a:t>(C)</a:t>
-                </a:r>
-              </a:p>
-            </p:txBody>
-          </p:sp>
-          <p:sp>
-            <p:nvSpPr>
-              <p:cNvPr id="8" name="TextBox 7">
-                <a:extLst>
-                  <a:ext uri="{FF2B5EF4-FFF2-40B4-BE49-F238E27FC236}">
-                    <a16:creationId xmlns:a16="http://schemas.microsoft.com/office/drawing/2014/main" id="{D84F4EF2-0EA1-14E6-4667-FB851AEDF9E8}"/>
-                  </a:ext>
-                </a:extLst>
-              </p:cNvPr>
-              <p:cNvSpPr txBox="1"/>
-              <p:nvPr/>
-            </p:nvSpPr>
-            <p:spPr>
-              <a:xfrm>
-                <a:off x="4056575" y="3661590"/>
-                <a:ext cx="380232" cy="261610"/>
-              </a:xfrm>
-              <a:prstGeom prst="rect">
-                <a:avLst/>
-              </a:prstGeom>
-              <a:noFill/>
-            </p:spPr>
-            <p:txBody>
-              <a:bodyPr wrap="none" rtlCol="0">
-                <a:spAutoFit/>
-              </a:bodyPr>
-              <a:lstStyle/>
-              <a:p>
-                <a:r>
-                  <a:rPr lang="en-US" sz="1100" b="1" dirty="0">
-                    <a:latin typeface="Helvetica" pitchFamily="2" charset="0"/>
-                  </a:rPr>
-                  <a:t>(D)</a:t>
-                </a:r>
-              </a:p>
-            </p:txBody>
-          </p:sp>
-          <p:sp>
-            <p:nvSpPr>
-              <p:cNvPr id="9" name="TextBox 8">
-                <a:extLst>
-                  <a:ext uri="{FF2B5EF4-FFF2-40B4-BE49-F238E27FC236}">
-                    <a16:creationId xmlns:a16="http://schemas.microsoft.com/office/drawing/2014/main" id="{47AAA2C0-65FB-8C39-B8D8-9691E5F0CB02}"/>
-                  </a:ext>
-                </a:extLst>
-              </p:cNvPr>
-              <p:cNvSpPr txBox="1"/>
-              <p:nvPr/>
-            </p:nvSpPr>
-            <p:spPr>
-              <a:xfrm>
-                <a:off x="325424" y="3685179"/>
-                <a:ext cx="1960793" cy="246221"/>
-              </a:xfrm>
-              <a:prstGeom prst="rect">
-                <a:avLst/>
-              </a:prstGeom>
-              <a:noFill/>
-            </p:spPr>
-            <p:txBody>
-              <a:bodyPr wrap="none" rtlCol="0">
-                <a:spAutoFit/>
-              </a:bodyPr>
-              <a:lstStyle/>
-              <a:p>
-                <a:r>
-                  <a:rPr lang="en-US" sz="1000" dirty="0">
-                    <a:latin typeface="Helvetica" pitchFamily="2" charset="0"/>
-                  </a:rPr>
-                  <a:t>NW Oklahoma Complex (2018)</a:t>
-                </a:r>
-              </a:p>
-            </p:txBody>
-          </p:sp>
-          <p:sp>
-            <p:nvSpPr>
-              <p:cNvPr id="10" name="TextBox 9">
-                <a:extLst>
-                  <a:ext uri="{FF2B5EF4-FFF2-40B4-BE49-F238E27FC236}">
-                    <a16:creationId xmlns:a16="http://schemas.microsoft.com/office/drawing/2014/main" id="{413D147E-D9B5-61F9-3F25-03A300601330}"/>
-                  </a:ext>
-                </a:extLst>
-              </p:cNvPr>
-              <p:cNvSpPr txBox="1"/>
-              <p:nvPr/>
-            </p:nvSpPr>
-            <p:spPr>
-              <a:xfrm>
-                <a:off x="2535073" y="3673130"/>
-                <a:ext cx="1319592" cy="246221"/>
-              </a:xfrm>
-              <a:prstGeom prst="rect">
-                <a:avLst/>
-              </a:prstGeom>
-              <a:noFill/>
-            </p:spPr>
-            <p:txBody>
-              <a:bodyPr wrap="none" rtlCol="0">
-                <a:spAutoFit/>
-              </a:bodyPr>
-              <a:lstStyle/>
-              <a:p>
-                <a:r>
-                  <a:rPr lang="en-US" sz="1000" dirty="0">
-                    <a:latin typeface="Helvetica" pitchFamily="2" charset="0"/>
-                  </a:rPr>
-                  <a:t>Cold Springs (2020)</a:t>
-                </a:r>
-              </a:p>
-            </p:txBody>
-          </p:sp>
-          <p:sp>
-            <p:nvSpPr>
-              <p:cNvPr id="12" name="TextBox 11">
-                <a:extLst>
-                  <a:ext uri="{FF2B5EF4-FFF2-40B4-BE49-F238E27FC236}">
-                    <a16:creationId xmlns:a16="http://schemas.microsoft.com/office/drawing/2014/main" id="{5D5D6216-993E-C5B7-13E4-C96EE9587A7C}"/>
-                  </a:ext>
-                </a:extLst>
-              </p:cNvPr>
-              <p:cNvSpPr txBox="1"/>
-              <p:nvPr/>
-            </p:nvSpPr>
-            <p:spPr>
-              <a:xfrm>
-                <a:off x="4323200" y="3674174"/>
-                <a:ext cx="1561646" cy="246221"/>
-              </a:xfrm>
-              <a:prstGeom prst="rect">
-                <a:avLst/>
-              </a:prstGeom>
-              <a:noFill/>
-            </p:spPr>
-            <p:txBody>
-              <a:bodyPr wrap="none" rtlCol="0">
-                <a:spAutoFit/>
-              </a:bodyPr>
-              <a:lstStyle/>
-              <a:p>
-                <a:r>
-                  <a:rPr lang="en-US" sz="1000" dirty="0">
-                    <a:latin typeface="Helvetica" pitchFamily="2" charset="0"/>
-                  </a:rPr>
-                  <a:t>Witch-</a:t>
-                </a:r>
-                <a:r>
-                  <a:rPr lang="en-US" sz="1000" dirty="0" err="1">
-                    <a:latin typeface="Helvetica" pitchFamily="2" charset="0"/>
-                  </a:rPr>
-                  <a:t>Poomacha</a:t>
-                </a:r>
-                <a:r>
-                  <a:rPr lang="en-US" sz="1000" dirty="0">
-                    <a:latin typeface="Helvetica" pitchFamily="2" charset="0"/>
-                  </a:rPr>
-                  <a:t> (2007)</a:t>
-                </a:r>
-              </a:p>
-            </p:txBody>
-          </p:sp>
-          <p:pic>
-            <p:nvPicPr>
-              <p:cNvPr id="16" name="Picture 15" descr="A map of the united states&#10;&#10;Description automatically generated">
-                <a:extLst>
-                  <a:ext uri="{FF2B5EF4-FFF2-40B4-BE49-F238E27FC236}">
-                    <a16:creationId xmlns:a16="http://schemas.microsoft.com/office/drawing/2014/main" id="{42C9D3E6-33CC-F32E-2BE6-EA36E3C9667D}"/>
-                  </a:ext>
-                </a:extLst>
-              </p:cNvPr>
-              <p:cNvPicPr>
-                <a:picLocks noChangeAspect="1"/>
-              </p:cNvPicPr>
-              <p:nvPr/>
-            </p:nvPicPr>
-            <p:blipFill>
-              <a:blip r:embed="rId6"/>
-              <a:stretch>
-                <a:fillRect/>
-              </a:stretch>
-            </p:blipFill>
-            <p:spPr>
-              <a:xfrm>
-                <a:off x="219749" y="6232469"/>
-                <a:ext cx="1533415" cy="1038944"/>
-              </a:xfrm>
-              <a:prstGeom prst="rect">
-                <a:avLst/>
-              </a:prstGeom>
-            </p:spPr>
-          </p:pic>
-          <p:pic>
-            <p:nvPicPr>
-              <p:cNvPr id="13" name="Picture 12" descr="A bar with numbers and a red line&#10;&#10;Description automatically generated with medium confidence">
-                <a:extLst>
-                  <a:ext uri="{FF2B5EF4-FFF2-40B4-BE49-F238E27FC236}">
-                    <a16:creationId xmlns:a16="http://schemas.microsoft.com/office/drawing/2014/main" id="{042CB577-A4A4-7E38-9B36-16C8B17C4964}"/>
-                  </a:ext>
-                </a:extLst>
-              </p:cNvPr>
-              <p:cNvPicPr>
-                <a:picLocks noChangeAspect="1"/>
-              </p:cNvPicPr>
-              <p:nvPr/>
-            </p:nvPicPr>
-            <p:blipFill>
-              <a:blip r:embed="rId7"/>
-              <a:stretch>
-                <a:fillRect/>
-              </a:stretch>
-            </p:blipFill>
-            <p:spPr>
-              <a:xfrm>
-                <a:off x="1890349" y="6540301"/>
-                <a:ext cx="2349500" cy="546100"/>
-              </a:xfrm>
-              <a:prstGeom prst="rect">
-                <a:avLst/>
-              </a:prstGeom>
-            </p:spPr>
-          </p:pic>
-          <p:grpSp>
-            <p:nvGrpSpPr>
-              <p:cNvPr id="26" name="Group 25">
-                <a:extLst>
-                  <a:ext uri="{FF2B5EF4-FFF2-40B4-BE49-F238E27FC236}">
-                    <a16:creationId xmlns:a16="http://schemas.microsoft.com/office/drawing/2014/main" id="{288BEA6A-6616-7160-DE7E-E83EE333CF42}"/>
-                  </a:ext>
-                </a:extLst>
-              </p:cNvPr>
-              <p:cNvGrpSpPr/>
-              <p:nvPr/>
-            </p:nvGrpSpPr>
-            <p:grpSpPr>
-              <a:xfrm>
-                <a:off x="4027429" y="4086592"/>
-                <a:ext cx="867545" cy="340020"/>
-                <a:chOff x="275478" y="4101794"/>
-                <a:chExt cx="867545" cy="340020"/>
-              </a:xfrm>
-            </p:grpSpPr>
-            <p:cxnSp>
-              <p:nvCxnSpPr>
-                <p:cNvPr id="18" name="Straight Arrow Connector 17">
-                  <a:extLst>
-                    <a:ext uri="{FF2B5EF4-FFF2-40B4-BE49-F238E27FC236}">
-                      <a16:creationId xmlns:a16="http://schemas.microsoft.com/office/drawing/2014/main" id="{FB0BCBDA-D990-B1FE-8068-D156F677FA80}"/>
-                    </a:ext>
-                  </a:extLst>
-                </p:cNvPr>
-                <p:cNvCxnSpPr/>
-                <p:nvPr/>
-              </p:nvCxnSpPr>
-              <p:spPr>
-                <a:xfrm flipH="1">
-                  <a:off x="378737" y="4317238"/>
-                  <a:ext cx="161365" cy="107577"/>
-                </a:xfrm>
-                <a:prstGeom prst="straightConnector1">
-                  <a:avLst/>
-                </a:prstGeom>
-                <a:ln w="12700">
-                  <a:tailEnd type="triangle"/>
-                </a:ln>
-              </p:spPr>
-              <p:style>
-                <a:lnRef idx="1">
-                  <a:schemeClr val="dk1"/>
-                </a:lnRef>
-                <a:fillRef idx="0">
-                  <a:schemeClr val="dk1"/>
-                </a:fillRef>
-                <a:effectRef idx="0">
-                  <a:schemeClr val="dk1"/>
-                </a:effectRef>
-                <a:fontRef idx="minor">
-                  <a:schemeClr val="tx1"/>
-                </a:fontRef>
-              </p:style>
-            </p:cxnSp>
-            <p:sp>
-              <p:nvSpPr>
-                <p:cNvPr id="20" name="TextBox 19">
-                  <a:extLst>
-                    <a:ext uri="{FF2B5EF4-FFF2-40B4-BE49-F238E27FC236}">
-                      <a16:creationId xmlns:a16="http://schemas.microsoft.com/office/drawing/2014/main" id="{8E1F1EAB-3406-CF4B-79EF-47B1942CED47}"/>
-                    </a:ext>
-                  </a:extLst>
-                </p:cNvPr>
-                <p:cNvSpPr txBox="1"/>
-                <p:nvPr/>
-              </p:nvSpPr>
-              <p:spPr>
-                <a:xfrm>
-                  <a:off x="275478" y="4101794"/>
-                  <a:ext cx="867545" cy="215444"/>
-                </a:xfrm>
-                <a:prstGeom prst="rect">
-                  <a:avLst/>
-                </a:prstGeom>
-                <a:noFill/>
-              </p:spPr>
-              <p:txBody>
-                <a:bodyPr wrap="none" rtlCol="0">
-                  <a:spAutoFit/>
-                </a:bodyPr>
-                <a:lstStyle/>
-                <a:p>
-                  <a:r>
-                    <a:rPr lang="en-US" sz="800" dirty="0">
-                      <a:latin typeface="Helvetica" pitchFamily="2" charset="0"/>
-                    </a:rPr>
-                    <a:t>San Diego, CA</a:t>
-                  </a:r>
-                </a:p>
-              </p:txBody>
-            </p:sp>
-            <p:sp>
-              <p:nvSpPr>
-                <p:cNvPr id="21" name="TextBox 20">
-                  <a:extLst>
-                    <a:ext uri="{FF2B5EF4-FFF2-40B4-BE49-F238E27FC236}">
-                      <a16:creationId xmlns:a16="http://schemas.microsoft.com/office/drawing/2014/main" id="{EDE9353A-DB6D-405A-EAB9-ADCB782DD9F9}"/>
-                    </a:ext>
-                  </a:extLst>
-                </p:cNvPr>
-                <p:cNvSpPr txBox="1"/>
-                <p:nvPr/>
-              </p:nvSpPr>
-              <p:spPr>
-                <a:xfrm>
-                  <a:off x="475839" y="4241759"/>
-                  <a:ext cx="418704" cy="200055"/>
-                </a:xfrm>
-                <a:prstGeom prst="rect">
-                  <a:avLst/>
-                </a:prstGeom>
-                <a:noFill/>
-              </p:spPr>
-              <p:txBody>
-                <a:bodyPr wrap="none" rtlCol="0">
-                  <a:spAutoFit/>
-                </a:bodyPr>
-                <a:lstStyle/>
-                <a:p>
-                  <a:r>
-                    <a:rPr lang="en-US" sz="700" dirty="0">
-                      <a:latin typeface="Helvetica" pitchFamily="2" charset="0"/>
-                    </a:rPr>
-                    <a:t>50Km</a:t>
-                  </a:r>
-                </a:p>
-              </p:txBody>
-            </p:sp>
-          </p:grpSp>
-          <p:grpSp>
-            <p:nvGrpSpPr>
-              <p:cNvPr id="33" name="Group 32">
-                <a:extLst>
-                  <a:ext uri="{FF2B5EF4-FFF2-40B4-BE49-F238E27FC236}">
-                    <a16:creationId xmlns:a16="http://schemas.microsoft.com/office/drawing/2014/main" id="{3C6082F4-2EBA-36BB-A899-7A2102587A79}"/>
-                  </a:ext>
-                </a:extLst>
-              </p:cNvPr>
-              <p:cNvGrpSpPr/>
-              <p:nvPr/>
-            </p:nvGrpSpPr>
-            <p:grpSpPr>
-              <a:xfrm>
-                <a:off x="129208" y="4081416"/>
-                <a:ext cx="883575" cy="340020"/>
-                <a:chOff x="213570" y="4244574"/>
-                <a:chExt cx="883575" cy="340020"/>
-              </a:xfrm>
-            </p:grpSpPr>
-            <p:cxnSp>
-              <p:nvCxnSpPr>
-                <p:cNvPr id="28" name="Straight Arrow Connector 27">
-                  <a:extLst>
-                    <a:ext uri="{FF2B5EF4-FFF2-40B4-BE49-F238E27FC236}">
-                      <a16:creationId xmlns:a16="http://schemas.microsoft.com/office/drawing/2014/main" id="{D03DDD88-5847-AAC6-DED8-F8A6C796AF61}"/>
-                    </a:ext>
-                  </a:extLst>
-                </p:cNvPr>
-                <p:cNvCxnSpPr>
-                  <a:cxnSpLocks/>
-                </p:cNvCxnSpPr>
-                <p:nvPr/>
-              </p:nvCxnSpPr>
-              <p:spPr>
-                <a:xfrm>
-                  <a:off x="758758" y="4460018"/>
-                  <a:ext cx="132671" cy="90356"/>
-                </a:xfrm>
-                <a:prstGeom prst="straightConnector1">
-                  <a:avLst/>
-                </a:prstGeom>
-                <a:ln w="12700">
-                  <a:tailEnd type="triangle"/>
-                </a:ln>
-              </p:spPr>
-              <p:style>
-                <a:lnRef idx="1">
-                  <a:schemeClr val="dk1"/>
-                </a:lnRef>
-                <a:fillRef idx="0">
-                  <a:schemeClr val="dk1"/>
-                </a:fillRef>
-                <a:effectRef idx="0">
-                  <a:schemeClr val="dk1"/>
-                </a:effectRef>
-                <a:fontRef idx="minor">
-                  <a:schemeClr val="tx1"/>
-                </a:fontRef>
-              </p:style>
-            </p:cxnSp>
-            <p:sp>
-              <p:nvSpPr>
-                <p:cNvPr id="29" name="TextBox 28">
-                  <a:extLst>
-                    <a:ext uri="{FF2B5EF4-FFF2-40B4-BE49-F238E27FC236}">
-                      <a16:creationId xmlns:a16="http://schemas.microsoft.com/office/drawing/2014/main" id="{2A8429D0-769E-9AC0-A68C-49C2DBF10383}"/>
-                    </a:ext>
-                  </a:extLst>
-                </p:cNvPr>
-                <p:cNvSpPr txBox="1"/>
-                <p:nvPr/>
-              </p:nvSpPr>
-              <p:spPr>
-                <a:xfrm>
-                  <a:off x="213570" y="4244574"/>
-                  <a:ext cx="883575" cy="215444"/>
-                </a:xfrm>
-                <a:prstGeom prst="rect">
-                  <a:avLst/>
-                </a:prstGeom>
-                <a:noFill/>
-              </p:spPr>
-              <p:txBody>
-                <a:bodyPr wrap="none" rtlCol="0">
-                  <a:spAutoFit/>
-                </a:bodyPr>
-                <a:lstStyle/>
-                <a:p>
-                  <a:r>
-                    <a:rPr lang="en-US" sz="800" dirty="0">
-                      <a:latin typeface="Helvetica" pitchFamily="2" charset="0"/>
-                    </a:rPr>
-                    <a:t>Woodward, OK</a:t>
-                  </a:r>
-                </a:p>
-              </p:txBody>
-            </p:sp>
-            <p:sp>
-              <p:nvSpPr>
-                <p:cNvPr id="30" name="TextBox 29">
-                  <a:extLst>
-                    <a:ext uri="{FF2B5EF4-FFF2-40B4-BE49-F238E27FC236}">
-                      <a16:creationId xmlns:a16="http://schemas.microsoft.com/office/drawing/2014/main" id="{14372BC4-84D9-8E52-1E1D-B3CF8846D71F}"/>
-                    </a:ext>
-                  </a:extLst>
-                </p:cNvPr>
-                <p:cNvSpPr txBox="1"/>
-                <p:nvPr/>
-              </p:nvSpPr>
-              <p:spPr>
-                <a:xfrm>
-                  <a:off x="413931" y="4384539"/>
-                  <a:ext cx="418704" cy="200055"/>
-                </a:xfrm>
-                <a:prstGeom prst="rect">
-                  <a:avLst/>
-                </a:prstGeom>
-                <a:noFill/>
-              </p:spPr>
-              <p:txBody>
-                <a:bodyPr wrap="none" rtlCol="0">
-                  <a:spAutoFit/>
-                </a:bodyPr>
-                <a:lstStyle/>
-                <a:p>
-                  <a:r>
-                    <a:rPr lang="en-US" sz="700" dirty="0">
-                      <a:latin typeface="Helvetica" pitchFamily="2" charset="0"/>
-                    </a:rPr>
-                    <a:t>40Km</a:t>
-                  </a:r>
-                </a:p>
-              </p:txBody>
-            </p:sp>
-          </p:grpSp>
-          <p:cxnSp>
-            <p:nvCxnSpPr>
-              <p:cNvPr id="35" name="Straight Arrow Connector 34">
-                <a:extLst>
-                  <a:ext uri="{FF2B5EF4-FFF2-40B4-BE49-F238E27FC236}">
-                    <a16:creationId xmlns:a16="http://schemas.microsoft.com/office/drawing/2014/main" id="{44AC5393-F568-C12C-412A-5C49BF15DEED}"/>
-                  </a:ext>
-                </a:extLst>
-              </p:cNvPr>
-              <p:cNvCxnSpPr>
-                <a:cxnSpLocks/>
-              </p:cNvCxnSpPr>
+              <p:cNvCxnSpPr/>
               <p:nvPr/>
             </p:nvCxnSpPr>
             <p:spPr>
               <a:xfrm flipH="1">
-                <a:off x="2392762" y="4273421"/>
-                <a:ext cx="69166" cy="168353"/>
+                <a:off x="378737" y="4317238"/>
+                <a:ext cx="161365" cy="107577"/>
               </a:xfrm>
               <a:prstGeom prst="straightConnector1">
                 <a:avLst/>
@@ -5021,10 +5713,10 @@
           </p:cxnSp>
           <p:sp>
             <p:nvSpPr>
-              <p:cNvPr id="36" name="TextBox 35">
+              <p:cNvPr id="20" name="TextBox 19">
                 <a:extLst>
                   <a:ext uri="{FF2B5EF4-FFF2-40B4-BE49-F238E27FC236}">
-                    <a16:creationId xmlns:a16="http://schemas.microsoft.com/office/drawing/2014/main" id="{E5004386-CD0B-2A44-4818-D29DD5F693B4}"/>
+                    <a16:creationId xmlns:a16="http://schemas.microsoft.com/office/drawing/2014/main" id="{8E1F1EAB-3406-CF4B-79EF-47B1942CED47}"/>
                   </a:ext>
                 </a:extLst>
               </p:cNvPr>
@@ -5033,8 +5725,8 @@
             </p:nvSpPr>
             <p:spPr>
               <a:xfrm>
-                <a:off x="2179209" y="4081416"/>
-                <a:ext cx="930063" cy="215444"/>
+                <a:off x="275478" y="4101794"/>
+                <a:ext cx="867545" cy="215444"/>
               </a:xfrm>
               <a:prstGeom prst="rect">
                 <a:avLst/>
@@ -5051,17 +5743,17 @@
                   <a:rPr lang="en-US" sz="800" dirty="0">
                     <a:latin typeface="Helvetica" pitchFamily="2" charset="0"/>
                   </a:rPr>
-                  <a:t>Wenatchee, WA</a:t>
+                  <a:t>San Diego, CA</a:t>
                 </a:r>
               </a:p>
             </p:txBody>
           </p:sp>
           <p:sp>
             <p:nvSpPr>
-              <p:cNvPr id="37" name="TextBox 36">
+              <p:cNvPr id="21" name="TextBox 20">
                 <a:extLst>
                   <a:ext uri="{FF2B5EF4-FFF2-40B4-BE49-F238E27FC236}">
-                    <a16:creationId xmlns:a16="http://schemas.microsoft.com/office/drawing/2014/main" id="{4CF4CC54-8B09-8C34-1A7A-B2528D5BAA05}"/>
+                    <a16:creationId xmlns:a16="http://schemas.microsoft.com/office/drawing/2014/main" id="{EDE9353A-DB6D-405A-EAB9-ADCB782DD9F9}"/>
                   </a:ext>
                 </a:extLst>
               </p:cNvPr>
@@ -5070,8 +5762,8 @@
             </p:nvSpPr>
             <p:spPr>
               <a:xfrm>
-                <a:off x="2398043" y="4208861"/>
-                <a:ext cx="468398" cy="200055"/>
+                <a:off x="475839" y="4241759"/>
+                <a:ext cx="418704" cy="200055"/>
               </a:xfrm>
               <a:prstGeom prst="rect">
                 <a:avLst/>
@@ -5088,7 +5780,7 @@
                   <a:rPr lang="en-US" sz="700" dirty="0">
                     <a:latin typeface="Helvetica" pitchFamily="2" charset="0"/>
                   </a:rPr>
-                  <a:t>100Km</a:t>
+                  <a:t>50Km</a:t>
                 </a:r>
               </a:p>
             </p:txBody>
@@ -5096,10 +5788,10 @@
         </p:grpSp>
         <p:grpSp>
           <p:nvGrpSpPr>
-            <p:cNvPr id="24" name="Group 23">
+            <p:cNvPr id="33" name="Group 32">
               <a:extLst>
                 <a:ext uri="{FF2B5EF4-FFF2-40B4-BE49-F238E27FC236}">
-                  <a16:creationId xmlns:a16="http://schemas.microsoft.com/office/drawing/2014/main" id="{6EDCFE78-FB64-9124-F7B1-EB63586A133E}"/>
+                  <a16:creationId xmlns:a16="http://schemas.microsoft.com/office/drawing/2014/main" id="{3C6082F4-2EBA-36BB-A899-7A2102587A79}"/>
                 </a:ext>
               </a:extLst>
             </p:cNvPr>
@@ -5108,64 +5800,59 @@
           </p:nvGrpSpPr>
           <p:grpSpPr>
             <a:xfrm>
-              <a:off x="4377034" y="6621996"/>
-              <a:ext cx="1529754" cy="378173"/>
-              <a:chOff x="4360948" y="6598890"/>
-              <a:chExt cx="1529754" cy="378173"/>
+              <a:off x="129208" y="4081416"/>
+              <a:ext cx="883575" cy="340020"/>
+              <a:chOff x="213570" y="4244574"/>
+              <a:chExt cx="883575" cy="340020"/>
             </a:xfrm>
           </p:grpSpPr>
-          <p:sp>
-            <p:nvSpPr>
-              <p:cNvPr id="14" name="Triangle 13">
+          <p:cxnSp>
+            <p:nvCxnSpPr>
+              <p:cNvPr id="28" name="Straight Arrow Connector 27">
                 <a:extLst>
                   <a:ext uri="{FF2B5EF4-FFF2-40B4-BE49-F238E27FC236}">
-                    <a16:creationId xmlns:a16="http://schemas.microsoft.com/office/drawing/2014/main" id="{2C074F3F-0308-5D22-2990-3460B42F501E}"/>
+                    <a16:creationId xmlns:a16="http://schemas.microsoft.com/office/drawing/2014/main" id="{D03DDD88-5847-AAC6-DED8-F8A6C796AF61}"/>
                   </a:ext>
                 </a:extLst>
               </p:cNvPr>
-              <p:cNvSpPr/>
+              <p:cNvCxnSpPr>
+                <a:cxnSpLocks/>
+              </p:cNvCxnSpPr>
               <p:nvPr/>
-            </p:nvSpPr>
+            </p:nvCxnSpPr>
             <p:spPr>
               <a:xfrm>
-                <a:off x="4369309" y="6649763"/>
-                <a:ext cx="94861" cy="80946"/>
+                <a:off x="758758" y="4460018"/>
+                <a:ext cx="132671" cy="90356"/>
               </a:xfrm>
-              <a:prstGeom prst="triangle">
+              <a:prstGeom prst="straightConnector1">
                 <a:avLst/>
               </a:prstGeom>
+              <a:ln w="12700">
+                <a:tailEnd type="triangle"/>
+              </a:ln>
             </p:spPr>
             <p:style>
-              <a:lnRef idx="2">
-                <a:schemeClr val="dk1">
-                  <a:shade val="15000"/>
-                </a:schemeClr>
+              <a:lnRef idx="1">
+                <a:schemeClr val="dk1"/>
               </a:lnRef>
-              <a:fillRef idx="1">
+              <a:fillRef idx="0">
                 <a:schemeClr val="dk1"/>
               </a:fillRef>
               <a:effectRef idx="0">
                 <a:schemeClr val="dk1"/>
               </a:effectRef>
               <a:fontRef idx="minor">
-                <a:schemeClr val="lt1"/>
+                <a:schemeClr val="tx1"/>
               </a:fontRef>
             </p:style>
-            <p:txBody>
-              <a:bodyPr rtlCol="0" anchor="ctr"/>
-              <a:lstStyle/>
-              <a:p>
-                <a:pPr algn="ctr"/>
-                <a:endParaRPr lang="en-US"/>
-              </a:p>
-            </p:txBody>
-          </p:sp>
+          </p:cxnSp>
           <p:sp>
             <p:nvSpPr>
-              <p:cNvPr id="17" name="TextBox 16">
+              <p:cNvPr id="29" name="TextBox 28">
                 <a:extLst>
                   <a:ext uri="{FF2B5EF4-FFF2-40B4-BE49-F238E27FC236}">
-                    <a16:creationId xmlns:a16="http://schemas.microsoft.com/office/drawing/2014/main" id="{EC76E043-77ED-DCA6-349A-C9EBCB24B885}"/>
+                    <a16:creationId xmlns:a16="http://schemas.microsoft.com/office/drawing/2014/main" id="{2A8429D0-769E-9AC0-A68C-49C2DBF10383}"/>
                   </a:ext>
                 </a:extLst>
               </p:cNvPr>
@@ -5174,8 +5861,45 @@
             </p:nvSpPr>
             <p:spPr>
               <a:xfrm>
-                <a:off x="4463708" y="6598890"/>
-                <a:ext cx="1426994" cy="200055"/>
+                <a:off x="213570" y="4244574"/>
+                <a:ext cx="883575" cy="215444"/>
+              </a:xfrm>
+              <a:prstGeom prst="rect">
+                <a:avLst/>
+              </a:prstGeom>
+              <a:noFill/>
+            </p:spPr>
+            <p:txBody>
+              <a:bodyPr wrap="none" rtlCol="0">
+                <a:spAutoFit/>
+              </a:bodyPr>
+              <a:lstStyle/>
+              <a:p>
+                <a:r>
+                  <a:rPr lang="en-US" sz="800" dirty="0">
+                    <a:latin typeface="Helvetica" pitchFamily="2" charset="0"/>
+                  </a:rPr>
+                  <a:t>Woodward, OK</a:t>
+                </a:r>
+              </a:p>
+            </p:txBody>
+          </p:sp>
+          <p:sp>
+            <p:nvSpPr>
+              <p:cNvPr id="30" name="TextBox 29">
+                <a:extLst>
+                  <a:ext uri="{FF2B5EF4-FFF2-40B4-BE49-F238E27FC236}">
+                    <a16:creationId xmlns:a16="http://schemas.microsoft.com/office/drawing/2014/main" id="{14372BC4-84D9-8E52-1E1D-B3CF8846D71F}"/>
+                  </a:ext>
+                </a:extLst>
+              </p:cNvPr>
+              <p:cNvSpPr txBox="1"/>
+              <p:nvPr/>
+            </p:nvSpPr>
+            <p:spPr>
+              <a:xfrm>
+                <a:off x="413931" y="4384539"/>
+                <a:ext cx="418704" cy="200055"/>
               </a:xfrm>
               <a:prstGeom prst="rect">
                 <a:avLst/>
@@ -5192,106 +5916,1326 @@
                   <a:rPr lang="en-US" sz="700" dirty="0">
                     <a:latin typeface="Helvetica" pitchFamily="2" charset="0"/>
                   </a:rPr>
-                  <a:t>Property records (HISDAC-US)</a:t>
-                </a:r>
-              </a:p>
-            </p:txBody>
-          </p:sp>
-          <p:sp>
-            <p:nvSpPr>
-              <p:cNvPr id="22" name="Rectangle 21">
-                <a:extLst>
-                  <a:ext uri="{FF2B5EF4-FFF2-40B4-BE49-F238E27FC236}">
-                    <a16:creationId xmlns:a16="http://schemas.microsoft.com/office/drawing/2014/main" id="{AD7C5786-B7EE-93D7-F4E5-E8AD597E8C01}"/>
-                  </a:ext>
-                </a:extLst>
-              </p:cNvPr>
-              <p:cNvSpPr/>
-              <p:nvPr/>
-            </p:nvSpPr>
-            <p:spPr>
-              <a:xfrm>
-                <a:off x="4360948" y="6821453"/>
-                <a:ext cx="102760" cy="80945"/>
-              </a:xfrm>
-              <a:prstGeom prst="rect">
-                <a:avLst/>
-              </a:prstGeom>
-              <a:noFill/>
-              <a:ln w="19050">
-                <a:solidFill>
-                  <a:schemeClr val="tx1"/>
-                </a:solidFill>
-              </a:ln>
-            </p:spPr>
-            <p:style>
-              <a:lnRef idx="2">
-                <a:schemeClr val="accent1">
-                  <a:shade val="15000"/>
-                </a:schemeClr>
-              </a:lnRef>
-              <a:fillRef idx="1">
-                <a:schemeClr val="accent1"/>
-              </a:fillRef>
-              <a:effectRef idx="0">
-                <a:schemeClr val="accent1"/>
-              </a:effectRef>
-              <a:fontRef idx="minor">
-                <a:schemeClr val="lt1"/>
-              </a:fontRef>
-            </p:style>
-            <p:txBody>
-              <a:bodyPr rtlCol="0" anchor="ctr"/>
-              <a:lstStyle/>
-              <a:p>
-                <a:pPr algn="ctr"/>
-                <a:endParaRPr lang="en-US"/>
-              </a:p>
-            </p:txBody>
-          </p:sp>
-          <p:sp>
-            <p:nvSpPr>
-              <p:cNvPr id="23" name="TextBox 22">
-                <a:extLst>
-                  <a:ext uri="{FF2B5EF4-FFF2-40B4-BE49-F238E27FC236}">
-                    <a16:creationId xmlns:a16="http://schemas.microsoft.com/office/drawing/2014/main" id="{03F21952-81DB-4ACA-BC23-991DA2DD1CA5}"/>
-                  </a:ext>
-                </a:extLst>
-              </p:cNvPr>
-              <p:cNvSpPr txBox="1"/>
-              <p:nvPr/>
-            </p:nvSpPr>
-            <p:spPr>
-              <a:xfrm>
-                <a:off x="4463708" y="6777008"/>
-                <a:ext cx="1223412" cy="200055"/>
-              </a:xfrm>
-              <a:prstGeom prst="rect">
-                <a:avLst/>
-              </a:prstGeom>
-              <a:noFill/>
-            </p:spPr>
-            <p:txBody>
-              <a:bodyPr wrap="none" rtlCol="0">
-                <a:spAutoFit/>
-              </a:bodyPr>
-              <a:lstStyle/>
-              <a:p>
-                <a:r>
-                  <a:rPr lang="en-US" sz="700" dirty="0">
-                    <a:latin typeface="Helvetica" pitchFamily="2" charset="0"/>
-                  </a:rPr>
-                  <a:t>Wildfire perimeter (MTBS)</a:t>
+                  <a:t>40Km</a:t>
                 </a:r>
               </a:p>
             </p:txBody>
           </p:sp>
         </p:grpSp>
+        <p:cxnSp>
+          <p:nvCxnSpPr>
+            <p:cNvPr id="35" name="Straight Arrow Connector 34">
+              <a:extLst>
+                <a:ext uri="{FF2B5EF4-FFF2-40B4-BE49-F238E27FC236}">
+                  <a16:creationId xmlns:a16="http://schemas.microsoft.com/office/drawing/2014/main" id="{44AC5393-F568-C12C-412A-5C49BF15DEED}"/>
+                </a:ext>
+              </a:extLst>
+            </p:cNvPr>
+            <p:cNvCxnSpPr>
+              <a:cxnSpLocks/>
+            </p:cNvCxnSpPr>
+            <p:nvPr/>
+          </p:nvCxnSpPr>
+          <p:spPr>
+            <a:xfrm flipH="1">
+              <a:off x="2392762" y="4273421"/>
+              <a:ext cx="69166" cy="168353"/>
+            </a:xfrm>
+            <a:prstGeom prst="straightConnector1">
+              <a:avLst/>
+            </a:prstGeom>
+            <a:ln w="12700">
+              <a:tailEnd type="triangle"/>
+            </a:ln>
+          </p:spPr>
+          <p:style>
+            <a:lnRef idx="1">
+              <a:schemeClr val="dk1"/>
+            </a:lnRef>
+            <a:fillRef idx="0">
+              <a:schemeClr val="dk1"/>
+            </a:fillRef>
+            <a:effectRef idx="0">
+              <a:schemeClr val="dk1"/>
+            </a:effectRef>
+            <a:fontRef idx="minor">
+              <a:schemeClr val="tx1"/>
+            </a:fontRef>
+          </p:style>
+        </p:cxnSp>
+        <p:sp>
+          <p:nvSpPr>
+            <p:cNvPr id="36" name="TextBox 35">
+              <a:extLst>
+                <a:ext uri="{FF2B5EF4-FFF2-40B4-BE49-F238E27FC236}">
+                  <a16:creationId xmlns:a16="http://schemas.microsoft.com/office/drawing/2014/main" id="{E5004386-CD0B-2A44-4818-D29DD5F693B4}"/>
+                </a:ext>
+              </a:extLst>
+            </p:cNvPr>
+            <p:cNvSpPr txBox="1"/>
+            <p:nvPr/>
+          </p:nvSpPr>
+          <p:spPr>
+            <a:xfrm>
+              <a:off x="2179209" y="4081416"/>
+              <a:ext cx="930063" cy="215444"/>
+            </a:xfrm>
+            <a:prstGeom prst="rect">
+              <a:avLst/>
+            </a:prstGeom>
+            <a:noFill/>
+          </p:spPr>
+          <p:txBody>
+            <a:bodyPr wrap="none" rtlCol="0">
+              <a:spAutoFit/>
+            </a:bodyPr>
+            <a:lstStyle/>
+            <a:p>
+              <a:r>
+                <a:rPr lang="en-US" sz="800" dirty="0">
+                  <a:latin typeface="Helvetica" pitchFamily="2" charset="0"/>
+                </a:rPr>
+                <a:t>Wenatchee, WA</a:t>
+              </a:r>
+            </a:p>
+          </p:txBody>
+        </p:sp>
+        <p:sp>
+          <p:nvSpPr>
+            <p:cNvPr id="37" name="TextBox 36">
+              <a:extLst>
+                <a:ext uri="{FF2B5EF4-FFF2-40B4-BE49-F238E27FC236}">
+                  <a16:creationId xmlns:a16="http://schemas.microsoft.com/office/drawing/2014/main" id="{4CF4CC54-8B09-8C34-1A7A-B2528D5BAA05}"/>
+                </a:ext>
+              </a:extLst>
+            </p:cNvPr>
+            <p:cNvSpPr txBox="1"/>
+            <p:nvPr/>
+          </p:nvSpPr>
+          <p:spPr>
+            <a:xfrm>
+              <a:off x="2398043" y="4208861"/>
+              <a:ext cx="468398" cy="200055"/>
+            </a:xfrm>
+            <a:prstGeom prst="rect">
+              <a:avLst/>
+            </a:prstGeom>
+            <a:noFill/>
+          </p:spPr>
+          <p:txBody>
+            <a:bodyPr wrap="none" rtlCol="0">
+              <a:spAutoFit/>
+            </a:bodyPr>
+            <a:lstStyle/>
+            <a:p>
+              <a:r>
+                <a:rPr lang="en-US" sz="700" dirty="0">
+                  <a:latin typeface="Helvetica" pitchFamily="2" charset="0"/>
+                </a:rPr>
+                <a:t>100Km</a:t>
+              </a:r>
+            </a:p>
+          </p:txBody>
+        </p:sp>
       </p:grpSp>
+      <p:grpSp>
+        <p:nvGrpSpPr>
+          <p:cNvPr id="24" name="Group 23">
+            <a:extLst>
+              <a:ext uri="{FF2B5EF4-FFF2-40B4-BE49-F238E27FC236}">
+                <a16:creationId xmlns:a16="http://schemas.microsoft.com/office/drawing/2014/main" id="{6EDCFE78-FB64-9124-F7B1-EB63586A133E}"/>
+              </a:ext>
+            </a:extLst>
+          </p:cNvPr>
+          <p:cNvGrpSpPr/>
+          <p:nvPr/>
+        </p:nvGrpSpPr>
+        <p:grpSpPr>
+          <a:xfrm>
+            <a:off x="4162754" y="6619032"/>
+            <a:ext cx="1873031" cy="454555"/>
+            <a:chOff x="4135744" y="6552139"/>
+            <a:chExt cx="1873031" cy="454555"/>
+          </a:xfrm>
+        </p:grpSpPr>
+        <p:sp>
+          <p:nvSpPr>
+            <p:cNvPr id="14" name="Triangle 13">
+              <a:extLst>
+                <a:ext uri="{FF2B5EF4-FFF2-40B4-BE49-F238E27FC236}">
+                  <a16:creationId xmlns:a16="http://schemas.microsoft.com/office/drawing/2014/main" id="{2C074F3F-0308-5D22-2990-3460B42F501E}"/>
+                </a:ext>
+              </a:extLst>
+            </p:cNvPr>
+            <p:cNvSpPr/>
+            <p:nvPr/>
+          </p:nvSpPr>
+          <p:spPr>
+            <a:xfrm>
+              <a:off x="4135744" y="6613573"/>
+              <a:ext cx="94861" cy="80946"/>
+            </a:xfrm>
+            <a:prstGeom prst="triangle">
+              <a:avLst/>
+            </a:prstGeom>
+          </p:spPr>
+          <p:style>
+            <a:lnRef idx="2">
+              <a:schemeClr val="dk1">
+                <a:shade val="15000"/>
+              </a:schemeClr>
+            </a:lnRef>
+            <a:fillRef idx="1">
+              <a:schemeClr val="dk1"/>
+            </a:fillRef>
+            <a:effectRef idx="0">
+              <a:schemeClr val="dk1"/>
+            </a:effectRef>
+            <a:fontRef idx="minor">
+              <a:schemeClr val="lt1"/>
+            </a:fontRef>
+          </p:style>
+          <p:txBody>
+            <a:bodyPr rtlCol="0" anchor="ctr"/>
+            <a:lstStyle/>
+            <a:p>
+              <a:pPr algn="ctr"/>
+              <a:endParaRPr lang="en-US"/>
+            </a:p>
+          </p:txBody>
+        </p:sp>
+        <p:sp>
+          <p:nvSpPr>
+            <p:cNvPr id="17" name="TextBox 16">
+              <a:extLst>
+                <a:ext uri="{FF2B5EF4-FFF2-40B4-BE49-F238E27FC236}">
+                  <a16:creationId xmlns:a16="http://schemas.microsoft.com/office/drawing/2014/main" id="{EC76E043-77ED-DCA6-349A-C9EBCB24B885}"/>
+                </a:ext>
+              </a:extLst>
+            </p:cNvPr>
+            <p:cNvSpPr txBox="1"/>
+            <p:nvPr/>
+          </p:nvSpPr>
+          <p:spPr>
+            <a:xfrm>
+              <a:off x="4227518" y="6552139"/>
+              <a:ext cx="1781257" cy="230832"/>
+            </a:xfrm>
+            <a:prstGeom prst="rect">
+              <a:avLst/>
+            </a:prstGeom>
+            <a:noFill/>
+          </p:spPr>
+          <p:txBody>
+            <a:bodyPr wrap="none" rtlCol="0">
+              <a:spAutoFit/>
+            </a:bodyPr>
+            <a:lstStyle/>
+            <a:p>
+              <a:r>
+                <a:rPr lang="en-US" sz="900" dirty="0">
+                  <a:latin typeface="Helvetica" pitchFamily="2" charset="0"/>
+                </a:rPr>
+                <a:t>Property records (HISDAC-US)</a:t>
+              </a:r>
+            </a:p>
+          </p:txBody>
+        </p:sp>
+        <p:sp>
+          <p:nvSpPr>
+            <p:cNvPr id="22" name="Rectangle 21">
+              <a:extLst>
+                <a:ext uri="{FF2B5EF4-FFF2-40B4-BE49-F238E27FC236}">
+                  <a16:creationId xmlns:a16="http://schemas.microsoft.com/office/drawing/2014/main" id="{AD7C5786-B7EE-93D7-F4E5-E8AD597E8C01}"/>
+                </a:ext>
+              </a:extLst>
+            </p:cNvPr>
+            <p:cNvSpPr/>
+            <p:nvPr/>
+          </p:nvSpPr>
+          <p:spPr>
+            <a:xfrm>
+              <a:off x="4143904" y="6846844"/>
+              <a:ext cx="102760" cy="80945"/>
+            </a:xfrm>
+            <a:prstGeom prst="rect">
+              <a:avLst/>
+            </a:prstGeom>
+            <a:noFill/>
+            <a:ln w="19050">
+              <a:solidFill>
+                <a:schemeClr val="tx1"/>
+              </a:solidFill>
+            </a:ln>
+          </p:spPr>
+          <p:style>
+            <a:lnRef idx="2">
+              <a:schemeClr val="accent1">
+                <a:shade val="15000"/>
+              </a:schemeClr>
+            </a:lnRef>
+            <a:fillRef idx="1">
+              <a:schemeClr val="accent1"/>
+            </a:fillRef>
+            <a:effectRef idx="0">
+              <a:schemeClr val="accent1"/>
+            </a:effectRef>
+            <a:fontRef idx="minor">
+              <a:schemeClr val="lt1"/>
+            </a:fontRef>
+          </p:style>
+          <p:txBody>
+            <a:bodyPr rtlCol="0" anchor="ctr"/>
+            <a:lstStyle/>
+            <a:p>
+              <a:pPr algn="ctr"/>
+              <a:endParaRPr lang="en-US"/>
+            </a:p>
+          </p:txBody>
+        </p:sp>
+        <p:sp>
+          <p:nvSpPr>
+            <p:cNvPr id="23" name="TextBox 22">
+              <a:extLst>
+                <a:ext uri="{FF2B5EF4-FFF2-40B4-BE49-F238E27FC236}">
+                  <a16:creationId xmlns:a16="http://schemas.microsoft.com/office/drawing/2014/main" id="{03F21952-81DB-4ACA-BC23-991DA2DD1CA5}"/>
+                </a:ext>
+              </a:extLst>
+            </p:cNvPr>
+            <p:cNvSpPr txBox="1"/>
+            <p:nvPr/>
+          </p:nvSpPr>
+          <p:spPr>
+            <a:xfrm>
+              <a:off x="4230605" y="6775862"/>
+              <a:ext cx="1518364" cy="230832"/>
+            </a:xfrm>
+            <a:prstGeom prst="rect">
+              <a:avLst/>
+            </a:prstGeom>
+            <a:noFill/>
+          </p:spPr>
+          <p:txBody>
+            <a:bodyPr wrap="none" rtlCol="0">
+              <a:spAutoFit/>
+            </a:bodyPr>
+            <a:lstStyle/>
+            <a:p>
+              <a:r>
+                <a:rPr lang="en-US" sz="900" dirty="0">
+                  <a:latin typeface="Helvetica" pitchFamily="2" charset="0"/>
+                </a:rPr>
+                <a:t>Wildfire perimeter (MTBS)</a:t>
+              </a:r>
+            </a:p>
+          </p:txBody>
+        </p:sp>
+      </p:grpSp>
+      <p:pic>
+        <p:nvPicPr>
+          <p:cNvPr id="15" name="Picture 14" descr="A map of the united states with different colored dots&#10;&#10;Description automatically generated">
+            <a:extLst>
+              <a:ext uri="{FF2B5EF4-FFF2-40B4-BE49-F238E27FC236}">
+                <a16:creationId xmlns:a16="http://schemas.microsoft.com/office/drawing/2014/main" id="{B241C4EE-4BF8-9542-88C2-1A6051428FAA}"/>
+              </a:ext>
+            </a:extLst>
+          </p:cNvPr>
+          <p:cNvPicPr>
+            <a:picLocks noChangeAspect="1"/>
+          </p:cNvPicPr>
+          <p:nvPr/>
+        </p:nvPicPr>
+        <p:blipFill>
+          <a:blip r:embed="rId6"/>
+          <a:stretch>
+            <a:fillRect/>
+          </a:stretch>
+        </p:blipFill>
+        <p:spPr>
+          <a:xfrm>
+            <a:off x="172764" y="50079"/>
+            <a:ext cx="5598072" cy="3582766"/>
+          </a:xfrm>
+          <a:prstGeom prst="rect">
+            <a:avLst/>
+          </a:prstGeom>
+        </p:spPr>
+      </p:pic>
+      <p:sp>
+        <p:nvSpPr>
+          <p:cNvPr id="3" name="TextBox 2">
+            <a:extLst>
+              <a:ext uri="{FF2B5EF4-FFF2-40B4-BE49-F238E27FC236}">
+                <a16:creationId xmlns:a16="http://schemas.microsoft.com/office/drawing/2014/main" id="{C062BF66-596C-97C5-C7FC-3A73CABE9285}"/>
+              </a:ext>
+            </a:extLst>
+          </p:cNvPr>
+          <p:cNvSpPr txBox="1"/>
+          <p:nvPr/>
+        </p:nvSpPr>
+        <p:spPr>
+          <a:xfrm>
+            <a:off x="55954" y="46985"/>
+            <a:ext cx="287258" cy="261610"/>
+          </a:xfrm>
+          <a:prstGeom prst="rect">
+            <a:avLst/>
+          </a:prstGeom>
+          <a:noFill/>
+        </p:spPr>
+        <p:txBody>
+          <a:bodyPr wrap="none" rtlCol="0">
+            <a:spAutoFit/>
+          </a:bodyPr>
+          <a:lstStyle/>
+          <a:p>
+            <a:r>
+              <a:rPr lang="en-US" sz="1100" b="1" dirty="0">
+                <a:latin typeface="Helvetica" pitchFamily="2" charset="0"/>
+              </a:rPr>
+              <a:t>A</a:t>
+            </a:r>
+          </a:p>
+        </p:txBody>
+      </p:sp>
+      <p:pic>
+        <p:nvPicPr>
+          <p:cNvPr id="25" name="Picture 24" descr="A red bar with black text&#10;&#10;Description automatically generated">
+            <a:extLst>
+              <a:ext uri="{FF2B5EF4-FFF2-40B4-BE49-F238E27FC236}">
+                <a16:creationId xmlns:a16="http://schemas.microsoft.com/office/drawing/2014/main" id="{C4247B4C-E38B-00AA-2D8A-EF4CC029CACF}"/>
+              </a:ext>
+            </a:extLst>
+          </p:cNvPr>
+          <p:cNvPicPr>
+            <a:picLocks noChangeAspect="1"/>
+          </p:cNvPicPr>
+          <p:nvPr/>
+        </p:nvPicPr>
+        <p:blipFill>
+          <a:blip r:embed="rId7"/>
+          <a:stretch>
+            <a:fillRect/>
+          </a:stretch>
+        </p:blipFill>
+        <p:spPr>
+          <a:xfrm>
+            <a:off x="1972763" y="6535829"/>
+            <a:ext cx="2070003" cy="529001"/>
+          </a:xfrm>
+          <a:prstGeom prst="rect">
+            <a:avLst/>
+          </a:prstGeom>
+        </p:spPr>
+      </p:pic>
     </p:spTree>
     <p:extLst>
       <p:ext uri="{BB962C8B-B14F-4D97-AF65-F5344CB8AC3E}">
         <p14:creationId xmlns:p14="http://schemas.microsoft.com/office/powerpoint/2010/main" val="2170444034"/>
+      </p:ext>
+    </p:extLst>
+  </p:cSld>
+  <p:clrMapOvr>
+    <a:masterClrMapping/>
+  </p:clrMapOvr>
+</p:sld>
+</file>
+
+<file path=ppt/slides/slide2.xml><?xml version="1.0" encoding="utf-8"?>
+<p:sld xmlns:a="http://schemas.openxmlformats.org/drawingml/2006/main" xmlns:r="http://schemas.openxmlformats.org/officeDocument/2006/relationships" xmlns:p="http://schemas.openxmlformats.org/presentationml/2006/main">
+  <p:cSld>
+    <p:spTree>
+      <p:nvGrpSpPr>
+        <p:cNvPr id="1" name="">
+          <a:extLst>
+            <a:ext uri="{FF2B5EF4-FFF2-40B4-BE49-F238E27FC236}">
+              <a16:creationId xmlns:a16="http://schemas.microsoft.com/office/drawing/2014/main" id="{EDDF5899-F7B7-63AD-D905-E067B06675B5}"/>
+            </a:ext>
+          </a:extLst>
+        </p:cNvPr>
+        <p:cNvGrpSpPr/>
+        <p:nvPr/>
+      </p:nvGrpSpPr>
+      <p:grpSpPr>
+        <a:xfrm>
+          <a:off x="0" y="0"/>
+          <a:ext cx="0" cy="0"/>
+          <a:chOff x="0" y="0"/>
+          <a:chExt cx="0" cy="0"/>
+        </a:xfrm>
+      </p:grpSpPr>
+      <p:sp>
+        <p:nvSpPr>
+          <p:cNvPr id="6" name="TextBox 5">
+            <a:extLst>
+              <a:ext uri="{FF2B5EF4-FFF2-40B4-BE49-F238E27FC236}">
+                <a16:creationId xmlns:a16="http://schemas.microsoft.com/office/drawing/2014/main" id="{E105992A-9594-857A-20D6-0B4C3E7EF4B3}"/>
+              </a:ext>
+            </a:extLst>
+          </p:cNvPr>
+          <p:cNvSpPr txBox="1"/>
+          <p:nvPr/>
+        </p:nvSpPr>
+        <p:spPr>
+          <a:xfrm>
+            <a:off x="55021" y="3802771"/>
+            <a:ext cx="287258" cy="261610"/>
+          </a:xfrm>
+          <a:prstGeom prst="rect">
+            <a:avLst/>
+          </a:prstGeom>
+          <a:noFill/>
+        </p:spPr>
+        <p:txBody>
+          <a:bodyPr wrap="none" rtlCol="0">
+            <a:spAutoFit/>
+          </a:bodyPr>
+          <a:lstStyle/>
+          <a:p>
+            <a:r>
+              <a:rPr lang="en-US" sz="1100" b="1" dirty="0">
+                <a:latin typeface="Helvetica" pitchFamily="2" charset="0"/>
+              </a:rPr>
+              <a:t>B</a:t>
+            </a:r>
+          </a:p>
+        </p:txBody>
+      </p:sp>
+      <p:sp>
+        <p:nvSpPr>
+          <p:cNvPr id="7" name="TextBox 6">
+            <a:extLst>
+              <a:ext uri="{FF2B5EF4-FFF2-40B4-BE49-F238E27FC236}">
+                <a16:creationId xmlns:a16="http://schemas.microsoft.com/office/drawing/2014/main" id="{0619FA69-1D87-32B0-3236-83C0A45FADA9}"/>
+              </a:ext>
+            </a:extLst>
+          </p:cNvPr>
+          <p:cNvSpPr txBox="1"/>
+          <p:nvPr/>
+        </p:nvSpPr>
+        <p:spPr>
+          <a:xfrm>
+            <a:off x="2298855" y="3799559"/>
+            <a:ext cx="287258" cy="261610"/>
+          </a:xfrm>
+          <a:prstGeom prst="rect">
+            <a:avLst/>
+          </a:prstGeom>
+          <a:noFill/>
+        </p:spPr>
+        <p:txBody>
+          <a:bodyPr wrap="none" rtlCol="0">
+            <a:spAutoFit/>
+          </a:bodyPr>
+          <a:lstStyle/>
+          <a:p>
+            <a:r>
+              <a:rPr lang="en-US" sz="1100" b="1" dirty="0">
+                <a:latin typeface="Helvetica" pitchFamily="2" charset="0"/>
+              </a:rPr>
+              <a:t>C</a:t>
+            </a:r>
+          </a:p>
+        </p:txBody>
+      </p:sp>
+      <p:sp>
+        <p:nvSpPr>
+          <p:cNvPr id="8" name="TextBox 7">
+            <a:extLst>
+              <a:ext uri="{FF2B5EF4-FFF2-40B4-BE49-F238E27FC236}">
+                <a16:creationId xmlns:a16="http://schemas.microsoft.com/office/drawing/2014/main" id="{6A3CDF51-9699-7B27-A036-531CB368C93D}"/>
+              </a:ext>
+            </a:extLst>
+          </p:cNvPr>
+          <p:cNvSpPr txBox="1"/>
+          <p:nvPr/>
+        </p:nvSpPr>
+        <p:spPr>
+          <a:xfrm>
+            <a:off x="4101492" y="3801767"/>
+            <a:ext cx="287258" cy="261610"/>
+          </a:xfrm>
+          <a:prstGeom prst="rect">
+            <a:avLst/>
+          </a:prstGeom>
+          <a:noFill/>
+        </p:spPr>
+        <p:txBody>
+          <a:bodyPr wrap="none" rtlCol="0">
+            <a:spAutoFit/>
+          </a:bodyPr>
+          <a:lstStyle/>
+          <a:p>
+            <a:r>
+              <a:rPr lang="en-US" sz="1100" b="1" dirty="0">
+                <a:latin typeface="Helvetica" pitchFamily="2" charset="0"/>
+              </a:rPr>
+              <a:t>D</a:t>
+            </a:r>
+          </a:p>
+        </p:txBody>
+      </p:sp>
+      <p:sp>
+        <p:nvSpPr>
+          <p:cNvPr id="9" name="TextBox 8">
+            <a:extLst>
+              <a:ext uri="{FF2B5EF4-FFF2-40B4-BE49-F238E27FC236}">
+                <a16:creationId xmlns:a16="http://schemas.microsoft.com/office/drawing/2014/main" id="{E43FAF43-AF7B-CA94-C0C7-4BFD95257E05}"/>
+              </a:ext>
+            </a:extLst>
+          </p:cNvPr>
+          <p:cNvSpPr txBox="1"/>
+          <p:nvPr/>
+        </p:nvSpPr>
+        <p:spPr>
+          <a:xfrm>
+            <a:off x="296192" y="3802771"/>
+            <a:ext cx="1960793" cy="246221"/>
+          </a:xfrm>
+          <a:prstGeom prst="rect">
+            <a:avLst/>
+          </a:prstGeom>
+          <a:noFill/>
+        </p:spPr>
+        <p:txBody>
+          <a:bodyPr wrap="none" rtlCol="0">
+            <a:spAutoFit/>
+          </a:bodyPr>
+          <a:lstStyle/>
+          <a:p>
+            <a:r>
+              <a:rPr lang="en-US" sz="1000" dirty="0">
+                <a:latin typeface="Helvetica" pitchFamily="2" charset="0"/>
+              </a:rPr>
+              <a:t>NW Oklahoma Complex (2018)</a:t>
+            </a:r>
+          </a:p>
+        </p:txBody>
+      </p:sp>
+      <p:sp>
+        <p:nvSpPr>
+          <p:cNvPr id="10" name="TextBox 9">
+            <a:extLst>
+              <a:ext uri="{FF2B5EF4-FFF2-40B4-BE49-F238E27FC236}">
+                <a16:creationId xmlns:a16="http://schemas.microsoft.com/office/drawing/2014/main" id="{992DDEBF-F998-7A40-96BC-F4DF1BB254DC}"/>
+              </a:ext>
+            </a:extLst>
+          </p:cNvPr>
+          <p:cNvSpPr txBox="1"/>
+          <p:nvPr/>
+        </p:nvSpPr>
+        <p:spPr>
+          <a:xfrm>
+            <a:off x="2523610" y="3799559"/>
+            <a:ext cx="1319592" cy="246221"/>
+          </a:xfrm>
+          <a:prstGeom prst="rect">
+            <a:avLst/>
+          </a:prstGeom>
+          <a:noFill/>
+        </p:spPr>
+        <p:txBody>
+          <a:bodyPr wrap="none" rtlCol="0">
+            <a:spAutoFit/>
+          </a:bodyPr>
+          <a:lstStyle/>
+          <a:p>
+            <a:r>
+              <a:rPr lang="en-US" sz="1000" dirty="0">
+                <a:latin typeface="Helvetica" pitchFamily="2" charset="0"/>
+              </a:rPr>
+              <a:t>Cold Springs (2020)</a:t>
+            </a:r>
+          </a:p>
+        </p:txBody>
+      </p:sp>
+      <p:sp>
+        <p:nvSpPr>
+          <p:cNvPr id="12" name="TextBox 11">
+            <a:extLst>
+              <a:ext uri="{FF2B5EF4-FFF2-40B4-BE49-F238E27FC236}">
+                <a16:creationId xmlns:a16="http://schemas.microsoft.com/office/drawing/2014/main" id="{2604F559-7474-B65B-7E1B-52BFC981D915}"/>
+              </a:ext>
+            </a:extLst>
+          </p:cNvPr>
+          <p:cNvSpPr txBox="1"/>
+          <p:nvPr/>
+        </p:nvSpPr>
+        <p:spPr>
+          <a:xfrm>
+            <a:off x="4344486" y="3799559"/>
+            <a:ext cx="1561646" cy="246221"/>
+          </a:xfrm>
+          <a:prstGeom prst="rect">
+            <a:avLst/>
+          </a:prstGeom>
+          <a:noFill/>
+        </p:spPr>
+        <p:txBody>
+          <a:bodyPr wrap="none" rtlCol="0">
+            <a:spAutoFit/>
+          </a:bodyPr>
+          <a:lstStyle/>
+          <a:p>
+            <a:r>
+              <a:rPr lang="en-US" sz="1000" dirty="0">
+                <a:latin typeface="Helvetica" pitchFamily="2" charset="0"/>
+              </a:rPr>
+              <a:t>Witch-</a:t>
+            </a:r>
+            <a:r>
+              <a:rPr lang="en-US" sz="1000" dirty="0" err="1">
+                <a:latin typeface="Helvetica" pitchFamily="2" charset="0"/>
+              </a:rPr>
+              <a:t>Poomacha</a:t>
+            </a:r>
+            <a:r>
+              <a:rPr lang="en-US" sz="1000" dirty="0">
+                <a:latin typeface="Helvetica" pitchFamily="2" charset="0"/>
+              </a:rPr>
+              <a:t> (2007)</a:t>
+            </a:r>
+          </a:p>
+        </p:txBody>
+      </p:sp>
+      <p:grpSp>
+        <p:nvGrpSpPr>
+          <p:cNvPr id="26" name="Group 25">
+            <a:extLst>
+              <a:ext uri="{FF2B5EF4-FFF2-40B4-BE49-F238E27FC236}">
+                <a16:creationId xmlns:a16="http://schemas.microsoft.com/office/drawing/2014/main" id="{7568B8E9-ED84-070F-6EA7-D8747D096466}"/>
+              </a:ext>
+            </a:extLst>
+          </p:cNvPr>
+          <p:cNvGrpSpPr/>
+          <p:nvPr/>
+        </p:nvGrpSpPr>
+        <p:grpSpPr>
+          <a:xfrm>
+            <a:off x="4210184" y="4083564"/>
+            <a:ext cx="867545" cy="350521"/>
+            <a:chOff x="275478" y="4101794"/>
+            <a:chExt cx="867545" cy="350521"/>
+          </a:xfrm>
+        </p:grpSpPr>
+        <p:cxnSp>
+          <p:nvCxnSpPr>
+            <p:cNvPr id="18" name="Straight Arrow Connector 17">
+              <a:extLst>
+                <a:ext uri="{FF2B5EF4-FFF2-40B4-BE49-F238E27FC236}">
+                  <a16:creationId xmlns:a16="http://schemas.microsoft.com/office/drawing/2014/main" id="{1AC24055-9ED6-E517-13AB-4778D0632E47}"/>
+                </a:ext>
+              </a:extLst>
+            </p:cNvPr>
+            <p:cNvCxnSpPr>
+              <a:cxnSpLocks/>
+            </p:cNvCxnSpPr>
+            <p:nvPr/>
+          </p:nvCxnSpPr>
+          <p:spPr>
+            <a:xfrm flipH="1">
+              <a:off x="378737" y="4344593"/>
+              <a:ext cx="158115" cy="80222"/>
+            </a:xfrm>
+            <a:prstGeom prst="straightConnector1">
+              <a:avLst/>
+            </a:prstGeom>
+            <a:ln w="12700">
+              <a:tailEnd type="triangle"/>
+            </a:ln>
+          </p:spPr>
+          <p:style>
+            <a:lnRef idx="1">
+              <a:schemeClr val="dk1"/>
+            </a:lnRef>
+            <a:fillRef idx="0">
+              <a:schemeClr val="dk1"/>
+            </a:fillRef>
+            <a:effectRef idx="0">
+              <a:schemeClr val="dk1"/>
+            </a:effectRef>
+            <a:fontRef idx="minor">
+              <a:schemeClr val="tx1"/>
+            </a:fontRef>
+          </p:style>
+        </p:cxnSp>
+        <p:sp>
+          <p:nvSpPr>
+            <p:cNvPr id="20" name="TextBox 19">
+              <a:extLst>
+                <a:ext uri="{FF2B5EF4-FFF2-40B4-BE49-F238E27FC236}">
+                  <a16:creationId xmlns:a16="http://schemas.microsoft.com/office/drawing/2014/main" id="{052EAE81-261A-867F-1B1C-B96E9B9D5F35}"/>
+                </a:ext>
+              </a:extLst>
+            </p:cNvPr>
+            <p:cNvSpPr txBox="1"/>
+            <p:nvPr/>
+          </p:nvSpPr>
+          <p:spPr>
+            <a:xfrm>
+              <a:off x="275478" y="4101794"/>
+              <a:ext cx="867545" cy="215444"/>
+            </a:xfrm>
+            <a:prstGeom prst="rect">
+              <a:avLst/>
+            </a:prstGeom>
+            <a:noFill/>
+          </p:spPr>
+          <p:txBody>
+            <a:bodyPr wrap="none" rtlCol="0">
+              <a:spAutoFit/>
+            </a:bodyPr>
+            <a:lstStyle/>
+            <a:p>
+              <a:r>
+                <a:rPr lang="en-US" sz="800" dirty="0">
+                  <a:latin typeface="Helvetica" pitchFamily="2" charset="0"/>
+                </a:rPr>
+                <a:t>San Diego, CA</a:t>
+              </a:r>
+            </a:p>
+          </p:txBody>
+        </p:sp>
+        <p:sp>
+          <p:nvSpPr>
+            <p:cNvPr id="21" name="TextBox 20">
+              <a:extLst>
+                <a:ext uri="{FF2B5EF4-FFF2-40B4-BE49-F238E27FC236}">
+                  <a16:creationId xmlns:a16="http://schemas.microsoft.com/office/drawing/2014/main" id="{F8CA6D1C-DF53-B4C1-D757-8678B0869B84}"/>
+                </a:ext>
+              </a:extLst>
+            </p:cNvPr>
+            <p:cNvSpPr txBox="1"/>
+            <p:nvPr/>
+          </p:nvSpPr>
+          <p:spPr>
+            <a:xfrm>
+              <a:off x="505487" y="4236871"/>
+              <a:ext cx="453970" cy="215444"/>
+            </a:xfrm>
+            <a:prstGeom prst="rect">
+              <a:avLst/>
+            </a:prstGeom>
+            <a:noFill/>
+          </p:spPr>
+          <p:txBody>
+            <a:bodyPr wrap="none" rtlCol="0">
+              <a:spAutoFit/>
+            </a:bodyPr>
+            <a:lstStyle/>
+            <a:p>
+              <a:r>
+                <a:rPr lang="en-US" sz="800" dirty="0">
+                  <a:latin typeface="Helvetica" pitchFamily="2" charset="0"/>
+                </a:rPr>
+                <a:t>50Km</a:t>
+              </a:r>
+            </a:p>
+          </p:txBody>
+        </p:sp>
+      </p:grpSp>
+      <p:grpSp>
+        <p:nvGrpSpPr>
+          <p:cNvPr id="33" name="Group 32">
+            <a:extLst>
+              <a:ext uri="{FF2B5EF4-FFF2-40B4-BE49-F238E27FC236}">
+                <a16:creationId xmlns:a16="http://schemas.microsoft.com/office/drawing/2014/main" id="{ACBF2611-56C6-A150-5B6E-05FC96543543}"/>
+              </a:ext>
+            </a:extLst>
+          </p:cNvPr>
+          <p:cNvGrpSpPr/>
+          <p:nvPr/>
+        </p:nvGrpSpPr>
+        <p:grpSpPr>
+          <a:xfrm>
+            <a:off x="135526" y="4079769"/>
+            <a:ext cx="883575" cy="355409"/>
+            <a:chOff x="213570" y="4244574"/>
+            <a:chExt cx="883575" cy="355409"/>
+          </a:xfrm>
+        </p:grpSpPr>
+        <p:cxnSp>
+          <p:nvCxnSpPr>
+            <p:cNvPr id="28" name="Straight Arrow Connector 27">
+              <a:extLst>
+                <a:ext uri="{FF2B5EF4-FFF2-40B4-BE49-F238E27FC236}">
+                  <a16:creationId xmlns:a16="http://schemas.microsoft.com/office/drawing/2014/main" id="{7C4B4E39-281A-D601-B5D0-E3A2810CB148}"/>
+                </a:ext>
+              </a:extLst>
+            </p:cNvPr>
+            <p:cNvCxnSpPr>
+              <a:cxnSpLocks/>
+            </p:cNvCxnSpPr>
+            <p:nvPr/>
+          </p:nvCxnSpPr>
+          <p:spPr>
+            <a:xfrm>
+              <a:off x="853001" y="4491168"/>
+              <a:ext cx="157429" cy="92302"/>
+            </a:xfrm>
+            <a:prstGeom prst="straightConnector1">
+              <a:avLst/>
+            </a:prstGeom>
+            <a:ln w="12700">
+              <a:tailEnd type="triangle"/>
+            </a:ln>
+          </p:spPr>
+          <p:style>
+            <a:lnRef idx="1">
+              <a:schemeClr val="dk1"/>
+            </a:lnRef>
+            <a:fillRef idx="0">
+              <a:schemeClr val="dk1"/>
+            </a:fillRef>
+            <a:effectRef idx="0">
+              <a:schemeClr val="dk1"/>
+            </a:effectRef>
+            <a:fontRef idx="minor">
+              <a:schemeClr val="tx1"/>
+            </a:fontRef>
+          </p:style>
+        </p:cxnSp>
+        <p:sp>
+          <p:nvSpPr>
+            <p:cNvPr id="29" name="TextBox 28">
+              <a:extLst>
+                <a:ext uri="{FF2B5EF4-FFF2-40B4-BE49-F238E27FC236}">
+                  <a16:creationId xmlns:a16="http://schemas.microsoft.com/office/drawing/2014/main" id="{ACFA236A-75B4-E433-F22D-6DB90A167DBE}"/>
+                </a:ext>
+              </a:extLst>
+            </p:cNvPr>
+            <p:cNvSpPr txBox="1"/>
+            <p:nvPr/>
+          </p:nvSpPr>
+          <p:spPr>
+            <a:xfrm>
+              <a:off x="213570" y="4244574"/>
+              <a:ext cx="883575" cy="215444"/>
+            </a:xfrm>
+            <a:prstGeom prst="rect">
+              <a:avLst/>
+            </a:prstGeom>
+            <a:noFill/>
+          </p:spPr>
+          <p:txBody>
+            <a:bodyPr wrap="none" rtlCol="0">
+              <a:spAutoFit/>
+            </a:bodyPr>
+            <a:lstStyle/>
+            <a:p>
+              <a:r>
+                <a:rPr lang="en-US" sz="800" dirty="0">
+                  <a:latin typeface="Helvetica" pitchFamily="2" charset="0"/>
+                </a:rPr>
+                <a:t>Woodward, OK</a:t>
+              </a:r>
+            </a:p>
+          </p:txBody>
+        </p:sp>
+        <p:sp>
+          <p:nvSpPr>
+            <p:cNvPr id="30" name="TextBox 29">
+              <a:extLst>
+                <a:ext uri="{FF2B5EF4-FFF2-40B4-BE49-F238E27FC236}">
+                  <a16:creationId xmlns:a16="http://schemas.microsoft.com/office/drawing/2014/main" id="{61999BEA-8E6D-7510-2FEE-A57783690317}"/>
+                </a:ext>
+              </a:extLst>
+            </p:cNvPr>
+            <p:cNvSpPr txBox="1"/>
+            <p:nvPr/>
+          </p:nvSpPr>
+          <p:spPr>
+            <a:xfrm>
+              <a:off x="413931" y="4384539"/>
+              <a:ext cx="453970" cy="215444"/>
+            </a:xfrm>
+            <a:prstGeom prst="rect">
+              <a:avLst/>
+            </a:prstGeom>
+            <a:noFill/>
+          </p:spPr>
+          <p:txBody>
+            <a:bodyPr wrap="none" rtlCol="0">
+              <a:spAutoFit/>
+            </a:bodyPr>
+            <a:lstStyle/>
+            <a:p>
+              <a:r>
+                <a:rPr lang="en-US" sz="800" dirty="0">
+                  <a:latin typeface="Helvetica" pitchFamily="2" charset="0"/>
+                </a:rPr>
+                <a:t>40Km</a:t>
+              </a:r>
+            </a:p>
+          </p:txBody>
+        </p:sp>
+      </p:grpSp>
+      <p:cxnSp>
+        <p:nvCxnSpPr>
+          <p:cNvPr id="35" name="Straight Arrow Connector 34">
+            <a:extLst>
+              <a:ext uri="{FF2B5EF4-FFF2-40B4-BE49-F238E27FC236}">
+                <a16:creationId xmlns:a16="http://schemas.microsoft.com/office/drawing/2014/main" id="{529D1DC0-FBC2-C2BC-29A4-5324BDE28316}"/>
+              </a:ext>
+            </a:extLst>
+          </p:cNvPr>
+          <p:cNvCxnSpPr>
+            <a:cxnSpLocks/>
+          </p:cNvCxnSpPr>
+          <p:nvPr/>
+        </p:nvCxnSpPr>
+        <p:spPr>
+          <a:xfrm flipH="1">
+            <a:off x="2569400" y="4321810"/>
+            <a:ext cx="91250" cy="131540"/>
+          </a:xfrm>
+          <a:prstGeom prst="straightConnector1">
+            <a:avLst/>
+          </a:prstGeom>
+          <a:ln w="12700">
+            <a:tailEnd type="triangle"/>
+          </a:ln>
+        </p:spPr>
+        <p:style>
+          <a:lnRef idx="1">
+            <a:schemeClr val="dk1"/>
+          </a:lnRef>
+          <a:fillRef idx="0">
+            <a:schemeClr val="dk1"/>
+          </a:fillRef>
+          <a:effectRef idx="0">
+            <a:schemeClr val="dk1"/>
+          </a:effectRef>
+          <a:fontRef idx="minor">
+            <a:schemeClr val="tx1"/>
+          </a:fontRef>
+        </p:style>
+      </p:cxnSp>
+      <p:sp>
+        <p:nvSpPr>
+          <p:cNvPr id="36" name="TextBox 35">
+            <a:extLst>
+              <a:ext uri="{FF2B5EF4-FFF2-40B4-BE49-F238E27FC236}">
+                <a16:creationId xmlns:a16="http://schemas.microsoft.com/office/drawing/2014/main" id="{D74138CF-EF95-3CEB-3822-4C4BD76A3764}"/>
+              </a:ext>
+            </a:extLst>
+          </p:cNvPr>
+          <p:cNvSpPr txBox="1"/>
+          <p:nvPr/>
+        </p:nvSpPr>
+        <p:spPr>
+          <a:xfrm>
+            <a:off x="2383187" y="4080229"/>
+            <a:ext cx="930063" cy="215444"/>
+          </a:xfrm>
+          <a:prstGeom prst="rect">
+            <a:avLst/>
+          </a:prstGeom>
+          <a:noFill/>
+        </p:spPr>
+        <p:txBody>
+          <a:bodyPr wrap="none" rtlCol="0">
+            <a:spAutoFit/>
+          </a:bodyPr>
+          <a:lstStyle/>
+          <a:p>
+            <a:r>
+              <a:rPr lang="en-US" sz="800" dirty="0">
+                <a:latin typeface="Helvetica" pitchFamily="2" charset="0"/>
+              </a:rPr>
+              <a:t>Wenatchee, WA</a:t>
+            </a:r>
+          </a:p>
+        </p:txBody>
+      </p:sp>
+      <p:sp>
+        <p:nvSpPr>
+          <p:cNvPr id="37" name="TextBox 36">
+            <a:extLst>
+              <a:ext uri="{FF2B5EF4-FFF2-40B4-BE49-F238E27FC236}">
+                <a16:creationId xmlns:a16="http://schemas.microsoft.com/office/drawing/2014/main" id="{0498B8DF-DEF6-E1A5-63D6-718F6609B52C}"/>
+              </a:ext>
+            </a:extLst>
+          </p:cNvPr>
+          <p:cNvSpPr txBox="1"/>
+          <p:nvPr/>
+        </p:nvSpPr>
+        <p:spPr>
+          <a:xfrm>
+            <a:off x="2625236" y="4214088"/>
+            <a:ext cx="511679" cy="215444"/>
+          </a:xfrm>
+          <a:prstGeom prst="rect">
+            <a:avLst/>
+          </a:prstGeom>
+          <a:noFill/>
+        </p:spPr>
+        <p:txBody>
+          <a:bodyPr wrap="none" rtlCol="0">
+            <a:spAutoFit/>
+          </a:bodyPr>
+          <a:lstStyle/>
+          <a:p>
+            <a:r>
+              <a:rPr lang="en-US" sz="800" dirty="0">
+                <a:latin typeface="Helvetica" pitchFamily="2" charset="0"/>
+              </a:rPr>
+              <a:t>100Km</a:t>
+            </a:r>
+          </a:p>
+        </p:txBody>
+      </p:sp>
+      <p:sp>
+        <p:nvSpPr>
+          <p:cNvPr id="3" name="TextBox 2">
+            <a:extLst>
+              <a:ext uri="{FF2B5EF4-FFF2-40B4-BE49-F238E27FC236}">
+                <a16:creationId xmlns:a16="http://schemas.microsoft.com/office/drawing/2014/main" id="{82277E60-AEFC-B979-3762-F570DB7E6768}"/>
+              </a:ext>
+            </a:extLst>
+          </p:cNvPr>
+          <p:cNvSpPr txBox="1"/>
+          <p:nvPr/>
+        </p:nvSpPr>
+        <p:spPr>
+          <a:xfrm>
+            <a:off x="55954" y="46985"/>
+            <a:ext cx="287258" cy="261610"/>
+          </a:xfrm>
+          <a:prstGeom prst="rect">
+            <a:avLst/>
+          </a:prstGeom>
+          <a:noFill/>
+        </p:spPr>
+        <p:txBody>
+          <a:bodyPr wrap="none" rtlCol="0">
+            <a:spAutoFit/>
+          </a:bodyPr>
+          <a:lstStyle/>
+          <a:p>
+            <a:r>
+              <a:rPr lang="en-US" sz="1100" b="1" dirty="0">
+                <a:latin typeface="Helvetica" pitchFamily="2" charset="0"/>
+              </a:rPr>
+              <a:t>A</a:t>
+            </a:r>
+          </a:p>
+        </p:txBody>
+      </p:sp>
+      <p:pic>
+        <p:nvPicPr>
+          <p:cNvPr id="60" name="Picture 59" descr="A black background with a black square&#10;&#10;Description automatically generated with medium confidence">
+            <a:extLst>
+              <a:ext uri="{FF2B5EF4-FFF2-40B4-BE49-F238E27FC236}">
+                <a16:creationId xmlns:a16="http://schemas.microsoft.com/office/drawing/2014/main" id="{1F24A10F-6AB4-2648-3560-EBF77D873B70}"/>
+              </a:ext>
+            </a:extLst>
+          </p:cNvPr>
+          <p:cNvPicPr>
+            <a:picLocks noChangeAspect="1"/>
+          </p:cNvPicPr>
+          <p:nvPr/>
+        </p:nvPicPr>
+        <p:blipFill>
+          <a:blip r:embed="rId2"/>
+          <a:stretch>
+            <a:fillRect/>
+          </a:stretch>
+        </p:blipFill>
+        <p:spPr>
+          <a:xfrm>
+            <a:off x="4170914" y="6574589"/>
+            <a:ext cx="1599922" cy="445880"/>
+          </a:xfrm>
+          <a:prstGeom prst="rect">
+            <a:avLst/>
+          </a:prstGeom>
+        </p:spPr>
+      </p:pic>
+      <p:pic>
+        <p:nvPicPr>
+          <p:cNvPr id="62" name="Picture 61" descr="A red bar with black text&#10;&#10;Description automatically generated">
+            <a:extLst>
+              <a:ext uri="{FF2B5EF4-FFF2-40B4-BE49-F238E27FC236}">
+                <a16:creationId xmlns:a16="http://schemas.microsoft.com/office/drawing/2014/main" id="{D5AB2A65-370C-1B54-5920-CEF9B3263C04}"/>
+              </a:ext>
+            </a:extLst>
+          </p:cNvPr>
+          <p:cNvPicPr>
+            <a:picLocks noChangeAspect="1"/>
+          </p:cNvPicPr>
+          <p:nvPr/>
+        </p:nvPicPr>
+        <p:blipFill>
+          <a:blip r:embed="rId3"/>
+          <a:stretch>
+            <a:fillRect/>
+          </a:stretch>
+        </p:blipFill>
+        <p:spPr>
+          <a:xfrm>
+            <a:off x="2033145" y="6521099"/>
+            <a:ext cx="1904943" cy="486819"/>
+          </a:xfrm>
+          <a:prstGeom prst="rect">
+            <a:avLst/>
+          </a:prstGeom>
+        </p:spPr>
+      </p:pic>
+      <p:pic>
+        <p:nvPicPr>
+          <p:cNvPr id="66" name="Picture 65" descr="A map of the united states&#10;&#10;Description automatically generated">
+            <a:extLst>
+              <a:ext uri="{FF2B5EF4-FFF2-40B4-BE49-F238E27FC236}">
+                <a16:creationId xmlns:a16="http://schemas.microsoft.com/office/drawing/2014/main" id="{DDF2C7B2-3632-6AA6-3AEB-5BED9D64C6D8}"/>
+              </a:ext>
+            </a:extLst>
+          </p:cNvPr>
+          <p:cNvPicPr>
+            <a:picLocks noChangeAspect="1"/>
+          </p:cNvPicPr>
+          <p:nvPr/>
+        </p:nvPicPr>
+        <p:blipFill>
+          <a:blip r:embed="rId4"/>
+          <a:stretch>
+            <a:fillRect/>
+          </a:stretch>
+        </p:blipFill>
+        <p:spPr>
+          <a:xfrm>
+            <a:off x="273922" y="6315797"/>
+            <a:ext cx="1490358" cy="963464"/>
+          </a:xfrm>
+          <a:prstGeom prst="rect">
+            <a:avLst/>
+          </a:prstGeom>
+        </p:spPr>
+      </p:pic>
+      <p:pic>
+        <p:nvPicPr>
+          <p:cNvPr id="69" name="Picture 68" descr="A map of the united states with different colored dots&#10;&#10;Description automatically generated">
+            <a:extLst>
+              <a:ext uri="{FF2B5EF4-FFF2-40B4-BE49-F238E27FC236}">
+                <a16:creationId xmlns:a16="http://schemas.microsoft.com/office/drawing/2014/main" id="{561D21B8-E931-F5E9-0BCF-18F6CEA4500D}"/>
+              </a:ext>
+            </a:extLst>
+          </p:cNvPr>
+          <p:cNvPicPr>
+            <a:picLocks noChangeAspect="1"/>
+          </p:cNvPicPr>
+          <p:nvPr/>
+        </p:nvPicPr>
+        <p:blipFill>
+          <a:blip r:embed="rId5"/>
+          <a:stretch>
+            <a:fillRect/>
+          </a:stretch>
+        </p:blipFill>
+        <p:spPr>
+          <a:xfrm>
+            <a:off x="-11349" y="69567"/>
+            <a:ext cx="5943600" cy="3675050"/>
+          </a:xfrm>
+          <a:prstGeom prst="rect">
+            <a:avLst/>
+          </a:prstGeom>
+        </p:spPr>
+      </p:pic>
+      <p:pic>
+        <p:nvPicPr>
+          <p:cNvPr id="11" name="Picture 10" descr="A red map of a person&#10;&#10;Description automatically generated">
+            <a:extLst>
+              <a:ext uri="{FF2B5EF4-FFF2-40B4-BE49-F238E27FC236}">
+                <a16:creationId xmlns:a16="http://schemas.microsoft.com/office/drawing/2014/main" id="{1F2EE52C-8BD5-7D83-3C8F-2F714F5DAFA8}"/>
+              </a:ext>
+            </a:extLst>
+          </p:cNvPr>
+          <p:cNvPicPr>
+            <a:picLocks noChangeAspect="1"/>
+          </p:cNvPicPr>
+          <p:nvPr/>
+        </p:nvPicPr>
+        <p:blipFill>
+          <a:blip r:embed="rId6"/>
+          <a:stretch>
+            <a:fillRect/>
+          </a:stretch>
+        </p:blipFill>
+        <p:spPr>
+          <a:xfrm>
+            <a:off x="192805" y="4155664"/>
+            <a:ext cx="1902364" cy="1997482"/>
+          </a:xfrm>
+          <a:prstGeom prst="rect">
+            <a:avLst/>
+          </a:prstGeom>
+        </p:spPr>
+      </p:pic>
+      <p:pic>
+        <p:nvPicPr>
+          <p:cNvPr id="14" name="Picture 13" descr="A map of the united states&#10;&#10;Description automatically generated">
+            <a:extLst>
+              <a:ext uri="{FF2B5EF4-FFF2-40B4-BE49-F238E27FC236}">
+                <a16:creationId xmlns:a16="http://schemas.microsoft.com/office/drawing/2014/main" id="{F716A063-83E8-24A3-DAF2-786DEFDC7BB2}"/>
+              </a:ext>
+            </a:extLst>
+          </p:cNvPr>
+          <p:cNvPicPr>
+            <a:picLocks noChangeAspect="1"/>
+          </p:cNvPicPr>
+          <p:nvPr/>
+        </p:nvPicPr>
+        <p:blipFill>
+          <a:blip r:embed="rId7"/>
+          <a:stretch>
+            <a:fillRect/>
+          </a:stretch>
+        </p:blipFill>
+        <p:spPr>
+          <a:xfrm>
+            <a:off x="2360339" y="4155664"/>
+            <a:ext cx="1646133" cy="1997482"/>
+          </a:xfrm>
+          <a:prstGeom prst="rect">
+            <a:avLst/>
+          </a:prstGeom>
+        </p:spPr>
+      </p:pic>
+      <p:pic>
+        <p:nvPicPr>
+          <p:cNvPr id="16" name="Picture 15" descr="A map of the country&#10;&#10;Description automatically generated">
+            <a:extLst>
+              <a:ext uri="{FF2B5EF4-FFF2-40B4-BE49-F238E27FC236}">
+                <a16:creationId xmlns:a16="http://schemas.microsoft.com/office/drawing/2014/main" id="{CCCF7773-85BD-C122-0F21-9F8858446F37}"/>
+              </a:ext>
+            </a:extLst>
+          </p:cNvPr>
+          <p:cNvPicPr>
+            <a:picLocks noChangeAspect="1"/>
+          </p:cNvPicPr>
+          <p:nvPr/>
+        </p:nvPicPr>
+        <p:blipFill>
+          <a:blip r:embed="rId8"/>
+          <a:stretch>
+            <a:fillRect/>
+          </a:stretch>
+        </p:blipFill>
+        <p:spPr>
+          <a:xfrm>
+            <a:off x="4210184" y="4279990"/>
+            <a:ext cx="1597890" cy="1873156"/>
+          </a:xfrm>
+          <a:prstGeom prst="rect">
+            <a:avLst/>
+          </a:prstGeom>
+        </p:spPr>
+      </p:pic>
+    </p:spTree>
+    <p:extLst>
+      <p:ext uri="{BB962C8B-B14F-4D97-AF65-F5344CB8AC3E}">
+        <p14:creationId xmlns:p14="http://schemas.microsoft.com/office/powerpoint/2010/main" val="499581293"/>
       </p:ext>
     </p:extLst>
   </p:cSld>
